--- a/Workshop/6. HPC/HPC and Azure Container Service.pptx
+++ b/Workshop/6. HPC/HPC and Azure Container Service.pptx
@@ -213,7 +213,7 @@
           <a:p>
             <a:fld id="{49B60EF2-7028-489F-85D8-FE86CD7CF2A0}" type="datetimeFigureOut">
               <a:rPr lang="en-US" smtClean="0"/>
-              <a:t>6/23/2016</a:t>
+              <a:t>7/1/2016</a:t>
             </a:fld>
             <a:endParaRPr lang="en-US"/>
           </a:p>
@@ -1563,7 +1563,7 @@
           <a:p>
             <a:fld id="{0459C166-16D3-4A25-A2F8-C51E0E346B22}" type="datetimeFigureOut">
               <a:rPr lang="en-US" smtClean="0"/>
-              <a:t>6/23/2016</a:t>
+              <a:t>7/1/2016</a:t>
             </a:fld>
             <a:endParaRPr lang="en-US"/>
           </a:p>
@@ -1658,7 +1658,7 @@
           <a:p>
             <a:fld id="{0459C166-16D3-4A25-A2F8-C51E0E346B22}" type="datetimeFigureOut">
               <a:rPr lang="en-US" smtClean="0"/>
-              <a:t>6/23/2016</a:t>
+              <a:t>7/1/2016</a:t>
             </a:fld>
             <a:endParaRPr lang="en-US"/>
           </a:p>
@@ -1933,7 +1933,7 @@
           <a:p>
             <a:fld id="{0459C166-16D3-4A25-A2F8-C51E0E346B22}" type="datetimeFigureOut">
               <a:rPr lang="en-US" smtClean="0"/>
-              <a:t>6/23/2016</a:t>
+              <a:t>7/1/2016</a:t>
             </a:fld>
             <a:endParaRPr lang="en-US"/>
           </a:p>
@@ -2185,7 +2185,7 @@
           <a:p>
             <a:fld id="{0459C166-16D3-4A25-A2F8-C51E0E346B22}" type="datetimeFigureOut">
               <a:rPr lang="en-US" smtClean="0"/>
-              <a:t>6/23/2016</a:t>
+              <a:t>7/1/2016</a:t>
             </a:fld>
             <a:endParaRPr lang="en-US"/>
           </a:p>
@@ -2353,7 +2353,7 @@
           <a:p>
             <a:fld id="{0459C166-16D3-4A25-A2F8-C51E0E346B22}" type="datetimeFigureOut">
               <a:rPr lang="en-US" smtClean="0"/>
-              <a:t>6/23/2016</a:t>
+              <a:t>7/1/2016</a:t>
             </a:fld>
             <a:endParaRPr lang="en-US"/>
           </a:p>
@@ -2531,7 +2531,7 @@
           <a:p>
             <a:fld id="{0459C166-16D3-4A25-A2F8-C51E0E346B22}" type="datetimeFigureOut">
               <a:rPr lang="en-US" smtClean="0"/>
-              <a:t>6/23/2016</a:t>
+              <a:t>7/1/2016</a:t>
             </a:fld>
             <a:endParaRPr lang="en-US"/>
           </a:p>
@@ -4458,7 +4458,7 @@
           <a:p>
             <a:fld id="{0459C166-16D3-4A25-A2F8-C51E0E346B22}" type="datetimeFigureOut">
               <a:rPr lang="en-US" smtClean="0"/>
-              <a:t>6/23/2016</a:t>
+              <a:t>7/1/2016</a:t>
             </a:fld>
             <a:endParaRPr lang="en-US"/>
           </a:p>
@@ -10085,7 +10085,7 @@
             <a:fld id="{0459C166-16D3-4A25-A2F8-C51E0E346B22}" type="datetimeFigureOut">
               <a:rPr lang="en-US" smtClean="0"/>
               <a:pPr/>
-              <a:t>6/23/2016</a:t>
+              <a:t>7/1/2016</a:t>
             </a:fld>
             <a:endParaRPr lang="en-US"/>
           </a:p>
@@ -14147,7 +14147,7 @@
           <a:p>
             <a:fld id="{0459C166-16D3-4A25-A2F8-C51E0E346B22}" type="datetimeFigureOut">
               <a:rPr lang="en-US" smtClean="0"/>
-              <a:t>6/23/2016</a:t>
+              <a:t>7/1/2016</a:t>
             </a:fld>
             <a:endParaRPr lang="en-US"/>
           </a:p>
@@ -14511,7 +14511,7 @@
           <a:p>
             <a:fld id="{0459C166-16D3-4A25-A2F8-C51E0E346B22}" type="datetimeFigureOut">
               <a:rPr lang="en-US" smtClean="0"/>
-              <a:t>6/23/2016</a:t>
+              <a:t>7/1/2016</a:t>
             </a:fld>
             <a:endParaRPr lang="en-US"/>
           </a:p>
@@ -14628,7 +14628,7 @@
           <a:p>
             <a:fld id="{0459C166-16D3-4A25-A2F8-C51E0E346B22}" type="datetimeFigureOut">
               <a:rPr lang="en-US" smtClean="0"/>
-              <a:t>6/23/2016</a:t>
+              <a:t>7/1/2016</a:t>
             </a:fld>
             <a:endParaRPr lang="en-US"/>
           </a:p>
@@ -14839,7 +14839,7 @@
           <a:p>
             <a:fld id="{0459C166-16D3-4A25-A2F8-C51E0E346B22}" type="datetimeFigureOut">
               <a:rPr lang="en-US" smtClean="0"/>
-              <a:t>6/23/2016</a:t>
+              <a:t>7/1/2016</a:t>
             </a:fld>
             <a:endParaRPr lang="en-US"/>
           </a:p>
@@ -16621,17 +16621,21 @@
           <a:p>
             <a:r>
               <a:rPr lang="en-US" dirty="0" smtClean="0"/>
-              <a:t>SLURM Linux Cluster </a:t>
+              <a:t>SLURM Linux Cluster HOL.html</a:t>
+            </a:r>
+          </a:p>
+          <a:p>
+            <a:r>
+              <a:rPr lang="en-US" dirty="0" smtClean="0"/>
+              <a:t>SLURM </a:t>
+            </a:r>
+            <a:r>
+              <a:rPr lang="en-US" dirty="0" smtClean="0"/>
+              <a:t>Docker Swarm </a:t>
             </a:r>
             <a:r>
               <a:rPr lang="en-US" dirty="0" smtClean="0"/>
               <a:t>HOL.html</a:t>
-            </a:r>
-          </a:p>
-          <a:p>
-            <a:r>
-              <a:rPr lang="en-US" dirty="0" smtClean="0"/>
-              <a:t>SLURM Linux Swarm HOL.html</a:t>
             </a:r>
             <a:endParaRPr lang="en-US" dirty="0"/>
           </a:p>

--- a/Workshop/6. HPC/HPC and Azure Container Service.pptx
+++ b/Workshop/6. HPC/HPC and Azure Container Service.pptx
@@ -6,7 +6,7 @@
     <p:sldMasterId id="2147483663" r:id="rId2"/>
   </p:sldMasterIdLst>
   <p:notesMasterIdLst>
-    <p:notesMasterId r:id="rId19"/>
+    <p:notesMasterId r:id="rId17"/>
   </p:notesMasterIdLst>
   <p:sldIdLst>
     <p:sldId id="256" r:id="rId3"/>
@@ -19,12 +19,10 @@
     <p:sldId id="307" r:id="rId10"/>
     <p:sldId id="308" r:id="rId11"/>
     <p:sldId id="309" r:id="rId12"/>
-    <p:sldId id="310" r:id="rId13"/>
-    <p:sldId id="311" r:id="rId14"/>
-    <p:sldId id="312" r:id="rId15"/>
-    <p:sldId id="313" r:id="rId16"/>
-    <p:sldId id="295" r:id="rId17"/>
-    <p:sldId id="299" r:id="rId18"/>
+    <p:sldId id="311" r:id="rId13"/>
+    <p:sldId id="313" r:id="rId14"/>
+    <p:sldId id="295" r:id="rId15"/>
+    <p:sldId id="299" r:id="rId16"/>
   </p:sldIdLst>
   <p:sldSz cx="12192000" cy="6858000"/>
   <p:notesSz cx="6858000" cy="9144000"/>
@@ -213,7 +211,7 @@
           <a:p>
             <a:fld id="{49B60EF2-7028-489F-85D8-FE86CD7CF2A0}" type="datetimeFigureOut">
               <a:rPr lang="en-US" smtClean="0"/>
-              <a:t>7/1/2016</a:t>
+              <a:t>7/18/2016</a:t>
             </a:fld>
             <a:endParaRPr lang="en-US"/>
           </a:p>
@@ -564,6 +562,294 @@
 </p:notes>
 </file>
 
+<file path=ppt/notesSlides/notesSlide10.xml><?xml version="1.0" encoding="utf-8"?>
+<p:notes xmlns:a="http://schemas.openxmlformats.org/drawingml/2006/main" xmlns:r="http://schemas.openxmlformats.org/officeDocument/2006/relationships" xmlns:p="http://schemas.openxmlformats.org/presentationml/2006/main">
+  <p:cSld>
+    <p:spTree>
+      <p:nvGrpSpPr>
+        <p:cNvPr id="1" name=""/>
+        <p:cNvGrpSpPr/>
+        <p:nvPr/>
+      </p:nvGrpSpPr>
+      <p:grpSpPr>
+        <a:xfrm>
+          <a:off x="0" y="0"/>
+          <a:ext cx="0" cy="0"/>
+          <a:chOff x="0" y="0"/>
+          <a:chExt cx="0" cy="0"/>
+        </a:xfrm>
+      </p:grpSpPr>
+      <p:sp>
+        <p:nvSpPr>
+          <p:cNvPr id="2" name="Slide Image Placeholder 1"/>
+          <p:cNvSpPr>
+            <a:spLocks noGrp="1" noRot="1" noChangeAspect="1"/>
+          </p:cNvSpPr>
+          <p:nvPr>
+            <p:ph type="sldImg"/>
+          </p:nvPr>
+        </p:nvSpPr>
+        <p:spPr/>
+      </p:sp>
+      <p:sp>
+        <p:nvSpPr>
+          <p:cNvPr id="3" name="Notes Placeholder 2"/>
+          <p:cNvSpPr>
+            <a:spLocks noGrp="1"/>
+          </p:cNvSpPr>
+          <p:nvPr>
+            <p:ph type="body" idx="1"/>
+          </p:nvPr>
+        </p:nvSpPr>
+        <p:spPr/>
+        <p:txBody>
+          <a:bodyPr/>
+          <a:lstStyle/>
+          <a:p>
+            <a:r>
+              <a:rPr lang="en-US" dirty="0" smtClean="0"/>
+              <a:t>From the documentation: "Azure Container Service makes it simpler for you to create, configure, and manage a cluster of virtual machines that are preconfigured to run containerized applications. It uses an optimized configuration of popular open-source scheduling and orchestration tools. This enables you to use your existing skills, or draw upon a large and growing body of community expertise, to deploy and manage container-based applications on Microsoft Azure." ACS supports Linux containers and Windows containers. The latter rely</a:t>
+            </a:r>
+            <a:r>
+              <a:rPr lang="en-US" baseline="0" dirty="0" smtClean="0"/>
+              <a:t> on </a:t>
+            </a:r>
+            <a:r>
+              <a:rPr lang="en-US" dirty="0" smtClean="0"/>
+              <a:t>Windows Server 2016.</a:t>
+            </a:r>
+            <a:endParaRPr lang="en-US" dirty="0"/>
+          </a:p>
+        </p:txBody>
+      </p:sp>
+      <p:sp>
+        <p:nvSpPr>
+          <p:cNvPr id="4" name="Slide Number Placeholder 3"/>
+          <p:cNvSpPr>
+            <a:spLocks noGrp="1"/>
+          </p:cNvSpPr>
+          <p:nvPr>
+            <p:ph type="sldNum" sz="quarter" idx="10"/>
+          </p:nvPr>
+        </p:nvSpPr>
+        <p:spPr/>
+        <p:txBody>
+          <a:bodyPr/>
+          <a:lstStyle/>
+          <a:p>
+            <a:fld id="{01283FAC-A721-45A3-BBDE-EAF2B09B7CD9}" type="slidenum">
+              <a:rPr lang="en-US" smtClean="0"/>
+              <a:t>10</a:t>
+            </a:fld>
+            <a:endParaRPr lang="en-US"/>
+          </a:p>
+        </p:txBody>
+      </p:sp>
+    </p:spTree>
+    <p:extLst>
+      <p:ext uri="{BB962C8B-B14F-4D97-AF65-F5344CB8AC3E}">
+        <p14:creationId xmlns:p14="http://schemas.microsoft.com/office/powerpoint/2010/main" val="36852900"/>
+      </p:ext>
+    </p:extLst>
+  </p:cSld>
+  <p:clrMapOvr>
+    <a:masterClrMapping/>
+  </p:clrMapOvr>
+</p:notes>
+</file>
+
+<file path=ppt/notesSlides/notesSlide11.xml><?xml version="1.0" encoding="utf-8"?>
+<p:notes xmlns:a="http://schemas.openxmlformats.org/drawingml/2006/main" xmlns:r="http://schemas.openxmlformats.org/officeDocument/2006/relationships" xmlns:p="http://schemas.openxmlformats.org/presentationml/2006/main">
+  <p:cSld>
+    <p:spTree>
+      <p:nvGrpSpPr>
+        <p:cNvPr id="1" name=""/>
+        <p:cNvGrpSpPr/>
+        <p:nvPr/>
+      </p:nvGrpSpPr>
+      <p:grpSpPr>
+        <a:xfrm>
+          <a:off x="0" y="0"/>
+          <a:ext cx="0" cy="0"/>
+          <a:chOff x="0" y="0"/>
+          <a:chExt cx="0" cy="0"/>
+        </a:xfrm>
+      </p:grpSpPr>
+      <p:sp>
+        <p:nvSpPr>
+          <p:cNvPr id="2" name="Slide Image Placeholder 1"/>
+          <p:cNvSpPr>
+            <a:spLocks noGrp="1" noRot="1" noChangeAspect="1"/>
+          </p:cNvSpPr>
+          <p:nvPr>
+            <p:ph type="sldImg"/>
+          </p:nvPr>
+        </p:nvSpPr>
+        <p:spPr/>
+      </p:sp>
+      <p:sp>
+        <p:nvSpPr>
+          <p:cNvPr id="3" name="Notes Placeholder 2"/>
+          <p:cNvSpPr>
+            <a:spLocks noGrp="1"/>
+          </p:cNvSpPr>
+          <p:nvPr>
+            <p:ph type="body" idx="1"/>
+          </p:nvPr>
+        </p:nvSpPr>
+        <p:spPr/>
+        <p:txBody>
+          <a:bodyPr/>
+          <a:lstStyle/>
+          <a:p>
+            <a:r>
+              <a:rPr lang="en-US" dirty="0" smtClean="0"/>
+              <a:t>Here's what happens in Azure</a:t>
+            </a:r>
+            <a:r>
+              <a:rPr lang="en-US" baseline="0" dirty="0" smtClean="0"/>
+              <a:t> when you create an Azure Container Service with Docker Swarm as the orchestrator. Azure creates one or more master VMs to control the "swarm" of containers, as well as a Virtual Machine Scale Set, which provides the "agent" VMs in which containers run. All these VMs communicate over a private virtual network. To communicate with Docker Swarm in a master VM from a Docker client running on a local machine, you establish an SSH tunnel that forwards the local port 22375 to port 2375 in the VM (via SSH port 2200). This allows you to execute local commands that load container images and run containers in the cloud. Docker Swarm manages the container instances in the agent VMs as well as the agent VMs themselves. You don't have to know this to use Azure Container Service, but it does help explain various port forwarding commands that you employ when running the Docker client on a local machine connected to Azure.</a:t>
+            </a:r>
+            <a:endParaRPr lang="en-US" dirty="0"/>
+          </a:p>
+        </p:txBody>
+      </p:sp>
+      <p:sp>
+        <p:nvSpPr>
+          <p:cNvPr id="4" name="Slide Number Placeholder 3"/>
+          <p:cNvSpPr>
+            <a:spLocks noGrp="1"/>
+          </p:cNvSpPr>
+          <p:nvPr>
+            <p:ph type="sldNum" sz="quarter" idx="10"/>
+          </p:nvPr>
+        </p:nvSpPr>
+        <p:spPr/>
+        <p:txBody>
+          <a:bodyPr/>
+          <a:lstStyle/>
+          <a:p>
+            <a:fld id="{01283FAC-A721-45A3-BBDE-EAF2B09B7CD9}" type="slidenum">
+              <a:rPr lang="en-US" smtClean="0"/>
+              <a:t>11</a:t>
+            </a:fld>
+            <a:endParaRPr lang="en-US"/>
+          </a:p>
+        </p:txBody>
+      </p:sp>
+    </p:spTree>
+    <p:extLst>
+      <p:ext uri="{BB962C8B-B14F-4D97-AF65-F5344CB8AC3E}">
+        <p14:creationId xmlns:p14="http://schemas.microsoft.com/office/powerpoint/2010/main" val="2302495390"/>
+      </p:ext>
+    </p:extLst>
+  </p:cSld>
+  <p:clrMapOvr>
+    <a:masterClrMapping/>
+  </p:clrMapOvr>
+</p:notes>
+</file>
+
+<file path=ppt/notesSlides/notesSlide12.xml><?xml version="1.0" encoding="utf-8"?>
+<p:notes xmlns:a="http://schemas.openxmlformats.org/drawingml/2006/main" xmlns:r="http://schemas.openxmlformats.org/officeDocument/2006/relationships" xmlns:p="http://schemas.openxmlformats.org/presentationml/2006/main">
+  <p:cSld>
+    <p:spTree>
+      <p:nvGrpSpPr>
+        <p:cNvPr id="1" name=""/>
+        <p:cNvGrpSpPr/>
+        <p:nvPr/>
+      </p:nvGrpSpPr>
+      <p:grpSpPr>
+        <a:xfrm>
+          <a:off x="0" y="0"/>
+          <a:ext cx="0" cy="0"/>
+          <a:chOff x="0" y="0"/>
+          <a:chExt cx="0" cy="0"/>
+        </a:xfrm>
+      </p:grpSpPr>
+      <p:sp>
+        <p:nvSpPr>
+          <p:cNvPr id="2" name="Slide Image Placeholder 1"/>
+          <p:cNvSpPr>
+            <a:spLocks noGrp="1" noRot="1" noChangeAspect="1"/>
+          </p:cNvSpPr>
+          <p:nvPr>
+            <p:ph type="sldImg"/>
+          </p:nvPr>
+        </p:nvSpPr>
+        <p:spPr/>
+      </p:sp>
+      <p:sp>
+        <p:nvSpPr>
+          <p:cNvPr id="3" name="Notes Placeholder 2"/>
+          <p:cNvSpPr>
+            <a:spLocks noGrp="1"/>
+          </p:cNvSpPr>
+          <p:nvPr>
+            <p:ph type="body" idx="1"/>
+          </p:nvPr>
+        </p:nvSpPr>
+        <p:spPr/>
+        <p:txBody>
+          <a:bodyPr/>
+          <a:lstStyle/>
+          <a:p>
+            <a:r>
+              <a:rPr lang="en-US" dirty="0" smtClean="0"/>
+              <a:t>The Docker Client,</a:t>
+            </a:r>
+            <a:r>
+              <a:rPr lang="en-US" baseline="0" dirty="0" smtClean="0"/>
+              <a:t> also known as the Docker CLI, is the primary tool you use to manage Docker containers. You can download container images from repositories such as Docker Hub, build container images, run container instances, list container images and instances, and much more. After connecting to Azure Container Service using SSH, you can use port forwarding to execute commands locally that act on an Azure Container Service running in the cloud. In this example, the -H switch used with the </a:t>
+            </a:r>
+            <a:r>
+              <a:rPr lang="en-US" baseline="0" dirty="0" err="1" smtClean="0"/>
+              <a:t>docker</a:t>
+            </a:r>
+            <a:r>
+              <a:rPr lang="en-US" baseline="0" dirty="0" smtClean="0"/>
+              <a:t> commands forwards commands sent to port 22375 on localhost to the Azure Container Services via SSH.</a:t>
+            </a:r>
+            <a:endParaRPr lang="en-US" dirty="0"/>
+          </a:p>
+        </p:txBody>
+      </p:sp>
+      <p:sp>
+        <p:nvSpPr>
+          <p:cNvPr id="4" name="Slide Number Placeholder 3"/>
+          <p:cNvSpPr>
+            <a:spLocks noGrp="1"/>
+          </p:cNvSpPr>
+          <p:nvPr>
+            <p:ph type="sldNum" sz="quarter" idx="10"/>
+          </p:nvPr>
+        </p:nvSpPr>
+        <p:spPr/>
+        <p:txBody>
+          <a:bodyPr/>
+          <a:lstStyle/>
+          <a:p>
+            <a:fld id="{01283FAC-A721-45A3-BBDE-EAF2B09B7CD9}" type="slidenum">
+              <a:rPr lang="en-US" smtClean="0"/>
+              <a:t>12</a:t>
+            </a:fld>
+            <a:endParaRPr lang="en-US"/>
+          </a:p>
+        </p:txBody>
+      </p:sp>
+    </p:spTree>
+    <p:extLst>
+      <p:ext uri="{BB962C8B-B14F-4D97-AF65-F5344CB8AC3E}">
+        <p14:creationId xmlns:p14="http://schemas.microsoft.com/office/powerpoint/2010/main" val="999235491"/>
+      </p:ext>
+    </p:extLst>
+  </p:cSld>
+  <p:clrMapOvr>
+    <a:masterClrMapping/>
+  </p:clrMapOvr>
+</p:notes>
+</file>
+
 <file path=ppt/notesSlides/notesSlide2.xml><?xml version="1.0" encoding="utf-8"?>
 <p:notes xmlns:a="http://schemas.openxmlformats.org/drawingml/2006/main" xmlns:r="http://schemas.openxmlformats.org/officeDocument/2006/relationships" xmlns:p="http://schemas.openxmlformats.org/presentationml/2006/main">
   <p:cSld>
@@ -1407,6 +1693,206 @@
     <p:extLst>
       <p:ext uri="{BB962C8B-B14F-4D97-AF65-F5344CB8AC3E}">
         <p14:creationId xmlns:p14="http://schemas.microsoft.com/office/powerpoint/2010/main" val="2236143850"/>
+      </p:ext>
+    </p:extLst>
+  </p:cSld>
+  <p:clrMapOvr>
+    <a:masterClrMapping/>
+  </p:clrMapOvr>
+</p:notes>
+</file>
+
+<file path=ppt/notesSlides/notesSlide8.xml><?xml version="1.0" encoding="utf-8"?>
+<p:notes xmlns:a="http://schemas.openxmlformats.org/drawingml/2006/main" xmlns:r="http://schemas.openxmlformats.org/officeDocument/2006/relationships" xmlns:p="http://schemas.openxmlformats.org/presentationml/2006/main">
+  <p:cSld>
+    <p:spTree>
+      <p:nvGrpSpPr>
+        <p:cNvPr id="1" name=""/>
+        <p:cNvGrpSpPr/>
+        <p:nvPr/>
+      </p:nvGrpSpPr>
+      <p:grpSpPr>
+        <a:xfrm>
+          <a:off x="0" y="0"/>
+          <a:ext cx="0" cy="0"/>
+          <a:chOff x="0" y="0"/>
+          <a:chExt cx="0" cy="0"/>
+        </a:xfrm>
+      </p:grpSpPr>
+      <p:sp>
+        <p:nvSpPr>
+          <p:cNvPr id="2" name="Slide Image Placeholder 1"/>
+          <p:cNvSpPr>
+            <a:spLocks noGrp="1" noRot="1" noChangeAspect="1"/>
+          </p:cNvSpPr>
+          <p:nvPr>
+            <p:ph type="sldImg"/>
+          </p:nvPr>
+        </p:nvSpPr>
+        <p:spPr/>
+      </p:sp>
+      <p:sp>
+        <p:nvSpPr>
+          <p:cNvPr id="3" name="Notes Placeholder 2"/>
+          <p:cNvSpPr>
+            <a:spLocks noGrp="1"/>
+          </p:cNvSpPr>
+          <p:nvPr>
+            <p:ph type="body" idx="1"/>
+          </p:nvPr>
+        </p:nvSpPr>
+        <p:spPr/>
+        <p:txBody>
+          <a:bodyPr/>
+          <a:lstStyle/>
+          <a:p>
+            <a:r>
+              <a:rPr lang="en-US" dirty="0" smtClean="0"/>
+              <a:t>A</a:t>
+            </a:r>
+            <a:r>
+              <a:rPr lang="en-US" baseline="0" dirty="0" smtClean="0"/>
+              <a:t> virtual machine is -- well -- a virtualized machine created and managed by a hypervisor such as </a:t>
+            </a:r>
+            <a:r>
+              <a:rPr lang="en-US" baseline="0" dirty="0" err="1" smtClean="0"/>
+              <a:t>VirtualBox</a:t>
+            </a:r>
+            <a:r>
+              <a:rPr lang="en-US" baseline="0" dirty="0" smtClean="0"/>
+              <a:t> or Hyper-V. Even though a VM runs on a machine that has an operating system, each VM requires its own complete operating system, even if it's the same operating system as the host OS. VMs offer a very high degree of isolation, but at a cost: longer startup times, lower portability (ever tried to move a 127 GB virtual hard disk, or VHD, from one PC to another?), and higher memory requirements. Containers, by contrast, leverage the operating system that is already in place but offer nearly as much separation. RAM requirements are lower since the OS isn't being duplicated in each container, and cost is lower, too, because while cloud platforms typically charge for each VM, a single VM can host multiple container instances.</a:t>
+            </a:r>
+            <a:endParaRPr lang="en-US" dirty="0"/>
+          </a:p>
+        </p:txBody>
+      </p:sp>
+      <p:sp>
+        <p:nvSpPr>
+          <p:cNvPr id="4" name="Slide Number Placeholder 3"/>
+          <p:cNvSpPr>
+            <a:spLocks noGrp="1"/>
+          </p:cNvSpPr>
+          <p:nvPr>
+            <p:ph type="sldNum" sz="quarter" idx="10"/>
+          </p:nvPr>
+        </p:nvSpPr>
+        <p:spPr/>
+        <p:txBody>
+          <a:bodyPr/>
+          <a:lstStyle/>
+          <a:p>
+            <a:fld id="{01283FAC-A721-45A3-BBDE-EAF2B09B7CD9}" type="slidenum">
+              <a:rPr lang="en-US" smtClean="0"/>
+              <a:t>8</a:t>
+            </a:fld>
+            <a:endParaRPr lang="en-US"/>
+          </a:p>
+        </p:txBody>
+      </p:sp>
+    </p:spTree>
+    <p:extLst>
+      <p:ext uri="{BB962C8B-B14F-4D97-AF65-F5344CB8AC3E}">
+        <p14:creationId xmlns:p14="http://schemas.microsoft.com/office/powerpoint/2010/main" val="3918904550"/>
+      </p:ext>
+    </p:extLst>
+  </p:cSld>
+  <p:clrMapOvr>
+    <a:masterClrMapping/>
+  </p:clrMapOvr>
+</p:notes>
+</file>
+
+<file path=ppt/notesSlides/notesSlide9.xml><?xml version="1.0" encoding="utf-8"?>
+<p:notes xmlns:a="http://schemas.openxmlformats.org/drawingml/2006/main" xmlns:r="http://schemas.openxmlformats.org/officeDocument/2006/relationships" xmlns:p="http://schemas.openxmlformats.org/presentationml/2006/main">
+  <p:cSld>
+    <p:spTree>
+      <p:nvGrpSpPr>
+        <p:cNvPr id="1" name=""/>
+        <p:cNvGrpSpPr/>
+        <p:nvPr/>
+      </p:nvGrpSpPr>
+      <p:grpSpPr>
+        <a:xfrm>
+          <a:off x="0" y="0"/>
+          <a:ext cx="0" cy="0"/>
+          <a:chOff x="0" y="0"/>
+          <a:chExt cx="0" cy="0"/>
+        </a:xfrm>
+      </p:grpSpPr>
+      <p:sp>
+        <p:nvSpPr>
+          <p:cNvPr id="2" name="Slide Image Placeholder 1"/>
+          <p:cNvSpPr>
+            <a:spLocks noGrp="1" noRot="1" noChangeAspect="1"/>
+          </p:cNvSpPr>
+          <p:nvPr>
+            <p:ph type="sldImg"/>
+          </p:nvPr>
+        </p:nvSpPr>
+        <p:spPr/>
+      </p:sp>
+      <p:sp>
+        <p:nvSpPr>
+          <p:cNvPr id="3" name="Notes Placeholder 2"/>
+          <p:cNvSpPr>
+            <a:spLocks noGrp="1"/>
+          </p:cNvSpPr>
+          <p:nvPr>
+            <p:ph type="body" idx="1"/>
+          </p:nvPr>
+        </p:nvSpPr>
+        <p:spPr/>
+        <p:txBody>
+          <a:bodyPr/>
+          <a:lstStyle/>
+          <a:p>
+            <a:r>
+              <a:rPr lang="en-US" dirty="0" smtClean="0"/>
+              <a:t>Docker (www.docker.com) isn't the world's only containerization platform, but it is the most popular. It is free, open-source,</a:t>
+            </a:r>
+            <a:r>
+              <a:rPr lang="en-US" baseline="0" dirty="0" smtClean="0"/>
+              <a:t> and Linux-based, with Windows support (Windows Server 2016) in the works. </a:t>
+            </a:r>
+            <a:r>
+              <a:rPr lang="en-US" dirty="0" smtClean="0"/>
+              <a:t>It has earned massive</a:t>
+            </a:r>
+            <a:r>
+              <a:rPr lang="en-US" baseline="0" dirty="0" smtClean="0"/>
+              <a:t> mindshare in the developer community. And with Azure Container Service, you can deploy Docker containers to Azure with minimal effort. Moreover, Docker containers are easily moved between Azure and Amazon Web Services (AWS), affording developers portability between cloud platforms.</a:t>
+            </a:r>
+            <a:endParaRPr lang="en-US" dirty="0"/>
+          </a:p>
+        </p:txBody>
+      </p:sp>
+      <p:sp>
+        <p:nvSpPr>
+          <p:cNvPr id="4" name="Slide Number Placeholder 3"/>
+          <p:cNvSpPr>
+            <a:spLocks noGrp="1"/>
+          </p:cNvSpPr>
+          <p:nvPr>
+            <p:ph type="sldNum" sz="quarter" idx="10"/>
+          </p:nvPr>
+        </p:nvSpPr>
+        <p:spPr/>
+        <p:txBody>
+          <a:bodyPr/>
+          <a:lstStyle/>
+          <a:p>
+            <a:fld id="{01283FAC-A721-45A3-BBDE-EAF2B09B7CD9}" type="slidenum">
+              <a:rPr lang="en-US" smtClean="0"/>
+              <a:t>9</a:t>
+            </a:fld>
+            <a:endParaRPr lang="en-US"/>
+          </a:p>
+        </p:txBody>
+      </p:sp>
+    </p:spTree>
+    <p:extLst>
+      <p:ext uri="{BB962C8B-B14F-4D97-AF65-F5344CB8AC3E}">
+        <p14:creationId xmlns:p14="http://schemas.microsoft.com/office/powerpoint/2010/main" val="4017007276"/>
       </p:ext>
     </p:extLst>
   </p:cSld>
@@ -1563,7 +2049,7 @@
           <a:p>
             <a:fld id="{0459C166-16D3-4A25-A2F8-C51E0E346B22}" type="datetimeFigureOut">
               <a:rPr lang="en-US" smtClean="0"/>
-              <a:t>7/1/2016</a:t>
+              <a:t>7/18/2016</a:t>
             </a:fld>
             <a:endParaRPr lang="en-US"/>
           </a:p>
@@ -1658,7 +2144,7 @@
           <a:p>
             <a:fld id="{0459C166-16D3-4A25-A2F8-C51E0E346B22}" type="datetimeFigureOut">
               <a:rPr lang="en-US" smtClean="0"/>
-              <a:t>7/1/2016</a:t>
+              <a:t>7/18/2016</a:t>
             </a:fld>
             <a:endParaRPr lang="en-US"/>
           </a:p>
@@ -1933,7 +2419,7 @@
           <a:p>
             <a:fld id="{0459C166-16D3-4A25-A2F8-C51E0E346B22}" type="datetimeFigureOut">
               <a:rPr lang="en-US" smtClean="0"/>
-              <a:t>7/1/2016</a:t>
+              <a:t>7/18/2016</a:t>
             </a:fld>
             <a:endParaRPr lang="en-US"/>
           </a:p>
@@ -2185,7 +2671,7 @@
           <a:p>
             <a:fld id="{0459C166-16D3-4A25-A2F8-C51E0E346B22}" type="datetimeFigureOut">
               <a:rPr lang="en-US" smtClean="0"/>
-              <a:t>7/1/2016</a:t>
+              <a:t>7/18/2016</a:t>
             </a:fld>
             <a:endParaRPr lang="en-US"/>
           </a:p>
@@ -2353,7 +2839,7 @@
           <a:p>
             <a:fld id="{0459C166-16D3-4A25-A2F8-C51E0E346B22}" type="datetimeFigureOut">
               <a:rPr lang="en-US" smtClean="0"/>
-              <a:t>7/1/2016</a:t>
+              <a:t>7/18/2016</a:t>
             </a:fld>
             <a:endParaRPr lang="en-US"/>
           </a:p>
@@ -2531,7 +3017,7 @@
           <a:p>
             <a:fld id="{0459C166-16D3-4A25-A2F8-C51E0E346B22}" type="datetimeFigureOut">
               <a:rPr lang="en-US" smtClean="0"/>
-              <a:t>7/1/2016</a:t>
+              <a:t>7/18/2016</a:t>
             </a:fld>
             <a:endParaRPr lang="en-US"/>
           </a:p>
@@ -4458,7 +4944,7 @@
           <a:p>
             <a:fld id="{0459C166-16D3-4A25-A2F8-C51E0E346B22}" type="datetimeFigureOut">
               <a:rPr lang="en-US" smtClean="0"/>
-              <a:t>7/1/2016</a:t>
+              <a:t>7/18/2016</a:t>
             </a:fld>
             <a:endParaRPr lang="en-US"/>
           </a:p>
@@ -10085,7 +10571,7 @@
             <a:fld id="{0459C166-16D3-4A25-A2F8-C51E0E346B22}" type="datetimeFigureOut">
               <a:rPr lang="en-US" smtClean="0"/>
               <a:pPr/>
-              <a:t>7/1/2016</a:t>
+              <a:t>7/18/2016</a:t>
             </a:fld>
             <a:endParaRPr lang="en-US"/>
           </a:p>
@@ -14147,7 +14633,7 @@
           <a:p>
             <a:fld id="{0459C166-16D3-4A25-A2F8-C51E0E346B22}" type="datetimeFigureOut">
               <a:rPr lang="en-US" smtClean="0"/>
-              <a:t>7/1/2016</a:t>
+              <a:t>7/18/2016</a:t>
             </a:fld>
             <a:endParaRPr lang="en-US"/>
           </a:p>
@@ -14511,7 +14997,7 @@
           <a:p>
             <a:fld id="{0459C166-16D3-4A25-A2F8-C51E0E346B22}" type="datetimeFigureOut">
               <a:rPr lang="en-US" smtClean="0"/>
-              <a:t>7/1/2016</a:t>
+              <a:t>7/18/2016</a:t>
             </a:fld>
             <a:endParaRPr lang="en-US"/>
           </a:p>
@@ -14628,7 +15114,7 @@
           <a:p>
             <a:fld id="{0459C166-16D3-4A25-A2F8-C51E0E346B22}" type="datetimeFigureOut">
               <a:rPr lang="en-US" smtClean="0"/>
-              <a:t>7/1/2016</a:t>
+              <a:t>7/18/2016</a:t>
             </a:fld>
             <a:endParaRPr lang="en-US"/>
           </a:p>
@@ -14839,7 +15325,7 @@
           <a:p>
             <a:fld id="{0459C166-16D3-4A25-A2F8-C51E0E346B22}" type="datetimeFigureOut">
               <a:rPr lang="en-US" smtClean="0"/>
-              <a:t>7/1/2016</a:t>
+              <a:t>7/18/2016</a:t>
             </a:fld>
             <a:endParaRPr lang="en-US"/>
           </a:p>
@@ -16142,7 +16628,14 @@
             </a:r>
             <a:r>
               <a:rPr lang="en-US" dirty="0" smtClean="0"/>
-              <a:t>and Azure Container Service</a:t>
+              <a:t>and</a:t>
+            </a:r>
+            <a:br>
+              <a:rPr lang="en-US" dirty="0" smtClean="0"/>
+            </a:br>
+            <a:r>
+              <a:rPr lang="en-US" dirty="0" smtClean="0"/>
+              <a:t>Azure Container Service</a:t>
             </a:r>
             <a:endParaRPr lang="en-US" dirty="0"/>
           </a:p>
@@ -16262,10 +16755,43 @@
           <a:bodyPr/>
           <a:lstStyle/>
           <a:p>
-            <a:endParaRPr lang="en-US"/>
-          </a:p>
-        </p:txBody>
-      </p:sp>
+            <a:r>
+              <a:rPr lang="en-US" dirty="0" smtClean="0"/>
+              <a:t>Provides robust, ready-to-use Docker hosting environment</a:t>
+            </a:r>
+          </a:p>
+          <a:p>
+            <a:r>
+              <a:rPr lang="en-US" dirty="0" smtClean="0"/>
+              <a:t>Uses open-source orchestration tools (DC/OS and Swarm)</a:t>
+            </a:r>
+          </a:p>
+        </p:txBody>
+      </p:sp>
+      <p:pic>
+        <p:nvPicPr>
+          <p:cNvPr id="7" name="Picture 6"/>
+          <p:cNvPicPr>
+            <a:picLocks noChangeAspect="1"/>
+          </p:cNvPicPr>
+          <p:nvPr/>
+        </p:nvPicPr>
+        <p:blipFill>
+          <a:blip r:embed="rId3"/>
+          <a:stretch>
+            <a:fillRect/>
+          </a:stretch>
+        </p:blipFill>
+        <p:spPr>
+          <a:xfrm>
+            <a:off x="2257396" y="3052415"/>
+            <a:ext cx="7677208" cy="3439082"/>
+          </a:xfrm>
+          <a:prstGeom prst="rect">
+            <a:avLst/>
+          </a:prstGeom>
+        </p:spPr>
+      </p:pic>
     </p:spTree>
     <p:extLst>
       <p:ext uri="{BB962C8B-B14F-4D97-AF65-F5344CB8AC3E}">
@@ -16313,35 +16839,46 @@
           <a:p>
             <a:r>
               <a:rPr lang="en-US" dirty="0" smtClean="0"/>
-              <a:t>TBD</a:t>
+              <a:t>Clustering with Docker Swarm</a:t>
             </a:r>
             <a:endParaRPr lang="en-US" dirty="0"/>
           </a:p>
         </p:txBody>
       </p:sp>
-      <p:sp>
-        <p:nvSpPr>
-          <p:cNvPr id="3" name="Content Placeholder 2"/>
-          <p:cNvSpPr>
-            <a:spLocks noGrp="1"/>
-          </p:cNvSpPr>
-          <p:nvPr>
-            <p:ph idx="1"/>
-          </p:nvPr>
-        </p:nvSpPr>
-        <p:spPr/>
-        <p:txBody>
-          <a:bodyPr/>
-          <a:lstStyle/>
-          <a:p>
-            <a:endParaRPr lang="en-US"/>
-          </a:p>
-        </p:txBody>
-      </p:sp>
+      <p:pic>
+        <p:nvPicPr>
+          <p:cNvPr id="4" name="Picture 3"/>
+          <p:cNvPicPr>
+            <a:picLocks noChangeAspect="1"/>
+          </p:cNvPicPr>
+          <p:nvPr/>
+        </p:nvPicPr>
+        <p:blipFill>
+          <a:blip r:embed="rId3">
+            <a:extLst>
+              <a:ext uri="{28A0092B-C50C-407E-A947-70E740481C1C}">
+                <a14:useLocalDpi xmlns:a14="http://schemas.microsoft.com/office/drawing/2010/main" val="0"/>
+              </a:ext>
+            </a:extLst>
+          </a:blip>
+          <a:stretch>
+            <a:fillRect/>
+          </a:stretch>
+        </p:blipFill>
+        <p:spPr>
+          <a:xfrm>
+            <a:off x="2352325" y="2004044"/>
+            <a:ext cx="7487349" cy="3850346"/>
+          </a:xfrm>
+          <a:prstGeom prst="rect">
+            <a:avLst/>
+          </a:prstGeom>
+        </p:spPr>
+      </p:pic>
     </p:spTree>
     <p:extLst>
       <p:ext uri="{BB962C8B-B14F-4D97-AF65-F5344CB8AC3E}">
-        <p14:creationId xmlns:p14="http://schemas.microsoft.com/office/powerpoint/2010/main" val="4135089985"/>
+        <p14:creationId xmlns:p14="http://schemas.microsoft.com/office/powerpoint/2010/main" val="1442308448"/>
       </p:ext>
     </p:extLst>
   </p:cSld>
@@ -16384,9 +16921,10 @@
           <a:lstStyle/>
           <a:p>
             <a:r>
-              <a:rPr lang="en-US" dirty="0"/>
-              <a:t>TBD</a:t>
-            </a:r>
+              <a:rPr lang="en-US" dirty="0" smtClean="0"/>
+              <a:t>Docker Client</a:t>
+            </a:r>
+            <a:endParaRPr lang="en-US" dirty="0"/>
           </a:p>
         </p:txBody>
       </p:sp>
@@ -16405,14 +16943,42 @@
           <a:bodyPr/>
           <a:lstStyle/>
           <a:p>
-            <a:endParaRPr lang="en-US"/>
-          </a:p>
-        </p:txBody>
-      </p:sp>
+            <a:r>
+              <a:rPr lang="en-US" dirty="0" smtClean="0"/>
+              <a:t>Command-line interface for Docker, available for Linux, OS X, and Windows (available separately or as part of Docker Toolbox)</a:t>
+            </a:r>
+            <a:endParaRPr lang="en-US" dirty="0"/>
+          </a:p>
+        </p:txBody>
+      </p:sp>
+      <p:pic>
+        <p:nvPicPr>
+          <p:cNvPr id="4" name="Picture 3"/>
+          <p:cNvPicPr>
+            <a:picLocks noChangeAspect="1"/>
+          </p:cNvPicPr>
+          <p:nvPr/>
+        </p:nvPicPr>
+        <p:blipFill>
+          <a:blip r:embed="rId3"/>
+          <a:stretch>
+            <a:fillRect/>
+          </a:stretch>
+        </p:blipFill>
+        <p:spPr>
+          <a:xfrm>
+            <a:off x="2957512" y="2995613"/>
+            <a:ext cx="6276975" cy="3181350"/>
+          </a:xfrm>
+          <a:prstGeom prst="rect">
+            <a:avLst/>
+          </a:prstGeom>
+        </p:spPr>
+      </p:pic>
     </p:spTree>
     <p:extLst>
       <p:ext uri="{BB962C8B-B14F-4D97-AF65-F5344CB8AC3E}">
-        <p14:creationId xmlns:p14="http://schemas.microsoft.com/office/powerpoint/2010/main" val="1442308448"/>
+        <p14:creationId xmlns:p14="http://schemas.microsoft.com/office/powerpoint/2010/main" val="3822169245"/>
       </p:ext>
     </p:extLst>
   </p:cSld>
@@ -16441,148 +17007,6 @@
       </p:grpSpPr>
       <p:sp>
         <p:nvSpPr>
-          <p:cNvPr id="2" name="Title 1"/>
-          <p:cNvSpPr>
-            <a:spLocks noGrp="1"/>
-          </p:cNvSpPr>
-          <p:nvPr>
-            <p:ph type="title"/>
-          </p:nvPr>
-        </p:nvSpPr>
-        <p:spPr/>
-        <p:txBody>
-          <a:bodyPr/>
-          <a:lstStyle/>
-          <a:p>
-            <a:r>
-              <a:rPr lang="en-US" dirty="0"/>
-              <a:t>TBD</a:t>
-            </a:r>
-          </a:p>
-        </p:txBody>
-      </p:sp>
-      <p:sp>
-        <p:nvSpPr>
-          <p:cNvPr id="3" name="Content Placeholder 2"/>
-          <p:cNvSpPr>
-            <a:spLocks noGrp="1"/>
-          </p:cNvSpPr>
-          <p:nvPr>
-            <p:ph idx="1"/>
-          </p:nvPr>
-        </p:nvSpPr>
-        <p:spPr/>
-        <p:txBody>
-          <a:bodyPr/>
-          <a:lstStyle/>
-          <a:p>
-            <a:endParaRPr lang="en-US"/>
-          </a:p>
-        </p:txBody>
-      </p:sp>
-    </p:spTree>
-    <p:extLst>
-      <p:ext uri="{BB962C8B-B14F-4D97-AF65-F5344CB8AC3E}">
-        <p14:creationId xmlns:p14="http://schemas.microsoft.com/office/powerpoint/2010/main" val="1043915630"/>
-      </p:ext>
-    </p:extLst>
-  </p:cSld>
-  <p:clrMapOvr>
-    <a:masterClrMapping/>
-  </p:clrMapOvr>
-</p:sld>
-</file>
-
-<file path=ppt/slides/slide14.xml><?xml version="1.0" encoding="utf-8"?>
-<p:sld xmlns:a="http://schemas.openxmlformats.org/drawingml/2006/main" xmlns:r="http://schemas.openxmlformats.org/officeDocument/2006/relationships" xmlns:p="http://schemas.openxmlformats.org/presentationml/2006/main">
-  <p:cSld>
-    <p:spTree>
-      <p:nvGrpSpPr>
-        <p:cNvPr id="1" name=""/>
-        <p:cNvGrpSpPr/>
-        <p:nvPr/>
-      </p:nvGrpSpPr>
-      <p:grpSpPr>
-        <a:xfrm>
-          <a:off x="0" y="0"/>
-          <a:ext cx="0" cy="0"/>
-          <a:chOff x="0" y="0"/>
-          <a:chExt cx="0" cy="0"/>
-        </a:xfrm>
-      </p:grpSpPr>
-      <p:sp>
-        <p:nvSpPr>
-          <p:cNvPr id="2" name="Title 1"/>
-          <p:cNvSpPr>
-            <a:spLocks noGrp="1"/>
-          </p:cNvSpPr>
-          <p:nvPr>
-            <p:ph type="title"/>
-          </p:nvPr>
-        </p:nvSpPr>
-        <p:spPr/>
-        <p:txBody>
-          <a:bodyPr/>
-          <a:lstStyle/>
-          <a:p>
-            <a:r>
-              <a:rPr lang="en-US" dirty="0"/>
-              <a:t>TBD</a:t>
-            </a:r>
-          </a:p>
-        </p:txBody>
-      </p:sp>
-      <p:sp>
-        <p:nvSpPr>
-          <p:cNvPr id="3" name="Content Placeholder 2"/>
-          <p:cNvSpPr>
-            <a:spLocks noGrp="1"/>
-          </p:cNvSpPr>
-          <p:nvPr>
-            <p:ph idx="1"/>
-          </p:nvPr>
-        </p:nvSpPr>
-        <p:spPr/>
-        <p:txBody>
-          <a:bodyPr/>
-          <a:lstStyle/>
-          <a:p>
-            <a:endParaRPr lang="en-US"/>
-          </a:p>
-        </p:txBody>
-      </p:sp>
-    </p:spTree>
-    <p:extLst>
-      <p:ext uri="{BB962C8B-B14F-4D97-AF65-F5344CB8AC3E}">
-        <p14:creationId xmlns:p14="http://schemas.microsoft.com/office/powerpoint/2010/main" val="3822169245"/>
-      </p:ext>
-    </p:extLst>
-  </p:cSld>
-  <p:clrMapOvr>
-    <a:masterClrMapping/>
-  </p:clrMapOvr>
-</p:sld>
-</file>
-
-<file path=ppt/slides/slide15.xml><?xml version="1.0" encoding="utf-8"?>
-<p:sld xmlns:a="http://schemas.openxmlformats.org/drawingml/2006/main" xmlns:r="http://schemas.openxmlformats.org/officeDocument/2006/relationships" xmlns:p="http://schemas.openxmlformats.org/presentationml/2006/main">
-  <p:cSld>
-    <p:spTree>
-      <p:nvGrpSpPr>
-        <p:cNvPr id="1" name=""/>
-        <p:cNvGrpSpPr/>
-        <p:nvPr/>
-      </p:nvGrpSpPr>
-      <p:grpSpPr>
-        <a:xfrm>
-          <a:off x="0" y="0"/>
-          <a:ext cx="0" cy="0"/>
-          <a:chOff x="0" y="0"/>
-          <a:chExt cx="0" cy="0"/>
-        </a:xfrm>
-      </p:grpSpPr>
-      <p:sp>
-        <p:nvSpPr>
           <p:cNvPr id="4" name="Title 3"/>
           <p:cNvSpPr>
             <a:spLocks noGrp="1"/>
@@ -16627,15 +17051,7 @@
           <a:p>
             <a:r>
               <a:rPr lang="en-US" dirty="0" smtClean="0"/>
-              <a:t>SLURM </a:t>
-            </a:r>
-            <a:r>
-              <a:rPr lang="en-US" dirty="0" smtClean="0"/>
-              <a:t>Docker Swarm </a:t>
-            </a:r>
-            <a:r>
-              <a:rPr lang="en-US" dirty="0" smtClean="0"/>
-              <a:t>HOL.html</a:t>
+              <a:t>SLURM Docker Swarm HOL.html</a:t>
             </a:r>
             <a:endParaRPr lang="en-US" dirty="0"/>
           </a:p>
@@ -16654,7 +17070,7 @@
 </p:sld>
 </file>
 
-<file path=ppt/slides/slide16.xml><?xml version="1.0" encoding="utf-8"?>
+<file path=ppt/slides/slide14.xml><?xml version="1.0" encoding="utf-8"?>
 <p:sld xmlns:a="http://schemas.openxmlformats.org/drawingml/2006/main" xmlns:r="http://schemas.openxmlformats.org/officeDocument/2006/relationships" xmlns:p="http://schemas.openxmlformats.org/presentationml/2006/main">
   <p:cSld>
     <p:spTree>
@@ -20753,8 +21169,13 @@
             <a:pPr lvl="1"/>
             <a:r>
               <a:rPr lang="en-US" dirty="0"/>
-              <a:t>Deployment templates specify all the resources — VMs, switches, storage accounts, etc. — to be provisioned</a:t>
-            </a:r>
+              <a:t>Deployment templates specify all the resources — VMs, switches, storage accounts, etc. — to be </a:t>
+            </a:r>
+            <a:r>
+              <a:rPr lang="en-US" dirty="0" smtClean="0"/>
+              <a:t>provisioned using JSON syntax</a:t>
+            </a:r>
+            <a:endParaRPr lang="en-US" dirty="0"/>
           </a:p>
           <a:p>
             <a:pPr lvl="1"/>
@@ -21217,7 +21638,1133 @@
           <a:bodyPr/>
           <a:lstStyle/>
           <a:p>
-            <a:endParaRPr lang="en-US"/>
+            <a:r>
+              <a:rPr lang="en-US" dirty="0" smtClean="0"/>
+              <a:t>Lightweight alternative to virtual machines</a:t>
+            </a:r>
+          </a:p>
+          <a:p>
+            <a:r>
+              <a:rPr lang="en-US" dirty="0" smtClean="0"/>
+              <a:t>Smaller, less expensive, faster to start up, and self-contained</a:t>
+            </a:r>
+          </a:p>
+          <a:p>
+            <a:pPr lvl="1"/>
+            <a:endParaRPr lang="en-US" dirty="0"/>
+          </a:p>
+        </p:txBody>
+      </p:sp>
+      <p:sp>
+        <p:nvSpPr>
+          <p:cNvPr id="4" name="Rectangle 3"/>
+          <p:cNvSpPr/>
+          <p:nvPr/>
+        </p:nvSpPr>
+        <p:spPr>
+          <a:xfrm>
+            <a:off x="1304693" y="5965724"/>
+            <a:ext cx="4415882" cy="422478"/>
+          </a:xfrm>
+          <a:prstGeom prst="rect">
+            <a:avLst/>
+          </a:prstGeom>
+          <a:solidFill>
+            <a:schemeClr val="accent1">
+              <a:lumMod val="75000"/>
+            </a:schemeClr>
+          </a:solidFill>
+          <a:ln>
+            <a:noFill/>
+          </a:ln>
+        </p:spPr>
+        <p:style>
+          <a:lnRef idx="2">
+            <a:schemeClr val="accent1">
+              <a:shade val="50000"/>
+            </a:schemeClr>
+          </a:lnRef>
+          <a:fillRef idx="1">
+            <a:schemeClr val="accent1"/>
+          </a:fillRef>
+          <a:effectRef idx="0">
+            <a:schemeClr val="accent1"/>
+          </a:effectRef>
+          <a:fontRef idx="minor">
+            <a:schemeClr val="lt1"/>
+          </a:fontRef>
+        </p:style>
+        <p:txBody>
+          <a:bodyPr rtlCol="0" anchor="ctr"/>
+          <a:lstStyle/>
+          <a:p>
+            <a:pPr algn="ctr"/>
+            <a:r>
+              <a:rPr lang="en-US" dirty="0" smtClean="0">
+                <a:solidFill>
+                  <a:schemeClr val="bg1"/>
+                </a:solidFill>
+              </a:rPr>
+              <a:t>Host Operating System</a:t>
+            </a:r>
+          </a:p>
+        </p:txBody>
+      </p:sp>
+      <p:sp>
+        <p:nvSpPr>
+          <p:cNvPr id="6" name="Rectangle 5"/>
+          <p:cNvSpPr/>
+          <p:nvPr/>
+        </p:nvSpPr>
+        <p:spPr>
+          <a:xfrm>
+            <a:off x="1304693" y="5453832"/>
+            <a:ext cx="4415882" cy="422478"/>
+          </a:xfrm>
+          <a:prstGeom prst="rect">
+            <a:avLst/>
+          </a:prstGeom>
+          <a:solidFill>
+            <a:srgbClr val="A6A6A6"/>
+          </a:solidFill>
+          <a:ln>
+            <a:noFill/>
+          </a:ln>
+        </p:spPr>
+        <p:style>
+          <a:lnRef idx="2">
+            <a:schemeClr val="accent1">
+              <a:shade val="50000"/>
+            </a:schemeClr>
+          </a:lnRef>
+          <a:fillRef idx="1">
+            <a:schemeClr val="accent1"/>
+          </a:fillRef>
+          <a:effectRef idx="0">
+            <a:schemeClr val="accent1"/>
+          </a:effectRef>
+          <a:fontRef idx="minor">
+            <a:schemeClr val="lt1"/>
+          </a:fontRef>
+        </p:style>
+        <p:txBody>
+          <a:bodyPr rtlCol="0" anchor="ctr"/>
+          <a:lstStyle/>
+          <a:p>
+            <a:pPr algn="ctr"/>
+            <a:r>
+              <a:rPr lang="en-US" dirty="0" smtClean="0">
+                <a:solidFill>
+                  <a:schemeClr val="bg1"/>
+                </a:solidFill>
+              </a:rPr>
+              <a:t>Hypervisor</a:t>
+            </a:r>
+          </a:p>
+        </p:txBody>
+      </p:sp>
+      <p:sp>
+        <p:nvSpPr>
+          <p:cNvPr id="8" name="Rectangle 7"/>
+          <p:cNvSpPr/>
+          <p:nvPr/>
+        </p:nvSpPr>
+        <p:spPr>
+          <a:xfrm>
+            <a:off x="1304693" y="4496346"/>
+            <a:ext cx="1405054" cy="868072"/>
+          </a:xfrm>
+          <a:prstGeom prst="rect">
+            <a:avLst/>
+          </a:prstGeom>
+          <a:solidFill>
+            <a:srgbClr val="A6A6A6"/>
+          </a:solidFill>
+          <a:ln>
+            <a:noFill/>
+          </a:ln>
+        </p:spPr>
+        <p:style>
+          <a:lnRef idx="2">
+            <a:schemeClr val="accent1">
+              <a:shade val="50000"/>
+            </a:schemeClr>
+          </a:lnRef>
+          <a:fillRef idx="1">
+            <a:schemeClr val="accent1"/>
+          </a:fillRef>
+          <a:effectRef idx="0">
+            <a:schemeClr val="accent1"/>
+          </a:effectRef>
+          <a:fontRef idx="minor">
+            <a:schemeClr val="lt1"/>
+          </a:fontRef>
+        </p:style>
+        <p:txBody>
+          <a:bodyPr rtlCol="0" anchor="ctr"/>
+          <a:lstStyle/>
+          <a:p>
+            <a:pPr algn="ctr"/>
+            <a:r>
+              <a:rPr lang="en-US" dirty="0" smtClean="0">
+                <a:solidFill>
+                  <a:schemeClr val="bg1"/>
+                </a:solidFill>
+              </a:rPr>
+              <a:t>Guest OS</a:t>
+            </a:r>
+          </a:p>
+        </p:txBody>
+      </p:sp>
+      <p:sp>
+        <p:nvSpPr>
+          <p:cNvPr id="11" name="Rectangle 10"/>
+          <p:cNvSpPr/>
+          <p:nvPr/>
+        </p:nvSpPr>
+        <p:spPr>
+          <a:xfrm>
+            <a:off x="1304693" y="3984454"/>
+            <a:ext cx="1405054" cy="422478"/>
+          </a:xfrm>
+          <a:prstGeom prst="rect">
+            <a:avLst/>
+          </a:prstGeom>
+          <a:solidFill>
+            <a:schemeClr val="accent1">
+              <a:lumMod val="75000"/>
+            </a:schemeClr>
+          </a:solidFill>
+          <a:ln>
+            <a:noFill/>
+          </a:ln>
+        </p:spPr>
+        <p:style>
+          <a:lnRef idx="2">
+            <a:schemeClr val="accent1">
+              <a:shade val="50000"/>
+            </a:schemeClr>
+          </a:lnRef>
+          <a:fillRef idx="1">
+            <a:schemeClr val="accent1"/>
+          </a:fillRef>
+          <a:effectRef idx="0">
+            <a:schemeClr val="accent1"/>
+          </a:effectRef>
+          <a:fontRef idx="minor">
+            <a:schemeClr val="lt1"/>
+          </a:fontRef>
+        </p:style>
+        <p:txBody>
+          <a:bodyPr rtlCol="0" anchor="ctr"/>
+          <a:lstStyle/>
+          <a:p>
+            <a:pPr algn="ctr"/>
+            <a:r>
+              <a:rPr lang="en-US" dirty="0">
+                <a:solidFill>
+                  <a:schemeClr val="bg1"/>
+                </a:solidFill>
+              </a:rPr>
+              <a:t>Libraries</a:t>
+            </a:r>
+          </a:p>
+        </p:txBody>
+      </p:sp>
+      <p:sp>
+        <p:nvSpPr>
+          <p:cNvPr id="14" name="Rectangle 13"/>
+          <p:cNvSpPr/>
+          <p:nvPr/>
+        </p:nvSpPr>
+        <p:spPr>
+          <a:xfrm>
+            <a:off x="1304693" y="3472562"/>
+            <a:ext cx="1405054" cy="422478"/>
+          </a:xfrm>
+          <a:prstGeom prst="rect">
+            <a:avLst/>
+          </a:prstGeom>
+          <a:solidFill>
+            <a:schemeClr val="accent1">
+              <a:lumMod val="75000"/>
+            </a:schemeClr>
+          </a:solidFill>
+          <a:ln>
+            <a:noFill/>
+          </a:ln>
+        </p:spPr>
+        <p:style>
+          <a:lnRef idx="2">
+            <a:schemeClr val="accent1">
+              <a:shade val="50000"/>
+            </a:schemeClr>
+          </a:lnRef>
+          <a:fillRef idx="1">
+            <a:schemeClr val="accent1"/>
+          </a:fillRef>
+          <a:effectRef idx="0">
+            <a:schemeClr val="accent1"/>
+          </a:effectRef>
+          <a:fontRef idx="minor">
+            <a:schemeClr val="lt1"/>
+          </a:fontRef>
+        </p:style>
+        <p:txBody>
+          <a:bodyPr rtlCol="0" anchor="ctr"/>
+          <a:lstStyle/>
+          <a:p>
+            <a:pPr algn="ctr"/>
+            <a:r>
+              <a:rPr lang="en-US" dirty="0">
+                <a:solidFill>
+                  <a:schemeClr val="bg1"/>
+                </a:solidFill>
+              </a:rPr>
+              <a:t>App</a:t>
+            </a:r>
+          </a:p>
+        </p:txBody>
+      </p:sp>
+      <p:sp>
+        <p:nvSpPr>
+          <p:cNvPr id="23" name="Rectangle 22"/>
+          <p:cNvSpPr/>
+          <p:nvPr/>
+        </p:nvSpPr>
+        <p:spPr>
+          <a:xfrm>
+            <a:off x="2810107" y="4496346"/>
+            <a:ext cx="1405054" cy="868072"/>
+          </a:xfrm>
+          <a:prstGeom prst="rect">
+            <a:avLst/>
+          </a:prstGeom>
+          <a:solidFill>
+            <a:srgbClr val="A6A6A6"/>
+          </a:solidFill>
+          <a:ln>
+            <a:noFill/>
+          </a:ln>
+        </p:spPr>
+        <p:style>
+          <a:lnRef idx="2">
+            <a:schemeClr val="accent1">
+              <a:shade val="50000"/>
+            </a:schemeClr>
+          </a:lnRef>
+          <a:fillRef idx="1">
+            <a:schemeClr val="accent1"/>
+          </a:fillRef>
+          <a:effectRef idx="0">
+            <a:schemeClr val="accent1"/>
+          </a:effectRef>
+          <a:fontRef idx="minor">
+            <a:schemeClr val="lt1"/>
+          </a:fontRef>
+        </p:style>
+        <p:txBody>
+          <a:bodyPr rtlCol="0" anchor="ctr"/>
+          <a:lstStyle/>
+          <a:p>
+            <a:pPr algn="ctr"/>
+            <a:r>
+              <a:rPr lang="en-US" dirty="0" smtClean="0">
+                <a:solidFill>
+                  <a:schemeClr val="bg1"/>
+                </a:solidFill>
+              </a:rPr>
+              <a:t>Guest OS</a:t>
+            </a:r>
+          </a:p>
+        </p:txBody>
+      </p:sp>
+      <p:sp>
+        <p:nvSpPr>
+          <p:cNvPr id="24" name="Rectangle 23"/>
+          <p:cNvSpPr/>
+          <p:nvPr/>
+        </p:nvSpPr>
+        <p:spPr>
+          <a:xfrm>
+            <a:off x="2810107" y="3984454"/>
+            <a:ext cx="1405054" cy="422478"/>
+          </a:xfrm>
+          <a:prstGeom prst="rect">
+            <a:avLst/>
+          </a:prstGeom>
+          <a:solidFill>
+            <a:schemeClr val="accent1">
+              <a:lumMod val="75000"/>
+            </a:schemeClr>
+          </a:solidFill>
+          <a:ln>
+            <a:noFill/>
+          </a:ln>
+        </p:spPr>
+        <p:style>
+          <a:lnRef idx="2">
+            <a:schemeClr val="accent1">
+              <a:shade val="50000"/>
+            </a:schemeClr>
+          </a:lnRef>
+          <a:fillRef idx="1">
+            <a:schemeClr val="accent1"/>
+          </a:fillRef>
+          <a:effectRef idx="0">
+            <a:schemeClr val="accent1"/>
+          </a:effectRef>
+          <a:fontRef idx="minor">
+            <a:schemeClr val="lt1"/>
+          </a:fontRef>
+        </p:style>
+        <p:txBody>
+          <a:bodyPr rtlCol="0" anchor="ctr"/>
+          <a:lstStyle/>
+          <a:p>
+            <a:pPr algn="ctr"/>
+            <a:r>
+              <a:rPr lang="en-US" dirty="0">
+                <a:solidFill>
+                  <a:schemeClr val="bg1"/>
+                </a:solidFill>
+              </a:rPr>
+              <a:t>Libraries</a:t>
+            </a:r>
+          </a:p>
+        </p:txBody>
+      </p:sp>
+      <p:sp>
+        <p:nvSpPr>
+          <p:cNvPr id="25" name="Rectangle 24"/>
+          <p:cNvSpPr/>
+          <p:nvPr/>
+        </p:nvSpPr>
+        <p:spPr>
+          <a:xfrm>
+            <a:off x="2810107" y="3472562"/>
+            <a:ext cx="1405054" cy="422478"/>
+          </a:xfrm>
+          <a:prstGeom prst="rect">
+            <a:avLst/>
+          </a:prstGeom>
+          <a:solidFill>
+            <a:schemeClr val="accent1">
+              <a:lumMod val="75000"/>
+            </a:schemeClr>
+          </a:solidFill>
+          <a:ln>
+            <a:noFill/>
+          </a:ln>
+        </p:spPr>
+        <p:style>
+          <a:lnRef idx="2">
+            <a:schemeClr val="accent1">
+              <a:shade val="50000"/>
+            </a:schemeClr>
+          </a:lnRef>
+          <a:fillRef idx="1">
+            <a:schemeClr val="accent1"/>
+          </a:fillRef>
+          <a:effectRef idx="0">
+            <a:schemeClr val="accent1"/>
+          </a:effectRef>
+          <a:fontRef idx="minor">
+            <a:schemeClr val="lt1"/>
+          </a:fontRef>
+        </p:style>
+        <p:txBody>
+          <a:bodyPr rtlCol="0" anchor="ctr"/>
+          <a:lstStyle/>
+          <a:p>
+            <a:pPr algn="ctr"/>
+            <a:r>
+              <a:rPr lang="en-US" dirty="0">
+                <a:solidFill>
+                  <a:schemeClr val="bg1"/>
+                </a:solidFill>
+              </a:rPr>
+              <a:t>App</a:t>
+            </a:r>
+          </a:p>
+        </p:txBody>
+      </p:sp>
+      <p:sp>
+        <p:nvSpPr>
+          <p:cNvPr id="26" name="Rectangle 25"/>
+          <p:cNvSpPr/>
+          <p:nvPr/>
+        </p:nvSpPr>
+        <p:spPr>
+          <a:xfrm>
+            <a:off x="4315521" y="4496346"/>
+            <a:ext cx="1405054" cy="868072"/>
+          </a:xfrm>
+          <a:prstGeom prst="rect">
+            <a:avLst/>
+          </a:prstGeom>
+          <a:solidFill>
+            <a:srgbClr val="A6A6A6"/>
+          </a:solidFill>
+          <a:ln>
+            <a:noFill/>
+          </a:ln>
+        </p:spPr>
+        <p:style>
+          <a:lnRef idx="2">
+            <a:schemeClr val="accent1">
+              <a:shade val="50000"/>
+            </a:schemeClr>
+          </a:lnRef>
+          <a:fillRef idx="1">
+            <a:schemeClr val="accent1"/>
+          </a:fillRef>
+          <a:effectRef idx="0">
+            <a:schemeClr val="accent1"/>
+          </a:effectRef>
+          <a:fontRef idx="minor">
+            <a:schemeClr val="lt1"/>
+          </a:fontRef>
+        </p:style>
+        <p:txBody>
+          <a:bodyPr rtlCol="0" anchor="ctr"/>
+          <a:lstStyle/>
+          <a:p>
+            <a:pPr algn="ctr"/>
+            <a:r>
+              <a:rPr lang="en-US" dirty="0" smtClean="0">
+                <a:solidFill>
+                  <a:schemeClr val="bg1"/>
+                </a:solidFill>
+              </a:rPr>
+              <a:t>Guest OS</a:t>
+            </a:r>
+          </a:p>
+        </p:txBody>
+      </p:sp>
+      <p:sp>
+        <p:nvSpPr>
+          <p:cNvPr id="27" name="Rectangle 26"/>
+          <p:cNvSpPr/>
+          <p:nvPr/>
+        </p:nvSpPr>
+        <p:spPr>
+          <a:xfrm>
+            <a:off x="4315521" y="3984454"/>
+            <a:ext cx="1405054" cy="422478"/>
+          </a:xfrm>
+          <a:prstGeom prst="rect">
+            <a:avLst/>
+          </a:prstGeom>
+          <a:solidFill>
+            <a:schemeClr val="accent1">
+              <a:lumMod val="75000"/>
+            </a:schemeClr>
+          </a:solidFill>
+          <a:ln>
+            <a:noFill/>
+          </a:ln>
+        </p:spPr>
+        <p:style>
+          <a:lnRef idx="2">
+            <a:schemeClr val="accent1">
+              <a:shade val="50000"/>
+            </a:schemeClr>
+          </a:lnRef>
+          <a:fillRef idx="1">
+            <a:schemeClr val="accent1"/>
+          </a:fillRef>
+          <a:effectRef idx="0">
+            <a:schemeClr val="accent1"/>
+          </a:effectRef>
+          <a:fontRef idx="minor">
+            <a:schemeClr val="lt1"/>
+          </a:fontRef>
+        </p:style>
+        <p:txBody>
+          <a:bodyPr rtlCol="0" anchor="ctr"/>
+          <a:lstStyle/>
+          <a:p>
+            <a:pPr algn="ctr"/>
+            <a:r>
+              <a:rPr lang="en-US" dirty="0">
+                <a:solidFill>
+                  <a:schemeClr val="bg1"/>
+                </a:solidFill>
+              </a:rPr>
+              <a:t>Libraries</a:t>
+            </a:r>
+          </a:p>
+        </p:txBody>
+      </p:sp>
+      <p:sp>
+        <p:nvSpPr>
+          <p:cNvPr id="28" name="Rectangle 27"/>
+          <p:cNvSpPr/>
+          <p:nvPr/>
+        </p:nvSpPr>
+        <p:spPr>
+          <a:xfrm>
+            <a:off x="4315521" y="3472562"/>
+            <a:ext cx="1405054" cy="422478"/>
+          </a:xfrm>
+          <a:prstGeom prst="rect">
+            <a:avLst/>
+          </a:prstGeom>
+          <a:solidFill>
+            <a:schemeClr val="accent1">
+              <a:lumMod val="75000"/>
+            </a:schemeClr>
+          </a:solidFill>
+          <a:ln>
+            <a:noFill/>
+          </a:ln>
+        </p:spPr>
+        <p:style>
+          <a:lnRef idx="2">
+            <a:schemeClr val="accent1">
+              <a:shade val="50000"/>
+            </a:schemeClr>
+          </a:lnRef>
+          <a:fillRef idx="1">
+            <a:schemeClr val="accent1"/>
+          </a:fillRef>
+          <a:effectRef idx="0">
+            <a:schemeClr val="accent1"/>
+          </a:effectRef>
+          <a:fontRef idx="minor">
+            <a:schemeClr val="lt1"/>
+          </a:fontRef>
+        </p:style>
+        <p:txBody>
+          <a:bodyPr rtlCol="0" anchor="ctr"/>
+          <a:lstStyle/>
+          <a:p>
+            <a:pPr algn="ctr"/>
+            <a:r>
+              <a:rPr lang="en-US" dirty="0">
+                <a:solidFill>
+                  <a:schemeClr val="bg1"/>
+                </a:solidFill>
+              </a:rPr>
+              <a:t>App</a:t>
+            </a:r>
+          </a:p>
+        </p:txBody>
+      </p:sp>
+      <p:sp>
+        <p:nvSpPr>
+          <p:cNvPr id="29" name="Rectangle 28"/>
+          <p:cNvSpPr/>
+          <p:nvPr/>
+        </p:nvSpPr>
+        <p:spPr>
+          <a:xfrm>
+            <a:off x="6501162" y="5965724"/>
+            <a:ext cx="4415882" cy="422478"/>
+          </a:xfrm>
+          <a:prstGeom prst="rect">
+            <a:avLst/>
+          </a:prstGeom>
+          <a:solidFill>
+            <a:schemeClr val="accent1">
+              <a:lumMod val="75000"/>
+            </a:schemeClr>
+          </a:solidFill>
+          <a:ln>
+            <a:noFill/>
+          </a:ln>
+        </p:spPr>
+        <p:style>
+          <a:lnRef idx="2">
+            <a:schemeClr val="accent1">
+              <a:shade val="50000"/>
+            </a:schemeClr>
+          </a:lnRef>
+          <a:fillRef idx="1">
+            <a:schemeClr val="accent1"/>
+          </a:fillRef>
+          <a:effectRef idx="0">
+            <a:schemeClr val="accent1"/>
+          </a:effectRef>
+          <a:fontRef idx="minor">
+            <a:schemeClr val="lt1"/>
+          </a:fontRef>
+        </p:style>
+        <p:txBody>
+          <a:bodyPr rtlCol="0" anchor="ctr"/>
+          <a:lstStyle/>
+          <a:p>
+            <a:pPr algn="ctr"/>
+            <a:r>
+              <a:rPr lang="en-US" dirty="0" smtClean="0">
+                <a:solidFill>
+                  <a:schemeClr val="bg1"/>
+                </a:solidFill>
+              </a:rPr>
+              <a:t>Operating System</a:t>
+            </a:r>
+          </a:p>
+        </p:txBody>
+      </p:sp>
+      <p:sp>
+        <p:nvSpPr>
+          <p:cNvPr id="30" name="Rectangle 29"/>
+          <p:cNvSpPr/>
+          <p:nvPr/>
+        </p:nvSpPr>
+        <p:spPr>
+          <a:xfrm>
+            <a:off x="6501162" y="5453832"/>
+            <a:ext cx="4415882" cy="422478"/>
+          </a:xfrm>
+          <a:prstGeom prst="rect">
+            <a:avLst/>
+          </a:prstGeom>
+          <a:solidFill>
+            <a:srgbClr val="A6A6A6"/>
+          </a:solidFill>
+          <a:ln>
+            <a:noFill/>
+          </a:ln>
+        </p:spPr>
+        <p:style>
+          <a:lnRef idx="2">
+            <a:schemeClr val="accent1">
+              <a:shade val="50000"/>
+            </a:schemeClr>
+          </a:lnRef>
+          <a:fillRef idx="1">
+            <a:schemeClr val="accent1"/>
+          </a:fillRef>
+          <a:effectRef idx="0">
+            <a:schemeClr val="accent1"/>
+          </a:effectRef>
+          <a:fontRef idx="minor">
+            <a:schemeClr val="lt1"/>
+          </a:fontRef>
+        </p:style>
+        <p:txBody>
+          <a:bodyPr rtlCol="0" anchor="ctr"/>
+          <a:lstStyle/>
+          <a:p>
+            <a:pPr algn="ctr"/>
+            <a:r>
+              <a:rPr lang="en-US" dirty="0" smtClean="0">
+                <a:solidFill>
+                  <a:schemeClr val="bg1"/>
+                </a:solidFill>
+              </a:rPr>
+              <a:t>Container Engine</a:t>
+            </a:r>
+          </a:p>
+        </p:txBody>
+      </p:sp>
+      <p:sp>
+        <p:nvSpPr>
+          <p:cNvPr id="32" name="Rectangle 31"/>
+          <p:cNvSpPr/>
+          <p:nvPr/>
+        </p:nvSpPr>
+        <p:spPr>
+          <a:xfrm>
+            <a:off x="6501162" y="4941940"/>
+            <a:ext cx="1405054" cy="422478"/>
+          </a:xfrm>
+          <a:prstGeom prst="rect">
+            <a:avLst/>
+          </a:prstGeom>
+          <a:solidFill>
+            <a:schemeClr val="accent1">
+              <a:lumMod val="75000"/>
+            </a:schemeClr>
+          </a:solidFill>
+          <a:ln>
+            <a:noFill/>
+          </a:ln>
+        </p:spPr>
+        <p:style>
+          <a:lnRef idx="2">
+            <a:schemeClr val="accent1">
+              <a:shade val="50000"/>
+            </a:schemeClr>
+          </a:lnRef>
+          <a:fillRef idx="1">
+            <a:schemeClr val="accent1"/>
+          </a:fillRef>
+          <a:effectRef idx="0">
+            <a:schemeClr val="accent1"/>
+          </a:effectRef>
+          <a:fontRef idx="minor">
+            <a:schemeClr val="lt1"/>
+          </a:fontRef>
+        </p:style>
+        <p:txBody>
+          <a:bodyPr rtlCol="0" anchor="ctr"/>
+          <a:lstStyle/>
+          <a:p>
+            <a:pPr algn="ctr"/>
+            <a:r>
+              <a:rPr lang="en-US" dirty="0">
+                <a:solidFill>
+                  <a:schemeClr val="bg1"/>
+                </a:solidFill>
+              </a:rPr>
+              <a:t>Libraries</a:t>
+            </a:r>
+          </a:p>
+        </p:txBody>
+      </p:sp>
+      <p:sp>
+        <p:nvSpPr>
+          <p:cNvPr id="33" name="Rectangle 32"/>
+          <p:cNvSpPr/>
+          <p:nvPr/>
+        </p:nvSpPr>
+        <p:spPr>
+          <a:xfrm>
+            <a:off x="6501162" y="4430048"/>
+            <a:ext cx="1405054" cy="422478"/>
+          </a:xfrm>
+          <a:prstGeom prst="rect">
+            <a:avLst/>
+          </a:prstGeom>
+          <a:solidFill>
+            <a:schemeClr val="accent1">
+              <a:lumMod val="75000"/>
+            </a:schemeClr>
+          </a:solidFill>
+          <a:ln>
+            <a:noFill/>
+          </a:ln>
+        </p:spPr>
+        <p:style>
+          <a:lnRef idx="2">
+            <a:schemeClr val="accent1">
+              <a:shade val="50000"/>
+            </a:schemeClr>
+          </a:lnRef>
+          <a:fillRef idx="1">
+            <a:schemeClr val="accent1"/>
+          </a:fillRef>
+          <a:effectRef idx="0">
+            <a:schemeClr val="accent1"/>
+          </a:effectRef>
+          <a:fontRef idx="minor">
+            <a:schemeClr val="lt1"/>
+          </a:fontRef>
+        </p:style>
+        <p:txBody>
+          <a:bodyPr rtlCol="0" anchor="ctr"/>
+          <a:lstStyle/>
+          <a:p>
+            <a:pPr algn="ctr"/>
+            <a:r>
+              <a:rPr lang="en-US" dirty="0">
+                <a:solidFill>
+                  <a:schemeClr val="bg1"/>
+                </a:solidFill>
+              </a:rPr>
+              <a:t>App</a:t>
+            </a:r>
+          </a:p>
+        </p:txBody>
+      </p:sp>
+      <p:sp>
+        <p:nvSpPr>
+          <p:cNvPr id="35" name="Rectangle 34"/>
+          <p:cNvSpPr/>
+          <p:nvPr/>
+        </p:nvSpPr>
+        <p:spPr>
+          <a:xfrm>
+            <a:off x="8006576" y="4941940"/>
+            <a:ext cx="1405054" cy="422478"/>
+          </a:xfrm>
+          <a:prstGeom prst="rect">
+            <a:avLst/>
+          </a:prstGeom>
+          <a:solidFill>
+            <a:schemeClr val="accent1">
+              <a:lumMod val="75000"/>
+            </a:schemeClr>
+          </a:solidFill>
+          <a:ln>
+            <a:noFill/>
+          </a:ln>
+        </p:spPr>
+        <p:style>
+          <a:lnRef idx="2">
+            <a:schemeClr val="accent1">
+              <a:shade val="50000"/>
+            </a:schemeClr>
+          </a:lnRef>
+          <a:fillRef idx="1">
+            <a:schemeClr val="accent1"/>
+          </a:fillRef>
+          <a:effectRef idx="0">
+            <a:schemeClr val="accent1"/>
+          </a:effectRef>
+          <a:fontRef idx="minor">
+            <a:schemeClr val="lt1"/>
+          </a:fontRef>
+        </p:style>
+        <p:txBody>
+          <a:bodyPr rtlCol="0" anchor="ctr"/>
+          <a:lstStyle/>
+          <a:p>
+            <a:pPr algn="ctr"/>
+            <a:r>
+              <a:rPr lang="en-US" dirty="0">
+                <a:solidFill>
+                  <a:schemeClr val="bg1"/>
+                </a:solidFill>
+              </a:rPr>
+              <a:t>Libraries</a:t>
+            </a:r>
+          </a:p>
+        </p:txBody>
+      </p:sp>
+      <p:sp>
+        <p:nvSpPr>
+          <p:cNvPr id="36" name="Rectangle 35"/>
+          <p:cNvSpPr/>
+          <p:nvPr/>
+        </p:nvSpPr>
+        <p:spPr>
+          <a:xfrm>
+            <a:off x="8006576" y="4430048"/>
+            <a:ext cx="1405054" cy="422478"/>
+          </a:xfrm>
+          <a:prstGeom prst="rect">
+            <a:avLst/>
+          </a:prstGeom>
+          <a:solidFill>
+            <a:schemeClr val="accent1">
+              <a:lumMod val="75000"/>
+            </a:schemeClr>
+          </a:solidFill>
+          <a:ln>
+            <a:noFill/>
+          </a:ln>
+        </p:spPr>
+        <p:style>
+          <a:lnRef idx="2">
+            <a:schemeClr val="accent1">
+              <a:shade val="50000"/>
+            </a:schemeClr>
+          </a:lnRef>
+          <a:fillRef idx="1">
+            <a:schemeClr val="accent1"/>
+          </a:fillRef>
+          <a:effectRef idx="0">
+            <a:schemeClr val="accent1"/>
+          </a:effectRef>
+          <a:fontRef idx="minor">
+            <a:schemeClr val="lt1"/>
+          </a:fontRef>
+        </p:style>
+        <p:txBody>
+          <a:bodyPr rtlCol="0" anchor="ctr"/>
+          <a:lstStyle/>
+          <a:p>
+            <a:pPr algn="ctr"/>
+            <a:r>
+              <a:rPr lang="en-US" dirty="0">
+                <a:solidFill>
+                  <a:schemeClr val="bg1"/>
+                </a:solidFill>
+              </a:rPr>
+              <a:t>App</a:t>
+            </a:r>
+          </a:p>
+        </p:txBody>
+      </p:sp>
+      <p:sp>
+        <p:nvSpPr>
+          <p:cNvPr id="38" name="Rectangle 37"/>
+          <p:cNvSpPr/>
+          <p:nvPr/>
+        </p:nvSpPr>
+        <p:spPr>
+          <a:xfrm>
+            <a:off x="9511990" y="4941940"/>
+            <a:ext cx="1405054" cy="422478"/>
+          </a:xfrm>
+          <a:prstGeom prst="rect">
+            <a:avLst/>
+          </a:prstGeom>
+          <a:solidFill>
+            <a:schemeClr val="accent1">
+              <a:lumMod val="75000"/>
+            </a:schemeClr>
+          </a:solidFill>
+          <a:ln>
+            <a:noFill/>
+          </a:ln>
+        </p:spPr>
+        <p:style>
+          <a:lnRef idx="2">
+            <a:schemeClr val="accent1">
+              <a:shade val="50000"/>
+            </a:schemeClr>
+          </a:lnRef>
+          <a:fillRef idx="1">
+            <a:schemeClr val="accent1"/>
+          </a:fillRef>
+          <a:effectRef idx="0">
+            <a:schemeClr val="accent1"/>
+          </a:effectRef>
+          <a:fontRef idx="minor">
+            <a:schemeClr val="lt1"/>
+          </a:fontRef>
+        </p:style>
+        <p:txBody>
+          <a:bodyPr rtlCol="0" anchor="ctr"/>
+          <a:lstStyle/>
+          <a:p>
+            <a:pPr algn="ctr"/>
+            <a:r>
+              <a:rPr lang="en-US" dirty="0">
+                <a:solidFill>
+                  <a:schemeClr val="bg1"/>
+                </a:solidFill>
+              </a:rPr>
+              <a:t>Libraries</a:t>
+            </a:r>
+          </a:p>
+        </p:txBody>
+      </p:sp>
+      <p:sp>
+        <p:nvSpPr>
+          <p:cNvPr id="39" name="Rectangle 38"/>
+          <p:cNvSpPr/>
+          <p:nvPr/>
+        </p:nvSpPr>
+        <p:spPr>
+          <a:xfrm>
+            <a:off x="9511990" y="4430048"/>
+            <a:ext cx="1405054" cy="422478"/>
+          </a:xfrm>
+          <a:prstGeom prst="rect">
+            <a:avLst/>
+          </a:prstGeom>
+          <a:solidFill>
+            <a:schemeClr val="accent1">
+              <a:lumMod val="75000"/>
+            </a:schemeClr>
+          </a:solidFill>
+          <a:ln>
+            <a:noFill/>
+          </a:ln>
+        </p:spPr>
+        <p:style>
+          <a:lnRef idx="2">
+            <a:schemeClr val="accent1">
+              <a:shade val="50000"/>
+            </a:schemeClr>
+          </a:lnRef>
+          <a:fillRef idx="1">
+            <a:schemeClr val="accent1"/>
+          </a:fillRef>
+          <a:effectRef idx="0">
+            <a:schemeClr val="accent1"/>
+          </a:effectRef>
+          <a:fontRef idx="minor">
+            <a:schemeClr val="lt1"/>
+          </a:fontRef>
+        </p:style>
+        <p:txBody>
+          <a:bodyPr rtlCol="0" anchor="ctr"/>
+          <a:lstStyle/>
+          <a:p>
+            <a:pPr algn="ctr"/>
+            <a:r>
+              <a:rPr lang="en-US" dirty="0">
+                <a:solidFill>
+                  <a:schemeClr val="bg1"/>
+                </a:solidFill>
+              </a:rPr>
+              <a:t>App</a:t>
+            </a:r>
+          </a:p>
+        </p:txBody>
+      </p:sp>
+      <p:sp>
+        <p:nvSpPr>
+          <p:cNvPr id="40" name="TextBox 39"/>
+          <p:cNvSpPr txBox="1"/>
+          <p:nvPr/>
+        </p:nvSpPr>
+        <p:spPr>
+          <a:xfrm>
+            <a:off x="1215483" y="3010897"/>
+            <a:ext cx="4505092" cy="461665"/>
+          </a:xfrm>
+          <a:prstGeom prst="rect">
+            <a:avLst/>
+          </a:prstGeom>
+          <a:noFill/>
+        </p:spPr>
+        <p:txBody>
+          <a:bodyPr wrap="square" rtlCol="0">
+            <a:spAutoFit/>
+          </a:bodyPr>
+          <a:lstStyle/>
+          <a:p>
+            <a:pPr algn="ctr"/>
+            <a:r>
+              <a:rPr lang="en-US" sz="2400" dirty="0" smtClean="0">
+                <a:solidFill>
+                  <a:srgbClr val="235888"/>
+                </a:solidFill>
+              </a:rPr>
+              <a:t>Virtual Machines</a:t>
+            </a:r>
+            <a:endParaRPr lang="en-US" sz="2400" dirty="0">
+              <a:solidFill>
+                <a:srgbClr val="235888"/>
+              </a:solidFill>
+            </a:endParaRPr>
+          </a:p>
+        </p:txBody>
+      </p:sp>
+      <p:sp>
+        <p:nvSpPr>
+          <p:cNvPr id="41" name="TextBox 40"/>
+          <p:cNvSpPr txBox="1"/>
+          <p:nvPr/>
+        </p:nvSpPr>
+        <p:spPr>
+          <a:xfrm>
+            <a:off x="6456557" y="3964860"/>
+            <a:ext cx="4505092" cy="461665"/>
+          </a:xfrm>
+          <a:prstGeom prst="rect">
+            <a:avLst/>
+          </a:prstGeom>
+          <a:noFill/>
+        </p:spPr>
+        <p:txBody>
+          <a:bodyPr wrap="square" rtlCol="0">
+            <a:spAutoFit/>
+          </a:bodyPr>
+          <a:lstStyle/>
+          <a:p>
+            <a:pPr algn="ctr"/>
+            <a:r>
+              <a:rPr lang="en-US" sz="2400" dirty="0" smtClean="0">
+                <a:solidFill>
+                  <a:srgbClr val="235888"/>
+                </a:solidFill>
+              </a:rPr>
+              <a:t>Containers</a:t>
+            </a:r>
+            <a:endParaRPr lang="en-US" sz="2400" dirty="0">
+              <a:solidFill>
+                <a:srgbClr val="235888"/>
+              </a:solidFill>
+            </a:endParaRPr>
           </a:p>
         </p:txBody>
       </p:sp>
@@ -21284,12 +22831,107 @@
             <p:ph idx="1"/>
           </p:nvPr>
         </p:nvSpPr>
-        <p:spPr/>
-        <p:txBody>
-          <a:bodyPr/>
+        <p:spPr>
+          <a:xfrm>
+            <a:off x="838200" y="1825625"/>
+            <a:ext cx="5729868" cy="4351338"/>
+          </a:xfrm>
+        </p:spPr>
+        <p:txBody>
+          <a:bodyPr>
+            <a:normAutofit/>
+          </a:bodyPr>
           <a:lstStyle/>
           <a:p>
-            <a:endParaRPr lang="en-US"/>
+            <a:r>
+              <a:rPr lang="en-US" dirty="0" smtClean="0"/>
+              <a:t>Leading open-source containerization platform</a:t>
+            </a:r>
+          </a:p>
+          <a:p>
+            <a:endParaRPr lang="en-US" dirty="0"/>
+          </a:p>
+          <a:p>
+            <a:endParaRPr lang="en-US" dirty="0" smtClean="0"/>
+          </a:p>
+          <a:p>
+            <a:endParaRPr lang="en-US" dirty="0"/>
+          </a:p>
+          <a:p>
+            <a:endParaRPr lang="en-US" dirty="0" smtClean="0"/>
+          </a:p>
+          <a:p>
+            <a:endParaRPr lang="en-US" dirty="0"/>
+          </a:p>
+          <a:p>
+            <a:r>
+              <a:rPr lang="en-US" dirty="0" smtClean="0"/>
+              <a:t>Supported natively in Azure via Azure Container Service</a:t>
+            </a:r>
+            <a:endParaRPr lang="en-US" dirty="0"/>
+          </a:p>
+        </p:txBody>
+      </p:sp>
+      <p:pic>
+        <p:nvPicPr>
+          <p:cNvPr id="4" name="Picture 3"/>
+          <p:cNvPicPr>
+            <a:picLocks noChangeAspect="1"/>
+          </p:cNvPicPr>
+          <p:nvPr/>
+        </p:nvPicPr>
+        <p:blipFill>
+          <a:blip r:embed="rId3" cstate="print">
+            <a:extLst>
+              <a:ext uri="{28A0092B-C50C-407E-A947-70E740481C1C}">
+                <a14:useLocalDpi xmlns:a14="http://schemas.microsoft.com/office/drawing/2010/main" val="0"/>
+              </a:ext>
+            </a:extLst>
+          </a:blip>
+          <a:stretch>
+            <a:fillRect/>
+          </a:stretch>
+        </p:blipFill>
+        <p:spPr>
+          <a:xfrm>
+            <a:off x="5568568" y="1296374"/>
+            <a:ext cx="6497052" cy="5409839"/>
+          </a:xfrm>
+          <a:prstGeom prst="rect">
+            <a:avLst/>
+          </a:prstGeom>
+        </p:spPr>
+      </p:pic>
+      <p:sp>
+        <p:nvSpPr>
+          <p:cNvPr id="5" name="TextBox 4"/>
+          <p:cNvSpPr txBox="1"/>
+          <p:nvPr/>
+        </p:nvSpPr>
+        <p:spPr>
+          <a:xfrm>
+            <a:off x="1059365" y="2985630"/>
+            <a:ext cx="4650059" cy="2031325"/>
+          </a:xfrm>
+          <a:prstGeom prst="rect">
+            <a:avLst/>
+          </a:prstGeom>
+          <a:noFill/>
+        </p:spPr>
+        <p:txBody>
+          <a:bodyPr wrap="square" rtlCol="0">
+            <a:spAutoFit/>
+          </a:bodyPr>
+          <a:lstStyle/>
+          <a:p>
+            <a:r>
+              <a:rPr lang="en-US" i="1" dirty="0">
+                <a:solidFill>
+                  <a:srgbClr val="4D9CD7"/>
+                </a:solidFill>
+              </a:rPr>
+              <a:t>Docker containers wrap up a piece of software in a complete filesystem that contains everything it needs to run: code, runtime, system tools, system libraries – anything you can install on a server. This guarantees that it will always run the same, regardless of the environment it is running in</a:t>
+            </a:r>
           </a:p>
         </p:txBody>
       </p:sp>

--- a/Workshop/6. HPC/HPC and Azure Container Service.pptx
+++ b/Workshop/6. HPC/HPC and Azure Container Service.pptx
@@ -6,7 +6,7 @@
     <p:sldMasterId id="2147483663" r:id="rId2"/>
   </p:sldMasterIdLst>
   <p:notesMasterIdLst>
-    <p:notesMasterId r:id="rId17"/>
+    <p:notesMasterId r:id="rId21"/>
   </p:notesMasterIdLst>
   <p:sldIdLst>
     <p:sldId id="256" r:id="rId3"/>
@@ -18,11 +18,15 @@
     <p:sldId id="306" r:id="rId9"/>
     <p:sldId id="307" r:id="rId10"/>
     <p:sldId id="308" r:id="rId11"/>
-    <p:sldId id="309" r:id="rId12"/>
-    <p:sldId id="311" r:id="rId13"/>
-    <p:sldId id="313" r:id="rId14"/>
-    <p:sldId id="295" r:id="rId15"/>
-    <p:sldId id="299" r:id="rId16"/>
+    <p:sldId id="314" r:id="rId12"/>
+    <p:sldId id="313" r:id="rId13"/>
+    <p:sldId id="315" r:id="rId14"/>
+    <p:sldId id="316" r:id="rId15"/>
+    <p:sldId id="309" r:id="rId16"/>
+    <p:sldId id="311" r:id="rId17"/>
+    <p:sldId id="317" r:id="rId18"/>
+    <p:sldId id="295" r:id="rId19"/>
+    <p:sldId id="299" r:id="rId20"/>
   </p:sldIdLst>
   <p:sldSz cx="12192000" cy="6858000"/>
   <p:notesSz cx="6858000" cy="9144000"/>
@@ -211,7 +215,7 @@
           <a:p>
             <a:fld id="{49B60EF2-7028-489F-85D8-FE86CD7CF2A0}" type="datetimeFigureOut">
               <a:rPr lang="en-US" smtClean="0"/>
-              <a:t>7/18/2016</a:t>
+              <a:t>8/29/2016</a:t>
             </a:fld>
             <a:endParaRPr lang="en-US"/>
           </a:p>
@@ -606,19 +610,76 @@
           <a:bodyPr/>
           <a:lstStyle/>
           <a:p>
+            <a:pPr marL="0" marR="0" lvl="0" indent="0" algn="l" defTabSz="914400" rtl="0" eaLnBrk="1" fontAlgn="auto" latinLnBrk="0" hangingPunct="1">
+              <a:lnSpc>
+                <a:spcPct val="100000"/>
+              </a:lnSpc>
+              <a:spcBef>
+                <a:spcPts val="0"/>
+              </a:spcBef>
+              <a:spcAft>
+                <a:spcPts val="0"/>
+              </a:spcAft>
+              <a:buClrTx/>
+              <a:buSzTx/>
+              <a:buFontTx/>
+              <a:buNone/>
+              <a:tabLst/>
+              <a:defRPr/>
+            </a:pPr>
             <a:r>
               <a:rPr lang="en-US" dirty="0" smtClean="0"/>
-              <a:t>From the documentation: "Azure Container Service makes it simpler for you to create, configure, and manage a cluster of virtual machines that are preconfigured to run containerized applications. It uses an optimized configuration of popular open-source scheduling and orchestration tools. This enables you to use your existing skills, or draw upon a large and growing body of community expertise, to deploy and manage container-based applications on Microsoft Azure." ACS supports Linux containers and Windows containers. The latter rely</a:t>
+              <a:t>Docker utilizes</a:t>
             </a:r>
             <a:r>
               <a:rPr lang="en-US" baseline="0" dirty="0" smtClean="0"/>
-              <a:t> on </a:t>
-            </a:r>
-            <a:r>
-              <a:rPr lang="en-US" dirty="0" smtClean="0"/>
-              <a:t>Windows Server 2016.</a:t>
-            </a:r>
-            <a:endParaRPr lang="en-US" dirty="0"/>
+              <a:t> a client-server architecture. You execute Docker commands through a Docker client such as the Docker CLI or </a:t>
+            </a:r>
+            <a:r>
+              <a:rPr lang="en-US" baseline="0" dirty="0" err="1" smtClean="0"/>
+              <a:t>Kitematic</a:t>
+            </a:r>
+            <a:r>
+              <a:rPr lang="en-US" baseline="0" dirty="0" smtClean="0"/>
+              <a:t>. The client uses REST commands to communicate with the Docker daemon running on a Docker host such as the Azure Container services. These commands can be used to push, pull (</a:t>
+            </a:r>
+            <a:r>
+              <a:rPr lang="en-US" b="1" baseline="0" dirty="0" err="1" smtClean="0"/>
+              <a:t>docker</a:t>
+            </a:r>
+            <a:r>
+              <a:rPr lang="en-US" b="1" baseline="0" dirty="0" smtClean="0"/>
+              <a:t> pull</a:t>
+            </a:r>
+            <a:r>
+              <a:rPr lang="en-US" baseline="0" dirty="0" smtClean="0"/>
+              <a:t>), and create Docker images, to run them in containers, and to manage those containers. Images can be built with the </a:t>
+            </a:r>
+            <a:r>
+              <a:rPr lang="en-US" b="1" baseline="0" dirty="0" err="1" smtClean="0"/>
+              <a:t>docker</a:t>
+            </a:r>
+            <a:r>
+              <a:rPr lang="en-US" b="1" baseline="0" dirty="0" smtClean="0"/>
+              <a:t> build</a:t>
+            </a:r>
+            <a:r>
+              <a:rPr lang="en-US" baseline="0" dirty="0" smtClean="0"/>
+              <a:t> command, and they can be stand-alone, or they can "inherit" from other images. Images are stored in Docker registries, which can be public or private, local or remote. Docker Hub is a popular public registry that is managed by Docker; it contains a "huge collection" of images that anyone may use. The </a:t>
+            </a:r>
+            <a:r>
+              <a:rPr lang="en-US" b="1" baseline="0" dirty="0" err="1" smtClean="0"/>
+              <a:t>docker</a:t>
+            </a:r>
+            <a:r>
+              <a:rPr lang="en-US" b="1" baseline="0" dirty="0" smtClean="0"/>
+              <a:t> run</a:t>
+            </a:r>
+            <a:r>
+              <a:rPr lang="en-US" baseline="0" dirty="0" smtClean="0"/>
+              <a:t> command runs a container using an image as a template.</a:t>
+            </a:r>
+            <a:endParaRPr lang="en-US" dirty="0" smtClean="0"/>
           </a:p>
         </p:txBody>
       </p:sp>
@@ -648,7 +709,7 @@
     </p:spTree>
     <p:extLst>
       <p:ext uri="{BB962C8B-B14F-4D97-AF65-F5344CB8AC3E}">
-        <p14:creationId xmlns:p14="http://schemas.microsoft.com/office/powerpoint/2010/main" val="36852900"/>
+        <p14:creationId xmlns:p14="http://schemas.microsoft.com/office/powerpoint/2010/main" val="2815615228"/>
       </p:ext>
     </p:extLst>
   </p:cSld>
@@ -704,11 +765,19 @@
           <a:p>
             <a:r>
               <a:rPr lang="en-US" dirty="0" smtClean="0"/>
-              <a:t>Here's what happens in Azure</a:t>
+              <a:t>The Docker Client,</a:t>
             </a:r>
             <a:r>
               <a:rPr lang="en-US" baseline="0" dirty="0" smtClean="0"/>
-              <a:t> when you create an Azure Container Service with Docker Swarm as the orchestrator. Azure creates one or more master VMs to control the "swarm" of containers, as well as a Virtual Machine Scale Set, which provides the "agent" VMs in which containers run. All these VMs communicate over a private virtual network. To communicate with Docker Swarm in a master VM from a Docker client running on a local machine, you establish an SSH tunnel that forwards the local port 22375 to port 2375 in the VM (via SSH port 2200). This allows you to execute local commands that load container images and run containers in the cloud. Docker Swarm manages the container instances in the agent VMs as well as the agent VMs themselves. You don't have to know this to use Azure Container Service, but it does help explain various port forwarding commands that you employ when running the Docker client on a local machine connected to Azure.</a:t>
+              <a:t> also known as the Docker CLI, is the primary tool you use to manage Docker containers. You can download container images from repositories such as Docker Hub, build container images, run container instances, list container images and instances, and much more. After connecting to Azure Container Service using SSH, you can use port forwarding to execute commands locally that act on an Azure Container Service running in the cloud. In this example, the -H switch used with the </a:t>
+            </a:r>
+            <a:r>
+              <a:rPr lang="en-US" b="1" baseline="0" dirty="0" err="1" smtClean="0"/>
+              <a:t>docker</a:t>
+            </a:r>
+            <a:r>
+              <a:rPr lang="en-US" baseline="0" dirty="0" smtClean="0"/>
+              <a:t> commands forwards commands sent to port 22375 on localhost to the Azure Container Services via SSH.</a:t>
             </a:r>
             <a:endParaRPr lang="en-US" dirty="0"/>
           </a:p>
@@ -740,7 +809,7 @@
     </p:spTree>
     <p:extLst>
       <p:ext uri="{BB962C8B-B14F-4D97-AF65-F5344CB8AC3E}">
-        <p14:creationId xmlns:p14="http://schemas.microsoft.com/office/powerpoint/2010/main" val="2302495390"/>
+        <p14:creationId xmlns:p14="http://schemas.microsoft.com/office/powerpoint/2010/main" val="999235491"/>
       </p:ext>
     </p:extLst>
   </p:cSld>
@@ -794,13 +863,42 @@
           <a:bodyPr/>
           <a:lstStyle/>
           <a:p>
+            <a:pPr marL="0" marR="0" lvl="0" indent="0" algn="l" defTabSz="914400" rtl="0" eaLnBrk="1" fontAlgn="auto" latinLnBrk="0" hangingPunct="1">
+              <a:lnSpc>
+                <a:spcPct val="100000"/>
+              </a:lnSpc>
+              <a:spcBef>
+                <a:spcPts val="0"/>
+              </a:spcBef>
+              <a:spcAft>
+                <a:spcPts val="0"/>
+              </a:spcAft>
+              <a:buClrTx/>
+              <a:buSzTx/>
+              <a:buFontTx/>
+              <a:buNone/>
+              <a:tabLst/>
+              <a:defRPr/>
+            </a:pPr>
             <a:r>
               <a:rPr lang="en-US" dirty="0" smtClean="0"/>
-              <a:t>The Docker Client,</a:t>
+              <a:t>This command pulls the image</a:t>
             </a:r>
             <a:r>
               <a:rPr lang="en-US" baseline="0" dirty="0" smtClean="0"/>
-              <a:t> also known as the Docker CLI, is the primary tool you use to manage Docker containers. You can download container images from repositories such as Docker Hub, build container images, run container instances, list container images and instances, and much more. After connecting to Azure Container Service using SSH, you can use port forwarding to execute commands locally that act on an Azure Container Service running in the cloud. In this example, the -H switch used with the </a:t>
+              <a:t> named "Ubuntu" from Docker Hub (or a local registry if the image is cached there) and runs it interactively in a container. "Interactively" means standard input, output, and error are connected locally so you can provide input to the container and see its output. Of course, you are not limited to the "Ubuntu" image. You can specify other images and even create images of your own with </a:t>
+            </a:r>
+            <a:r>
+              <a:rPr lang="en-US" b="1" baseline="0" dirty="0" err="1" smtClean="0"/>
+              <a:t>docker</a:t>
+            </a:r>
+            <a:r>
+              <a:rPr lang="en-US" b="1" baseline="0" dirty="0" smtClean="0"/>
+              <a:t> build</a:t>
+            </a:r>
+            <a:r>
+              <a:rPr lang="en-US" baseline="0" dirty="0" smtClean="0"/>
+              <a:t>. Where the container runs depends on the context. The container can run locally in a </a:t>
             </a:r>
             <a:r>
               <a:rPr lang="en-US" baseline="0" dirty="0" err="1" smtClean="0"/>
@@ -808,9 +906,17 @@
             </a:r>
             <a:r>
               <a:rPr lang="en-US" baseline="0" dirty="0" smtClean="0"/>
-              <a:t> commands forwards commands sent to port 22375 on localhost to the Azure Container Services via SSH.</a:t>
-            </a:r>
-            <a:endParaRPr lang="en-US" dirty="0"/>
+              <a:t> host (for example, a VM on Windows), or it can remotely if you connect to a remote Docker daemon (for example, one running in Azure) via SSH tunneling and use port forwarding to forward </a:t>
+            </a:r>
+            <a:r>
+              <a:rPr lang="en-US" b="1" baseline="0" dirty="0" err="1" smtClean="0"/>
+              <a:t>docker</a:t>
+            </a:r>
+            <a:r>
+              <a:rPr lang="en-US" baseline="0" dirty="0" smtClean="0"/>
+              <a:t> commands to the daemon.</a:t>
+            </a:r>
+            <a:endParaRPr lang="en-US" dirty="0" smtClean="0"/>
           </a:p>
         </p:txBody>
       </p:sp>
@@ -840,7 +946,585 @@
     </p:spTree>
     <p:extLst>
       <p:ext uri="{BB962C8B-B14F-4D97-AF65-F5344CB8AC3E}">
-        <p14:creationId xmlns:p14="http://schemas.microsoft.com/office/powerpoint/2010/main" val="999235491"/>
+        <p14:creationId xmlns:p14="http://schemas.microsoft.com/office/powerpoint/2010/main" val="2246746569"/>
+      </p:ext>
+    </p:extLst>
+  </p:cSld>
+  <p:clrMapOvr>
+    <a:masterClrMapping/>
+  </p:clrMapOvr>
+</p:notes>
+</file>
+
+<file path=ppt/notesSlides/notesSlide13.xml><?xml version="1.0" encoding="utf-8"?>
+<p:notes xmlns:a="http://schemas.openxmlformats.org/drawingml/2006/main" xmlns:r="http://schemas.openxmlformats.org/officeDocument/2006/relationships" xmlns:p="http://schemas.openxmlformats.org/presentationml/2006/main">
+  <p:cSld>
+    <p:spTree>
+      <p:nvGrpSpPr>
+        <p:cNvPr id="1" name=""/>
+        <p:cNvGrpSpPr/>
+        <p:nvPr/>
+      </p:nvGrpSpPr>
+      <p:grpSpPr>
+        <a:xfrm>
+          <a:off x="0" y="0"/>
+          <a:ext cx="0" cy="0"/>
+          <a:chOff x="0" y="0"/>
+          <a:chExt cx="0" cy="0"/>
+        </a:xfrm>
+      </p:grpSpPr>
+      <p:sp>
+        <p:nvSpPr>
+          <p:cNvPr id="2" name="Slide Image Placeholder 1"/>
+          <p:cNvSpPr>
+            <a:spLocks noGrp="1" noRot="1" noChangeAspect="1"/>
+          </p:cNvSpPr>
+          <p:nvPr>
+            <p:ph type="sldImg"/>
+          </p:nvPr>
+        </p:nvSpPr>
+        <p:spPr/>
+      </p:sp>
+      <p:sp>
+        <p:nvSpPr>
+          <p:cNvPr id="3" name="Notes Placeholder 2"/>
+          <p:cNvSpPr>
+            <a:spLocks noGrp="1"/>
+          </p:cNvSpPr>
+          <p:nvPr>
+            <p:ph type="body" idx="1"/>
+          </p:nvPr>
+        </p:nvSpPr>
+        <p:spPr/>
+        <p:txBody>
+          <a:bodyPr/>
+          <a:lstStyle/>
+          <a:p>
+            <a:pPr marL="0" marR="0" lvl="0" indent="0" algn="l" defTabSz="914400" rtl="0" eaLnBrk="1" fontAlgn="auto" latinLnBrk="0" hangingPunct="1">
+              <a:lnSpc>
+                <a:spcPct val="100000"/>
+              </a:lnSpc>
+              <a:spcBef>
+                <a:spcPts val="0"/>
+              </a:spcBef>
+              <a:spcAft>
+                <a:spcPts val="0"/>
+              </a:spcAft>
+              <a:buClrTx/>
+              <a:buSzTx/>
+              <a:buFontTx/>
+              <a:buNone/>
+              <a:tabLst/>
+              <a:defRPr/>
+            </a:pPr>
+            <a:r>
+              <a:rPr lang="en-US" dirty="0" smtClean="0"/>
+              <a:t>These are some of the most commonly used </a:t>
+            </a:r>
+            <a:r>
+              <a:rPr lang="en-US" b="1" dirty="0" err="1" smtClean="0"/>
+              <a:t>docker</a:t>
+            </a:r>
+            <a:r>
+              <a:rPr lang="en-US" dirty="0" smtClean="0"/>
+              <a:t> commands. You can also use </a:t>
+            </a:r>
+            <a:r>
+              <a:rPr lang="en-US" b="1" dirty="0" err="1" smtClean="0"/>
+              <a:t>docker</a:t>
+            </a:r>
+            <a:r>
+              <a:rPr lang="en-US" b="1" dirty="0" smtClean="0"/>
+              <a:t> push</a:t>
+            </a:r>
+            <a:r>
+              <a:rPr lang="en-US" dirty="0" smtClean="0"/>
+              <a:t> to push an image to a registry</a:t>
+            </a:r>
+            <a:r>
+              <a:rPr lang="en-US" baseline="0" dirty="0" smtClean="0"/>
+              <a:t> such as Docker Hub. Also, </a:t>
+            </a:r>
+            <a:r>
+              <a:rPr lang="en-US" b="1" baseline="0" dirty="0" err="1" smtClean="0"/>
+              <a:t>docker</a:t>
+            </a:r>
+            <a:r>
+              <a:rPr lang="en-US" b="1" baseline="0" dirty="0" smtClean="0"/>
+              <a:t> </a:t>
+            </a:r>
+            <a:r>
+              <a:rPr lang="en-US" b="1" baseline="0" dirty="0" err="1" smtClean="0"/>
+              <a:t>ps</a:t>
+            </a:r>
+            <a:r>
+              <a:rPr lang="en-US" baseline="0" dirty="0" smtClean="0"/>
+              <a:t> is often accompanied by a </a:t>
+            </a:r>
+            <a:r>
+              <a:rPr lang="en-US" b="1" baseline="0" dirty="0" smtClean="0"/>
+              <a:t>-a</a:t>
+            </a:r>
+            <a:r>
+              <a:rPr lang="en-US" baseline="0" dirty="0" smtClean="0"/>
+              <a:t> switch to list all containers, including those that are no longer running, while </a:t>
+            </a:r>
+            <a:r>
+              <a:rPr lang="en-US" b="1" baseline="0" dirty="0" err="1" smtClean="0"/>
+              <a:t>docker</a:t>
+            </a:r>
+            <a:r>
+              <a:rPr lang="en-US" b="1" baseline="0" dirty="0" smtClean="0"/>
+              <a:t> </a:t>
+            </a:r>
+            <a:r>
+              <a:rPr lang="en-US" b="1" baseline="0" dirty="0" err="1" smtClean="0"/>
+              <a:t>rm</a:t>
+            </a:r>
+            <a:r>
+              <a:rPr lang="en-US" baseline="0" dirty="0" smtClean="0"/>
+              <a:t> and </a:t>
+            </a:r>
+            <a:r>
+              <a:rPr lang="en-US" b="1" baseline="0" dirty="0" err="1" smtClean="0"/>
+              <a:t>docker</a:t>
+            </a:r>
+            <a:r>
+              <a:rPr lang="en-US" b="1" baseline="0" dirty="0" smtClean="0"/>
+              <a:t> </a:t>
+            </a:r>
+            <a:r>
+              <a:rPr lang="en-US" b="1" baseline="0" dirty="0" err="1" smtClean="0"/>
+              <a:t>rmi</a:t>
+            </a:r>
+            <a:r>
+              <a:rPr lang="en-US" baseline="0" dirty="0" smtClean="0"/>
+              <a:t> are used to delete (remove) containers and images, respectively. The </a:t>
+            </a:r>
+            <a:r>
+              <a:rPr lang="en-US" b="1" baseline="0" dirty="0" err="1" smtClean="0"/>
+              <a:t>docker</a:t>
+            </a:r>
+            <a:r>
+              <a:rPr lang="en-US" b="1" baseline="0" dirty="0" smtClean="0"/>
+              <a:t> build</a:t>
+            </a:r>
+            <a:r>
+              <a:rPr lang="en-US" baseline="0" dirty="0" smtClean="0"/>
+              <a:t> command uses a </a:t>
+            </a:r>
+            <a:r>
+              <a:rPr lang="en-US" baseline="0" dirty="0" err="1" smtClean="0"/>
+              <a:t>Dockerfile</a:t>
+            </a:r>
+            <a:r>
+              <a:rPr lang="en-US" baseline="0" dirty="0" smtClean="0"/>
+              <a:t> (a text file containing build commands) and a "context" -- for example, a specified directory in the file system -- to build Docker images.</a:t>
+            </a:r>
+            <a:endParaRPr lang="en-US" dirty="0" smtClean="0"/>
+          </a:p>
+        </p:txBody>
+      </p:sp>
+      <p:sp>
+        <p:nvSpPr>
+          <p:cNvPr id="4" name="Slide Number Placeholder 3"/>
+          <p:cNvSpPr>
+            <a:spLocks noGrp="1"/>
+          </p:cNvSpPr>
+          <p:nvPr>
+            <p:ph type="sldNum" sz="quarter" idx="10"/>
+          </p:nvPr>
+        </p:nvSpPr>
+        <p:spPr/>
+        <p:txBody>
+          <a:bodyPr/>
+          <a:lstStyle/>
+          <a:p>
+            <a:fld id="{01283FAC-A721-45A3-BBDE-EAF2B09B7CD9}" type="slidenum">
+              <a:rPr lang="en-US" smtClean="0"/>
+              <a:t>13</a:t>
+            </a:fld>
+            <a:endParaRPr lang="en-US"/>
+          </a:p>
+        </p:txBody>
+      </p:sp>
+    </p:spTree>
+    <p:extLst>
+      <p:ext uri="{BB962C8B-B14F-4D97-AF65-F5344CB8AC3E}">
+        <p14:creationId xmlns:p14="http://schemas.microsoft.com/office/powerpoint/2010/main" val="1832625065"/>
+      </p:ext>
+    </p:extLst>
+  </p:cSld>
+  <p:clrMapOvr>
+    <a:masterClrMapping/>
+  </p:clrMapOvr>
+</p:notes>
+</file>
+
+<file path=ppt/notesSlides/notesSlide14.xml><?xml version="1.0" encoding="utf-8"?>
+<p:notes xmlns:a="http://schemas.openxmlformats.org/drawingml/2006/main" xmlns:r="http://schemas.openxmlformats.org/officeDocument/2006/relationships" xmlns:p="http://schemas.openxmlformats.org/presentationml/2006/main">
+  <p:cSld>
+    <p:spTree>
+      <p:nvGrpSpPr>
+        <p:cNvPr id="1" name=""/>
+        <p:cNvGrpSpPr/>
+        <p:nvPr/>
+      </p:nvGrpSpPr>
+      <p:grpSpPr>
+        <a:xfrm>
+          <a:off x="0" y="0"/>
+          <a:ext cx="0" cy="0"/>
+          <a:chOff x="0" y="0"/>
+          <a:chExt cx="0" cy="0"/>
+        </a:xfrm>
+      </p:grpSpPr>
+      <p:sp>
+        <p:nvSpPr>
+          <p:cNvPr id="2" name="Slide Image Placeholder 1"/>
+          <p:cNvSpPr>
+            <a:spLocks noGrp="1" noRot="1" noChangeAspect="1"/>
+          </p:cNvSpPr>
+          <p:nvPr>
+            <p:ph type="sldImg"/>
+          </p:nvPr>
+        </p:nvSpPr>
+        <p:spPr/>
+      </p:sp>
+      <p:sp>
+        <p:nvSpPr>
+          <p:cNvPr id="3" name="Notes Placeholder 2"/>
+          <p:cNvSpPr>
+            <a:spLocks noGrp="1"/>
+          </p:cNvSpPr>
+          <p:nvPr>
+            <p:ph type="body" idx="1"/>
+          </p:nvPr>
+        </p:nvSpPr>
+        <p:spPr/>
+        <p:txBody>
+          <a:bodyPr/>
+          <a:lstStyle/>
+          <a:p>
+            <a:r>
+              <a:rPr lang="en-US" dirty="0" smtClean="0"/>
+              <a:t>From the documentation: "Azure Container Service makes it simpler for you to create, configure, and manage a cluster of virtual machines that are preconfigured to run containerized applications. It uses an optimized configuration of popular open-source scheduling and orchestration tools. This enables you to use your existing skills, or draw upon a large and growing body of community expertise, to deploy and manage container-based applications on Microsoft Azure." ACS supports Linux containers and Windows containers. The latter rely</a:t>
+            </a:r>
+            <a:r>
+              <a:rPr lang="en-US" baseline="0" dirty="0" smtClean="0"/>
+              <a:t> on </a:t>
+            </a:r>
+            <a:r>
+              <a:rPr lang="en-US" dirty="0" smtClean="0"/>
+              <a:t>Windows Server 2016.</a:t>
+            </a:r>
+            <a:endParaRPr lang="en-US" dirty="0"/>
+          </a:p>
+        </p:txBody>
+      </p:sp>
+      <p:sp>
+        <p:nvSpPr>
+          <p:cNvPr id="4" name="Slide Number Placeholder 3"/>
+          <p:cNvSpPr>
+            <a:spLocks noGrp="1"/>
+          </p:cNvSpPr>
+          <p:nvPr>
+            <p:ph type="sldNum" sz="quarter" idx="10"/>
+          </p:nvPr>
+        </p:nvSpPr>
+        <p:spPr/>
+        <p:txBody>
+          <a:bodyPr/>
+          <a:lstStyle/>
+          <a:p>
+            <a:fld id="{01283FAC-A721-45A3-BBDE-EAF2B09B7CD9}" type="slidenum">
+              <a:rPr lang="en-US" smtClean="0"/>
+              <a:t>14</a:t>
+            </a:fld>
+            <a:endParaRPr lang="en-US"/>
+          </a:p>
+        </p:txBody>
+      </p:sp>
+    </p:spTree>
+    <p:extLst>
+      <p:ext uri="{BB962C8B-B14F-4D97-AF65-F5344CB8AC3E}">
+        <p14:creationId xmlns:p14="http://schemas.microsoft.com/office/powerpoint/2010/main" val="36852900"/>
+      </p:ext>
+    </p:extLst>
+  </p:cSld>
+  <p:clrMapOvr>
+    <a:masterClrMapping/>
+  </p:clrMapOvr>
+</p:notes>
+</file>
+
+<file path=ppt/notesSlides/notesSlide15.xml><?xml version="1.0" encoding="utf-8"?>
+<p:notes xmlns:a="http://schemas.openxmlformats.org/drawingml/2006/main" xmlns:r="http://schemas.openxmlformats.org/officeDocument/2006/relationships" xmlns:p="http://schemas.openxmlformats.org/presentationml/2006/main">
+  <p:cSld>
+    <p:spTree>
+      <p:nvGrpSpPr>
+        <p:cNvPr id="1" name=""/>
+        <p:cNvGrpSpPr/>
+        <p:nvPr/>
+      </p:nvGrpSpPr>
+      <p:grpSpPr>
+        <a:xfrm>
+          <a:off x="0" y="0"/>
+          <a:ext cx="0" cy="0"/>
+          <a:chOff x="0" y="0"/>
+          <a:chExt cx="0" cy="0"/>
+        </a:xfrm>
+      </p:grpSpPr>
+      <p:sp>
+        <p:nvSpPr>
+          <p:cNvPr id="2" name="Slide Image Placeholder 1"/>
+          <p:cNvSpPr>
+            <a:spLocks noGrp="1" noRot="1" noChangeAspect="1"/>
+          </p:cNvSpPr>
+          <p:nvPr>
+            <p:ph type="sldImg"/>
+          </p:nvPr>
+        </p:nvSpPr>
+        <p:spPr/>
+      </p:sp>
+      <p:sp>
+        <p:nvSpPr>
+          <p:cNvPr id="3" name="Notes Placeholder 2"/>
+          <p:cNvSpPr>
+            <a:spLocks noGrp="1"/>
+          </p:cNvSpPr>
+          <p:nvPr>
+            <p:ph type="body" idx="1"/>
+          </p:nvPr>
+        </p:nvSpPr>
+        <p:spPr/>
+        <p:txBody>
+          <a:bodyPr/>
+          <a:lstStyle/>
+          <a:p>
+            <a:r>
+              <a:rPr lang="en-US" dirty="0" smtClean="0"/>
+              <a:t>Here's what happens in Azure</a:t>
+            </a:r>
+            <a:r>
+              <a:rPr lang="en-US" baseline="0" dirty="0" smtClean="0"/>
+              <a:t> when you create an Azure Container Service with Docker Swarm as the orchestrator. Azure creates one or more master VMs to control the "swarm" of containers, as well as a Virtual Machine Scale Set, which provides the "agent" VMs in which containers run. All these VMs communicate over a private virtual network. To communicate with Docker Swarm in a master VM from a Docker client running on a local machine, you establish an SSH tunnel that forwards the local port 22375 to port 2375 in the VM (via SSH port 2200). This allows you to execute local commands that load container images and run containers in the cloud. Docker Swarm manages the container instances in the agent VMs as well as the agent VMs themselves. You don't have to know this to use Azure Container Service, but it does help explain various port forwarding commands that you employ when running the Docker client on a local machine connected to Azure.</a:t>
+            </a:r>
+            <a:endParaRPr lang="en-US" dirty="0"/>
+          </a:p>
+        </p:txBody>
+      </p:sp>
+      <p:sp>
+        <p:nvSpPr>
+          <p:cNvPr id="4" name="Slide Number Placeholder 3"/>
+          <p:cNvSpPr>
+            <a:spLocks noGrp="1"/>
+          </p:cNvSpPr>
+          <p:nvPr>
+            <p:ph type="sldNum" sz="quarter" idx="10"/>
+          </p:nvPr>
+        </p:nvSpPr>
+        <p:spPr/>
+        <p:txBody>
+          <a:bodyPr/>
+          <a:lstStyle/>
+          <a:p>
+            <a:fld id="{01283FAC-A721-45A3-BBDE-EAF2B09B7CD9}" type="slidenum">
+              <a:rPr lang="en-US" smtClean="0"/>
+              <a:t>15</a:t>
+            </a:fld>
+            <a:endParaRPr lang="en-US"/>
+          </a:p>
+        </p:txBody>
+      </p:sp>
+    </p:spTree>
+    <p:extLst>
+      <p:ext uri="{BB962C8B-B14F-4D97-AF65-F5344CB8AC3E}">
+        <p14:creationId xmlns:p14="http://schemas.microsoft.com/office/powerpoint/2010/main" val="2302495390"/>
+      </p:ext>
+    </p:extLst>
+  </p:cSld>
+  <p:clrMapOvr>
+    <a:masterClrMapping/>
+  </p:clrMapOvr>
+</p:notes>
+</file>
+
+<file path=ppt/notesSlides/notesSlide16.xml><?xml version="1.0" encoding="utf-8"?>
+<p:notes xmlns:a="http://schemas.openxmlformats.org/drawingml/2006/main" xmlns:r="http://schemas.openxmlformats.org/officeDocument/2006/relationships" xmlns:p="http://schemas.openxmlformats.org/presentationml/2006/main">
+  <p:cSld>
+    <p:spTree>
+      <p:nvGrpSpPr>
+        <p:cNvPr id="1" name=""/>
+        <p:cNvGrpSpPr/>
+        <p:nvPr/>
+      </p:nvGrpSpPr>
+      <p:grpSpPr>
+        <a:xfrm>
+          <a:off x="0" y="0"/>
+          <a:ext cx="0" cy="0"/>
+          <a:chOff x="0" y="0"/>
+          <a:chExt cx="0" cy="0"/>
+        </a:xfrm>
+      </p:grpSpPr>
+      <p:sp>
+        <p:nvSpPr>
+          <p:cNvPr id="2" name="Slide Image Placeholder 1"/>
+          <p:cNvSpPr>
+            <a:spLocks noGrp="1" noRot="1" noChangeAspect="1"/>
+          </p:cNvSpPr>
+          <p:nvPr>
+            <p:ph type="sldImg"/>
+          </p:nvPr>
+        </p:nvSpPr>
+        <p:spPr/>
+      </p:sp>
+      <p:sp>
+        <p:nvSpPr>
+          <p:cNvPr id="3" name="Notes Placeholder 2"/>
+          <p:cNvSpPr>
+            <a:spLocks noGrp="1"/>
+          </p:cNvSpPr>
+          <p:nvPr>
+            <p:ph type="body" idx="1"/>
+          </p:nvPr>
+        </p:nvSpPr>
+        <p:spPr/>
+        <p:txBody>
+          <a:bodyPr/>
+          <a:lstStyle/>
+          <a:p>
+            <a:pPr marL="0" marR="0" lvl="0" indent="0" algn="l" defTabSz="914400" rtl="0" eaLnBrk="1" fontAlgn="auto" latinLnBrk="0" hangingPunct="1">
+              <a:lnSpc>
+                <a:spcPct val="100000"/>
+              </a:lnSpc>
+              <a:spcBef>
+                <a:spcPts val="0"/>
+              </a:spcBef>
+              <a:spcAft>
+                <a:spcPts val="0"/>
+              </a:spcAft>
+              <a:buClrTx/>
+              <a:buSzTx/>
+              <a:buFontTx/>
+              <a:buNone/>
+              <a:tabLst/>
+              <a:defRPr/>
+            </a:pPr>
+            <a:r>
+              <a:rPr lang="en-US" sz="1200" b="0" i="0" kern="1200" dirty="0" smtClean="0">
+                <a:solidFill>
+                  <a:schemeClr val="tx1"/>
+                </a:solidFill>
+                <a:effectLst/>
+                <a:latin typeface="+mn-lt"/>
+                <a:ea typeface="+mn-ea"/>
+                <a:cs typeface="+mn-cs"/>
+              </a:rPr>
+              <a:t>This command works</a:t>
+            </a:r>
+            <a:r>
+              <a:rPr lang="en-US" sz="1200" b="0" i="0" kern="1200" baseline="0" dirty="0" smtClean="0">
+                <a:solidFill>
+                  <a:schemeClr val="tx1"/>
+                </a:solidFill>
+                <a:effectLst/>
+                <a:latin typeface="+mn-lt"/>
+                <a:ea typeface="+mn-ea"/>
+                <a:cs typeface="+mn-cs"/>
+              </a:rPr>
+              <a:t> in a terminal window on OS X or Linux. (Windows user need to use a third-party SSH tool such as </a:t>
+            </a:r>
+            <a:r>
+              <a:rPr lang="en-US" sz="1200" b="0" i="0" kern="1200" baseline="0" dirty="0" err="1" smtClean="0">
+                <a:solidFill>
+                  <a:schemeClr val="tx1"/>
+                </a:solidFill>
+                <a:effectLst/>
+                <a:latin typeface="+mn-lt"/>
+                <a:ea typeface="+mn-ea"/>
+                <a:cs typeface="+mn-cs"/>
+              </a:rPr>
+              <a:t>PuTTY</a:t>
+            </a:r>
+            <a:r>
+              <a:rPr lang="en-US" sz="1200" b="0" i="0" kern="1200" baseline="0" dirty="0" smtClean="0">
+                <a:solidFill>
+                  <a:schemeClr val="tx1"/>
+                </a:solidFill>
+                <a:effectLst/>
+                <a:latin typeface="+mn-lt"/>
+                <a:ea typeface="+mn-ea"/>
+                <a:cs typeface="+mn-cs"/>
+              </a:rPr>
+              <a:t>.) </a:t>
+            </a:r>
+            <a:r>
+              <a:rPr lang="en-US" sz="1200" b="0" i="0" kern="1200" dirty="0" smtClean="0">
+                <a:solidFill>
+                  <a:schemeClr val="tx1"/>
+                </a:solidFill>
+                <a:effectLst/>
+                <a:latin typeface="+mn-lt"/>
+                <a:ea typeface="+mn-ea"/>
+                <a:cs typeface="+mn-cs"/>
+              </a:rPr>
+              <a:t>The purpose of the -L switch is to forward traffic transmitted through port 22375 on the local machine (that's the port used by the</a:t>
+            </a:r>
+            <a:r>
+              <a:rPr lang="en-US" sz="1200" b="0" i="0" kern="1200" baseline="0" dirty="0" smtClean="0">
+                <a:solidFill>
+                  <a:schemeClr val="tx1"/>
+                </a:solidFill>
+                <a:effectLst/>
+                <a:latin typeface="+mn-lt"/>
+                <a:ea typeface="+mn-ea"/>
+                <a:cs typeface="+mn-cs"/>
+              </a:rPr>
+              <a:t> Docker</a:t>
+            </a:r>
+            <a:r>
+              <a:rPr lang="en-US" sz="1200" b="0" i="0" kern="1200" dirty="0" smtClean="0">
+                <a:solidFill>
+                  <a:schemeClr val="tx1"/>
+                </a:solidFill>
+                <a:effectLst/>
+                <a:latin typeface="+mn-lt"/>
+                <a:ea typeface="+mn-ea"/>
+                <a:cs typeface="+mn-cs"/>
+              </a:rPr>
+              <a:t> CLI) to port 2375 at the other end. Docker Swarm listens on port 2375. The -p switch instructs SSH to use port 2200 rather than the default 22. The load balancer you're connecting to listens on port 2200 and forwards the SSH messages it receives to port 22 on the master VM.</a:t>
+            </a:r>
+            <a:endParaRPr lang="en-US" dirty="0" smtClean="0"/>
+          </a:p>
+        </p:txBody>
+      </p:sp>
+      <p:sp>
+        <p:nvSpPr>
+          <p:cNvPr id="4" name="Slide Number Placeholder 3"/>
+          <p:cNvSpPr>
+            <a:spLocks noGrp="1"/>
+          </p:cNvSpPr>
+          <p:nvPr>
+            <p:ph type="sldNum" sz="quarter" idx="10"/>
+          </p:nvPr>
+        </p:nvSpPr>
+        <p:spPr/>
+        <p:txBody>
+          <a:bodyPr/>
+          <a:lstStyle/>
+          <a:p>
+            <a:fld id="{01283FAC-A721-45A3-BBDE-EAF2B09B7CD9}" type="slidenum">
+              <a:rPr lang="en-US" smtClean="0"/>
+              <a:t>16</a:t>
+            </a:fld>
+            <a:endParaRPr lang="en-US"/>
+          </a:p>
+        </p:txBody>
+      </p:sp>
+    </p:spTree>
+    <p:extLst>
+      <p:ext uri="{BB962C8B-B14F-4D97-AF65-F5344CB8AC3E}">
+        <p14:creationId xmlns:p14="http://schemas.microsoft.com/office/powerpoint/2010/main" val="3975244300"/>
       </p:ext>
     </p:extLst>
   </p:cSld>
@@ -2049,7 +2733,7 @@
           <a:p>
             <a:fld id="{0459C166-16D3-4A25-A2F8-C51E0E346B22}" type="datetimeFigureOut">
               <a:rPr lang="en-US" smtClean="0"/>
-              <a:t>7/18/2016</a:t>
+              <a:t>8/29/2016</a:t>
             </a:fld>
             <a:endParaRPr lang="en-US"/>
           </a:p>
@@ -2144,7 +2828,7 @@
           <a:p>
             <a:fld id="{0459C166-16D3-4A25-A2F8-C51E0E346B22}" type="datetimeFigureOut">
               <a:rPr lang="en-US" smtClean="0"/>
-              <a:t>7/18/2016</a:t>
+              <a:t>8/29/2016</a:t>
             </a:fld>
             <a:endParaRPr lang="en-US"/>
           </a:p>
@@ -2419,7 +3103,7 @@
           <a:p>
             <a:fld id="{0459C166-16D3-4A25-A2F8-C51E0E346B22}" type="datetimeFigureOut">
               <a:rPr lang="en-US" smtClean="0"/>
-              <a:t>7/18/2016</a:t>
+              <a:t>8/29/2016</a:t>
             </a:fld>
             <a:endParaRPr lang="en-US"/>
           </a:p>
@@ -2671,7 +3355,7 @@
           <a:p>
             <a:fld id="{0459C166-16D3-4A25-A2F8-C51E0E346B22}" type="datetimeFigureOut">
               <a:rPr lang="en-US" smtClean="0"/>
-              <a:t>7/18/2016</a:t>
+              <a:t>8/29/2016</a:t>
             </a:fld>
             <a:endParaRPr lang="en-US"/>
           </a:p>
@@ -2839,7 +3523,7 @@
           <a:p>
             <a:fld id="{0459C166-16D3-4A25-A2F8-C51E0E346B22}" type="datetimeFigureOut">
               <a:rPr lang="en-US" smtClean="0"/>
-              <a:t>7/18/2016</a:t>
+              <a:t>8/29/2016</a:t>
             </a:fld>
             <a:endParaRPr lang="en-US"/>
           </a:p>
@@ -3017,7 +3701,7 @@
           <a:p>
             <a:fld id="{0459C166-16D3-4A25-A2F8-C51E0E346B22}" type="datetimeFigureOut">
               <a:rPr lang="en-US" smtClean="0"/>
-              <a:t>7/18/2016</a:t>
+              <a:t>8/29/2016</a:t>
             </a:fld>
             <a:endParaRPr lang="en-US"/>
           </a:p>
@@ -4944,7 +5628,7 @@
           <a:p>
             <a:fld id="{0459C166-16D3-4A25-A2F8-C51E0E346B22}" type="datetimeFigureOut">
               <a:rPr lang="en-US" smtClean="0"/>
-              <a:t>7/18/2016</a:t>
+              <a:t>8/29/2016</a:t>
             </a:fld>
             <a:endParaRPr lang="en-US"/>
           </a:p>
@@ -10571,7 +11255,7 @@
             <a:fld id="{0459C166-16D3-4A25-A2F8-C51E0E346B22}" type="datetimeFigureOut">
               <a:rPr lang="en-US" smtClean="0"/>
               <a:pPr/>
-              <a:t>7/18/2016</a:t>
+              <a:t>8/29/2016</a:t>
             </a:fld>
             <a:endParaRPr lang="en-US"/>
           </a:p>
@@ -14633,7 +15317,7 @@
           <a:p>
             <a:fld id="{0459C166-16D3-4A25-A2F8-C51E0E346B22}" type="datetimeFigureOut">
               <a:rPr lang="en-US" smtClean="0"/>
-              <a:t>7/18/2016</a:t>
+              <a:t>8/29/2016</a:t>
             </a:fld>
             <a:endParaRPr lang="en-US"/>
           </a:p>
@@ -14997,7 +15681,7 @@
           <a:p>
             <a:fld id="{0459C166-16D3-4A25-A2F8-C51E0E346B22}" type="datetimeFigureOut">
               <a:rPr lang="en-US" smtClean="0"/>
-              <a:t>7/18/2016</a:t>
+              <a:t>8/29/2016</a:t>
             </a:fld>
             <a:endParaRPr lang="en-US"/>
           </a:p>
@@ -15114,7 +15798,7 @@
           <a:p>
             <a:fld id="{0459C166-16D3-4A25-A2F8-C51E0E346B22}" type="datetimeFigureOut">
               <a:rPr lang="en-US" smtClean="0"/>
-              <a:t>7/18/2016</a:t>
+              <a:t>8/29/2016</a:t>
             </a:fld>
             <a:endParaRPr lang="en-US"/>
           </a:p>
@@ -15325,7 +16009,7 @@
           <a:p>
             <a:fld id="{0459C166-16D3-4A25-A2F8-C51E0E346B22}" type="datetimeFigureOut">
               <a:rPr lang="en-US" smtClean="0"/>
-              <a:t>7/18/2016</a:t>
+              <a:t>8/29/2016</a:t>
             </a:fld>
             <a:endParaRPr lang="en-US"/>
           </a:p>
@@ -16734,6 +17418,1376 @@
           <a:p>
             <a:r>
               <a:rPr lang="en-US" dirty="0" smtClean="0"/>
+              <a:t>Docker Architecture</a:t>
+            </a:r>
+            <a:endParaRPr lang="en-US" dirty="0"/>
+          </a:p>
+        </p:txBody>
+      </p:sp>
+      <p:pic>
+        <p:nvPicPr>
+          <p:cNvPr id="4" name="Picture 3"/>
+          <p:cNvPicPr>
+            <a:picLocks noChangeAspect="1"/>
+          </p:cNvPicPr>
+          <p:nvPr/>
+        </p:nvPicPr>
+        <p:blipFill>
+          <a:blip r:embed="rId3"/>
+          <a:stretch>
+            <a:fillRect/>
+          </a:stretch>
+        </p:blipFill>
+        <p:spPr>
+          <a:xfrm>
+            <a:off x="2004593" y="1690688"/>
+            <a:ext cx="8182813" cy="4270669"/>
+          </a:xfrm>
+          <a:prstGeom prst="rect">
+            <a:avLst/>
+          </a:prstGeom>
+        </p:spPr>
+      </p:pic>
+    </p:spTree>
+    <p:extLst>
+      <p:ext uri="{BB962C8B-B14F-4D97-AF65-F5344CB8AC3E}">
+        <p14:creationId xmlns:p14="http://schemas.microsoft.com/office/powerpoint/2010/main" val="200852107"/>
+      </p:ext>
+    </p:extLst>
+  </p:cSld>
+  <p:clrMapOvr>
+    <a:masterClrMapping/>
+  </p:clrMapOvr>
+</p:sld>
+</file>
+
+<file path=ppt/slides/slide11.xml><?xml version="1.0" encoding="utf-8"?>
+<p:sld xmlns:a="http://schemas.openxmlformats.org/drawingml/2006/main" xmlns:r="http://schemas.openxmlformats.org/officeDocument/2006/relationships" xmlns:p="http://schemas.openxmlformats.org/presentationml/2006/main">
+  <p:cSld>
+    <p:spTree>
+      <p:nvGrpSpPr>
+        <p:cNvPr id="1" name=""/>
+        <p:cNvGrpSpPr/>
+        <p:nvPr/>
+      </p:nvGrpSpPr>
+      <p:grpSpPr>
+        <a:xfrm>
+          <a:off x="0" y="0"/>
+          <a:ext cx="0" cy="0"/>
+          <a:chOff x="0" y="0"/>
+          <a:chExt cx="0" cy="0"/>
+        </a:xfrm>
+      </p:grpSpPr>
+      <p:sp>
+        <p:nvSpPr>
+          <p:cNvPr id="2" name="Title 1"/>
+          <p:cNvSpPr>
+            <a:spLocks noGrp="1"/>
+          </p:cNvSpPr>
+          <p:nvPr>
+            <p:ph type="title"/>
+          </p:nvPr>
+        </p:nvSpPr>
+        <p:spPr/>
+        <p:txBody>
+          <a:bodyPr/>
+          <a:lstStyle/>
+          <a:p>
+            <a:r>
+              <a:rPr lang="en-US" dirty="0" smtClean="0"/>
+              <a:t>Docker </a:t>
+            </a:r>
+            <a:r>
+              <a:rPr lang="en-US" dirty="0" smtClean="0"/>
+              <a:t>CLI</a:t>
+            </a:r>
+            <a:endParaRPr lang="en-US" dirty="0"/>
+          </a:p>
+        </p:txBody>
+      </p:sp>
+      <p:sp>
+        <p:nvSpPr>
+          <p:cNvPr id="3" name="Content Placeholder 2"/>
+          <p:cNvSpPr>
+            <a:spLocks noGrp="1"/>
+          </p:cNvSpPr>
+          <p:nvPr>
+            <p:ph idx="1"/>
+          </p:nvPr>
+        </p:nvSpPr>
+        <p:spPr/>
+        <p:txBody>
+          <a:bodyPr/>
+          <a:lstStyle/>
+          <a:p>
+            <a:r>
+              <a:rPr lang="en-US" dirty="0" smtClean="0"/>
+              <a:t>Command-line interface for Docker, available for Linux, OS X, and Windows (available separately or as part of Docker Toolbox)</a:t>
+            </a:r>
+            <a:endParaRPr lang="en-US" dirty="0"/>
+          </a:p>
+        </p:txBody>
+      </p:sp>
+      <p:pic>
+        <p:nvPicPr>
+          <p:cNvPr id="4" name="Picture 3"/>
+          <p:cNvPicPr>
+            <a:picLocks noChangeAspect="1"/>
+          </p:cNvPicPr>
+          <p:nvPr/>
+        </p:nvPicPr>
+        <p:blipFill>
+          <a:blip r:embed="rId3"/>
+          <a:stretch>
+            <a:fillRect/>
+          </a:stretch>
+        </p:blipFill>
+        <p:spPr>
+          <a:xfrm>
+            <a:off x="2957512" y="2995613"/>
+            <a:ext cx="6276975" cy="3181350"/>
+          </a:xfrm>
+          <a:prstGeom prst="rect">
+            <a:avLst/>
+          </a:prstGeom>
+        </p:spPr>
+      </p:pic>
+    </p:spTree>
+    <p:extLst>
+      <p:ext uri="{BB962C8B-B14F-4D97-AF65-F5344CB8AC3E}">
+        <p14:creationId xmlns:p14="http://schemas.microsoft.com/office/powerpoint/2010/main" val="3822169245"/>
+      </p:ext>
+    </p:extLst>
+  </p:cSld>
+  <p:clrMapOvr>
+    <a:masterClrMapping/>
+  </p:clrMapOvr>
+</p:sld>
+</file>
+
+<file path=ppt/slides/slide12.xml><?xml version="1.0" encoding="utf-8"?>
+<p:sld xmlns:a="http://schemas.openxmlformats.org/drawingml/2006/main" xmlns:r="http://schemas.openxmlformats.org/officeDocument/2006/relationships" xmlns:p="http://schemas.openxmlformats.org/presentationml/2006/main">
+  <p:cSld>
+    <p:spTree>
+      <p:nvGrpSpPr>
+        <p:cNvPr id="1" name=""/>
+        <p:cNvGrpSpPr/>
+        <p:nvPr/>
+      </p:nvGrpSpPr>
+      <p:grpSpPr>
+        <a:xfrm>
+          <a:off x="0" y="0"/>
+          <a:ext cx="0" cy="0"/>
+          <a:chOff x="0" y="0"/>
+          <a:chExt cx="0" cy="0"/>
+        </a:xfrm>
+      </p:grpSpPr>
+      <p:sp>
+        <p:nvSpPr>
+          <p:cNvPr id="2" name="Title 1"/>
+          <p:cNvSpPr>
+            <a:spLocks noGrp="1"/>
+          </p:cNvSpPr>
+          <p:nvPr>
+            <p:ph type="title"/>
+          </p:nvPr>
+        </p:nvSpPr>
+        <p:spPr/>
+        <p:txBody>
+          <a:bodyPr/>
+          <a:lstStyle/>
+          <a:p>
+            <a:r>
+              <a:rPr lang="en-US" dirty="0" smtClean="0"/>
+              <a:t>Running a Container</a:t>
+            </a:r>
+            <a:endParaRPr lang="en-US" dirty="0"/>
+          </a:p>
+        </p:txBody>
+      </p:sp>
+      <p:sp>
+        <p:nvSpPr>
+          <p:cNvPr id="4" name="TextBox 3"/>
+          <p:cNvSpPr txBox="1"/>
+          <p:nvPr/>
+        </p:nvSpPr>
+        <p:spPr>
+          <a:xfrm>
+            <a:off x="1656674" y="1918010"/>
+            <a:ext cx="8146461" cy="455509"/>
+          </a:xfrm>
+          <a:prstGeom prst="rect">
+            <a:avLst/>
+          </a:prstGeom>
+          <a:noFill/>
+        </p:spPr>
+        <p:txBody>
+          <a:bodyPr wrap="none" lIns="0" tIns="0" rIns="0" bIns="0" rtlCol="0">
+            <a:spAutoFit/>
+          </a:bodyPr>
+          <a:lstStyle/>
+          <a:p>
+            <a:pPr>
+              <a:lnSpc>
+                <a:spcPct val="90000"/>
+              </a:lnSpc>
+              <a:spcBef>
+                <a:spcPct val="20000"/>
+              </a:spcBef>
+              <a:buSzPct val="80000"/>
+            </a:pPr>
+            <a:r>
+              <a:rPr lang="de-DE" sz="3200" b="1" dirty="0">
+                <a:latin typeface="Courier New" panose="02070309020205020404" pitchFamily="49" charset="0"/>
+                <a:cs typeface="Courier New" panose="02070309020205020404" pitchFamily="49" charset="0"/>
+              </a:rPr>
+              <a:t>docker run -i -t ubuntu /bin/bash</a:t>
+            </a:r>
+            <a:endParaRPr lang="en-US" sz="3200" b="1" dirty="0">
+              <a:gradFill>
+                <a:gsLst>
+                  <a:gs pos="0">
+                    <a:srgbClr val="292929">
+                      <a:lumMod val="90000"/>
+                      <a:lumOff val="10000"/>
+                    </a:srgbClr>
+                  </a:gs>
+                  <a:gs pos="86000">
+                    <a:srgbClr val="292929">
+                      <a:lumMod val="90000"/>
+                      <a:lumOff val="10000"/>
+                    </a:srgbClr>
+                  </a:gs>
+                </a:gsLst>
+                <a:lin ang="5400000" scaled="0"/>
+              </a:gradFill>
+              <a:latin typeface="Courier New" panose="02070309020205020404" pitchFamily="49" charset="0"/>
+              <a:cs typeface="Courier New" panose="02070309020205020404" pitchFamily="49" charset="0"/>
+            </a:endParaRPr>
+          </a:p>
+        </p:txBody>
+      </p:sp>
+      <p:sp>
+        <p:nvSpPr>
+          <p:cNvPr id="5" name="TextBox 4"/>
+          <p:cNvSpPr txBox="1"/>
+          <p:nvPr/>
+        </p:nvSpPr>
+        <p:spPr>
+          <a:xfrm>
+            <a:off x="1656674" y="2999679"/>
+            <a:ext cx="2219093" cy="664797"/>
+          </a:xfrm>
+          <a:prstGeom prst="rect">
+            <a:avLst/>
+          </a:prstGeom>
+          <a:noFill/>
+        </p:spPr>
+        <p:txBody>
+          <a:bodyPr wrap="square" lIns="0" tIns="0" rIns="0" bIns="0" rtlCol="0">
+            <a:spAutoFit/>
+          </a:bodyPr>
+          <a:lstStyle/>
+          <a:p>
+            <a:pPr>
+              <a:lnSpc>
+                <a:spcPct val="90000"/>
+              </a:lnSpc>
+              <a:spcBef>
+                <a:spcPct val="20000"/>
+              </a:spcBef>
+              <a:buSzPct val="80000"/>
+            </a:pPr>
+            <a:r>
+              <a:rPr lang="en-US" sz="2400" dirty="0" smtClean="0">
+                <a:gradFill>
+                  <a:gsLst>
+                    <a:gs pos="0">
+                      <a:srgbClr val="292929">
+                        <a:lumMod val="90000"/>
+                        <a:lumOff val="10000"/>
+                      </a:srgbClr>
+                    </a:gs>
+                    <a:gs pos="86000">
+                      <a:srgbClr val="292929">
+                        <a:lumMod val="90000"/>
+                        <a:lumOff val="10000"/>
+                      </a:srgbClr>
+                    </a:gs>
+                  </a:gsLst>
+                  <a:lin ang="5400000" scaled="0"/>
+                </a:gradFill>
+              </a:rPr>
+              <a:t>Docker CLI command</a:t>
+            </a:r>
+            <a:endParaRPr lang="en-US" sz="2400" dirty="0">
+              <a:gradFill>
+                <a:gsLst>
+                  <a:gs pos="0">
+                    <a:srgbClr val="292929">
+                      <a:lumMod val="90000"/>
+                      <a:lumOff val="10000"/>
+                    </a:srgbClr>
+                  </a:gs>
+                  <a:gs pos="86000">
+                    <a:srgbClr val="292929">
+                      <a:lumMod val="90000"/>
+                      <a:lumOff val="10000"/>
+                    </a:srgbClr>
+                  </a:gs>
+                </a:gsLst>
+                <a:lin ang="5400000" scaled="0"/>
+              </a:gradFill>
+            </a:endParaRPr>
+          </a:p>
+        </p:txBody>
+      </p:sp>
+      <p:cxnSp>
+        <p:nvCxnSpPr>
+          <p:cNvPr id="6" name="Straight Connector 5"/>
+          <p:cNvCxnSpPr/>
+          <p:nvPr/>
+        </p:nvCxnSpPr>
+        <p:spPr>
+          <a:xfrm>
+            <a:off x="2348050" y="2373519"/>
+            <a:ext cx="9562" cy="536950"/>
+          </a:xfrm>
+          <a:prstGeom prst="line">
+            <a:avLst/>
+          </a:prstGeom>
+          <a:ln w="38100">
+            <a:solidFill>
+              <a:schemeClr val="accent2"/>
+            </a:solidFill>
+          </a:ln>
+        </p:spPr>
+        <p:style>
+          <a:lnRef idx="1">
+            <a:schemeClr val="accent1"/>
+          </a:lnRef>
+          <a:fillRef idx="0">
+            <a:schemeClr val="accent1"/>
+          </a:fillRef>
+          <a:effectRef idx="0">
+            <a:schemeClr val="accent1"/>
+          </a:effectRef>
+          <a:fontRef idx="minor">
+            <a:schemeClr val="tx1"/>
+          </a:fontRef>
+        </p:style>
+      </p:cxnSp>
+      <p:cxnSp>
+        <p:nvCxnSpPr>
+          <p:cNvPr id="7" name="Straight Connector 6"/>
+          <p:cNvCxnSpPr/>
+          <p:nvPr/>
+        </p:nvCxnSpPr>
+        <p:spPr>
+          <a:xfrm>
+            <a:off x="1656674" y="2373519"/>
+            <a:ext cx="1453250" cy="0"/>
+          </a:xfrm>
+          <a:prstGeom prst="line">
+            <a:avLst/>
+          </a:prstGeom>
+          <a:ln w="38100">
+            <a:solidFill>
+              <a:schemeClr val="accent2"/>
+            </a:solidFill>
+          </a:ln>
+        </p:spPr>
+        <p:style>
+          <a:lnRef idx="1">
+            <a:schemeClr val="accent1"/>
+          </a:lnRef>
+          <a:fillRef idx="0">
+            <a:schemeClr val="accent1"/>
+          </a:fillRef>
+          <a:effectRef idx="0">
+            <a:schemeClr val="accent1"/>
+          </a:effectRef>
+          <a:fontRef idx="minor">
+            <a:schemeClr val="tx1"/>
+          </a:fontRef>
+        </p:style>
+      </p:cxnSp>
+      <p:cxnSp>
+        <p:nvCxnSpPr>
+          <p:cNvPr id="8" name="Straight Connector 7"/>
+          <p:cNvCxnSpPr/>
+          <p:nvPr/>
+        </p:nvCxnSpPr>
+        <p:spPr>
+          <a:xfrm>
+            <a:off x="3385113" y="2373519"/>
+            <a:ext cx="2163337" cy="0"/>
+          </a:xfrm>
+          <a:prstGeom prst="line">
+            <a:avLst/>
+          </a:prstGeom>
+          <a:ln w="38100">
+            <a:solidFill>
+              <a:schemeClr val="accent2"/>
+            </a:solidFill>
+          </a:ln>
+        </p:spPr>
+        <p:style>
+          <a:lnRef idx="1">
+            <a:schemeClr val="accent1"/>
+          </a:lnRef>
+          <a:fillRef idx="0">
+            <a:schemeClr val="accent1"/>
+          </a:fillRef>
+          <a:effectRef idx="0">
+            <a:schemeClr val="accent1"/>
+          </a:effectRef>
+          <a:fontRef idx="minor">
+            <a:schemeClr val="tx1"/>
+          </a:fontRef>
+        </p:style>
+      </p:cxnSp>
+      <p:cxnSp>
+        <p:nvCxnSpPr>
+          <p:cNvPr id="9" name="Straight Connector 8"/>
+          <p:cNvCxnSpPr/>
+          <p:nvPr/>
+        </p:nvCxnSpPr>
+        <p:spPr>
+          <a:xfrm>
+            <a:off x="5849532" y="2373519"/>
+            <a:ext cx="1371601" cy="0"/>
+          </a:xfrm>
+          <a:prstGeom prst="line">
+            <a:avLst/>
+          </a:prstGeom>
+          <a:ln w="38100">
+            <a:solidFill>
+              <a:schemeClr val="accent2"/>
+            </a:solidFill>
+          </a:ln>
+        </p:spPr>
+        <p:style>
+          <a:lnRef idx="1">
+            <a:schemeClr val="accent1"/>
+          </a:lnRef>
+          <a:fillRef idx="0">
+            <a:schemeClr val="accent1"/>
+          </a:fillRef>
+          <a:effectRef idx="0">
+            <a:schemeClr val="accent1"/>
+          </a:effectRef>
+          <a:fontRef idx="minor">
+            <a:schemeClr val="tx1"/>
+          </a:fontRef>
+        </p:style>
+      </p:cxnSp>
+      <p:cxnSp>
+        <p:nvCxnSpPr>
+          <p:cNvPr id="10" name="Straight Connector 9"/>
+          <p:cNvCxnSpPr/>
+          <p:nvPr/>
+        </p:nvCxnSpPr>
+        <p:spPr>
+          <a:xfrm>
+            <a:off x="7566820" y="2373519"/>
+            <a:ext cx="2129883" cy="0"/>
+          </a:xfrm>
+          <a:prstGeom prst="line">
+            <a:avLst/>
+          </a:prstGeom>
+          <a:ln w="38100">
+            <a:solidFill>
+              <a:schemeClr val="accent2"/>
+            </a:solidFill>
+          </a:ln>
+        </p:spPr>
+        <p:style>
+          <a:lnRef idx="1">
+            <a:schemeClr val="accent1"/>
+          </a:lnRef>
+          <a:fillRef idx="0">
+            <a:schemeClr val="accent1"/>
+          </a:fillRef>
+          <a:effectRef idx="0">
+            <a:schemeClr val="accent1"/>
+          </a:effectRef>
+          <a:fontRef idx="minor">
+            <a:schemeClr val="tx1"/>
+          </a:fontRef>
+        </p:style>
+      </p:cxnSp>
+      <p:cxnSp>
+        <p:nvCxnSpPr>
+          <p:cNvPr id="11" name="Straight Connector 10"/>
+          <p:cNvCxnSpPr/>
+          <p:nvPr/>
+        </p:nvCxnSpPr>
+        <p:spPr>
+          <a:xfrm>
+            <a:off x="4457219" y="2373519"/>
+            <a:ext cx="0" cy="1290957"/>
+          </a:xfrm>
+          <a:prstGeom prst="line">
+            <a:avLst/>
+          </a:prstGeom>
+          <a:ln w="38100">
+            <a:solidFill>
+              <a:schemeClr val="accent2"/>
+            </a:solidFill>
+          </a:ln>
+        </p:spPr>
+        <p:style>
+          <a:lnRef idx="1">
+            <a:schemeClr val="accent1"/>
+          </a:lnRef>
+          <a:fillRef idx="0">
+            <a:schemeClr val="accent1"/>
+          </a:fillRef>
+          <a:effectRef idx="0">
+            <a:schemeClr val="accent1"/>
+          </a:effectRef>
+          <a:fontRef idx="minor">
+            <a:schemeClr val="tx1"/>
+          </a:fontRef>
+        </p:style>
+      </p:cxnSp>
+      <p:cxnSp>
+        <p:nvCxnSpPr>
+          <p:cNvPr id="12" name="Straight Connector 11"/>
+          <p:cNvCxnSpPr/>
+          <p:nvPr/>
+        </p:nvCxnSpPr>
+        <p:spPr>
+          <a:xfrm flipH="1">
+            <a:off x="6535332" y="2373519"/>
+            <a:ext cx="1590" cy="2044964"/>
+          </a:xfrm>
+          <a:prstGeom prst="line">
+            <a:avLst/>
+          </a:prstGeom>
+          <a:ln w="38100">
+            <a:solidFill>
+              <a:schemeClr val="accent2"/>
+            </a:solidFill>
+          </a:ln>
+        </p:spPr>
+        <p:style>
+          <a:lnRef idx="1">
+            <a:schemeClr val="accent1"/>
+          </a:lnRef>
+          <a:fillRef idx="0">
+            <a:schemeClr val="accent1"/>
+          </a:fillRef>
+          <a:effectRef idx="0">
+            <a:schemeClr val="accent1"/>
+          </a:effectRef>
+          <a:fontRef idx="minor">
+            <a:schemeClr val="tx1"/>
+          </a:fontRef>
+        </p:style>
+      </p:cxnSp>
+      <p:cxnSp>
+        <p:nvCxnSpPr>
+          <p:cNvPr id="13" name="Straight Connector 12"/>
+          <p:cNvCxnSpPr/>
+          <p:nvPr/>
+        </p:nvCxnSpPr>
+        <p:spPr>
+          <a:xfrm flipH="1">
+            <a:off x="8631761" y="2373519"/>
+            <a:ext cx="18316" cy="2798971"/>
+          </a:xfrm>
+          <a:prstGeom prst="line">
+            <a:avLst/>
+          </a:prstGeom>
+          <a:ln w="38100">
+            <a:solidFill>
+              <a:schemeClr val="accent2"/>
+            </a:solidFill>
+          </a:ln>
+        </p:spPr>
+        <p:style>
+          <a:lnRef idx="1">
+            <a:schemeClr val="accent1"/>
+          </a:lnRef>
+          <a:fillRef idx="0">
+            <a:schemeClr val="accent1"/>
+          </a:fillRef>
+          <a:effectRef idx="0">
+            <a:schemeClr val="accent1"/>
+          </a:effectRef>
+          <a:fontRef idx="minor">
+            <a:schemeClr val="tx1"/>
+          </a:fontRef>
+        </p:style>
+      </p:cxnSp>
+      <p:sp>
+        <p:nvSpPr>
+          <p:cNvPr id="14" name="TextBox 13"/>
+          <p:cNvSpPr txBox="1"/>
+          <p:nvPr/>
+        </p:nvSpPr>
+        <p:spPr>
+          <a:xfrm>
+            <a:off x="3510811" y="3773004"/>
+            <a:ext cx="2219093" cy="997196"/>
+          </a:xfrm>
+          <a:prstGeom prst="rect">
+            <a:avLst/>
+          </a:prstGeom>
+          <a:noFill/>
+        </p:spPr>
+        <p:txBody>
+          <a:bodyPr wrap="square" lIns="0" tIns="0" rIns="0" bIns="0" rtlCol="0">
+            <a:spAutoFit/>
+          </a:bodyPr>
+          <a:lstStyle/>
+          <a:p>
+            <a:pPr>
+              <a:lnSpc>
+                <a:spcPct val="90000"/>
+              </a:lnSpc>
+              <a:spcBef>
+                <a:spcPct val="20000"/>
+              </a:spcBef>
+              <a:buSzPct val="80000"/>
+            </a:pPr>
+            <a:r>
+              <a:rPr lang="en-US" sz="2400" dirty="0" smtClean="0">
+                <a:gradFill>
+                  <a:gsLst>
+                    <a:gs pos="0">
+                      <a:srgbClr val="292929">
+                        <a:lumMod val="90000"/>
+                        <a:lumOff val="10000"/>
+                      </a:srgbClr>
+                    </a:gs>
+                    <a:gs pos="86000">
+                      <a:srgbClr val="292929">
+                        <a:lumMod val="90000"/>
+                        <a:lumOff val="10000"/>
+                      </a:srgbClr>
+                    </a:gs>
+                  </a:gsLst>
+                  <a:lin ang="5400000" scaled="0"/>
+                </a:gradFill>
+              </a:rPr>
+              <a:t>Run container with interactive terminal</a:t>
+            </a:r>
+            <a:endParaRPr lang="en-US" sz="2400" dirty="0">
+              <a:gradFill>
+                <a:gsLst>
+                  <a:gs pos="0">
+                    <a:srgbClr val="292929">
+                      <a:lumMod val="90000"/>
+                      <a:lumOff val="10000"/>
+                    </a:srgbClr>
+                  </a:gs>
+                  <a:gs pos="86000">
+                    <a:srgbClr val="292929">
+                      <a:lumMod val="90000"/>
+                      <a:lumOff val="10000"/>
+                    </a:srgbClr>
+                  </a:gs>
+                </a:gsLst>
+                <a:lin ang="5400000" scaled="0"/>
+              </a:gradFill>
+            </a:endParaRPr>
+          </a:p>
+        </p:txBody>
+      </p:sp>
+      <p:sp>
+        <p:nvSpPr>
+          <p:cNvPr id="15" name="TextBox 14"/>
+          <p:cNvSpPr txBox="1"/>
+          <p:nvPr/>
+        </p:nvSpPr>
+        <p:spPr>
+          <a:xfrm>
+            <a:off x="5629295" y="4531287"/>
+            <a:ext cx="2219093" cy="1329595"/>
+          </a:xfrm>
+          <a:prstGeom prst="rect">
+            <a:avLst/>
+          </a:prstGeom>
+          <a:noFill/>
+        </p:spPr>
+        <p:txBody>
+          <a:bodyPr wrap="square" lIns="0" tIns="0" rIns="0" bIns="0" rtlCol="0">
+            <a:spAutoFit/>
+          </a:bodyPr>
+          <a:lstStyle/>
+          <a:p>
+            <a:pPr>
+              <a:lnSpc>
+                <a:spcPct val="90000"/>
+              </a:lnSpc>
+              <a:spcBef>
+                <a:spcPct val="20000"/>
+              </a:spcBef>
+              <a:buSzPct val="80000"/>
+            </a:pPr>
+            <a:r>
+              <a:rPr lang="en-US" sz="2400" dirty="0" smtClean="0">
+                <a:gradFill>
+                  <a:gsLst>
+                    <a:gs pos="0">
+                      <a:srgbClr val="292929">
+                        <a:lumMod val="90000"/>
+                        <a:lumOff val="10000"/>
+                      </a:srgbClr>
+                    </a:gs>
+                    <a:gs pos="86000">
+                      <a:srgbClr val="292929">
+                        <a:lumMod val="90000"/>
+                        <a:lumOff val="10000"/>
+                      </a:srgbClr>
+                    </a:gs>
+                  </a:gsLst>
+                  <a:lin ang="5400000" scaled="0"/>
+                </a:gradFill>
+              </a:rPr>
+              <a:t>Pull "Ubuntu" image from Docker Hub or local registry</a:t>
+            </a:r>
+            <a:endParaRPr lang="en-US" sz="2400" dirty="0">
+              <a:gradFill>
+                <a:gsLst>
+                  <a:gs pos="0">
+                    <a:srgbClr val="292929">
+                      <a:lumMod val="90000"/>
+                      <a:lumOff val="10000"/>
+                    </a:srgbClr>
+                  </a:gs>
+                  <a:gs pos="86000">
+                    <a:srgbClr val="292929">
+                      <a:lumMod val="90000"/>
+                      <a:lumOff val="10000"/>
+                    </a:srgbClr>
+                  </a:gs>
+                </a:gsLst>
+                <a:lin ang="5400000" scaled="0"/>
+              </a:gradFill>
+            </a:endParaRPr>
+          </a:p>
+        </p:txBody>
+      </p:sp>
+      <p:sp>
+        <p:nvSpPr>
+          <p:cNvPr id="16" name="TextBox 15"/>
+          <p:cNvSpPr txBox="1"/>
+          <p:nvPr/>
+        </p:nvSpPr>
+        <p:spPr>
+          <a:xfrm>
+            <a:off x="7848388" y="5308888"/>
+            <a:ext cx="2219093" cy="997196"/>
+          </a:xfrm>
+          <a:prstGeom prst="rect">
+            <a:avLst/>
+          </a:prstGeom>
+          <a:noFill/>
+        </p:spPr>
+        <p:txBody>
+          <a:bodyPr wrap="square" lIns="0" tIns="0" rIns="0" bIns="0" rtlCol="0">
+            <a:spAutoFit/>
+          </a:bodyPr>
+          <a:lstStyle/>
+          <a:p>
+            <a:pPr>
+              <a:lnSpc>
+                <a:spcPct val="90000"/>
+              </a:lnSpc>
+              <a:spcBef>
+                <a:spcPct val="20000"/>
+              </a:spcBef>
+              <a:buSzPct val="80000"/>
+            </a:pPr>
+            <a:r>
+              <a:rPr lang="en-US" sz="2400" dirty="0" smtClean="0">
+                <a:gradFill>
+                  <a:gsLst>
+                    <a:gs pos="0">
+                      <a:srgbClr val="292929">
+                        <a:lumMod val="90000"/>
+                        <a:lumOff val="10000"/>
+                      </a:srgbClr>
+                    </a:gs>
+                    <a:gs pos="86000">
+                      <a:srgbClr val="292929">
+                        <a:lumMod val="90000"/>
+                        <a:lumOff val="10000"/>
+                      </a:srgbClr>
+                    </a:gs>
+                  </a:gsLst>
+                  <a:lin ang="5400000" scaled="0"/>
+                </a:gradFill>
+              </a:rPr>
+              <a:t>Command to execute in the container</a:t>
+            </a:r>
+            <a:endParaRPr lang="en-US" sz="2400" dirty="0">
+              <a:gradFill>
+                <a:gsLst>
+                  <a:gs pos="0">
+                    <a:srgbClr val="292929">
+                      <a:lumMod val="90000"/>
+                      <a:lumOff val="10000"/>
+                    </a:srgbClr>
+                  </a:gs>
+                  <a:gs pos="86000">
+                    <a:srgbClr val="292929">
+                      <a:lumMod val="90000"/>
+                      <a:lumOff val="10000"/>
+                    </a:srgbClr>
+                  </a:gs>
+                </a:gsLst>
+                <a:lin ang="5400000" scaled="0"/>
+              </a:gradFill>
+            </a:endParaRPr>
+          </a:p>
+        </p:txBody>
+      </p:sp>
+    </p:spTree>
+    <p:extLst>
+      <p:ext uri="{BB962C8B-B14F-4D97-AF65-F5344CB8AC3E}">
+        <p14:creationId xmlns:p14="http://schemas.microsoft.com/office/powerpoint/2010/main" val="1694848359"/>
+      </p:ext>
+    </p:extLst>
+  </p:cSld>
+  <p:clrMapOvr>
+    <a:masterClrMapping/>
+  </p:clrMapOvr>
+</p:sld>
+</file>
+
+<file path=ppt/slides/slide13.xml><?xml version="1.0" encoding="utf-8"?>
+<p:sld xmlns:a="http://schemas.openxmlformats.org/drawingml/2006/main" xmlns:r="http://schemas.openxmlformats.org/officeDocument/2006/relationships" xmlns:p="http://schemas.openxmlformats.org/presentationml/2006/main">
+  <p:cSld>
+    <p:spTree>
+      <p:nvGrpSpPr>
+        <p:cNvPr id="1" name=""/>
+        <p:cNvGrpSpPr/>
+        <p:nvPr/>
+      </p:nvGrpSpPr>
+      <p:grpSpPr>
+        <a:xfrm>
+          <a:off x="0" y="0"/>
+          <a:ext cx="0" cy="0"/>
+          <a:chOff x="0" y="0"/>
+          <a:chExt cx="0" cy="0"/>
+        </a:xfrm>
+      </p:grpSpPr>
+      <p:sp>
+        <p:nvSpPr>
+          <p:cNvPr id="2" name="Title 1"/>
+          <p:cNvSpPr>
+            <a:spLocks noGrp="1"/>
+          </p:cNvSpPr>
+          <p:nvPr>
+            <p:ph type="title"/>
+          </p:nvPr>
+        </p:nvSpPr>
+        <p:spPr/>
+        <p:txBody>
+          <a:bodyPr/>
+          <a:lstStyle/>
+          <a:p>
+            <a:r>
+              <a:rPr lang="en-US" dirty="0" smtClean="0"/>
+              <a:t>Common Docker CLI Commands</a:t>
+            </a:r>
+            <a:endParaRPr lang="en-US" dirty="0"/>
+          </a:p>
+        </p:txBody>
+      </p:sp>
+      <p:sp>
+        <p:nvSpPr>
+          <p:cNvPr id="5" name="TextBox 4"/>
+          <p:cNvSpPr txBox="1"/>
+          <p:nvPr/>
+        </p:nvSpPr>
+        <p:spPr>
+          <a:xfrm>
+            <a:off x="920694" y="1817649"/>
+            <a:ext cx="8787662" cy="453650"/>
+          </a:xfrm>
+          <a:prstGeom prst="rect">
+            <a:avLst/>
+          </a:prstGeom>
+          <a:noFill/>
+        </p:spPr>
+        <p:txBody>
+          <a:bodyPr wrap="none" lIns="0" tIns="0" rIns="0" bIns="0" rtlCol="0">
+            <a:spAutoFit/>
+          </a:bodyPr>
+          <a:lstStyle/>
+          <a:p>
+            <a:pPr>
+              <a:lnSpc>
+                <a:spcPct val="90000"/>
+              </a:lnSpc>
+              <a:spcBef>
+                <a:spcPct val="20000"/>
+              </a:spcBef>
+              <a:buSzPct val="80000"/>
+            </a:pPr>
+            <a:r>
+              <a:rPr lang="de-DE" sz="3200" b="1" dirty="0">
+                <a:latin typeface="Courier New" panose="02070309020205020404" pitchFamily="49" charset="0"/>
+                <a:cs typeface="Courier New" panose="02070309020205020404" pitchFamily="49" charset="0"/>
+              </a:rPr>
+              <a:t>docker </a:t>
+            </a:r>
+            <a:r>
+              <a:rPr lang="de-DE" sz="3200" b="1" dirty="0" smtClean="0">
+                <a:latin typeface="Courier New" panose="02070309020205020404" pitchFamily="49" charset="0"/>
+                <a:cs typeface="Courier New" panose="02070309020205020404" pitchFamily="49" charset="0"/>
+              </a:rPr>
+              <a:t>run </a:t>
+            </a:r>
+            <a:r>
+              <a:rPr lang="de-DE" sz="3200" dirty="0" smtClean="0">
+                <a:solidFill>
+                  <a:schemeClr val="accent2"/>
+                </a:solidFill>
+                <a:cs typeface="Courier New" panose="02070309020205020404" pitchFamily="49" charset="0"/>
+              </a:rPr>
+              <a:t>- Use an image to run a container</a:t>
+            </a:r>
+            <a:endParaRPr lang="en-US" sz="3200" dirty="0">
+              <a:solidFill>
+                <a:schemeClr val="accent2"/>
+              </a:solidFill>
+              <a:cs typeface="Courier New" panose="02070309020205020404" pitchFamily="49" charset="0"/>
+            </a:endParaRPr>
+          </a:p>
+        </p:txBody>
+      </p:sp>
+      <p:sp>
+        <p:nvSpPr>
+          <p:cNvPr id="6" name="TextBox 5"/>
+          <p:cNvSpPr txBox="1"/>
+          <p:nvPr/>
+        </p:nvSpPr>
+        <p:spPr>
+          <a:xfrm>
+            <a:off x="920694" y="2475571"/>
+            <a:ext cx="8453468" cy="443198"/>
+          </a:xfrm>
+          <a:prstGeom prst="rect">
+            <a:avLst/>
+          </a:prstGeom>
+          <a:noFill/>
+        </p:spPr>
+        <p:txBody>
+          <a:bodyPr wrap="none" lIns="0" tIns="0" rIns="0" bIns="0" rtlCol="0">
+            <a:spAutoFit/>
+          </a:bodyPr>
+          <a:lstStyle/>
+          <a:p>
+            <a:pPr>
+              <a:lnSpc>
+                <a:spcPct val="90000"/>
+              </a:lnSpc>
+              <a:spcBef>
+                <a:spcPct val="20000"/>
+              </a:spcBef>
+              <a:buSzPct val="80000"/>
+            </a:pPr>
+            <a:r>
+              <a:rPr lang="de-DE" sz="3200" b="1" dirty="0">
+                <a:latin typeface="Courier New" panose="02070309020205020404" pitchFamily="49" charset="0"/>
+                <a:cs typeface="Courier New" panose="02070309020205020404" pitchFamily="49" charset="0"/>
+              </a:rPr>
+              <a:t>docker </a:t>
+            </a:r>
+            <a:r>
+              <a:rPr lang="de-DE" sz="3200" b="1" dirty="0" smtClean="0">
+                <a:latin typeface="Courier New" panose="02070309020205020404" pitchFamily="49" charset="0"/>
+                <a:cs typeface="Courier New" panose="02070309020205020404" pitchFamily="49" charset="0"/>
+              </a:rPr>
+              <a:t>pull </a:t>
+            </a:r>
+            <a:r>
+              <a:rPr lang="de-DE" sz="3200" dirty="0" smtClean="0">
+                <a:solidFill>
+                  <a:schemeClr val="accent2"/>
+                </a:solidFill>
+                <a:cs typeface="Courier New" panose="02070309020205020404" pitchFamily="49" charset="0"/>
+              </a:rPr>
+              <a:t>- Pull an image from a registry</a:t>
+            </a:r>
+            <a:endParaRPr lang="en-US" sz="3200" dirty="0">
+              <a:solidFill>
+                <a:schemeClr val="accent2"/>
+              </a:solidFill>
+              <a:cs typeface="Courier New" panose="02070309020205020404" pitchFamily="49" charset="0"/>
+            </a:endParaRPr>
+          </a:p>
+        </p:txBody>
+      </p:sp>
+      <p:sp>
+        <p:nvSpPr>
+          <p:cNvPr id="7" name="TextBox 6"/>
+          <p:cNvSpPr txBox="1"/>
+          <p:nvPr/>
+        </p:nvSpPr>
+        <p:spPr>
+          <a:xfrm>
+            <a:off x="920694" y="3133493"/>
+            <a:ext cx="7328738" cy="443198"/>
+          </a:xfrm>
+          <a:prstGeom prst="rect">
+            <a:avLst/>
+          </a:prstGeom>
+          <a:noFill/>
+        </p:spPr>
+        <p:txBody>
+          <a:bodyPr wrap="none" lIns="0" tIns="0" rIns="0" bIns="0" rtlCol="0">
+            <a:spAutoFit/>
+          </a:bodyPr>
+          <a:lstStyle/>
+          <a:p>
+            <a:pPr>
+              <a:lnSpc>
+                <a:spcPct val="90000"/>
+              </a:lnSpc>
+              <a:spcBef>
+                <a:spcPct val="20000"/>
+              </a:spcBef>
+              <a:buSzPct val="80000"/>
+            </a:pPr>
+            <a:r>
+              <a:rPr lang="de-DE" sz="3200" b="1" dirty="0">
+                <a:latin typeface="Courier New" panose="02070309020205020404" pitchFamily="49" charset="0"/>
+                <a:cs typeface="Courier New" panose="02070309020205020404" pitchFamily="49" charset="0"/>
+              </a:rPr>
+              <a:t>docker </a:t>
+            </a:r>
+            <a:r>
+              <a:rPr lang="de-DE" sz="3200" b="1" dirty="0" smtClean="0">
+                <a:latin typeface="Courier New" panose="02070309020205020404" pitchFamily="49" charset="0"/>
+                <a:cs typeface="Courier New" panose="02070309020205020404" pitchFamily="49" charset="0"/>
+              </a:rPr>
+              <a:t>build </a:t>
+            </a:r>
+            <a:r>
+              <a:rPr lang="de-DE" sz="3200" dirty="0" smtClean="0">
+                <a:solidFill>
+                  <a:schemeClr val="accent2"/>
+                </a:solidFill>
+                <a:cs typeface="Courier New" panose="02070309020205020404" pitchFamily="49" charset="0"/>
+              </a:rPr>
+              <a:t>- Build a Docker image</a:t>
+            </a:r>
+            <a:endParaRPr lang="en-US" sz="3200" dirty="0">
+              <a:solidFill>
+                <a:schemeClr val="accent2"/>
+              </a:solidFill>
+              <a:cs typeface="Courier New" panose="02070309020205020404" pitchFamily="49" charset="0"/>
+            </a:endParaRPr>
+          </a:p>
+        </p:txBody>
+      </p:sp>
+      <p:sp>
+        <p:nvSpPr>
+          <p:cNvPr id="8" name="TextBox 7"/>
+          <p:cNvSpPr txBox="1"/>
+          <p:nvPr/>
+        </p:nvSpPr>
+        <p:spPr>
+          <a:xfrm>
+            <a:off x="920694" y="5107259"/>
+            <a:ext cx="9449703" cy="443198"/>
+          </a:xfrm>
+          <a:prstGeom prst="rect">
+            <a:avLst/>
+          </a:prstGeom>
+          <a:noFill/>
+        </p:spPr>
+        <p:txBody>
+          <a:bodyPr wrap="none" lIns="0" tIns="0" rIns="0" bIns="0" rtlCol="0">
+            <a:spAutoFit/>
+          </a:bodyPr>
+          <a:lstStyle/>
+          <a:p>
+            <a:pPr>
+              <a:lnSpc>
+                <a:spcPct val="90000"/>
+              </a:lnSpc>
+              <a:spcBef>
+                <a:spcPct val="20000"/>
+              </a:spcBef>
+              <a:buSzPct val="80000"/>
+            </a:pPr>
+            <a:r>
+              <a:rPr lang="de-DE" sz="3200" b="1" dirty="0">
+                <a:latin typeface="Courier New" panose="02070309020205020404" pitchFamily="49" charset="0"/>
+                <a:cs typeface="Courier New" panose="02070309020205020404" pitchFamily="49" charset="0"/>
+              </a:rPr>
+              <a:t>docker </a:t>
+            </a:r>
+            <a:r>
+              <a:rPr lang="de-DE" sz="3200" b="1" dirty="0" smtClean="0">
+                <a:latin typeface="Courier New" panose="02070309020205020404" pitchFamily="49" charset="0"/>
+                <a:cs typeface="Courier New" panose="02070309020205020404" pitchFamily="49" charset="0"/>
+              </a:rPr>
+              <a:t>exec </a:t>
+            </a:r>
+            <a:r>
+              <a:rPr lang="de-DE" sz="3200" dirty="0" smtClean="0">
+                <a:solidFill>
+                  <a:schemeClr val="accent2"/>
+                </a:solidFill>
+                <a:cs typeface="Courier New" panose="02070309020205020404" pitchFamily="49" charset="0"/>
+              </a:rPr>
+              <a:t>- Execute a command in a container</a:t>
+            </a:r>
+            <a:endParaRPr lang="en-US" sz="3200" dirty="0">
+              <a:solidFill>
+                <a:schemeClr val="accent2"/>
+              </a:solidFill>
+              <a:cs typeface="Courier New" panose="02070309020205020404" pitchFamily="49" charset="0"/>
+            </a:endParaRPr>
+          </a:p>
+        </p:txBody>
+      </p:sp>
+      <p:sp>
+        <p:nvSpPr>
+          <p:cNvPr id="9" name="TextBox 8"/>
+          <p:cNvSpPr txBox="1"/>
+          <p:nvPr/>
+        </p:nvSpPr>
+        <p:spPr>
+          <a:xfrm>
+            <a:off x="920694" y="5765181"/>
+            <a:ext cx="7719677" cy="443198"/>
+          </a:xfrm>
+          <a:prstGeom prst="rect">
+            <a:avLst/>
+          </a:prstGeom>
+          <a:noFill/>
+        </p:spPr>
+        <p:txBody>
+          <a:bodyPr wrap="none" lIns="0" tIns="0" rIns="0" bIns="0" rtlCol="0">
+            <a:spAutoFit/>
+          </a:bodyPr>
+          <a:lstStyle/>
+          <a:p>
+            <a:pPr>
+              <a:lnSpc>
+                <a:spcPct val="90000"/>
+              </a:lnSpc>
+              <a:spcBef>
+                <a:spcPct val="20000"/>
+              </a:spcBef>
+              <a:buSzPct val="80000"/>
+            </a:pPr>
+            <a:r>
+              <a:rPr lang="de-DE" sz="3200" b="1" dirty="0">
+                <a:latin typeface="Courier New" panose="02070309020205020404" pitchFamily="49" charset="0"/>
+                <a:cs typeface="Courier New" panose="02070309020205020404" pitchFamily="49" charset="0"/>
+              </a:rPr>
+              <a:t>docker </a:t>
+            </a:r>
+            <a:r>
+              <a:rPr lang="de-DE" sz="3200" b="1" dirty="0" smtClean="0">
+                <a:latin typeface="Courier New" panose="02070309020205020404" pitchFamily="49" charset="0"/>
+                <a:cs typeface="Courier New" panose="02070309020205020404" pitchFamily="49" charset="0"/>
+              </a:rPr>
+              <a:t>stop </a:t>
+            </a:r>
+            <a:r>
+              <a:rPr lang="de-DE" sz="3200" dirty="0" smtClean="0">
+                <a:solidFill>
+                  <a:schemeClr val="accent2"/>
+                </a:solidFill>
+                <a:cs typeface="Courier New" panose="02070309020205020404" pitchFamily="49" charset="0"/>
+              </a:rPr>
+              <a:t>- Stop a running container</a:t>
+            </a:r>
+            <a:endParaRPr lang="en-US" sz="3200" dirty="0">
+              <a:solidFill>
+                <a:schemeClr val="accent2"/>
+              </a:solidFill>
+              <a:cs typeface="Courier New" panose="02070309020205020404" pitchFamily="49" charset="0"/>
+            </a:endParaRPr>
+          </a:p>
+        </p:txBody>
+      </p:sp>
+      <p:sp>
+        <p:nvSpPr>
+          <p:cNvPr id="10" name="TextBox 9"/>
+          <p:cNvSpPr txBox="1"/>
+          <p:nvPr/>
+        </p:nvSpPr>
+        <p:spPr>
+          <a:xfrm>
+            <a:off x="920694" y="3791415"/>
+            <a:ext cx="8810489" cy="443198"/>
+          </a:xfrm>
+          <a:prstGeom prst="rect">
+            <a:avLst/>
+          </a:prstGeom>
+          <a:noFill/>
+        </p:spPr>
+        <p:txBody>
+          <a:bodyPr wrap="none" lIns="0" tIns="0" rIns="0" bIns="0" rtlCol="0">
+            <a:spAutoFit/>
+          </a:bodyPr>
+          <a:lstStyle/>
+          <a:p>
+            <a:pPr>
+              <a:lnSpc>
+                <a:spcPct val="90000"/>
+              </a:lnSpc>
+              <a:spcBef>
+                <a:spcPct val="20000"/>
+              </a:spcBef>
+              <a:buSzPct val="80000"/>
+            </a:pPr>
+            <a:r>
+              <a:rPr lang="de-DE" sz="3200" b="1" dirty="0">
+                <a:latin typeface="Courier New" panose="02070309020205020404" pitchFamily="49" charset="0"/>
+                <a:cs typeface="Courier New" panose="02070309020205020404" pitchFamily="49" charset="0"/>
+              </a:rPr>
+              <a:t>docker </a:t>
+            </a:r>
+            <a:r>
+              <a:rPr lang="de-DE" sz="3200" b="1" dirty="0" smtClean="0">
+                <a:latin typeface="Courier New" panose="02070309020205020404" pitchFamily="49" charset="0"/>
+                <a:cs typeface="Courier New" panose="02070309020205020404" pitchFamily="49" charset="0"/>
+              </a:rPr>
+              <a:t>images </a:t>
+            </a:r>
+            <a:r>
+              <a:rPr lang="de-DE" sz="3200" dirty="0" smtClean="0">
+                <a:solidFill>
+                  <a:schemeClr val="accent2"/>
+                </a:solidFill>
+                <a:cs typeface="Courier New" panose="02070309020205020404" pitchFamily="49" charset="0"/>
+              </a:rPr>
+              <a:t>- List available Docker images</a:t>
+            </a:r>
+            <a:endParaRPr lang="en-US" sz="3200" dirty="0">
+              <a:solidFill>
+                <a:schemeClr val="accent2"/>
+              </a:solidFill>
+              <a:cs typeface="Courier New" panose="02070309020205020404" pitchFamily="49" charset="0"/>
+            </a:endParaRPr>
+          </a:p>
+        </p:txBody>
+      </p:sp>
+      <p:sp>
+        <p:nvSpPr>
+          <p:cNvPr id="11" name="TextBox 10"/>
+          <p:cNvSpPr txBox="1"/>
+          <p:nvPr/>
+        </p:nvSpPr>
+        <p:spPr>
+          <a:xfrm>
+            <a:off x="920694" y="4449337"/>
+            <a:ext cx="8250079" cy="443198"/>
+          </a:xfrm>
+          <a:prstGeom prst="rect">
+            <a:avLst/>
+          </a:prstGeom>
+          <a:noFill/>
+        </p:spPr>
+        <p:txBody>
+          <a:bodyPr wrap="none" lIns="0" tIns="0" rIns="0" bIns="0" rtlCol="0">
+            <a:spAutoFit/>
+          </a:bodyPr>
+          <a:lstStyle/>
+          <a:p>
+            <a:pPr>
+              <a:lnSpc>
+                <a:spcPct val="90000"/>
+              </a:lnSpc>
+              <a:spcBef>
+                <a:spcPct val="20000"/>
+              </a:spcBef>
+              <a:buSzPct val="80000"/>
+            </a:pPr>
+            <a:r>
+              <a:rPr lang="de-DE" sz="3200" b="1" dirty="0">
+                <a:latin typeface="Courier New" panose="02070309020205020404" pitchFamily="49" charset="0"/>
+                <a:cs typeface="Courier New" panose="02070309020205020404" pitchFamily="49" charset="0"/>
+              </a:rPr>
+              <a:t>docker </a:t>
+            </a:r>
+            <a:r>
+              <a:rPr lang="de-DE" sz="3200" b="1" dirty="0" smtClean="0">
+                <a:latin typeface="Courier New" panose="02070309020205020404" pitchFamily="49" charset="0"/>
+                <a:cs typeface="Courier New" panose="02070309020205020404" pitchFamily="49" charset="0"/>
+              </a:rPr>
+              <a:t>ps </a:t>
+            </a:r>
+            <a:r>
+              <a:rPr lang="de-DE" sz="3200" dirty="0" smtClean="0">
+                <a:solidFill>
+                  <a:schemeClr val="accent2"/>
+                </a:solidFill>
+                <a:cs typeface="Courier New" panose="02070309020205020404" pitchFamily="49" charset="0"/>
+              </a:rPr>
+              <a:t>- List running Docker containers</a:t>
+            </a:r>
+            <a:endParaRPr lang="en-US" sz="3200" dirty="0">
+              <a:solidFill>
+                <a:schemeClr val="accent2"/>
+              </a:solidFill>
+              <a:cs typeface="Courier New" panose="02070309020205020404" pitchFamily="49" charset="0"/>
+            </a:endParaRPr>
+          </a:p>
+        </p:txBody>
+      </p:sp>
+    </p:spTree>
+    <p:extLst>
+      <p:ext uri="{BB962C8B-B14F-4D97-AF65-F5344CB8AC3E}">
+        <p14:creationId xmlns:p14="http://schemas.microsoft.com/office/powerpoint/2010/main" val="2769052051"/>
+      </p:ext>
+    </p:extLst>
+  </p:cSld>
+  <p:clrMapOvr>
+    <a:masterClrMapping/>
+  </p:clrMapOvr>
+</p:sld>
+</file>
+
+<file path=ppt/slides/slide14.xml><?xml version="1.0" encoding="utf-8"?>
+<p:sld xmlns:a="http://schemas.openxmlformats.org/drawingml/2006/main" xmlns:r="http://schemas.openxmlformats.org/officeDocument/2006/relationships" xmlns:p="http://schemas.openxmlformats.org/presentationml/2006/main">
+  <p:cSld>
+    <p:spTree>
+      <p:nvGrpSpPr>
+        <p:cNvPr id="1" name=""/>
+        <p:cNvGrpSpPr/>
+        <p:nvPr/>
+      </p:nvGrpSpPr>
+      <p:grpSpPr>
+        <a:xfrm>
+          <a:off x="0" y="0"/>
+          <a:ext cx="0" cy="0"/>
+          <a:chOff x="0" y="0"/>
+          <a:chExt cx="0" cy="0"/>
+        </a:xfrm>
+      </p:grpSpPr>
+      <p:sp>
+        <p:nvSpPr>
+          <p:cNvPr id="2" name="Title 1"/>
+          <p:cNvSpPr>
+            <a:spLocks noGrp="1"/>
+          </p:cNvSpPr>
+          <p:nvPr>
+            <p:ph type="title"/>
+          </p:nvPr>
+        </p:nvSpPr>
+        <p:spPr/>
+        <p:txBody>
+          <a:bodyPr/>
+          <a:lstStyle/>
+          <a:p>
+            <a:r>
+              <a:rPr lang="en-US" dirty="0" smtClean="0"/>
               <a:t>Azure Container Service</a:t>
             </a:r>
             <a:endParaRPr lang="en-US" dirty="0"/>
@@ -16784,8 +18838,8 @@
         </p:blipFill>
         <p:spPr>
           <a:xfrm>
-            <a:off x="2257396" y="3052415"/>
-            <a:ext cx="7677208" cy="3439082"/>
+            <a:off x="2557912" y="3142057"/>
+            <a:ext cx="7076175" cy="3169843"/>
           </a:xfrm>
           <a:prstGeom prst="rect">
             <a:avLst/>
@@ -16805,7 +18859,7 @@
 </p:sld>
 </file>
 
-<file path=ppt/slides/slide11.xml><?xml version="1.0" encoding="utf-8"?>
+<file path=ppt/slides/slide15.xml><?xml version="1.0" encoding="utf-8"?>
 <p:sld xmlns:a="http://schemas.openxmlformats.org/drawingml/2006/main" xmlns:r="http://schemas.openxmlformats.org/officeDocument/2006/relationships" xmlns:p="http://schemas.openxmlformats.org/presentationml/2006/main">
   <p:cSld>
     <p:spTree>
@@ -16888,7 +18942,7 @@
 </p:sld>
 </file>
 
-<file path=ppt/slides/slide12.xml><?xml version="1.0" encoding="utf-8"?>
+<file path=ppt/slides/slide16.xml><?xml version="1.0" encoding="utf-8"?>
 <p:sld xmlns:a="http://schemas.openxmlformats.org/drawingml/2006/main" xmlns:r="http://schemas.openxmlformats.org/officeDocument/2006/relationships" xmlns:p="http://schemas.openxmlformats.org/presentationml/2006/main">
   <p:cSld>
     <p:spTree>
@@ -16922,7 +18976,7 @@
           <a:p>
             <a:r>
               <a:rPr lang="en-US" dirty="0" smtClean="0"/>
-              <a:t>Docker Client</a:t>
+              <a:t>Connecting to Docker Swarm in ACS</a:t>
             </a:r>
             <a:endParaRPr lang="en-US" dirty="0"/>
           </a:p>
@@ -16944,41 +18998,407 @@
           <a:lstStyle/>
           <a:p>
             <a:r>
+              <a:rPr lang="en-US" dirty="0"/>
+              <a:t>Establish SSH tunnel to master load balancer</a:t>
+            </a:r>
+          </a:p>
+          <a:p>
+            <a:r>
+              <a:rPr lang="en-US" dirty="0"/>
+              <a:t>Use port forwarding to forward local Docker commands to Docker daemon on master </a:t>
+            </a:r>
+            <a:r>
               <a:rPr lang="en-US" dirty="0" smtClean="0"/>
-              <a:t>Command-line interface for Docker, available for Linux, OS X, and Windows (available separately or as part of Docker Toolbox)</a:t>
+              <a:t>LB</a:t>
             </a:r>
             <a:endParaRPr lang="en-US" dirty="0"/>
           </a:p>
         </p:txBody>
       </p:sp>
-      <p:pic>
-        <p:nvPicPr>
-          <p:cNvPr id="4" name="Picture 3"/>
-          <p:cNvPicPr>
-            <a:picLocks noChangeAspect="1"/>
-          </p:cNvPicPr>
+      <p:sp>
+        <p:nvSpPr>
+          <p:cNvPr id="4" name="TextBox 3"/>
+          <p:cNvSpPr txBox="1"/>
           <p:nvPr/>
-        </p:nvPicPr>
-        <p:blipFill>
-          <a:blip r:embed="rId3"/>
-          <a:stretch>
-            <a:fillRect/>
-          </a:stretch>
-        </p:blipFill>
+        </p:nvSpPr>
         <p:spPr>
           <a:xfrm>
-            <a:off x="2957512" y="2995613"/>
-            <a:ext cx="6276975" cy="3181350"/>
+            <a:off x="519249" y="3769111"/>
+            <a:ext cx="11169724" cy="398571"/>
           </a:xfrm>
           <a:prstGeom prst="rect">
             <a:avLst/>
           </a:prstGeom>
+          <a:noFill/>
         </p:spPr>
-      </p:pic>
+        <p:txBody>
+          <a:bodyPr wrap="none" lIns="0" tIns="0" rIns="0" bIns="0" rtlCol="0">
+            <a:spAutoFit/>
+          </a:bodyPr>
+          <a:lstStyle/>
+          <a:p>
+            <a:pPr>
+              <a:lnSpc>
+                <a:spcPct val="90000"/>
+              </a:lnSpc>
+              <a:spcBef>
+                <a:spcPct val="20000"/>
+              </a:spcBef>
+              <a:buSzPct val="80000"/>
+            </a:pPr>
+            <a:r>
+              <a:rPr lang="de-DE" sz="2800" b="1" dirty="0" smtClean="0">
+                <a:latin typeface="Courier New" panose="02070309020205020404" pitchFamily="49" charset="0"/>
+                <a:cs typeface="Courier New" panose="02070309020205020404" pitchFamily="49" charset="0"/>
+              </a:rPr>
+              <a:t>ssh </a:t>
+            </a:r>
+            <a:r>
+              <a:rPr lang="de-DE" sz="2800" b="1" i="1" dirty="0" smtClean="0">
+                <a:latin typeface="Courier New" panose="02070309020205020404" pitchFamily="49" charset="0"/>
+                <a:cs typeface="Courier New" panose="02070309020205020404" pitchFamily="49" charset="0"/>
+              </a:rPr>
+              <a:t>username</a:t>
+            </a:r>
+            <a:r>
+              <a:rPr lang="de-DE" sz="2800" b="1" dirty="0" smtClean="0">
+                <a:latin typeface="Courier New" panose="02070309020205020404" pitchFamily="49" charset="0"/>
+                <a:cs typeface="Courier New" panose="02070309020205020404" pitchFamily="49" charset="0"/>
+              </a:rPr>
+              <a:t>@</a:t>
+            </a:r>
+            <a:r>
+              <a:rPr lang="de-DE" sz="2800" b="1" i="1" dirty="0" smtClean="0">
+                <a:latin typeface="Courier New" panose="02070309020205020404" pitchFamily="49" charset="0"/>
+                <a:cs typeface="Courier New" panose="02070309020205020404" pitchFamily="49" charset="0"/>
+              </a:rPr>
+              <a:t>dnsname</a:t>
+            </a:r>
+            <a:r>
+              <a:rPr lang="de-DE" sz="2800" b="1" dirty="0" smtClean="0">
+                <a:latin typeface="Courier New" panose="02070309020205020404" pitchFamily="49" charset="0"/>
+                <a:cs typeface="Courier New" panose="02070309020205020404" pitchFamily="49" charset="0"/>
+              </a:rPr>
+              <a:t> -p 2200 -L 22375:127.0.0.1.2375</a:t>
+            </a:r>
+            <a:endParaRPr lang="en-US" sz="2800" b="1" dirty="0">
+              <a:gradFill>
+                <a:gsLst>
+                  <a:gs pos="0">
+                    <a:srgbClr val="292929">
+                      <a:lumMod val="90000"/>
+                      <a:lumOff val="10000"/>
+                    </a:srgbClr>
+                  </a:gs>
+                  <a:gs pos="86000">
+                    <a:srgbClr val="292929">
+                      <a:lumMod val="90000"/>
+                      <a:lumOff val="10000"/>
+                    </a:srgbClr>
+                  </a:gs>
+                </a:gsLst>
+                <a:lin ang="5400000" scaled="0"/>
+              </a:gradFill>
+              <a:latin typeface="Courier New" panose="02070309020205020404" pitchFamily="49" charset="0"/>
+              <a:cs typeface="Courier New" panose="02070309020205020404" pitchFamily="49" charset="0"/>
+            </a:endParaRPr>
+          </a:p>
+        </p:txBody>
+      </p:sp>
+      <p:cxnSp>
+        <p:nvCxnSpPr>
+          <p:cNvPr id="5" name="Straight Connector 4"/>
+          <p:cNvCxnSpPr/>
+          <p:nvPr/>
+        </p:nvCxnSpPr>
+        <p:spPr>
+          <a:xfrm>
+            <a:off x="5704568" y="4167682"/>
+            <a:ext cx="9562" cy="536950"/>
+          </a:xfrm>
+          <a:prstGeom prst="line">
+            <a:avLst/>
+          </a:prstGeom>
+          <a:ln w="38100">
+            <a:solidFill>
+              <a:schemeClr val="accent2"/>
+            </a:solidFill>
+          </a:ln>
+        </p:spPr>
+        <p:style>
+          <a:lnRef idx="1">
+            <a:schemeClr val="accent1"/>
+          </a:lnRef>
+          <a:fillRef idx="0">
+            <a:schemeClr val="accent1"/>
+          </a:fillRef>
+          <a:effectRef idx="0">
+            <a:schemeClr val="accent1"/>
+          </a:effectRef>
+          <a:fontRef idx="minor">
+            <a:schemeClr val="tx1"/>
+          </a:fontRef>
+        </p:style>
+      </p:cxnSp>
+      <p:cxnSp>
+        <p:nvCxnSpPr>
+          <p:cNvPr id="6" name="Straight Connector 5"/>
+          <p:cNvCxnSpPr/>
+          <p:nvPr/>
+        </p:nvCxnSpPr>
+        <p:spPr>
+          <a:xfrm>
+            <a:off x="5013192" y="4167682"/>
+            <a:ext cx="1453250" cy="0"/>
+          </a:xfrm>
+          <a:prstGeom prst="line">
+            <a:avLst/>
+          </a:prstGeom>
+          <a:ln w="38100">
+            <a:solidFill>
+              <a:schemeClr val="accent2"/>
+            </a:solidFill>
+          </a:ln>
+        </p:spPr>
+        <p:style>
+          <a:lnRef idx="1">
+            <a:schemeClr val="accent1"/>
+          </a:lnRef>
+          <a:fillRef idx="0">
+            <a:schemeClr val="accent1"/>
+          </a:fillRef>
+          <a:effectRef idx="0">
+            <a:schemeClr val="accent1"/>
+          </a:effectRef>
+          <a:fontRef idx="minor">
+            <a:schemeClr val="tx1"/>
+          </a:fontRef>
+        </p:style>
+      </p:cxnSp>
+      <p:cxnSp>
+        <p:nvCxnSpPr>
+          <p:cNvPr id="7" name="Straight Connector 6"/>
+          <p:cNvCxnSpPr/>
+          <p:nvPr/>
+        </p:nvCxnSpPr>
+        <p:spPr>
+          <a:xfrm>
+            <a:off x="6685875" y="4167682"/>
+            <a:ext cx="4877940" cy="0"/>
+          </a:xfrm>
+          <a:prstGeom prst="line">
+            <a:avLst/>
+          </a:prstGeom>
+          <a:ln w="38100">
+            <a:solidFill>
+              <a:schemeClr val="accent2"/>
+            </a:solidFill>
+          </a:ln>
+        </p:spPr>
+        <p:style>
+          <a:lnRef idx="1">
+            <a:schemeClr val="accent1"/>
+          </a:lnRef>
+          <a:fillRef idx="0">
+            <a:schemeClr val="accent1"/>
+          </a:fillRef>
+          <a:effectRef idx="0">
+            <a:schemeClr val="accent1"/>
+          </a:effectRef>
+          <a:fontRef idx="minor">
+            <a:schemeClr val="tx1"/>
+          </a:fontRef>
+        </p:style>
+      </p:cxnSp>
+      <p:cxnSp>
+        <p:nvCxnSpPr>
+          <p:cNvPr id="8" name="Straight Connector 7"/>
+          <p:cNvCxnSpPr/>
+          <p:nvPr/>
+        </p:nvCxnSpPr>
+        <p:spPr>
+          <a:xfrm>
+            <a:off x="9115283" y="4167682"/>
+            <a:ext cx="9562" cy="536950"/>
+          </a:xfrm>
+          <a:prstGeom prst="line">
+            <a:avLst/>
+          </a:prstGeom>
+          <a:ln w="38100">
+            <a:solidFill>
+              <a:schemeClr val="accent2"/>
+            </a:solidFill>
+          </a:ln>
+        </p:spPr>
+        <p:style>
+          <a:lnRef idx="1">
+            <a:schemeClr val="accent1"/>
+          </a:lnRef>
+          <a:fillRef idx="0">
+            <a:schemeClr val="accent1"/>
+          </a:fillRef>
+          <a:effectRef idx="0">
+            <a:schemeClr val="accent1"/>
+          </a:effectRef>
+          <a:fontRef idx="minor">
+            <a:schemeClr val="tx1"/>
+          </a:fontRef>
+        </p:style>
+      </p:cxnSp>
+      <p:sp>
+        <p:nvSpPr>
+          <p:cNvPr id="9" name="TextBox 8"/>
+          <p:cNvSpPr txBox="1"/>
+          <p:nvPr/>
+        </p:nvSpPr>
+        <p:spPr>
+          <a:xfrm>
+            <a:off x="2779356" y="4927300"/>
+            <a:ext cx="3906519" cy="664797"/>
+          </a:xfrm>
+          <a:prstGeom prst="rect">
+            <a:avLst/>
+          </a:prstGeom>
+          <a:noFill/>
+        </p:spPr>
+        <p:txBody>
+          <a:bodyPr wrap="square" lIns="0" tIns="0" rIns="0" bIns="0" rtlCol="0">
+            <a:spAutoFit/>
+          </a:bodyPr>
+          <a:lstStyle/>
+          <a:p>
+            <a:pPr>
+              <a:lnSpc>
+                <a:spcPct val="90000"/>
+              </a:lnSpc>
+              <a:spcBef>
+                <a:spcPct val="20000"/>
+              </a:spcBef>
+              <a:buSzPct val="80000"/>
+            </a:pPr>
+            <a:r>
+              <a:rPr lang="en-US" sz="2400" dirty="0" smtClean="0">
+                <a:gradFill>
+                  <a:gsLst>
+                    <a:gs pos="0">
+                      <a:srgbClr val="292929">
+                        <a:lumMod val="90000"/>
+                        <a:lumOff val="10000"/>
+                      </a:srgbClr>
+                    </a:gs>
+                    <a:gs pos="86000">
+                      <a:srgbClr val="292929">
+                        <a:lumMod val="90000"/>
+                        <a:lumOff val="10000"/>
+                      </a:srgbClr>
+                    </a:gs>
+                  </a:gsLst>
+                  <a:lin ang="5400000" scaled="0"/>
+                </a:gradFill>
+              </a:rPr>
+              <a:t>Establish SSH connection via port 2200 (default is 22)</a:t>
+            </a:r>
+            <a:endParaRPr lang="en-US" sz="2400" dirty="0">
+              <a:gradFill>
+                <a:gsLst>
+                  <a:gs pos="0">
+                    <a:srgbClr val="292929">
+                      <a:lumMod val="90000"/>
+                      <a:lumOff val="10000"/>
+                    </a:srgbClr>
+                  </a:gs>
+                  <a:gs pos="86000">
+                    <a:srgbClr val="292929">
+                      <a:lumMod val="90000"/>
+                      <a:lumOff val="10000"/>
+                    </a:srgbClr>
+                  </a:gs>
+                </a:gsLst>
+                <a:lin ang="5400000" scaled="0"/>
+              </a:gradFill>
+            </a:endParaRPr>
+          </a:p>
+        </p:txBody>
+      </p:sp>
+      <p:sp>
+        <p:nvSpPr>
+          <p:cNvPr id="10" name="TextBox 9"/>
+          <p:cNvSpPr txBox="1"/>
+          <p:nvPr/>
+        </p:nvSpPr>
+        <p:spPr>
+          <a:xfrm>
+            <a:off x="6938761" y="4927300"/>
+            <a:ext cx="4625054" cy="997196"/>
+          </a:xfrm>
+          <a:prstGeom prst="rect">
+            <a:avLst/>
+          </a:prstGeom>
+          <a:noFill/>
+        </p:spPr>
+        <p:txBody>
+          <a:bodyPr wrap="square" lIns="0" tIns="0" rIns="0" bIns="0" rtlCol="0">
+            <a:spAutoFit/>
+          </a:bodyPr>
+          <a:lstStyle/>
+          <a:p>
+            <a:pPr>
+              <a:lnSpc>
+                <a:spcPct val="90000"/>
+              </a:lnSpc>
+              <a:spcBef>
+                <a:spcPct val="20000"/>
+              </a:spcBef>
+              <a:buSzPct val="80000"/>
+            </a:pPr>
+            <a:r>
+              <a:rPr lang="en-US" sz="2400" dirty="0" smtClean="0">
+                <a:gradFill>
+                  <a:gsLst>
+                    <a:gs pos="0">
+                      <a:srgbClr val="292929">
+                        <a:lumMod val="90000"/>
+                        <a:lumOff val="10000"/>
+                      </a:srgbClr>
+                    </a:gs>
+                    <a:gs pos="86000">
+                      <a:srgbClr val="292929">
+                        <a:lumMod val="90000"/>
+                        <a:lumOff val="10000"/>
+                      </a:srgbClr>
+                    </a:gs>
+                  </a:gsLst>
+                  <a:lin ang="5400000" scaled="0"/>
+                </a:gradFill>
+              </a:rPr>
+              <a:t>Forward commands transmitted through port 22375 by the Docker CLI to port 2375 on the other end</a:t>
+            </a:r>
+            <a:endParaRPr lang="en-US" sz="2400" dirty="0">
+              <a:gradFill>
+                <a:gsLst>
+                  <a:gs pos="0">
+                    <a:srgbClr val="292929">
+                      <a:lumMod val="90000"/>
+                      <a:lumOff val="10000"/>
+                    </a:srgbClr>
+                  </a:gs>
+                  <a:gs pos="86000">
+                    <a:srgbClr val="292929">
+                      <a:lumMod val="90000"/>
+                      <a:lumOff val="10000"/>
+                    </a:srgbClr>
+                  </a:gs>
+                </a:gsLst>
+                <a:lin ang="5400000" scaled="0"/>
+              </a:gradFill>
+            </a:endParaRPr>
+          </a:p>
+        </p:txBody>
+      </p:sp>
     </p:spTree>
     <p:extLst>
       <p:ext uri="{BB962C8B-B14F-4D97-AF65-F5344CB8AC3E}">
-        <p14:creationId xmlns:p14="http://schemas.microsoft.com/office/powerpoint/2010/main" val="3822169245"/>
+        <p14:creationId xmlns:p14="http://schemas.microsoft.com/office/powerpoint/2010/main" val="684253228"/>
       </p:ext>
     </p:extLst>
   </p:cSld>
@@ -16988,7 +19408,7 @@
 </p:sld>
 </file>
 
-<file path=ppt/slides/slide13.xml><?xml version="1.0" encoding="utf-8"?>
+<file path=ppt/slides/slide17.xml><?xml version="1.0" encoding="utf-8"?>
 <p:sld xmlns:a="http://schemas.openxmlformats.org/drawingml/2006/main" xmlns:r="http://schemas.openxmlformats.org/officeDocument/2006/relationships" xmlns:p="http://schemas.openxmlformats.org/presentationml/2006/main">
   <p:cSld>
     <p:spTree>
@@ -17070,7 +19490,7 @@
 </p:sld>
 </file>
 
-<file path=ppt/slides/slide14.xml><?xml version="1.0" encoding="utf-8"?>
+<file path=ppt/slides/slide18.xml><?xml version="1.0" encoding="utf-8"?>
 <p:sld xmlns:a="http://schemas.openxmlformats.org/drawingml/2006/main" xmlns:r="http://schemas.openxmlformats.org/officeDocument/2006/relationships" xmlns:p="http://schemas.openxmlformats.org/presentationml/2006/main">
   <p:cSld>
     <p:spTree>
@@ -22866,7 +25286,11 @@
           <a:p>
             <a:r>
               <a:rPr lang="en-US" dirty="0" smtClean="0"/>
-              <a:t>Supported natively in Azure via Azure Container Service</a:t>
+              <a:t>Supported natively in </a:t>
+            </a:r>
+            <a:r>
+              <a:rPr lang="en-US" dirty="0" smtClean="0"/>
+              <a:t>Azure</a:t>
             </a:r>
             <a:endParaRPr lang="en-US" dirty="0"/>
           </a:p>

--- a/Workshop/6. HPC/HPC and Azure Container Service.pptx
+++ b/Workshop/6. HPC/HPC and Azure Container Service.pptx
@@ -17495,11 +17495,7 @@
           <a:p>
             <a:r>
               <a:rPr lang="en-US" dirty="0" smtClean="0"/>
-              <a:t>Docker </a:t>
-            </a:r>
-            <a:r>
-              <a:rPr lang="en-US" dirty="0" smtClean="0"/>
-              <a:t>CLI</a:t>
+              <a:t>Docker CLI</a:t>
             </a:r>
             <a:endParaRPr lang="en-US" dirty="0"/>
           </a:p>
@@ -19079,7 +19075,14 @@
                 <a:latin typeface="Courier New" panose="02070309020205020404" pitchFamily="49" charset="0"/>
                 <a:cs typeface="Courier New" panose="02070309020205020404" pitchFamily="49" charset="0"/>
               </a:rPr>
-              <a:t> -p 2200 -L 22375:127.0.0.1.2375</a:t>
+              <a:t> -p 2200 -L </a:t>
+            </a:r>
+            <a:r>
+              <a:rPr lang="de-DE" sz="2800" b="1" dirty="0" smtClean="0">
+                <a:latin typeface="Courier New" panose="02070309020205020404" pitchFamily="49" charset="0"/>
+                <a:cs typeface="Courier New" panose="02070309020205020404" pitchFamily="49" charset="0"/>
+              </a:rPr>
+              <a:t>22375:127.0.0.1:2375</a:t>
             </a:r>
             <a:endParaRPr lang="en-US" sz="2800" b="1" dirty="0">
               <a:gradFill>
@@ -25286,11 +25289,7 @@
           <a:p>
             <a:r>
               <a:rPr lang="en-US" dirty="0" smtClean="0"/>
-              <a:t>Supported natively in </a:t>
-            </a:r>
-            <a:r>
-              <a:rPr lang="en-US" dirty="0" smtClean="0"/>
-              <a:t>Azure</a:t>
+              <a:t>Supported natively in Azure</a:t>
             </a:r>
             <a:endParaRPr lang="en-US" dirty="0"/>
           </a:p>

--- a/Workshop/6. HPC/HPC and Azure Container Service.pptx
+++ b/Workshop/6. HPC/HPC and Azure Container Service.pptx
@@ -18144,7 +18144,73 @@
                   <a:lin ang="5400000" scaled="0"/>
                 </a:gradFill>
               </a:rPr>
-              <a:t>Pull "Ubuntu" image from Docker Hub or local registry</a:t>
+              <a:t>Pull </a:t>
+            </a:r>
+            <a:r>
+              <a:rPr lang="en-US" sz="2400" dirty="0" smtClean="0">
+                <a:gradFill>
+                  <a:gsLst>
+                    <a:gs pos="0">
+                      <a:srgbClr val="292929">
+                        <a:lumMod val="90000"/>
+                        <a:lumOff val="10000"/>
+                      </a:srgbClr>
+                    </a:gs>
+                    <a:gs pos="86000">
+                      <a:srgbClr val="292929">
+                        <a:lumMod val="90000"/>
+                        <a:lumOff val="10000"/>
+                      </a:srgbClr>
+                    </a:gs>
+                  </a:gsLst>
+                  <a:lin ang="5400000" scaled="0"/>
+                </a:gradFill>
+              </a:rPr>
+              <a:t>"</a:t>
+            </a:r>
+            <a:r>
+              <a:rPr lang="en-US" sz="2400" dirty="0" err="1" smtClean="0">
+                <a:gradFill>
+                  <a:gsLst>
+                    <a:gs pos="0">
+                      <a:srgbClr val="292929">
+                        <a:lumMod val="90000"/>
+                        <a:lumOff val="10000"/>
+                      </a:srgbClr>
+                    </a:gs>
+                    <a:gs pos="86000">
+                      <a:srgbClr val="292929">
+                        <a:lumMod val="90000"/>
+                        <a:lumOff val="10000"/>
+                      </a:srgbClr>
+                    </a:gs>
+                  </a:gsLst>
+                  <a:lin ang="5400000" scaled="0"/>
+                </a:gradFill>
+              </a:rPr>
+              <a:t>ubuntu</a:t>
+            </a:r>
+            <a:r>
+              <a:rPr lang="en-US" sz="2400" dirty="0" smtClean="0">
+                <a:gradFill>
+                  <a:gsLst>
+                    <a:gs pos="0">
+                      <a:srgbClr val="292929">
+                        <a:lumMod val="90000"/>
+                        <a:lumOff val="10000"/>
+                      </a:srgbClr>
+                    </a:gs>
+                    <a:gs pos="86000">
+                      <a:srgbClr val="292929">
+                        <a:lumMod val="90000"/>
+                        <a:lumOff val="10000"/>
+                      </a:srgbClr>
+                    </a:gs>
+                  </a:gsLst>
+                  <a:lin ang="5400000" scaled="0"/>
+                </a:gradFill>
+              </a:rPr>
+              <a:t>" image from Docker Hub or local registry</a:t>
             </a:r>
             <a:endParaRPr lang="en-US" sz="2400" dirty="0">
               <a:gradFill>
@@ -19075,14 +19141,7 @@
                 <a:latin typeface="Courier New" panose="02070309020205020404" pitchFamily="49" charset="0"/>
                 <a:cs typeface="Courier New" panose="02070309020205020404" pitchFamily="49" charset="0"/>
               </a:rPr>
-              <a:t> -p 2200 -L </a:t>
-            </a:r>
-            <a:r>
-              <a:rPr lang="de-DE" sz="2800" b="1" dirty="0" smtClean="0">
-                <a:latin typeface="Courier New" panose="02070309020205020404" pitchFamily="49" charset="0"/>
-                <a:cs typeface="Courier New" panose="02070309020205020404" pitchFamily="49" charset="0"/>
-              </a:rPr>
-              <a:t>22375:127.0.0.1:2375</a:t>
+              <a:t> -p 2200 -L 22375:127.0.0.1:2375</a:t>
             </a:r>
             <a:endParaRPr lang="en-US" sz="2800" b="1" dirty="0">
               <a:gradFill>

--- a/Workshop/6. HPC/HPC and Azure Container Service.pptx
+++ b/Workshop/6. HPC/HPC and Azure Container Service.pptx
@@ -1432,7 +1432,31 @@
                 <a:ea typeface="+mn-ea"/>
                 <a:cs typeface="+mn-cs"/>
               </a:rPr>
-              <a:t> in a terminal window on OS X or Linux. (Windows user need to use a third-party SSH tool such as </a:t>
+              <a:t> in a terminal window on OS X or Linux. (Windows </a:t>
+            </a:r>
+            <a:r>
+              <a:rPr lang="en-US" sz="1200" b="0" i="0" kern="1200" baseline="0" dirty="0" smtClean="0">
+                <a:solidFill>
+                  <a:schemeClr val="tx1"/>
+                </a:solidFill>
+                <a:effectLst/>
+                <a:latin typeface="+mn-lt"/>
+                <a:ea typeface="+mn-ea"/>
+                <a:cs typeface="+mn-cs"/>
+              </a:rPr>
+              <a:t>users </a:t>
+            </a:r>
+            <a:r>
+              <a:rPr lang="en-US" sz="1200" b="0" i="0" kern="1200" baseline="0" dirty="0" smtClean="0">
+                <a:solidFill>
+                  <a:schemeClr val="tx1"/>
+                </a:solidFill>
+                <a:effectLst/>
+                <a:latin typeface="+mn-lt"/>
+                <a:ea typeface="+mn-ea"/>
+                <a:cs typeface="+mn-cs"/>
+              </a:rPr>
+              <a:t>need to use a third-party SSH tool such as </a:t>
             </a:r>
             <a:r>
               <a:rPr lang="en-US" sz="1200" b="0" i="0" kern="1200" baseline="0" dirty="0" err="1" smtClean="0">
@@ -18144,29 +18168,7 @@
                   <a:lin ang="5400000" scaled="0"/>
                 </a:gradFill>
               </a:rPr>
-              <a:t>Pull </a:t>
-            </a:r>
-            <a:r>
-              <a:rPr lang="en-US" sz="2400" dirty="0" smtClean="0">
-                <a:gradFill>
-                  <a:gsLst>
-                    <a:gs pos="0">
-                      <a:srgbClr val="292929">
-                        <a:lumMod val="90000"/>
-                        <a:lumOff val="10000"/>
-                      </a:srgbClr>
-                    </a:gs>
-                    <a:gs pos="86000">
-                      <a:srgbClr val="292929">
-                        <a:lumMod val="90000"/>
-                        <a:lumOff val="10000"/>
-                      </a:srgbClr>
-                    </a:gs>
-                  </a:gsLst>
-                  <a:lin ang="5400000" scaled="0"/>
-                </a:gradFill>
-              </a:rPr>
-              <a:t>"</a:t>
+              <a:t>Pull "</a:t>
             </a:r>
             <a:r>
               <a:rPr lang="en-US" sz="2400" dirty="0" err="1" smtClean="0">

--- a/Workshop/6. HPC/HPC and Azure Container Service.pptx
+++ b/Workshop/6. HPC/HPC and Azure Container Service.pptx
@@ -6,27 +6,28 @@
     <p:sldMasterId id="2147483663" r:id="rId2"/>
   </p:sldMasterIdLst>
   <p:notesMasterIdLst>
-    <p:notesMasterId r:id="rId21"/>
+    <p:notesMasterId r:id="rId22"/>
   </p:notesMasterIdLst>
   <p:sldIdLst>
     <p:sldId id="256" r:id="rId3"/>
-    <p:sldId id="301" r:id="rId4"/>
-    <p:sldId id="302" r:id="rId5"/>
-    <p:sldId id="303" r:id="rId6"/>
-    <p:sldId id="304" r:id="rId7"/>
-    <p:sldId id="305" r:id="rId8"/>
-    <p:sldId id="306" r:id="rId9"/>
-    <p:sldId id="307" r:id="rId10"/>
-    <p:sldId id="308" r:id="rId11"/>
-    <p:sldId id="314" r:id="rId12"/>
-    <p:sldId id="313" r:id="rId13"/>
-    <p:sldId id="315" r:id="rId14"/>
-    <p:sldId id="316" r:id="rId15"/>
-    <p:sldId id="309" r:id="rId16"/>
-    <p:sldId id="311" r:id="rId17"/>
-    <p:sldId id="317" r:id="rId18"/>
-    <p:sldId id="295" r:id="rId19"/>
-    <p:sldId id="299" r:id="rId20"/>
+    <p:sldId id="321" r:id="rId4"/>
+    <p:sldId id="318" r:id="rId5"/>
+    <p:sldId id="319" r:id="rId6"/>
+    <p:sldId id="320" r:id="rId7"/>
+    <p:sldId id="304" r:id="rId8"/>
+    <p:sldId id="305" r:id="rId9"/>
+    <p:sldId id="306" r:id="rId10"/>
+    <p:sldId id="307" r:id="rId11"/>
+    <p:sldId id="308" r:id="rId12"/>
+    <p:sldId id="314" r:id="rId13"/>
+    <p:sldId id="313" r:id="rId14"/>
+    <p:sldId id="315" r:id="rId15"/>
+    <p:sldId id="316" r:id="rId16"/>
+    <p:sldId id="309" r:id="rId17"/>
+    <p:sldId id="311" r:id="rId18"/>
+    <p:sldId id="317" r:id="rId19"/>
+    <p:sldId id="295" r:id="rId20"/>
+    <p:sldId id="299" r:id="rId21"/>
   </p:sldIdLst>
   <p:sldSz cx="12192000" cy="6858000"/>
   <p:notesSz cx="6858000" cy="9144000"/>
@@ -215,7 +216,7 @@
           <a:p>
             <a:fld id="{49B60EF2-7028-489F-85D8-FE86CD7CF2A0}" type="datetimeFigureOut">
               <a:rPr lang="en-US" smtClean="0"/>
-              <a:t>8/29/2016</a:t>
+              <a:t>10/10/2016</a:t>
             </a:fld>
             <a:endParaRPr lang="en-US"/>
           </a:p>
@@ -610,76 +611,23 @@
           <a:bodyPr/>
           <a:lstStyle/>
           <a:p>
-            <a:pPr marL="0" marR="0" lvl="0" indent="0" algn="l" defTabSz="914400" rtl="0" eaLnBrk="1" fontAlgn="auto" latinLnBrk="0" hangingPunct="1">
-              <a:lnSpc>
-                <a:spcPct val="100000"/>
-              </a:lnSpc>
-              <a:spcBef>
-                <a:spcPts val="0"/>
-              </a:spcBef>
-              <a:spcAft>
-                <a:spcPts val="0"/>
-              </a:spcAft>
-              <a:buClrTx/>
-              <a:buSzTx/>
-              <a:buFontTx/>
-              <a:buNone/>
-              <a:tabLst/>
-              <a:defRPr/>
-            </a:pPr>
             <a:r>
               <a:rPr lang="en-US" dirty="0" smtClean="0"/>
-              <a:t>Docker utilizes</a:t>
+              <a:t>Docker (www.docker.com) isn't the world's only containerization platform, but it is the most popular. It is free, open-source,</a:t>
             </a:r>
             <a:r>
               <a:rPr lang="en-US" baseline="0" dirty="0" smtClean="0"/>
-              <a:t> a client-server architecture. You execute Docker commands through a Docker client such as the Docker CLI or </a:t>
-            </a:r>
-            <a:r>
-              <a:rPr lang="en-US" baseline="0" dirty="0" err="1" smtClean="0"/>
-              <a:t>Kitematic</a:t>
+              <a:t> and Linux-based, with Windows support (Windows Server 2016) in the works. </a:t>
+            </a:r>
+            <a:r>
+              <a:rPr lang="en-US" dirty="0" smtClean="0"/>
+              <a:t>It has earned massive</a:t>
             </a:r>
             <a:r>
               <a:rPr lang="en-US" baseline="0" dirty="0" smtClean="0"/>
-              <a:t>. The client uses REST commands to communicate with the Docker daemon running on a Docker host such as the Azure Container services. These commands can be used to push, pull (</a:t>
-            </a:r>
-            <a:r>
-              <a:rPr lang="en-US" b="1" baseline="0" dirty="0" err="1" smtClean="0"/>
-              <a:t>docker</a:t>
-            </a:r>
-            <a:r>
-              <a:rPr lang="en-US" b="1" baseline="0" dirty="0" smtClean="0"/>
-              <a:t> pull</a:t>
-            </a:r>
-            <a:r>
-              <a:rPr lang="en-US" baseline="0" dirty="0" smtClean="0"/>
-              <a:t>), and create Docker images, to run them in containers, and to manage those containers. Images can be built with the </a:t>
-            </a:r>
-            <a:r>
-              <a:rPr lang="en-US" b="1" baseline="0" dirty="0" err="1" smtClean="0"/>
-              <a:t>docker</a:t>
-            </a:r>
-            <a:r>
-              <a:rPr lang="en-US" b="1" baseline="0" dirty="0" smtClean="0"/>
-              <a:t> build</a:t>
-            </a:r>
-            <a:r>
-              <a:rPr lang="en-US" baseline="0" dirty="0" smtClean="0"/>
-              <a:t> command, and they can be stand-alone, or they can "inherit" from other images. Images are stored in Docker registries, which can be public or private, local or remote. Docker Hub is a popular public registry that is managed by Docker; it contains a "huge collection" of images that anyone may use. The </a:t>
-            </a:r>
-            <a:r>
-              <a:rPr lang="en-US" b="1" baseline="0" dirty="0" err="1" smtClean="0"/>
-              <a:t>docker</a:t>
-            </a:r>
-            <a:r>
-              <a:rPr lang="en-US" b="1" baseline="0" dirty="0" smtClean="0"/>
-              <a:t> run</a:t>
-            </a:r>
-            <a:r>
-              <a:rPr lang="en-US" baseline="0" dirty="0" smtClean="0"/>
-              <a:t> command runs a container using an image as a template.</a:t>
-            </a:r>
-            <a:endParaRPr lang="en-US" dirty="0" smtClean="0"/>
+              <a:t> mindshare in the developer community. And with Azure Container Service, you can deploy Docker containers to Azure with minimal effort. Moreover, Docker containers are easily moved between Azure and Amazon Web Services (AWS), affording developers portability between cloud platforms.</a:t>
+            </a:r>
+            <a:endParaRPr lang="en-US" dirty="0"/>
           </a:p>
         </p:txBody>
       </p:sp>
@@ -709,7 +657,7 @@
     </p:spTree>
     <p:extLst>
       <p:ext uri="{BB962C8B-B14F-4D97-AF65-F5344CB8AC3E}">
-        <p14:creationId xmlns:p14="http://schemas.microsoft.com/office/powerpoint/2010/main" val="2815615228"/>
+        <p14:creationId xmlns:p14="http://schemas.microsoft.com/office/powerpoint/2010/main" val="4017007276"/>
       </p:ext>
     </p:extLst>
   </p:cSld>
@@ -763,23 +711,76 @@
           <a:bodyPr/>
           <a:lstStyle/>
           <a:p>
+            <a:pPr marL="0" marR="0" lvl="0" indent="0" algn="l" defTabSz="914400" rtl="0" eaLnBrk="1" fontAlgn="auto" latinLnBrk="0" hangingPunct="1">
+              <a:lnSpc>
+                <a:spcPct val="100000"/>
+              </a:lnSpc>
+              <a:spcBef>
+                <a:spcPts val="0"/>
+              </a:spcBef>
+              <a:spcAft>
+                <a:spcPts val="0"/>
+              </a:spcAft>
+              <a:buClrTx/>
+              <a:buSzTx/>
+              <a:buFontTx/>
+              <a:buNone/>
+              <a:tabLst/>
+              <a:defRPr/>
+            </a:pPr>
             <a:r>
               <a:rPr lang="en-US" dirty="0" smtClean="0"/>
-              <a:t>The Docker Client,</a:t>
+              <a:t>Docker utilizes</a:t>
             </a:r>
             <a:r>
               <a:rPr lang="en-US" baseline="0" dirty="0" smtClean="0"/>
-              <a:t> also known as the Docker CLI, is the primary tool you use to manage Docker containers. You can download container images from repositories such as Docker Hub, build container images, run container instances, list container images and instances, and much more. After connecting to Azure Container Service using SSH, you can use port forwarding to execute commands locally that act on an Azure Container Service running in the cloud. In this example, the -H switch used with the </a:t>
+              <a:t> a client-server architecture. You execute Docker commands through a Docker client such as the Docker CLI or </a:t>
+            </a:r>
+            <a:r>
+              <a:rPr lang="en-US" baseline="0" dirty="0" err="1" smtClean="0"/>
+              <a:t>Kitematic</a:t>
+            </a:r>
+            <a:r>
+              <a:rPr lang="en-US" baseline="0" dirty="0" smtClean="0"/>
+              <a:t>. The client uses REST commands to communicate with the Docker daemon running on a Docker host such as the Azure Container services. These commands can be used to push, pull (</a:t>
             </a:r>
             <a:r>
               <a:rPr lang="en-US" b="1" baseline="0" dirty="0" err="1" smtClean="0"/>
               <a:t>docker</a:t>
             </a:r>
             <a:r>
+              <a:rPr lang="en-US" b="1" baseline="0" dirty="0" smtClean="0"/>
+              <a:t> pull</a:t>
+            </a:r>
+            <a:r>
               <a:rPr lang="en-US" baseline="0" dirty="0" smtClean="0"/>
-              <a:t> commands forwards commands sent to port 22375 on localhost to the Azure Container Services via SSH.</a:t>
-            </a:r>
-            <a:endParaRPr lang="en-US" dirty="0"/>
+              <a:t>), and create Docker images, to run them in containers, and to manage those containers. Images can be built with the </a:t>
+            </a:r>
+            <a:r>
+              <a:rPr lang="en-US" b="1" baseline="0" dirty="0" err="1" smtClean="0"/>
+              <a:t>docker</a:t>
+            </a:r>
+            <a:r>
+              <a:rPr lang="en-US" b="1" baseline="0" dirty="0" smtClean="0"/>
+              <a:t> build</a:t>
+            </a:r>
+            <a:r>
+              <a:rPr lang="en-US" baseline="0" dirty="0" smtClean="0"/>
+              <a:t> command, and they can be stand-alone, or they can "inherit" from other images. Images are stored in Docker registries, which can be public or private, local or remote. Docker Hub is a popular public registry that is managed by Docker; it contains a "huge collection" of images that anyone may use. The </a:t>
+            </a:r>
+            <a:r>
+              <a:rPr lang="en-US" b="1" baseline="0" dirty="0" err="1" smtClean="0"/>
+              <a:t>docker</a:t>
+            </a:r>
+            <a:r>
+              <a:rPr lang="en-US" b="1" baseline="0" dirty="0" smtClean="0"/>
+              <a:t> run</a:t>
+            </a:r>
+            <a:r>
+              <a:rPr lang="en-US" baseline="0" dirty="0" smtClean="0"/>
+              <a:t> command runs a container using an image as a template.</a:t>
+            </a:r>
+            <a:endParaRPr lang="en-US" dirty="0" smtClean="0"/>
           </a:p>
         </p:txBody>
       </p:sp>
@@ -809,7 +810,7 @@
     </p:spTree>
     <p:extLst>
       <p:ext uri="{BB962C8B-B14F-4D97-AF65-F5344CB8AC3E}">
-        <p14:creationId xmlns:p14="http://schemas.microsoft.com/office/powerpoint/2010/main" val="999235491"/>
+        <p14:creationId xmlns:p14="http://schemas.microsoft.com/office/powerpoint/2010/main" val="2815615228"/>
       </p:ext>
     </p:extLst>
   </p:cSld>
@@ -863,60 +864,23 @@
           <a:bodyPr/>
           <a:lstStyle/>
           <a:p>
-            <a:pPr marL="0" marR="0" lvl="0" indent="0" algn="l" defTabSz="914400" rtl="0" eaLnBrk="1" fontAlgn="auto" latinLnBrk="0" hangingPunct="1">
-              <a:lnSpc>
-                <a:spcPct val="100000"/>
-              </a:lnSpc>
-              <a:spcBef>
-                <a:spcPts val="0"/>
-              </a:spcBef>
-              <a:spcAft>
-                <a:spcPts val="0"/>
-              </a:spcAft>
-              <a:buClrTx/>
-              <a:buSzTx/>
-              <a:buFontTx/>
-              <a:buNone/>
-              <a:tabLst/>
-              <a:defRPr/>
-            </a:pPr>
             <a:r>
               <a:rPr lang="en-US" dirty="0" smtClean="0"/>
-              <a:t>This command pulls the image</a:t>
+              <a:t>The Docker Client,</a:t>
             </a:r>
             <a:r>
               <a:rPr lang="en-US" baseline="0" dirty="0" smtClean="0"/>
-              <a:t> named "Ubuntu" from Docker Hub (or a local registry if the image is cached there) and runs it interactively in a container. "Interactively" means standard input, output, and error are connected locally so you can provide input to the container and see its output. Of course, you are not limited to the "Ubuntu" image. You can specify other images and even create images of your own with </a:t>
+              <a:t> also known as the Docker CLI, is the primary tool you use to manage Docker containers. You can download container images from repositories such as Docker Hub, build container images, run container instances, list container images and instances, and much more. After connecting to Azure Container Service using SSH, you can use port forwarding to execute commands locally that act on an Azure Container Service running in the cloud. In this example, the -H switch used with the </a:t>
             </a:r>
             <a:r>
               <a:rPr lang="en-US" b="1" baseline="0" dirty="0" err="1" smtClean="0"/>
               <a:t>docker</a:t>
             </a:r>
             <a:r>
-              <a:rPr lang="en-US" b="1" baseline="0" dirty="0" smtClean="0"/>
-              <a:t> build</a:t>
-            </a:r>
-            <a:r>
               <a:rPr lang="en-US" baseline="0" dirty="0" smtClean="0"/>
-              <a:t>. Where the container runs depends on the context. The container can run locally in a </a:t>
-            </a:r>
-            <a:r>
-              <a:rPr lang="en-US" baseline="0" dirty="0" err="1" smtClean="0"/>
-              <a:t>docker</a:t>
-            </a:r>
-            <a:r>
-              <a:rPr lang="en-US" baseline="0" dirty="0" smtClean="0"/>
-              <a:t> host (for example, a VM on Windows), or it can remotely if you connect to a remote Docker daemon (for example, one running in Azure) via SSH tunneling and use port forwarding to forward </a:t>
-            </a:r>
-            <a:r>
-              <a:rPr lang="en-US" b="1" baseline="0" dirty="0" err="1" smtClean="0"/>
-              <a:t>docker</a:t>
-            </a:r>
-            <a:r>
-              <a:rPr lang="en-US" baseline="0" dirty="0" smtClean="0"/>
-              <a:t> commands to the daemon.</a:t>
-            </a:r>
-            <a:endParaRPr lang="en-US" dirty="0" smtClean="0"/>
+              <a:t> commands forwards commands sent to port 22375 on localhost to the Azure Container Services via SSH.</a:t>
+            </a:r>
+            <a:endParaRPr lang="en-US" dirty="0"/>
           </a:p>
         </p:txBody>
       </p:sp>
@@ -946,7 +910,7 @@
     </p:spTree>
     <p:extLst>
       <p:ext uri="{BB962C8B-B14F-4D97-AF65-F5344CB8AC3E}">
-        <p14:creationId xmlns:p14="http://schemas.microsoft.com/office/powerpoint/2010/main" val="2246746569"/>
+        <p14:creationId xmlns:p14="http://schemas.microsoft.com/office/powerpoint/2010/main" val="999235491"/>
       </p:ext>
     </p:extLst>
   </p:cSld>
@@ -1019,31 +983,11 @@
             </a:pPr>
             <a:r>
               <a:rPr lang="en-US" dirty="0" smtClean="0"/>
-              <a:t>These are some of the most commonly used </a:t>
-            </a:r>
-            <a:r>
-              <a:rPr lang="en-US" b="1" dirty="0" err="1" smtClean="0"/>
-              <a:t>docker</a:t>
-            </a:r>
-            <a:r>
-              <a:rPr lang="en-US" dirty="0" smtClean="0"/>
-              <a:t> commands. You can also use </a:t>
-            </a:r>
-            <a:r>
-              <a:rPr lang="en-US" b="1" dirty="0" err="1" smtClean="0"/>
-              <a:t>docker</a:t>
-            </a:r>
-            <a:r>
-              <a:rPr lang="en-US" b="1" dirty="0" smtClean="0"/>
-              <a:t> push</a:t>
-            </a:r>
-            <a:r>
-              <a:rPr lang="en-US" dirty="0" smtClean="0"/>
-              <a:t> to push an image to a registry</a:t>
+              <a:t>This command pulls the image</a:t>
             </a:r>
             <a:r>
               <a:rPr lang="en-US" baseline="0" dirty="0" smtClean="0"/>
-              <a:t> such as Docker Hub. Also, </a:t>
+              <a:t> named "Ubuntu" from Docker Hub (or a local registry if the image is cached there) and runs it interactively in a container. "Interactively" means standard input, output, and error are connected locally so you can provide input to the container and see its output. Of course, you are not limited to the "Ubuntu" image. You can specify other images and even create images of your own with </a:t>
             </a:r>
             <a:r>
               <a:rPr lang="en-US" b="1" baseline="0" dirty="0" err="1" smtClean="0"/>
@@ -1051,75 +995,27 @@
             </a:r>
             <a:r>
               <a:rPr lang="en-US" b="1" baseline="0" dirty="0" smtClean="0"/>
-              <a:t> </a:t>
-            </a:r>
-            <a:r>
-              <a:rPr lang="en-US" b="1" baseline="0" dirty="0" err="1" smtClean="0"/>
-              <a:t>ps</a:t>
+              <a:t> build</a:t>
             </a:r>
             <a:r>
               <a:rPr lang="en-US" baseline="0" dirty="0" smtClean="0"/>
-              <a:t> is often accompanied by a </a:t>
-            </a:r>
-            <a:r>
-              <a:rPr lang="en-US" b="1" baseline="0" dirty="0" smtClean="0"/>
-              <a:t>-a</a:t>
+              <a:t>. Where the container runs depends on the context. The container can run locally in a </a:t>
+            </a:r>
+            <a:r>
+              <a:rPr lang="en-US" baseline="0" dirty="0" err="1" smtClean="0"/>
+              <a:t>docker</a:t>
             </a:r>
             <a:r>
               <a:rPr lang="en-US" baseline="0" dirty="0" smtClean="0"/>
-              <a:t> switch to list all containers, including those that are no longer running, while </a:t>
+              <a:t> host (for example, a VM on Windows), or it can remotely if you connect to a remote Docker daemon (for example, one running in Azure) via SSH tunneling and use port forwarding to forward </a:t>
             </a:r>
             <a:r>
               <a:rPr lang="en-US" b="1" baseline="0" dirty="0" err="1" smtClean="0"/>
               <a:t>docker</a:t>
             </a:r>
             <a:r>
-              <a:rPr lang="en-US" b="1" baseline="0" dirty="0" smtClean="0"/>
-              <a:t> </a:t>
-            </a:r>
-            <a:r>
-              <a:rPr lang="en-US" b="1" baseline="0" dirty="0" err="1" smtClean="0"/>
-              <a:t>rm</a:t>
-            </a:r>
-            <a:r>
               <a:rPr lang="en-US" baseline="0" dirty="0" smtClean="0"/>
-              <a:t> and </a:t>
-            </a:r>
-            <a:r>
-              <a:rPr lang="en-US" b="1" baseline="0" dirty="0" err="1" smtClean="0"/>
-              <a:t>docker</a:t>
-            </a:r>
-            <a:r>
-              <a:rPr lang="en-US" b="1" baseline="0" dirty="0" smtClean="0"/>
-              <a:t> </a:t>
-            </a:r>
-            <a:r>
-              <a:rPr lang="en-US" b="1" baseline="0" dirty="0" err="1" smtClean="0"/>
-              <a:t>rmi</a:t>
-            </a:r>
-            <a:r>
-              <a:rPr lang="en-US" baseline="0" dirty="0" smtClean="0"/>
-              <a:t> are used to delete (remove) containers and images, respectively. The </a:t>
-            </a:r>
-            <a:r>
-              <a:rPr lang="en-US" b="1" baseline="0" dirty="0" err="1" smtClean="0"/>
-              <a:t>docker</a:t>
-            </a:r>
-            <a:r>
-              <a:rPr lang="en-US" b="1" baseline="0" dirty="0" smtClean="0"/>
-              <a:t> build</a:t>
-            </a:r>
-            <a:r>
-              <a:rPr lang="en-US" baseline="0" dirty="0" smtClean="0"/>
-              <a:t> command uses a </a:t>
-            </a:r>
-            <a:r>
-              <a:rPr lang="en-US" baseline="0" dirty="0" err="1" smtClean="0"/>
-              <a:t>Dockerfile</a:t>
-            </a:r>
-            <a:r>
-              <a:rPr lang="en-US" baseline="0" dirty="0" smtClean="0"/>
-              <a:t> (a text file containing build commands) and a "context" -- for example, a specified directory in the file system -- to build Docker images.</a:t>
+              <a:t> commands to the daemon.</a:t>
             </a:r>
             <a:endParaRPr lang="en-US" dirty="0" smtClean="0"/>
           </a:p>
@@ -1151,7 +1047,7 @@
     </p:spTree>
     <p:extLst>
       <p:ext uri="{BB962C8B-B14F-4D97-AF65-F5344CB8AC3E}">
-        <p14:creationId xmlns:p14="http://schemas.microsoft.com/office/powerpoint/2010/main" val="1832625065"/>
+        <p14:creationId xmlns:p14="http://schemas.microsoft.com/office/powerpoint/2010/main" val="2246746569"/>
       </p:ext>
     </p:extLst>
   </p:cSld>
@@ -1205,19 +1101,128 @@
           <a:bodyPr/>
           <a:lstStyle/>
           <a:p>
+            <a:pPr marL="0" marR="0" lvl="0" indent="0" algn="l" defTabSz="914400" rtl="0" eaLnBrk="1" fontAlgn="auto" latinLnBrk="0" hangingPunct="1">
+              <a:lnSpc>
+                <a:spcPct val="100000"/>
+              </a:lnSpc>
+              <a:spcBef>
+                <a:spcPts val="0"/>
+              </a:spcBef>
+              <a:spcAft>
+                <a:spcPts val="0"/>
+              </a:spcAft>
+              <a:buClrTx/>
+              <a:buSzTx/>
+              <a:buFontTx/>
+              <a:buNone/>
+              <a:tabLst/>
+              <a:defRPr/>
+            </a:pPr>
             <a:r>
               <a:rPr lang="en-US" dirty="0" smtClean="0"/>
-              <a:t>From the documentation: "Azure Container Service makes it simpler for you to create, configure, and manage a cluster of virtual machines that are preconfigured to run containerized applications. It uses an optimized configuration of popular open-source scheduling and orchestration tools. This enables you to use your existing skills, or draw upon a large and growing body of community expertise, to deploy and manage container-based applications on Microsoft Azure." ACS supports Linux containers and Windows containers. The latter rely</a:t>
+              <a:t>These are some of the most commonly used </a:t>
+            </a:r>
+            <a:r>
+              <a:rPr lang="en-US" b="1" dirty="0" err="1" smtClean="0"/>
+              <a:t>docker</a:t>
+            </a:r>
+            <a:r>
+              <a:rPr lang="en-US" dirty="0" smtClean="0"/>
+              <a:t> commands. You can also use </a:t>
+            </a:r>
+            <a:r>
+              <a:rPr lang="en-US" b="1" dirty="0" err="1" smtClean="0"/>
+              <a:t>docker</a:t>
+            </a:r>
+            <a:r>
+              <a:rPr lang="en-US" b="1" dirty="0" smtClean="0"/>
+              <a:t> push</a:t>
+            </a:r>
+            <a:r>
+              <a:rPr lang="en-US" dirty="0" smtClean="0"/>
+              <a:t> to push an image to a registry</a:t>
             </a:r>
             <a:r>
               <a:rPr lang="en-US" baseline="0" dirty="0" smtClean="0"/>
-              <a:t> on </a:t>
-            </a:r>
-            <a:r>
-              <a:rPr lang="en-US" dirty="0" smtClean="0"/>
-              <a:t>Windows Server 2016.</a:t>
-            </a:r>
-            <a:endParaRPr lang="en-US" dirty="0"/>
+              <a:t> such as Docker Hub. Also, </a:t>
+            </a:r>
+            <a:r>
+              <a:rPr lang="en-US" b="1" baseline="0" dirty="0" err="1" smtClean="0"/>
+              <a:t>docker</a:t>
+            </a:r>
+            <a:r>
+              <a:rPr lang="en-US" b="1" baseline="0" dirty="0" smtClean="0"/>
+              <a:t> </a:t>
+            </a:r>
+            <a:r>
+              <a:rPr lang="en-US" b="1" baseline="0" dirty="0" err="1" smtClean="0"/>
+              <a:t>ps</a:t>
+            </a:r>
+            <a:r>
+              <a:rPr lang="en-US" baseline="0" dirty="0" smtClean="0"/>
+              <a:t> is often accompanied by a </a:t>
+            </a:r>
+            <a:r>
+              <a:rPr lang="en-US" b="1" baseline="0" dirty="0" smtClean="0"/>
+              <a:t>-a</a:t>
+            </a:r>
+            <a:r>
+              <a:rPr lang="en-US" baseline="0" dirty="0" smtClean="0"/>
+              <a:t> switch to list all containers, including those that are no longer running, while </a:t>
+            </a:r>
+            <a:r>
+              <a:rPr lang="en-US" b="1" baseline="0" dirty="0" err="1" smtClean="0"/>
+              <a:t>docker</a:t>
+            </a:r>
+            <a:r>
+              <a:rPr lang="en-US" b="1" baseline="0" dirty="0" smtClean="0"/>
+              <a:t> </a:t>
+            </a:r>
+            <a:r>
+              <a:rPr lang="en-US" b="1" baseline="0" dirty="0" err="1" smtClean="0"/>
+              <a:t>rm</a:t>
+            </a:r>
+            <a:r>
+              <a:rPr lang="en-US" baseline="0" dirty="0" smtClean="0"/>
+              <a:t> and </a:t>
+            </a:r>
+            <a:r>
+              <a:rPr lang="en-US" b="1" baseline="0" dirty="0" err="1" smtClean="0"/>
+              <a:t>docker</a:t>
+            </a:r>
+            <a:r>
+              <a:rPr lang="en-US" b="1" baseline="0" dirty="0" smtClean="0"/>
+              <a:t> </a:t>
+            </a:r>
+            <a:r>
+              <a:rPr lang="en-US" b="1" baseline="0" dirty="0" err="1" smtClean="0"/>
+              <a:t>rmi</a:t>
+            </a:r>
+            <a:r>
+              <a:rPr lang="en-US" baseline="0" dirty="0" smtClean="0"/>
+              <a:t> are used to delete (remove) containers and images, respectively. The </a:t>
+            </a:r>
+            <a:r>
+              <a:rPr lang="en-US" b="1" baseline="0" dirty="0" err="1" smtClean="0"/>
+              <a:t>docker</a:t>
+            </a:r>
+            <a:r>
+              <a:rPr lang="en-US" b="1" baseline="0" dirty="0" smtClean="0"/>
+              <a:t> build</a:t>
+            </a:r>
+            <a:r>
+              <a:rPr lang="en-US" baseline="0" dirty="0" smtClean="0"/>
+              <a:t> command uses a </a:t>
+            </a:r>
+            <a:r>
+              <a:rPr lang="en-US" baseline="0" dirty="0" err="1" smtClean="0"/>
+              <a:t>Dockerfile</a:t>
+            </a:r>
+            <a:r>
+              <a:rPr lang="en-US" baseline="0" dirty="0" smtClean="0"/>
+              <a:t> (a text file containing build commands) and a "context" -- for example, a specified directory in the file system -- to build Docker images.</a:t>
+            </a:r>
+            <a:endParaRPr lang="en-US" dirty="0" smtClean="0"/>
           </a:p>
         </p:txBody>
       </p:sp>
@@ -1247,7 +1252,7 @@
     </p:spTree>
     <p:extLst>
       <p:ext uri="{BB962C8B-B14F-4D97-AF65-F5344CB8AC3E}">
-        <p14:creationId xmlns:p14="http://schemas.microsoft.com/office/powerpoint/2010/main" val="36852900"/>
+        <p14:creationId xmlns:p14="http://schemas.microsoft.com/office/powerpoint/2010/main" val="1832625065"/>
       </p:ext>
     </p:extLst>
   </p:cSld>
@@ -1303,11 +1308,15 @@
           <a:p>
             <a:r>
               <a:rPr lang="en-US" dirty="0" smtClean="0"/>
-              <a:t>Here's what happens in Azure</a:t>
+              <a:t>From the documentation: "Azure Container Service makes it simpler for you to create, configure, and manage a cluster of virtual machines that are preconfigured to run containerized applications. It uses an optimized configuration of popular open-source scheduling and orchestration tools. This enables you to use your existing skills, or draw upon a large and growing body of community expertise, to deploy and manage container-based applications on Microsoft Azure." ACS supports Linux containers and Windows containers. The latter rely</a:t>
             </a:r>
             <a:r>
               <a:rPr lang="en-US" baseline="0" dirty="0" smtClean="0"/>
-              <a:t> when you create an Azure Container Service with Docker Swarm as the orchestrator. Azure creates one or more master VMs to control the "swarm" of containers, as well as a Virtual Machine Scale Set, which provides the "agent" VMs in which containers run. All these VMs communicate over a private virtual network. To communicate with Docker Swarm in a master VM from a Docker client running on a local machine, you establish an SSH tunnel that forwards the local port 22375 to port 2375 in the VM (via SSH port 2200). This allows you to execute local commands that load container images and run containers in the cloud. Docker Swarm manages the container instances in the agent VMs as well as the agent VMs themselves. You don't have to know this to use Azure Container Service, but it does help explain various port forwarding commands that you employ when running the Docker client on a local machine connected to Azure.</a:t>
+              <a:t> on </a:t>
+            </a:r>
+            <a:r>
+              <a:rPr lang="en-US" dirty="0" smtClean="0"/>
+              <a:t>Windows Server 2016.</a:t>
             </a:r>
             <a:endParaRPr lang="en-US" dirty="0"/>
           </a:p>
@@ -1339,7 +1348,7 @@
     </p:spTree>
     <p:extLst>
       <p:ext uri="{BB962C8B-B14F-4D97-AF65-F5344CB8AC3E}">
-        <p14:creationId xmlns:p14="http://schemas.microsoft.com/office/powerpoint/2010/main" val="2302495390"/>
+        <p14:creationId xmlns:p14="http://schemas.microsoft.com/office/powerpoint/2010/main" val="36852900"/>
       </p:ext>
     </p:extLst>
   </p:cSld>
@@ -1393,6 +1402,98 @@
           <a:bodyPr/>
           <a:lstStyle/>
           <a:p>
+            <a:r>
+              <a:rPr lang="en-US" dirty="0" smtClean="0"/>
+              <a:t>Here's what happens in Azure</a:t>
+            </a:r>
+            <a:r>
+              <a:rPr lang="en-US" baseline="0" dirty="0" smtClean="0"/>
+              <a:t> when you create an Azure Container Service with Docker Swarm as the orchestrator. Azure creates one or more master VMs to control the "swarm" of containers, as well as a Virtual Machine Scale Set, which provides the "agent" VMs in which containers run. All these VMs communicate over a private virtual network. To communicate with Docker Swarm in a master VM from a Docker client running on a local machine, you establish an SSH tunnel that forwards the local port 22375 to port 2375 in the VM (via SSH port 2200). This allows you to execute local commands that load container images and run containers in the cloud. Docker Swarm manages the container instances in the agent VMs as well as the agent VMs themselves. You don't have to know this to use Azure Container Service, but it does help explain various port forwarding commands that you employ when running the Docker client on a local machine connected to Azure.</a:t>
+            </a:r>
+            <a:endParaRPr lang="en-US" dirty="0"/>
+          </a:p>
+        </p:txBody>
+      </p:sp>
+      <p:sp>
+        <p:nvSpPr>
+          <p:cNvPr id="4" name="Slide Number Placeholder 3"/>
+          <p:cNvSpPr>
+            <a:spLocks noGrp="1"/>
+          </p:cNvSpPr>
+          <p:nvPr>
+            <p:ph type="sldNum" sz="quarter" idx="10"/>
+          </p:nvPr>
+        </p:nvSpPr>
+        <p:spPr/>
+        <p:txBody>
+          <a:bodyPr/>
+          <a:lstStyle/>
+          <a:p>
+            <a:fld id="{01283FAC-A721-45A3-BBDE-EAF2B09B7CD9}" type="slidenum">
+              <a:rPr lang="en-US" smtClean="0"/>
+              <a:t>16</a:t>
+            </a:fld>
+            <a:endParaRPr lang="en-US"/>
+          </a:p>
+        </p:txBody>
+      </p:sp>
+    </p:spTree>
+    <p:extLst>
+      <p:ext uri="{BB962C8B-B14F-4D97-AF65-F5344CB8AC3E}">
+        <p14:creationId xmlns:p14="http://schemas.microsoft.com/office/powerpoint/2010/main" val="2302495390"/>
+      </p:ext>
+    </p:extLst>
+  </p:cSld>
+  <p:clrMapOvr>
+    <a:masterClrMapping/>
+  </p:clrMapOvr>
+</p:notes>
+</file>
+
+<file path=ppt/notesSlides/notesSlide17.xml><?xml version="1.0" encoding="utf-8"?>
+<p:notes xmlns:a="http://schemas.openxmlformats.org/drawingml/2006/main" xmlns:r="http://schemas.openxmlformats.org/officeDocument/2006/relationships" xmlns:p="http://schemas.openxmlformats.org/presentationml/2006/main">
+  <p:cSld>
+    <p:spTree>
+      <p:nvGrpSpPr>
+        <p:cNvPr id="1" name=""/>
+        <p:cNvGrpSpPr/>
+        <p:nvPr/>
+      </p:nvGrpSpPr>
+      <p:grpSpPr>
+        <a:xfrm>
+          <a:off x="0" y="0"/>
+          <a:ext cx="0" cy="0"/>
+          <a:chOff x="0" y="0"/>
+          <a:chExt cx="0" cy="0"/>
+        </a:xfrm>
+      </p:grpSpPr>
+      <p:sp>
+        <p:nvSpPr>
+          <p:cNvPr id="2" name="Slide Image Placeholder 1"/>
+          <p:cNvSpPr>
+            <a:spLocks noGrp="1" noRot="1" noChangeAspect="1"/>
+          </p:cNvSpPr>
+          <p:nvPr>
+            <p:ph type="sldImg"/>
+          </p:nvPr>
+        </p:nvSpPr>
+        <p:spPr/>
+      </p:sp>
+      <p:sp>
+        <p:nvSpPr>
+          <p:cNvPr id="3" name="Notes Placeholder 2"/>
+          <p:cNvSpPr>
+            <a:spLocks noGrp="1"/>
+          </p:cNvSpPr>
+          <p:nvPr>
+            <p:ph type="body" idx="1"/>
+          </p:nvPr>
+        </p:nvSpPr>
+        <p:spPr/>
+        <p:txBody>
+          <a:bodyPr/>
+          <a:lstStyle/>
+          <a:p>
             <a:pPr marL="0" marR="0" lvl="0" indent="0" algn="l" defTabSz="914400" rtl="0" eaLnBrk="1" fontAlgn="auto" latinLnBrk="0" hangingPunct="1">
               <a:lnSpc>
                 <a:spcPct val="100000"/>
@@ -1432,31 +1533,7 @@
                 <a:ea typeface="+mn-ea"/>
                 <a:cs typeface="+mn-cs"/>
               </a:rPr>
-              <a:t> in a terminal window on OS X or Linux. (Windows </a:t>
-            </a:r>
-            <a:r>
-              <a:rPr lang="en-US" sz="1200" b="0" i="0" kern="1200" baseline="0" dirty="0" smtClean="0">
-                <a:solidFill>
-                  <a:schemeClr val="tx1"/>
-                </a:solidFill>
-                <a:effectLst/>
-                <a:latin typeface="+mn-lt"/>
-                <a:ea typeface="+mn-ea"/>
-                <a:cs typeface="+mn-cs"/>
-              </a:rPr>
-              <a:t>users </a:t>
-            </a:r>
-            <a:r>
-              <a:rPr lang="en-US" sz="1200" b="0" i="0" kern="1200" baseline="0" dirty="0" smtClean="0">
-                <a:solidFill>
-                  <a:schemeClr val="tx1"/>
-                </a:solidFill>
-                <a:effectLst/>
-                <a:latin typeface="+mn-lt"/>
-                <a:ea typeface="+mn-ea"/>
-                <a:cs typeface="+mn-cs"/>
-              </a:rPr>
-              <a:t>need to use a third-party SSH tool such as </a:t>
+              <a:t> in a terminal window on OS X or Linux. (Windows users need to use a third-party SSH tool such as </a:t>
             </a:r>
             <a:r>
               <a:rPr lang="en-US" sz="1200" b="0" i="0" kern="1200" baseline="0" dirty="0" err="1" smtClean="0">
@@ -1539,7 +1616,7 @@
           <a:p>
             <a:fld id="{01283FAC-A721-45A3-BBDE-EAF2B09B7CD9}" type="slidenum">
               <a:rPr lang="en-US" smtClean="0"/>
-              <a:t>16</a:t>
+              <a:t>17</a:t>
             </a:fld>
             <a:endParaRPr lang="en-US"/>
           </a:p>
@@ -1671,7 +1748,7 @@
     </p:spTree>
     <p:extLst>
       <p:ext uri="{BB962C8B-B14F-4D97-AF65-F5344CB8AC3E}">
-        <p14:creationId xmlns:p14="http://schemas.microsoft.com/office/powerpoint/2010/main" val="15451850"/>
+        <p14:creationId xmlns:p14="http://schemas.microsoft.com/office/powerpoint/2010/main" val="2710204306"/>
       </p:ext>
     </p:extLst>
   </p:cSld>
@@ -1775,6 +1852,20 @@
               <a:t>Not all VM sizes are available in all data centers. For the latest pricing information and availability, see https://azure.microsoft.com/en-us/pricing/details/virtual-machines.</a:t>
             </a:r>
           </a:p>
+          <a:p>
+            <a:endParaRPr lang="en-US" dirty="0" smtClean="0"/>
+          </a:p>
+          <a:p>
+            <a:r>
+              <a:rPr lang="en-US" dirty="0" smtClean="0"/>
+              <a:t>N-series VMs are currently in preview</a:t>
+            </a:r>
+            <a:r>
+              <a:rPr lang="en-US" baseline="0" dirty="0" smtClean="0"/>
+              <a:t> and are an answer to researchers who need GPU power to perform complex calculations. They are equipped with NVIDIA Tesla GPUs.</a:t>
+            </a:r>
+            <a:endParaRPr lang="en-US" dirty="0" smtClean="0"/>
+          </a:p>
         </p:txBody>
       </p:sp>
       <p:sp>
@@ -1803,7 +1894,7 @@
     </p:spTree>
     <p:extLst>
       <p:ext uri="{BB962C8B-B14F-4D97-AF65-F5344CB8AC3E}">
-        <p14:creationId xmlns:p14="http://schemas.microsoft.com/office/powerpoint/2010/main" val="82150574"/>
+        <p14:creationId xmlns:p14="http://schemas.microsoft.com/office/powerpoint/2010/main" val="2171044667"/>
       </p:ext>
     </p:extLst>
   </p:cSld>
@@ -1857,7 +1948,7 @@
           <a:bodyPr/>
           <a:lstStyle/>
           <a:p>
-            <a:pPr marL="0" marR="0" indent="0" algn="l" defTabSz="914400" rtl="0" eaLnBrk="1" fontAlgn="auto" latinLnBrk="0" hangingPunct="1">
+            <a:pPr marL="0" marR="0" lvl="0" indent="0" algn="l" defTabSz="914400" rtl="0" eaLnBrk="1" fontAlgn="auto" latinLnBrk="0" hangingPunct="1">
               <a:lnSpc>
                 <a:spcPct val="100000"/>
               </a:lnSpc>
@@ -1875,18 +1966,13 @@
               <a:defRPr/>
             </a:pPr>
             <a:r>
-              <a:rPr lang="en-US" sz="1200" kern="1200" dirty="0" smtClean="0">
-                <a:solidFill>
-                  <a:schemeClr val="tx1"/>
-                </a:solidFill>
-                <a:effectLst/>
-                <a:latin typeface="+mn-lt"/>
-                <a:ea typeface="+mn-ea"/>
-                <a:cs typeface="+mn-cs"/>
-              </a:rPr>
-              <a:t>Here’s a quick look at three of the Azure VM sizes so you can see how they differ in cost and capability. One thing to keep in mind when deploying VMs is that you get charged for them whether they’re in use or not. When you’re finished using a VM or a cluster of VMs, it behooves you to go into the Azure portal and suspend each VM to avoid unnecessary charges. Once suspended, a VM is easily restarted so you can pick up where you left off and continue using it. I’ll show you how to start and stop VMs in the demo coming up shortly. I’ll also show you how to delete them so you can avoid even incurring storage charges for VMs that are no longer needed.</a:t>
-            </a:r>
-            <a:endParaRPr lang="en-US" dirty="0" smtClean="0"/>
+              <a:rPr lang="en-US" dirty="0" smtClean="0"/>
+              <a:t>For background,</a:t>
+            </a:r>
+            <a:r>
+              <a:rPr lang="en-US" baseline="0" dirty="0" smtClean="0"/>
+              <a:t> see https://blogs.msdn.microsoft.com/uk_faculty_connection/2016/09/12/choosing-the-most-appropiate-azure-virtual-machine-specification/?wt.mc_id=DX_873849. Not shown here are H machines, which are optimized for extremely heavy computing workloads.</a:t>
+            </a:r>
           </a:p>
         </p:txBody>
       </p:sp>
@@ -1916,7 +2002,7 @@
     </p:spTree>
     <p:extLst>
       <p:ext uri="{BB962C8B-B14F-4D97-AF65-F5344CB8AC3E}">
-        <p14:creationId xmlns:p14="http://schemas.microsoft.com/office/powerpoint/2010/main" val="3473641149"/>
+        <p14:creationId xmlns:p14="http://schemas.microsoft.com/office/powerpoint/2010/main" val="928529220"/>
       </p:ext>
     </p:extLst>
   </p:cSld>
@@ -1970,6 +2056,23 @@
           <a:bodyPr/>
           <a:lstStyle/>
           <a:p>
+            <a:pPr marL="0" marR="0" indent="0" algn="l" defTabSz="914400" rtl="0" eaLnBrk="1" fontAlgn="auto" latinLnBrk="0" hangingPunct="1">
+              <a:lnSpc>
+                <a:spcPct val="100000"/>
+              </a:lnSpc>
+              <a:spcBef>
+                <a:spcPts val="0"/>
+              </a:spcBef>
+              <a:spcAft>
+                <a:spcPts val="0"/>
+              </a:spcAft>
+              <a:buClrTx/>
+              <a:buSzTx/>
+              <a:buFontTx/>
+              <a:buNone/>
+              <a:tabLst/>
+              <a:defRPr/>
+            </a:pPr>
             <a:r>
               <a:rPr lang="en-US" sz="1200" kern="1200" dirty="0" smtClean="0">
                 <a:solidFill>
@@ -1980,111 +2083,7 @@
                 <a:ea typeface="+mn-ea"/>
                 <a:cs typeface="+mn-cs"/>
               </a:rPr>
-              <a:t>An important element of HPC in Azure is the Azure Resource Manager. The Azure Resource Manager is a relatively recent addition to Azure. It lets you combine the resources that comprise an application – resources such as VMs, databases, virtual networks, and storage accounts – into </a:t>
-            </a:r>
-            <a:r>
-              <a:rPr lang="en-US" sz="1200" i="1" kern="1200" dirty="0" smtClean="0">
-                <a:solidFill>
-                  <a:schemeClr val="tx1"/>
-                </a:solidFill>
-                <a:effectLst/>
-                <a:latin typeface="+mn-lt"/>
-                <a:ea typeface="+mn-ea"/>
-                <a:cs typeface="+mn-cs"/>
-              </a:rPr>
-              <a:t>resource groups</a:t>
-            </a:r>
-            <a:r>
-              <a:rPr lang="en-US" sz="1200" kern="1200" dirty="0" smtClean="0">
-                <a:solidFill>
-                  <a:schemeClr val="tx1"/>
-                </a:solidFill>
-                <a:effectLst/>
-                <a:latin typeface="+mn-lt"/>
-                <a:ea typeface="+mn-ea"/>
-                <a:cs typeface="+mn-cs"/>
-              </a:rPr>
-              <a:t> so entire applications can be deployed, managed, and even deleted with a single step. Prior to Resource Manager, resources had to be created (and deleted) one by one, which quickly became onerous with large deployments.</a:t>
-            </a:r>
-          </a:p>
-          <a:p>
-            <a:r>
-              <a:rPr lang="en-US" sz="1200" kern="1200" dirty="0" smtClean="0">
-                <a:solidFill>
-                  <a:schemeClr val="tx1"/>
-                </a:solidFill>
-                <a:effectLst/>
-                <a:latin typeface="+mn-lt"/>
-                <a:ea typeface="+mn-ea"/>
-                <a:cs typeface="+mn-cs"/>
-              </a:rPr>
-              <a:t> </a:t>
-            </a:r>
-          </a:p>
-          <a:p>
-            <a:r>
-              <a:rPr lang="en-US" sz="1200" kern="1200" dirty="0" smtClean="0">
-                <a:solidFill>
-                  <a:schemeClr val="tx1"/>
-                </a:solidFill>
-                <a:effectLst/>
-                <a:latin typeface="+mn-lt"/>
-                <a:ea typeface="+mn-ea"/>
-                <a:cs typeface="+mn-cs"/>
-              </a:rPr>
-              <a:t>The Azure Resource Manager allows you to deploy applications using declarative templates called </a:t>
-            </a:r>
-            <a:r>
-              <a:rPr lang="en-US" sz="1200" i="1" kern="1200" dirty="0" smtClean="0">
-                <a:solidFill>
-                  <a:schemeClr val="tx1"/>
-                </a:solidFill>
-                <a:effectLst/>
-                <a:latin typeface="+mn-lt"/>
-                <a:ea typeface="+mn-ea"/>
-                <a:cs typeface="+mn-cs"/>
-              </a:rPr>
-              <a:t>deployment templates</a:t>
-            </a:r>
-            <a:r>
-              <a:rPr lang="en-US" sz="1200" kern="1200" dirty="0" smtClean="0">
-                <a:solidFill>
-                  <a:schemeClr val="tx1"/>
-                </a:solidFill>
-                <a:effectLst/>
-                <a:latin typeface="+mn-lt"/>
-                <a:ea typeface="+mn-ea"/>
-                <a:cs typeface="+mn-cs"/>
-              </a:rPr>
-              <a:t>. A template contains a complete description of all the resources that make up the application. Templates can include parameters that users will be prompted to fill in each time an application is deployed. Templates can also run scripts to initialize resources to a known and consistent state.</a:t>
-            </a:r>
-          </a:p>
-          <a:p>
-            <a:r>
-              <a:rPr lang="en-US" sz="1200" kern="1200" dirty="0" smtClean="0">
-                <a:solidFill>
-                  <a:schemeClr val="tx1"/>
-                </a:solidFill>
-                <a:effectLst/>
-                <a:latin typeface="+mn-lt"/>
-                <a:ea typeface="+mn-ea"/>
-                <a:cs typeface="+mn-cs"/>
-              </a:rPr>
-              <a:t> </a:t>
-            </a:r>
-          </a:p>
-          <a:p>
-            <a:r>
-              <a:rPr lang="en-US" sz="1200" kern="1200" dirty="0" smtClean="0">
-                <a:solidFill>
-                  <a:schemeClr val="tx1"/>
-                </a:solidFill>
-                <a:effectLst/>
-                <a:latin typeface="+mn-lt"/>
-                <a:ea typeface="+mn-ea"/>
-                <a:cs typeface="+mn-cs"/>
-              </a:rPr>
-              <a:t>As an example, suppose you have built an HPC cluster that includes virtual machines and other Azure resources. With a template, you can script the creation of the entire cluster and optionally the data that goes with it. This makes it easy for others to spin up instances of the cluster, or for you to recreate it if you deleted it thinking you wouldn’t be needing it again.</a:t>
+              <a:t>Here’s a quick look at three of the Azure VM sizes so you can see how they differ in cost and capability. One thing to keep in mind when deploying VMs is that you get charged for them whether they’re in use or not. When you’re finished using a VM or a cluster of VMs, it behooves you to go into the Azure portal and suspend each VM to avoid unnecessary charges. Once suspended, a VM is easily restarted so you can pick up where you left off and continue using it. I’ll show you how to start and stop VMs in the demo coming up shortly. I’ll also show you how to delete them so you can avoid even incurring storage charges for VMs that are no longer needed.</a:t>
             </a:r>
             <a:endParaRPr lang="en-US" dirty="0" smtClean="0"/>
           </a:p>
@@ -2116,7 +2115,7 @@
     </p:spTree>
     <p:extLst>
       <p:ext uri="{BB962C8B-B14F-4D97-AF65-F5344CB8AC3E}">
-        <p14:creationId xmlns:p14="http://schemas.microsoft.com/office/powerpoint/2010/main" val="988917755"/>
+        <p14:creationId xmlns:p14="http://schemas.microsoft.com/office/powerpoint/2010/main" val="2655584646"/>
       </p:ext>
     </p:extLst>
   </p:cSld>
@@ -2180,10 +2179,10 @@
                 <a:ea typeface="+mn-ea"/>
                 <a:cs typeface="+mn-cs"/>
               </a:rPr>
-              <a:t>You can build deployment templates of your own, or you can use ones that have already been built. An assortment of templates built by the Azure team and by others in the community can be found on the Azure </a:t>
-            </a:r>
-            <a:r>
-              <a:rPr lang="en-US" sz="1200" kern="1200" dirty="0" err="1" smtClean="0">
+              <a:t>An important element of HPC in Azure is the Azure Resource Manager. The Azure Resource Manager is a relatively recent addition to Azure. It lets you combine the resources that comprise an application – resources such as VMs, databases, virtual networks, and storage accounts – into </a:t>
+            </a:r>
+            <a:r>
+              <a:rPr lang="en-US" sz="1200" i="1" kern="1200" dirty="0" smtClean="0">
                 <a:solidFill>
                   <a:schemeClr val="tx1"/>
                 </a:solidFill>
@@ -2192,7 +2191,7 @@
                 <a:ea typeface="+mn-ea"/>
                 <a:cs typeface="+mn-cs"/>
               </a:rPr>
-              <a:t>Quickstart</a:t>
+              <a:t>resource groups</a:t>
             </a:r>
             <a:r>
               <a:rPr lang="en-US" sz="1200" kern="1200" dirty="0" smtClean="0">
@@ -2204,31 +2203,7 @@
                 <a:ea typeface="+mn-ea"/>
                 <a:cs typeface="+mn-cs"/>
               </a:rPr>
-              <a:t> Templates Web site or on GitHub. There are templates for creating clusters of Linux VMs, deploying </a:t>
-            </a:r>
-            <a:r>
-              <a:rPr lang="en-US" sz="1200" kern="1200" dirty="0" err="1" smtClean="0">
-                <a:solidFill>
-                  <a:schemeClr val="tx1"/>
-                </a:solidFill>
-                <a:effectLst/>
-                <a:latin typeface="+mn-lt"/>
-                <a:ea typeface="+mn-ea"/>
-                <a:cs typeface="+mn-cs"/>
-              </a:rPr>
-              <a:t>Redis</a:t>
-            </a:r>
-            <a:r>
-              <a:rPr lang="en-US" sz="1200" kern="1200" dirty="0" smtClean="0">
-                <a:solidFill>
-                  <a:schemeClr val="tx1"/>
-                </a:solidFill>
-                <a:effectLst/>
-                <a:latin typeface="+mn-lt"/>
-                <a:ea typeface="+mn-ea"/>
-                <a:cs typeface="+mn-cs"/>
-              </a:rPr>
-              <a:t> clusters of Ubuntu VMs, deploying MySQL servers, creating Windows VMs provisioned with IIS, and a whole lot more. There is even a template that deploys Minecraft Server in an Ubuntu VM.</a:t>
+              <a:t> so entire applications can be deployed, managed, and even deleted with a single step. Prior to Resource Manager, resources had to be created (and deleted) one by one, which quickly became onerous with large deployments.</a:t>
             </a:r>
           </a:p>
           <a:p>
@@ -2256,17 +2231,61 @@
                 <a:ea typeface="+mn-ea"/>
                 <a:cs typeface="+mn-cs"/>
               </a:rPr>
-              <a:t>Using any of these templates requires nothing more than a button click. Each template comes with documentation that tells you what parameters it requires and whether the template was created by Microsoft or by someone in the community. Best of all, you can view each template’s source code, which is little more than a JSON script, and customize it to fit your needs or even build upon it to create templates of your own.</a:t>
-            </a:r>
-          </a:p>
-          <a:p>
+              <a:t>The Azure Resource Manager allows you to deploy applications using declarative templates called </a:t>
+            </a:r>
+            <a:r>
+              <a:rPr lang="en-US" sz="1200" i="1" kern="1200" dirty="0" smtClean="0">
+                <a:solidFill>
+                  <a:schemeClr val="tx1"/>
+                </a:solidFill>
+                <a:effectLst/>
+                <a:latin typeface="+mn-lt"/>
+                <a:ea typeface="+mn-ea"/>
+                <a:cs typeface="+mn-cs"/>
+              </a:rPr>
+              <a:t>deployment templates</a:t>
+            </a:r>
+            <a:r>
+              <a:rPr lang="en-US" sz="1200" kern="1200" dirty="0" smtClean="0">
+                <a:solidFill>
+                  <a:schemeClr val="tx1"/>
+                </a:solidFill>
+                <a:effectLst/>
+                <a:latin typeface="+mn-lt"/>
+                <a:ea typeface="+mn-ea"/>
+                <a:cs typeface="+mn-cs"/>
+              </a:rPr>
+              <a:t>. A template contains a complete description of all the resources that make up the application. Templates can include parameters that users will be prompted to fill in each time an application is deployed. Templates can also run scripts to initialize resources to a known and consistent state.</a:t>
+            </a:r>
+          </a:p>
+          <a:p>
+            <a:r>
+              <a:rPr lang="en-US" sz="1200" kern="1200" dirty="0" smtClean="0">
+                <a:solidFill>
+                  <a:schemeClr val="tx1"/>
+                </a:solidFill>
+                <a:effectLst/>
+                <a:latin typeface="+mn-lt"/>
+                <a:ea typeface="+mn-ea"/>
+                <a:cs typeface="+mn-cs"/>
+              </a:rPr>
+              <a:t> </a:t>
+            </a:r>
+          </a:p>
+          <a:p>
+            <a:r>
+              <a:rPr lang="en-US" sz="1200" kern="1200" dirty="0" smtClean="0">
+                <a:solidFill>
+                  <a:schemeClr val="tx1"/>
+                </a:solidFill>
+                <a:effectLst/>
+                <a:latin typeface="+mn-lt"/>
+                <a:ea typeface="+mn-ea"/>
+                <a:cs typeface="+mn-cs"/>
+              </a:rPr>
+              <a:t>As an example, suppose you have built an HPC cluster that includes virtual machines and other Azure resources. With a template, you can script the creation of the entire cluster and optionally the data that goes with it. This makes it easy for others to spin up instances of the cluster, or for you to recreate it if you deleted it thinking you wouldn’t be needing it again.</a:t>
+            </a:r>
             <a:endParaRPr lang="en-US" dirty="0" smtClean="0"/>
-          </a:p>
-          <a:p>
-            <a:r>
-              <a:rPr lang="en-US" dirty="0" smtClean="0"/>
-              <a:t>The three templates pictured here are just a few of the many dozens of templates currently available.</a:t>
-            </a:r>
           </a:p>
         </p:txBody>
       </p:sp>
@@ -2296,7 +2315,7 @@
     </p:spTree>
     <p:extLst>
       <p:ext uri="{BB962C8B-B14F-4D97-AF65-F5344CB8AC3E}">
-        <p14:creationId xmlns:p14="http://schemas.microsoft.com/office/powerpoint/2010/main" val="3998187520"/>
+        <p14:creationId xmlns:p14="http://schemas.microsoft.com/office/powerpoint/2010/main" val="988917755"/>
       </p:ext>
     </p:extLst>
   </p:cSld>
@@ -2350,26 +2369,102 @@
           <a:bodyPr/>
           <a:lstStyle/>
           <a:p>
-            <a:pPr marL="0" marR="0" indent="0" algn="l" defTabSz="914400" rtl="0" eaLnBrk="1" fontAlgn="auto" latinLnBrk="0" hangingPunct="1">
-              <a:lnSpc>
-                <a:spcPct val="100000"/>
-              </a:lnSpc>
-              <a:spcBef>
-                <a:spcPts val="0"/>
-              </a:spcBef>
-              <a:spcAft>
-                <a:spcPts val="0"/>
-              </a:spcAft>
-              <a:buClrTx/>
-              <a:buSzTx/>
-              <a:buFontTx/>
-              <a:buNone/>
-              <a:tabLst/>
-              <a:defRPr/>
-            </a:pPr>
+            <a:r>
+              <a:rPr lang="en-US" sz="1200" kern="1200" dirty="0" smtClean="0">
+                <a:solidFill>
+                  <a:schemeClr val="tx1"/>
+                </a:solidFill>
+                <a:effectLst/>
+                <a:latin typeface="+mn-lt"/>
+                <a:ea typeface="+mn-ea"/>
+                <a:cs typeface="+mn-cs"/>
+              </a:rPr>
+              <a:t>You can build deployment templates of your own, or you can use ones that have already been built. An assortment of templates built by the Azure team and by others in the community can be found on the Azure </a:t>
+            </a:r>
+            <a:r>
+              <a:rPr lang="en-US" sz="1200" kern="1200" dirty="0" err="1" smtClean="0">
+                <a:solidFill>
+                  <a:schemeClr val="tx1"/>
+                </a:solidFill>
+                <a:effectLst/>
+                <a:latin typeface="+mn-lt"/>
+                <a:ea typeface="+mn-ea"/>
+                <a:cs typeface="+mn-cs"/>
+              </a:rPr>
+              <a:t>Quickstart</a:t>
+            </a:r>
+            <a:r>
+              <a:rPr lang="en-US" sz="1200" kern="1200" dirty="0" smtClean="0">
+                <a:solidFill>
+                  <a:schemeClr val="tx1"/>
+                </a:solidFill>
+                <a:effectLst/>
+                <a:latin typeface="+mn-lt"/>
+                <a:ea typeface="+mn-ea"/>
+                <a:cs typeface="+mn-cs"/>
+              </a:rPr>
+              <a:t> Templates Web site or on GitHub. There are templates for creating clusters of Linux VMs, deploying </a:t>
+            </a:r>
+            <a:r>
+              <a:rPr lang="en-US" sz="1200" kern="1200" dirty="0" err="1" smtClean="0">
+                <a:solidFill>
+                  <a:schemeClr val="tx1"/>
+                </a:solidFill>
+                <a:effectLst/>
+                <a:latin typeface="+mn-lt"/>
+                <a:ea typeface="+mn-ea"/>
+                <a:cs typeface="+mn-cs"/>
+              </a:rPr>
+              <a:t>Redis</a:t>
+            </a:r>
+            <a:r>
+              <a:rPr lang="en-US" sz="1200" kern="1200" dirty="0" smtClean="0">
+                <a:solidFill>
+                  <a:schemeClr val="tx1"/>
+                </a:solidFill>
+                <a:effectLst/>
+                <a:latin typeface="+mn-lt"/>
+                <a:ea typeface="+mn-ea"/>
+                <a:cs typeface="+mn-cs"/>
+              </a:rPr>
+              <a:t> clusters of Ubuntu VMs, deploying MySQL servers, creating Windows VMs provisioned with IIS, and a whole lot more. There is even a template that deploys Minecraft Server in an Ubuntu VM.</a:t>
+            </a:r>
+          </a:p>
+          <a:p>
+            <a:r>
+              <a:rPr lang="en-US" sz="1200" kern="1200" dirty="0" smtClean="0">
+                <a:solidFill>
+                  <a:schemeClr val="tx1"/>
+                </a:solidFill>
+                <a:effectLst/>
+                <a:latin typeface="+mn-lt"/>
+                <a:ea typeface="+mn-ea"/>
+                <a:cs typeface="+mn-cs"/>
+              </a:rPr>
+              <a:t> </a:t>
+            </a:r>
+          </a:p>
+          <a:p>
+            <a:r>
+              <a:rPr lang="en-US" sz="1200" kern="1200" dirty="0" smtClean="0">
+                <a:solidFill>
+                  <a:schemeClr val="tx1"/>
+                </a:solidFill>
+                <a:effectLst/>
+                <a:latin typeface="+mn-lt"/>
+                <a:ea typeface="+mn-ea"/>
+                <a:cs typeface="+mn-cs"/>
+              </a:rPr>
+              <a:t>Using any of these templates requires nothing more than a button click. Each template comes with documentation that tells you what parameters it requires and whether the template was created by Microsoft or by someone in the community. Best of all, you can view each template’s source code, which is little more than a JSON script, and customize it to fit your needs or even build upon it to create templates of your own.</a:t>
+            </a:r>
+          </a:p>
+          <a:p>
+            <a:endParaRPr lang="en-US" dirty="0" smtClean="0"/>
+          </a:p>
+          <a:p>
             <a:r>
               <a:rPr lang="en-US" dirty="0" smtClean="0"/>
-              <a:t>The Simple Linux Utility for Resource Management (SLURM), also known as the SLURM Workload Manager, is a free and open-source job scheduler for Linux that excels at distributing heavy computing workloads across clusters of machines and processors. It is used on more than half of the world's largest supercomputers and High-Performance Computing (HPC) clusters, and it enjoys widespread use in the research community for jobs that require significant CPU resources.</a:t>
+              <a:t>The three templates pictured here are just a few of the many dozens of templates currently available.</a:t>
             </a:r>
           </a:p>
         </p:txBody>
@@ -2400,7 +2495,7 @@
     </p:spTree>
     <p:extLst>
       <p:ext uri="{BB962C8B-B14F-4D97-AF65-F5344CB8AC3E}">
-        <p14:creationId xmlns:p14="http://schemas.microsoft.com/office/powerpoint/2010/main" val="2236143850"/>
+        <p14:creationId xmlns:p14="http://schemas.microsoft.com/office/powerpoint/2010/main" val="3998187520"/>
       </p:ext>
     </p:extLst>
   </p:cSld>
@@ -2454,23 +2549,27 @@
           <a:bodyPr/>
           <a:lstStyle/>
           <a:p>
+            <a:pPr marL="0" marR="0" indent="0" algn="l" defTabSz="914400" rtl="0" eaLnBrk="1" fontAlgn="auto" latinLnBrk="0" hangingPunct="1">
+              <a:lnSpc>
+                <a:spcPct val="100000"/>
+              </a:lnSpc>
+              <a:spcBef>
+                <a:spcPts val="0"/>
+              </a:spcBef>
+              <a:spcAft>
+                <a:spcPts val="0"/>
+              </a:spcAft>
+              <a:buClrTx/>
+              <a:buSzTx/>
+              <a:buFontTx/>
+              <a:buNone/>
+              <a:tabLst/>
+              <a:defRPr/>
+            </a:pPr>
             <a:r>
               <a:rPr lang="en-US" dirty="0" smtClean="0"/>
-              <a:t>A</a:t>
-            </a:r>
-            <a:r>
-              <a:rPr lang="en-US" baseline="0" dirty="0" smtClean="0"/>
-              <a:t> virtual machine is -- well -- a virtualized machine created and managed by a hypervisor such as </a:t>
-            </a:r>
-            <a:r>
-              <a:rPr lang="en-US" baseline="0" dirty="0" err="1" smtClean="0"/>
-              <a:t>VirtualBox</a:t>
-            </a:r>
-            <a:r>
-              <a:rPr lang="en-US" baseline="0" dirty="0" smtClean="0"/>
-              <a:t> or Hyper-V. Even though a VM runs on a machine that has an operating system, each VM requires its own complete operating system, even if it's the same operating system as the host OS. VMs offer a very high degree of isolation, but at a cost: longer startup times, lower portability (ever tried to move a 127 GB virtual hard disk, or VHD, from one PC to another?), and higher memory requirements. Containers, by contrast, leverage the operating system that is already in place but offer nearly as much separation. RAM requirements are lower since the OS isn't being duplicated in each container, and cost is lower, too, because while cloud platforms typically charge for each VM, a single VM can host multiple container instances.</a:t>
-            </a:r>
-            <a:endParaRPr lang="en-US" dirty="0"/>
+              <a:t>The Simple Linux Utility for Resource Management (SLURM), also known as the SLURM Workload Manager, is a free and open-source job scheduler for Linux that excels at distributing heavy computing workloads across clusters of machines and processors. It is used on more than half of the world's largest supercomputers and High-Performance Computing (HPC) clusters, and it enjoys widespread use in the research community for jobs that require significant CPU resources.</a:t>
+            </a:r>
           </a:p>
         </p:txBody>
       </p:sp>
@@ -2500,7 +2599,7 @@
     </p:spTree>
     <p:extLst>
       <p:ext uri="{BB962C8B-B14F-4D97-AF65-F5344CB8AC3E}">
-        <p14:creationId xmlns:p14="http://schemas.microsoft.com/office/powerpoint/2010/main" val="3918904550"/>
+        <p14:creationId xmlns:p14="http://schemas.microsoft.com/office/powerpoint/2010/main" val="2236143850"/>
       </p:ext>
     </p:extLst>
   </p:cSld>
@@ -2556,19 +2655,19 @@
           <a:p>
             <a:r>
               <a:rPr lang="en-US" dirty="0" smtClean="0"/>
-              <a:t>Docker (www.docker.com) isn't the world's only containerization platform, but it is the most popular. It is free, open-source,</a:t>
+              <a:t>A</a:t>
             </a:r>
             <a:r>
               <a:rPr lang="en-US" baseline="0" dirty="0" smtClean="0"/>
-              <a:t> and Linux-based, with Windows support (Windows Server 2016) in the works. </a:t>
-            </a:r>
-            <a:r>
-              <a:rPr lang="en-US" dirty="0" smtClean="0"/>
-              <a:t>It has earned massive</a:t>
+              <a:t> virtual machine is -- well -- a virtualized machine created and managed by a hypervisor such as </a:t>
+            </a:r>
+            <a:r>
+              <a:rPr lang="en-US" baseline="0" dirty="0" err="1" smtClean="0"/>
+              <a:t>VirtualBox</a:t>
             </a:r>
             <a:r>
               <a:rPr lang="en-US" baseline="0" dirty="0" smtClean="0"/>
-              <a:t> mindshare in the developer community. And with Azure Container Service, you can deploy Docker containers to Azure with minimal effort. Moreover, Docker containers are easily moved between Azure and Amazon Web Services (AWS), affording developers portability between cloud platforms.</a:t>
+              <a:t> or Hyper-V. Even though a VM runs on a machine that has an operating system, each VM requires its own complete operating system, even if it's the same operating system as the host OS. VMs offer a very high degree of isolation, but at a cost: longer startup times, lower portability (ever tried to move a 127 GB virtual hard disk, or VHD, from one PC to another?), and higher memory requirements. Containers, by contrast, leverage the operating system that is already in place but offer nearly as much separation. RAM requirements are lower since the OS isn't being duplicated in each container, and cost is lower, too, because while cloud platforms typically charge for each VM, a single VM can host multiple container instances.</a:t>
             </a:r>
             <a:endParaRPr lang="en-US" dirty="0"/>
           </a:p>
@@ -2600,7 +2699,7 @@
     </p:spTree>
     <p:extLst>
       <p:ext uri="{BB962C8B-B14F-4D97-AF65-F5344CB8AC3E}">
-        <p14:creationId xmlns:p14="http://schemas.microsoft.com/office/powerpoint/2010/main" val="4017007276"/>
+        <p14:creationId xmlns:p14="http://schemas.microsoft.com/office/powerpoint/2010/main" val="3918904550"/>
       </p:ext>
     </p:extLst>
   </p:cSld>
@@ -2757,7 +2856,7 @@
           <a:p>
             <a:fld id="{0459C166-16D3-4A25-A2F8-C51E0E346B22}" type="datetimeFigureOut">
               <a:rPr lang="en-US" smtClean="0"/>
-              <a:t>8/29/2016</a:t>
+              <a:t>10/10/2016</a:t>
             </a:fld>
             <a:endParaRPr lang="en-US"/>
           </a:p>
@@ -2852,7 +2951,7 @@
           <a:p>
             <a:fld id="{0459C166-16D3-4A25-A2F8-C51E0E346B22}" type="datetimeFigureOut">
               <a:rPr lang="en-US" smtClean="0"/>
-              <a:t>8/29/2016</a:t>
+              <a:t>10/10/2016</a:t>
             </a:fld>
             <a:endParaRPr lang="en-US"/>
           </a:p>
@@ -3127,7 +3226,7 @@
           <a:p>
             <a:fld id="{0459C166-16D3-4A25-A2F8-C51E0E346B22}" type="datetimeFigureOut">
               <a:rPr lang="en-US" smtClean="0"/>
-              <a:t>8/29/2016</a:t>
+              <a:t>10/10/2016</a:t>
             </a:fld>
             <a:endParaRPr lang="en-US"/>
           </a:p>
@@ -3379,7 +3478,7 @@
           <a:p>
             <a:fld id="{0459C166-16D3-4A25-A2F8-C51E0E346B22}" type="datetimeFigureOut">
               <a:rPr lang="en-US" smtClean="0"/>
-              <a:t>8/29/2016</a:t>
+              <a:t>10/10/2016</a:t>
             </a:fld>
             <a:endParaRPr lang="en-US"/>
           </a:p>
@@ -3547,7 +3646,7 @@
           <a:p>
             <a:fld id="{0459C166-16D3-4A25-A2F8-C51E0E346B22}" type="datetimeFigureOut">
               <a:rPr lang="en-US" smtClean="0"/>
-              <a:t>8/29/2016</a:t>
+              <a:t>10/10/2016</a:t>
             </a:fld>
             <a:endParaRPr lang="en-US"/>
           </a:p>
@@ -3725,7 +3824,7 @@
           <a:p>
             <a:fld id="{0459C166-16D3-4A25-A2F8-C51E0E346B22}" type="datetimeFigureOut">
               <a:rPr lang="en-US" smtClean="0"/>
-              <a:t>8/29/2016</a:t>
+              <a:t>10/10/2016</a:t>
             </a:fld>
             <a:endParaRPr lang="en-US"/>
           </a:p>
@@ -5652,7 +5751,7 @@
           <a:p>
             <a:fld id="{0459C166-16D3-4A25-A2F8-C51E0E346B22}" type="datetimeFigureOut">
               <a:rPr lang="en-US" smtClean="0"/>
-              <a:t>8/29/2016</a:t>
+              <a:t>10/10/2016</a:t>
             </a:fld>
             <a:endParaRPr lang="en-US"/>
           </a:p>
@@ -11279,7 +11378,7 @@
             <a:fld id="{0459C166-16D3-4A25-A2F8-C51E0E346B22}" type="datetimeFigureOut">
               <a:rPr lang="en-US" smtClean="0"/>
               <a:pPr/>
-              <a:t>8/29/2016</a:t>
+              <a:t>10/10/2016</a:t>
             </a:fld>
             <a:endParaRPr lang="en-US"/>
           </a:p>
@@ -15341,7 +15440,7 @@
           <a:p>
             <a:fld id="{0459C166-16D3-4A25-A2F8-C51E0E346B22}" type="datetimeFigureOut">
               <a:rPr lang="en-US" smtClean="0"/>
-              <a:t>8/29/2016</a:t>
+              <a:t>10/10/2016</a:t>
             </a:fld>
             <a:endParaRPr lang="en-US"/>
           </a:p>
@@ -15705,7 +15804,7 @@
           <a:p>
             <a:fld id="{0459C166-16D3-4A25-A2F8-C51E0E346B22}" type="datetimeFigureOut">
               <a:rPr lang="en-US" smtClean="0"/>
-              <a:t>8/29/2016</a:t>
+              <a:t>10/10/2016</a:t>
             </a:fld>
             <a:endParaRPr lang="en-US"/>
           </a:p>
@@ -15822,7 +15921,7 @@
           <a:p>
             <a:fld id="{0459C166-16D3-4A25-A2F8-C51E0E346B22}" type="datetimeFigureOut">
               <a:rPr lang="en-US" smtClean="0"/>
-              <a:t>8/29/2016</a:t>
+              <a:t>10/10/2016</a:t>
             </a:fld>
             <a:endParaRPr lang="en-US"/>
           </a:p>
@@ -16033,7 +16132,7 @@
           <a:p>
             <a:fld id="{0459C166-16D3-4A25-A2F8-C51E0E346B22}" type="datetimeFigureOut">
               <a:rPr lang="en-US" smtClean="0"/>
-              <a:t>8/29/2016</a:t>
+              <a:t>10/10/2016</a:t>
             </a:fld>
             <a:endParaRPr lang="en-US"/>
           </a:p>
@@ -17442,6 +17541,173 @@
           <a:p>
             <a:r>
               <a:rPr lang="en-US" dirty="0" smtClean="0"/>
+              <a:t>Docker</a:t>
+            </a:r>
+            <a:endParaRPr lang="en-US" dirty="0"/>
+          </a:p>
+        </p:txBody>
+      </p:sp>
+      <p:sp>
+        <p:nvSpPr>
+          <p:cNvPr id="3" name="Content Placeholder 2"/>
+          <p:cNvSpPr>
+            <a:spLocks noGrp="1"/>
+          </p:cNvSpPr>
+          <p:nvPr>
+            <p:ph idx="1"/>
+          </p:nvPr>
+        </p:nvSpPr>
+        <p:spPr>
+          <a:xfrm>
+            <a:off x="838200" y="1825625"/>
+            <a:ext cx="5729868" cy="4351338"/>
+          </a:xfrm>
+        </p:spPr>
+        <p:txBody>
+          <a:bodyPr>
+            <a:normAutofit/>
+          </a:bodyPr>
+          <a:lstStyle/>
+          <a:p>
+            <a:r>
+              <a:rPr lang="en-US" dirty="0" smtClean="0"/>
+              <a:t>Leading open-source containerization platform</a:t>
+            </a:r>
+          </a:p>
+          <a:p>
+            <a:endParaRPr lang="en-US" dirty="0"/>
+          </a:p>
+          <a:p>
+            <a:endParaRPr lang="en-US" dirty="0" smtClean="0"/>
+          </a:p>
+          <a:p>
+            <a:endParaRPr lang="en-US" dirty="0"/>
+          </a:p>
+          <a:p>
+            <a:endParaRPr lang="en-US" dirty="0" smtClean="0"/>
+          </a:p>
+          <a:p>
+            <a:endParaRPr lang="en-US" dirty="0"/>
+          </a:p>
+          <a:p>
+            <a:r>
+              <a:rPr lang="en-US" dirty="0" smtClean="0"/>
+              <a:t>Supported natively in Azure</a:t>
+            </a:r>
+            <a:endParaRPr lang="en-US" dirty="0"/>
+          </a:p>
+        </p:txBody>
+      </p:sp>
+      <p:pic>
+        <p:nvPicPr>
+          <p:cNvPr id="4" name="Picture 3"/>
+          <p:cNvPicPr>
+            <a:picLocks noChangeAspect="1"/>
+          </p:cNvPicPr>
+          <p:nvPr/>
+        </p:nvPicPr>
+        <p:blipFill>
+          <a:blip r:embed="rId3" cstate="print">
+            <a:extLst>
+              <a:ext uri="{28A0092B-C50C-407E-A947-70E740481C1C}">
+                <a14:useLocalDpi xmlns:a14="http://schemas.microsoft.com/office/drawing/2010/main" val="0"/>
+              </a:ext>
+            </a:extLst>
+          </a:blip>
+          <a:stretch>
+            <a:fillRect/>
+          </a:stretch>
+        </p:blipFill>
+        <p:spPr>
+          <a:xfrm>
+            <a:off x="5568568" y="1296374"/>
+            <a:ext cx="6497052" cy="5409839"/>
+          </a:xfrm>
+          <a:prstGeom prst="rect">
+            <a:avLst/>
+          </a:prstGeom>
+        </p:spPr>
+      </p:pic>
+      <p:sp>
+        <p:nvSpPr>
+          <p:cNvPr id="5" name="TextBox 4"/>
+          <p:cNvSpPr txBox="1"/>
+          <p:nvPr/>
+        </p:nvSpPr>
+        <p:spPr>
+          <a:xfrm>
+            <a:off x="1059365" y="2985630"/>
+            <a:ext cx="4650059" cy="2031325"/>
+          </a:xfrm>
+          <a:prstGeom prst="rect">
+            <a:avLst/>
+          </a:prstGeom>
+          <a:noFill/>
+        </p:spPr>
+        <p:txBody>
+          <a:bodyPr wrap="square" rtlCol="0">
+            <a:spAutoFit/>
+          </a:bodyPr>
+          <a:lstStyle/>
+          <a:p>
+            <a:r>
+              <a:rPr lang="en-US" i="1" dirty="0">
+                <a:solidFill>
+                  <a:srgbClr val="4D9CD7"/>
+                </a:solidFill>
+              </a:rPr>
+              <a:t>Docker containers wrap up a piece of software in a complete filesystem that contains everything it needs to run: code, runtime, system tools, system libraries – anything you can install on a server. This guarantees that it will always run the same, regardless of the environment it is running in</a:t>
+            </a:r>
+          </a:p>
+        </p:txBody>
+      </p:sp>
+    </p:spTree>
+    <p:extLst>
+      <p:ext uri="{BB962C8B-B14F-4D97-AF65-F5344CB8AC3E}">
+        <p14:creationId xmlns:p14="http://schemas.microsoft.com/office/powerpoint/2010/main" val="782485724"/>
+      </p:ext>
+    </p:extLst>
+  </p:cSld>
+  <p:clrMapOvr>
+    <a:masterClrMapping/>
+  </p:clrMapOvr>
+</p:sld>
+</file>
+
+<file path=ppt/slides/slide11.xml><?xml version="1.0" encoding="utf-8"?>
+<p:sld xmlns:a="http://schemas.openxmlformats.org/drawingml/2006/main" xmlns:r="http://schemas.openxmlformats.org/officeDocument/2006/relationships" xmlns:p="http://schemas.openxmlformats.org/presentationml/2006/main">
+  <p:cSld>
+    <p:spTree>
+      <p:nvGrpSpPr>
+        <p:cNvPr id="1" name=""/>
+        <p:cNvGrpSpPr/>
+        <p:nvPr/>
+      </p:nvGrpSpPr>
+      <p:grpSpPr>
+        <a:xfrm>
+          <a:off x="0" y="0"/>
+          <a:ext cx="0" cy="0"/>
+          <a:chOff x="0" y="0"/>
+          <a:chExt cx="0" cy="0"/>
+        </a:xfrm>
+      </p:grpSpPr>
+      <p:sp>
+        <p:nvSpPr>
+          <p:cNvPr id="2" name="Title 1"/>
+          <p:cNvSpPr>
+            <a:spLocks noGrp="1"/>
+          </p:cNvSpPr>
+          <p:nvPr>
+            <p:ph type="title"/>
+          </p:nvPr>
+        </p:nvSpPr>
+        <p:spPr/>
+        <p:txBody>
+          <a:bodyPr/>
+          <a:lstStyle/>
+          <a:p>
+            <a:r>
+              <a:rPr lang="en-US" dirty="0" smtClean="0"/>
               <a:t>Docker Architecture</a:t>
             </a:r>
             <a:endParaRPr lang="en-US" dirty="0"/>
@@ -17485,7 +17751,7 @@
 </p:sld>
 </file>
 
-<file path=ppt/slides/slide11.xml><?xml version="1.0" encoding="utf-8"?>
+<file path=ppt/slides/slide12.xml><?xml version="1.0" encoding="utf-8"?>
 <p:sld xmlns:a="http://schemas.openxmlformats.org/drawingml/2006/main" xmlns:r="http://schemas.openxmlformats.org/officeDocument/2006/relationships" xmlns:p="http://schemas.openxmlformats.org/presentationml/2006/main">
   <p:cSld>
     <p:spTree>
@@ -17585,7 +17851,7 @@
 </p:sld>
 </file>
 
-<file path=ppt/slides/slide12.xml><?xml version="1.0" encoding="utf-8"?>
+<file path=ppt/slides/slide13.xml><?xml version="1.0" encoding="utf-8"?>
 <p:sld xmlns:a="http://schemas.openxmlformats.org/drawingml/2006/main" xmlns:r="http://schemas.openxmlformats.org/officeDocument/2006/relationships" xmlns:p="http://schemas.openxmlformats.org/presentationml/2006/main">
   <p:cSld>
     <p:spTree>
@@ -18324,7 +18590,7 @@
 </p:sld>
 </file>
 
-<file path=ppt/slides/slide13.xml><?xml version="1.0" encoding="utf-8"?>
+<file path=ppt/slides/slide14.xml><?xml version="1.0" encoding="utf-8"?>
 <p:sld xmlns:a="http://schemas.openxmlformats.org/drawingml/2006/main" xmlns:r="http://schemas.openxmlformats.org/officeDocument/2006/relationships" xmlns:p="http://schemas.openxmlformats.org/presentationml/2006/main">
   <p:cSld>
     <p:spTree>
@@ -18818,7 +19084,7 @@
 </p:sld>
 </file>
 
-<file path=ppt/slides/slide14.xml><?xml version="1.0" encoding="utf-8"?>
+<file path=ppt/slides/slide15.xml><?xml version="1.0" encoding="utf-8"?>
 <p:sld xmlns:a="http://schemas.openxmlformats.org/drawingml/2006/main" xmlns:r="http://schemas.openxmlformats.org/officeDocument/2006/relationships" xmlns:p="http://schemas.openxmlformats.org/presentationml/2006/main">
   <p:cSld>
     <p:spTree>
@@ -18923,7 +19189,7 @@
 </p:sld>
 </file>
 
-<file path=ppt/slides/slide15.xml><?xml version="1.0" encoding="utf-8"?>
+<file path=ppt/slides/slide16.xml><?xml version="1.0" encoding="utf-8"?>
 <p:sld xmlns:a="http://schemas.openxmlformats.org/drawingml/2006/main" xmlns:r="http://schemas.openxmlformats.org/officeDocument/2006/relationships" xmlns:p="http://schemas.openxmlformats.org/presentationml/2006/main">
   <p:cSld>
     <p:spTree>
@@ -19006,7 +19272,7 @@
 </p:sld>
 </file>
 
-<file path=ppt/slides/slide16.xml><?xml version="1.0" encoding="utf-8"?>
+<file path=ppt/slides/slide17.xml><?xml version="1.0" encoding="utf-8"?>
 <p:sld xmlns:a="http://schemas.openxmlformats.org/drawingml/2006/main" xmlns:r="http://schemas.openxmlformats.org/officeDocument/2006/relationships" xmlns:p="http://schemas.openxmlformats.org/presentationml/2006/main">
   <p:cSld>
     <p:spTree>
@@ -19472,7 +19738,7 @@
 </p:sld>
 </file>
 
-<file path=ppt/slides/slide17.xml><?xml version="1.0" encoding="utf-8"?>
+<file path=ppt/slides/slide18.xml><?xml version="1.0" encoding="utf-8"?>
 <p:sld xmlns:a="http://schemas.openxmlformats.org/drawingml/2006/main" xmlns:r="http://schemas.openxmlformats.org/officeDocument/2006/relationships" xmlns:p="http://schemas.openxmlformats.org/presentationml/2006/main">
   <p:cSld>
     <p:spTree>
@@ -19554,7 +19820,7 @@
 </p:sld>
 </file>
 
-<file path=ppt/slides/slide18.xml><?xml version="1.0" encoding="utf-8"?>
+<file path=ppt/slides/slide19.xml><?xml version="1.0" encoding="utf-8"?>
 <p:sld xmlns:a="http://schemas.openxmlformats.org/drawingml/2006/main" xmlns:r="http://schemas.openxmlformats.org/officeDocument/2006/relationships" xmlns:p="http://schemas.openxmlformats.org/presentationml/2006/main">
   <p:cSld>
     <p:spTree>
@@ -19679,15 +19945,12 @@
           <a:p>
             <a:pPr lvl="1"/>
             <a:r>
+              <a:rPr lang="en-US" dirty="0" smtClean="0"/>
+              <a:t>Financial </a:t>
+            </a:r>
+            <a:r>
               <a:rPr lang="en-US" dirty="0"/>
-              <a:t>Engineering design and simulation</a:t>
-            </a:r>
-          </a:p>
-          <a:p>
-            <a:pPr lvl="1"/>
-            <a:r>
-              <a:rPr lang="en-US" dirty="0"/>
-              <a:t>Financial risk modeling, genomics research, and more</a:t>
+              <a:t>risk modeling, genomics research, and more</a:t>
             </a:r>
           </a:p>
           <a:p>
@@ -19717,6 +19980,12 @@
               <a:rPr lang="en-US" dirty="0" smtClean="0"/>
               <a:t>)</a:t>
             </a:r>
+          </a:p>
+          <a:p>
+            <a:r>
+              <a:rPr lang="en-US" dirty="0" smtClean="0"/>
+              <a:t>Linux or Windows</a:t>
+            </a:r>
             <a:endParaRPr lang="en-US" dirty="0"/>
           </a:p>
         </p:txBody>
@@ -19724,7 +19993,7 @@
     </p:spTree>
     <p:extLst>
       <p:ext uri="{BB962C8B-B14F-4D97-AF65-F5344CB8AC3E}">
-        <p14:creationId xmlns:p14="http://schemas.microsoft.com/office/powerpoint/2010/main" val="2718515395"/>
+        <p14:creationId xmlns:p14="http://schemas.microsoft.com/office/powerpoint/2010/main" val="2410609805"/>
       </p:ext>
     </p:extLst>
   </p:cSld>
@@ -19782,8 +20051,8 @@
         </p:nvSpPr>
         <p:spPr>
           <a:xfrm>
-            <a:off x="0" y="1690688"/>
-            <a:ext cx="4057441" cy="676980"/>
+            <a:off x="0" y="1493750"/>
+            <a:ext cx="3066413" cy="618631"/>
           </a:xfrm>
           <a:prstGeom prst="rect">
             <a:avLst/>
@@ -19802,18 +20071,18 @@
               <a:buSzPct val="90000"/>
             </a:pPr>
             <a:r>
-              <a:rPr lang="en-US" sz="3999" spc="-200" dirty="0" smtClean="0">
+              <a:rPr lang="en-US" sz="3600" spc="-200" dirty="0" smtClean="0">
                 <a:solidFill>
-                  <a:srgbClr val="235888"/>
+                  <a:schemeClr val="accent2"/>
                 </a:solidFill>
                 <a:latin typeface="Segoe UI Light" panose="020B0502040204020203" pitchFamily="34" charset="0"/>
                 <a:cs typeface="Segoe UI Light" panose="020B0502040204020203" pitchFamily="34" charset="0"/>
               </a:rPr>
               <a:t>A-Series</a:t>
             </a:r>
-            <a:endParaRPr lang="en-US" sz="4799" spc="-294" dirty="0">
+            <a:endParaRPr lang="en-US" sz="4400" spc="-294" dirty="0">
               <a:solidFill>
-                <a:srgbClr val="235888"/>
+                <a:schemeClr val="accent2"/>
               </a:solidFill>
               <a:latin typeface="Segoe UI Light" panose="020B0502040204020203" pitchFamily="34" charset="0"/>
               <a:cs typeface="Segoe UI Light" panose="020B0502040204020203" pitchFamily="34" charset="0"/>
@@ -19829,8 +20098,8 @@
         </p:nvSpPr>
         <p:spPr>
           <a:xfrm>
-            <a:off x="4049092" y="1690688"/>
-            <a:ext cx="4057441" cy="676980"/>
+            <a:off x="3068798" y="1690688"/>
+            <a:ext cx="3064029" cy="618631"/>
           </a:xfrm>
           <a:prstGeom prst="rect">
             <a:avLst/>
@@ -19849,18 +20118,28 @@
               <a:buSzPct val="90000"/>
             </a:pPr>
             <a:r>
-              <a:rPr lang="en-US" sz="3999" spc="-200" dirty="0" smtClean="0">
+              <a:rPr lang="en-US" sz="3600" spc="-200" dirty="0">
                 <a:solidFill>
-                  <a:srgbClr val="235888"/>
+                  <a:schemeClr val="accent2"/>
                 </a:solidFill>
                 <a:latin typeface="Segoe UI Light" panose="020B0502040204020203" pitchFamily="34" charset="0"/>
                 <a:cs typeface="Segoe UI Light" panose="020B0502040204020203" pitchFamily="34" charset="0"/>
               </a:rPr>
-              <a:t>D/DS/Dv2-Series</a:t>
-            </a:r>
-            <a:endParaRPr lang="en-US" sz="4799" spc="-294" dirty="0">
+              <a:t>D</a:t>
+            </a:r>
+            <a:r>
+              <a:rPr lang="en-US" sz="3600" spc="-200" dirty="0" smtClean="0">
+                <a:solidFill>
+                  <a:schemeClr val="accent2"/>
+                </a:solidFill>
+                <a:latin typeface="Segoe UI Light" panose="020B0502040204020203" pitchFamily="34" charset="0"/>
+                <a:cs typeface="Segoe UI Light" panose="020B0502040204020203" pitchFamily="34" charset="0"/>
+              </a:rPr>
+              <a:t>-Series</a:t>
+            </a:r>
+            <a:endParaRPr lang="en-US" sz="4400" spc="-294" dirty="0">
               <a:solidFill>
-                <a:srgbClr val="235888"/>
+                <a:schemeClr val="accent2"/>
               </a:solidFill>
               <a:latin typeface="Segoe UI Light" panose="020B0502040204020203" pitchFamily="34" charset="0"/>
               <a:cs typeface="Segoe UI Light" panose="020B0502040204020203" pitchFamily="34" charset="0"/>
@@ -19876,8 +20155,8 @@
         </p:nvSpPr>
         <p:spPr>
           <a:xfrm>
-            <a:off x="346841" y="2473320"/>
-            <a:ext cx="3710600" cy="1144929"/>
+            <a:off x="6148552" y="1690688"/>
+            <a:ext cx="3052031" cy="618631"/>
           </a:xfrm>
           <a:prstGeom prst="rect">
             <a:avLst/>
@@ -19889,58 +20168,29 @@
           </a:bodyPr>
           <a:lstStyle/>
           <a:p>
-            <a:pPr>
+            <a:pPr algn="ctr">
               <a:lnSpc>
                 <a:spcPct val="95000"/>
               </a:lnSpc>
               <a:buSzPct val="90000"/>
             </a:pPr>
             <a:r>
-              <a:rPr lang="en-US" sz="2400" spc="-200" dirty="0" smtClean="0">
+              <a:rPr lang="en-US" sz="3600" spc="-200" dirty="0" smtClean="0">
                 <a:solidFill>
-                  <a:srgbClr val="235888"/>
+                  <a:schemeClr val="accent2"/>
                 </a:solidFill>
                 <a:latin typeface="Segoe UI Light" panose="020B0502040204020203" pitchFamily="34" charset="0"/>
                 <a:cs typeface="Segoe UI Light" panose="020B0502040204020203" pitchFamily="34" charset="0"/>
               </a:rPr>
-              <a:t>A8-A11 for  HPC</a:t>
-            </a:r>
-          </a:p>
-          <a:p>
-            <a:pPr>
-              <a:lnSpc>
-                <a:spcPct val="95000"/>
-              </a:lnSpc>
-              <a:buSzPct val="90000"/>
-            </a:pPr>
-            <a:r>
-              <a:rPr lang="en-US" sz="2400" spc="-200" dirty="0" smtClean="0">
-                <a:solidFill>
-                  <a:srgbClr val="235888"/>
-                </a:solidFill>
-                <a:latin typeface="Segoe UI Light" panose="020B0502040204020203" pitchFamily="34" charset="0"/>
-                <a:cs typeface="Segoe UI Light" panose="020B0502040204020203" pitchFamily="34" charset="0"/>
-              </a:rPr>
-              <a:t>Up to 112 GB RAM and 16 cores</a:t>
-            </a:r>
-          </a:p>
-          <a:p>
-            <a:pPr>
-              <a:lnSpc>
-                <a:spcPct val="95000"/>
-              </a:lnSpc>
-              <a:buSzPct val="90000"/>
-            </a:pPr>
-            <a:r>
-              <a:rPr lang="en-US" sz="2400" spc="-200" dirty="0" smtClean="0">
-                <a:solidFill>
-                  <a:srgbClr val="235888"/>
-                </a:solidFill>
-                <a:latin typeface="Segoe UI Light" panose="020B0502040204020203" pitchFamily="34" charset="0"/>
-                <a:cs typeface="Segoe UI Light" panose="020B0502040204020203" pitchFamily="34" charset="0"/>
-              </a:rPr>
-              <a:t>Up to 16 data disks (1 TB each)</a:t>
-            </a:r>
+              <a:t>F/G/H-Series</a:t>
+            </a:r>
+            <a:endParaRPr lang="en-US" sz="4400" spc="-294" dirty="0">
+              <a:solidFill>
+                <a:schemeClr val="accent2"/>
+              </a:solidFill>
+              <a:latin typeface="Segoe UI Light" panose="020B0502040204020203" pitchFamily="34" charset="0"/>
+              <a:cs typeface="Segoe UI Light" panose="020B0502040204020203" pitchFamily="34" charset="0"/>
+            </a:endParaRPr>
           </a:p>
         </p:txBody>
       </p:sp>
@@ -19952,8 +20202,528 @@
         </p:nvSpPr>
         <p:spPr bwMode="auto">
           <a:xfrm>
-            <a:off x="429540" y="5275264"/>
-            <a:ext cx="710005" cy="430306"/>
+            <a:off x="286632" y="2705579"/>
+            <a:ext cx="600473" cy="430306"/>
+          </a:xfrm>
+          <a:prstGeom prst="rect">
+            <a:avLst/>
+          </a:prstGeom>
+          <a:noFill/>
+          <a:ln w="19050">
+            <a:solidFill>
+              <a:schemeClr val="accent2"/>
+            </a:solidFill>
+            <a:headEnd type="none" w="med" len="med"/>
+            <a:tailEnd type="none" w="med" len="med"/>
+          </a:ln>
+          <a:effectLst/>
+        </p:spPr>
+        <p:style>
+          <a:lnRef idx="1">
+            <a:schemeClr val="accent2"/>
+          </a:lnRef>
+          <a:fillRef idx="3">
+            <a:schemeClr val="accent2"/>
+          </a:fillRef>
+          <a:effectRef idx="2">
+            <a:schemeClr val="accent2"/>
+          </a:effectRef>
+          <a:fontRef idx="minor">
+            <a:schemeClr val="lt1"/>
+          </a:fontRef>
+        </p:style>
+        <p:txBody>
+          <a:bodyPr vert="horz" wrap="none" lIns="91436" tIns="45718" rIns="91436" bIns="45718" numCol="1" rtlCol="0" anchor="ctr" anchorCtr="0" compatLnSpc="1">
+            <a:prstTxWarp prst="textNoShape">
+              <a:avLst/>
+            </a:prstTxWarp>
+          </a:bodyPr>
+          <a:lstStyle/>
+          <a:p>
+            <a:pPr algn="ctr" defTabSz="914099" fontAlgn="base">
+              <a:spcBef>
+                <a:spcPct val="0"/>
+              </a:spcBef>
+              <a:spcAft>
+                <a:spcPct val="0"/>
+              </a:spcAft>
+            </a:pPr>
+            <a:r>
+              <a:rPr lang="en-US" sz="1600" dirty="0" smtClean="0">
+                <a:solidFill>
+                  <a:schemeClr val="accent2"/>
+                </a:solidFill>
+              </a:rPr>
+              <a:t>A0</a:t>
+            </a:r>
+          </a:p>
+        </p:txBody>
+      </p:sp>
+      <p:sp>
+        <p:nvSpPr>
+          <p:cNvPr id="8" name="Rectangle 7"/>
+          <p:cNvSpPr/>
+          <p:nvPr/>
+        </p:nvSpPr>
+        <p:spPr bwMode="auto">
+          <a:xfrm>
+            <a:off x="939813" y="2705579"/>
+            <a:ext cx="600474" cy="430306"/>
+          </a:xfrm>
+          <a:prstGeom prst="rect">
+            <a:avLst/>
+          </a:prstGeom>
+          <a:noFill/>
+          <a:ln w="19050">
+            <a:solidFill>
+              <a:schemeClr val="accent2"/>
+            </a:solidFill>
+            <a:headEnd type="none" w="med" len="med"/>
+            <a:tailEnd type="none" w="med" len="med"/>
+          </a:ln>
+          <a:effectLst/>
+        </p:spPr>
+        <p:style>
+          <a:lnRef idx="1">
+            <a:schemeClr val="accent2"/>
+          </a:lnRef>
+          <a:fillRef idx="3">
+            <a:schemeClr val="accent2"/>
+          </a:fillRef>
+          <a:effectRef idx="2">
+            <a:schemeClr val="accent2"/>
+          </a:effectRef>
+          <a:fontRef idx="minor">
+            <a:schemeClr val="lt1"/>
+          </a:fontRef>
+        </p:style>
+        <p:txBody>
+          <a:bodyPr vert="horz" wrap="none" lIns="91436" tIns="45718" rIns="91436" bIns="45718" numCol="1" rtlCol="0" anchor="ctr" anchorCtr="0" compatLnSpc="1">
+            <a:prstTxWarp prst="textNoShape">
+              <a:avLst/>
+            </a:prstTxWarp>
+          </a:bodyPr>
+          <a:lstStyle/>
+          <a:p>
+            <a:pPr algn="ctr" defTabSz="914099" fontAlgn="base">
+              <a:spcBef>
+                <a:spcPct val="0"/>
+              </a:spcBef>
+              <a:spcAft>
+                <a:spcPct val="0"/>
+              </a:spcAft>
+            </a:pPr>
+            <a:r>
+              <a:rPr lang="en-US" sz="1600" dirty="0" smtClean="0">
+                <a:solidFill>
+                  <a:schemeClr val="accent2"/>
+                </a:solidFill>
+              </a:rPr>
+              <a:t>A1</a:t>
+            </a:r>
+          </a:p>
+        </p:txBody>
+      </p:sp>
+      <p:sp>
+        <p:nvSpPr>
+          <p:cNvPr id="9" name="Rectangle 8"/>
+          <p:cNvSpPr/>
+          <p:nvPr/>
+        </p:nvSpPr>
+        <p:spPr bwMode="auto">
+          <a:xfrm>
+            <a:off x="1592994" y="2705579"/>
+            <a:ext cx="600474" cy="430306"/>
+          </a:xfrm>
+          <a:prstGeom prst="rect">
+            <a:avLst/>
+          </a:prstGeom>
+          <a:noFill/>
+          <a:ln w="19050">
+            <a:solidFill>
+              <a:schemeClr val="accent2"/>
+            </a:solidFill>
+            <a:headEnd type="none" w="med" len="med"/>
+            <a:tailEnd type="none" w="med" len="med"/>
+          </a:ln>
+          <a:effectLst/>
+        </p:spPr>
+        <p:style>
+          <a:lnRef idx="1">
+            <a:schemeClr val="accent2"/>
+          </a:lnRef>
+          <a:fillRef idx="3">
+            <a:schemeClr val="accent2"/>
+          </a:fillRef>
+          <a:effectRef idx="2">
+            <a:schemeClr val="accent2"/>
+          </a:effectRef>
+          <a:fontRef idx="minor">
+            <a:schemeClr val="lt1"/>
+          </a:fontRef>
+        </p:style>
+        <p:txBody>
+          <a:bodyPr vert="horz" wrap="none" lIns="91436" tIns="45718" rIns="91436" bIns="45718" numCol="1" rtlCol="0" anchor="ctr" anchorCtr="0" compatLnSpc="1">
+            <a:prstTxWarp prst="textNoShape">
+              <a:avLst/>
+            </a:prstTxWarp>
+          </a:bodyPr>
+          <a:lstStyle/>
+          <a:p>
+            <a:pPr algn="ctr" defTabSz="914099" fontAlgn="base">
+              <a:spcBef>
+                <a:spcPct val="0"/>
+              </a:spcBef>
+              <a:spcAft>
+                <a:spcPct val="0"/>
+              </a:spcAft>
+            </a:pPr>
+            <a:r>
+              <a:rPr lang="en-US" sz="1600" dirty="0" smtClean="0">
+                <a:solidFill>
+                  <a:schemeClr val="accent2"/>
+                </a:solidFill>
+              </a:rPr>
+              <a:t>A2</a:t>
+            </a:r>
+          </a:p>
+        </p:txBody>
+      </p:sp>
+      <p:sp>
+        <p:nvSpPr>
+          <p:cNvPr id="10" name="Rectangle 9"/>
+          <p:cNvSpPr/>
+          <p:nvPr/>
+        </p:nvSpPr>
+        <p:spPr bwMode="auto">
+          <a:xfrm>
+            <a:off x="2246175" y="2705579"/>
+            <a:ext cx="600474" cy="430306"/>
+          </a:xfrm>
+          <a:prstGeom prst="rect">
+            <a:avLst/>
+          </a:prstGeom>
+          <a:noFill/>
+          <a:ln w="19050">
+            <a:solidFill>
+              <a:schemeClr val="accent2"/>
+            </a:solidFill>
+            <a:headEnd type="none" w="med" len="med"/>
+            <a:tailEnd type="none" w="med" len="med"/>
+          </a:ln>
+          <a:effectLst/>
+        </p:spPr>
+        <p:style>
+          <a:lnRef idx="1">
+            <a:schemeClr val="accent2"/>
+          </a:lnRef>
+          <a:fillRef idx="3">
+            <a:schemeClr val="accent2"/>
+          </a:fillRef>
+          <a:effectRef idx="2">
+            <a:schemeClr val="accent2"/>
+          </a:effectRef>
+          <a:fontRef idx="minor">
+            <a:schemeClr val="lt1"/>
+          </a:fontRef>
+        </p:style>
+        <p:txBody>
+          <a:bodyPr vert="horz" wrap="none" lIns="91436" tIns="45718" rIns="91436" bIns="45718" numCol="1" rtlCol="0" anchor="ctr" anchorCtr="0" compatLnSpc="1">
+            <a:prstTxWarp prst="textNoShape">
+              <a:avLst/>
+            </a:prstTxWarp>
+          </a:bodyPr>
+          <a:lstStyle/>
+          <a:p>
+            <a:pPr algn="ctr" defTabSz="914099" fontAlgn="base">
+              <a:spcBef>
+                <a:spcPct val="0"/>
+              </a:spcBef>
+              <a:spcAft>
+                <a:spcPct val="0"/>
+              </a:spcAft>
+            </a:pPr>
+            <a:r>
+              <a:rPr lang="en-US" sz="1600" dirty="0" smtClean="0">
+                <a:solidFill>
+                  <a:schemeClr val="accent2"/>
+                </a:solidFill>
+              </a:rPr>
+              <a:t>A3</a:t>
+            </a:r>
+          </a:p>
+        </p:txBody>
+      </p:sp>
+      <p:sp>
+        <p:nvSpPr>
+          <p:cNvPr id="11" name="Rectangle 10"/>
+          <p:cNvSpPr/>
+          <p:nvPr/>
+        </p:nvSpPr>
+        <p:spPr bwMode="auto">
+          <a:xfrm>
+            <a:off x="286632" y="3220586"/>
+            <a:ext cx="600474" cy="430306"/>
+          </a:xfrm>
+          <a:prstGeom prst="rect">
+            <a:avLst/>
+          </a:prstGeom>
+          <a:noFill/>
+          <a:ln w="19050">
+            <a:solidFill>
+              <a:schemeClr val="accent2"/>
+            </a:solidFill>
+            <a:headEnd type="none" w="med" len="med"/>
+            <a:tailEnd type="none" w="med" len="med"/>
+          </a:ln>
+          <a:effectLst/>
+        </p:spPr>
+        <p:style>
+          <a:lnRef idx="1">
+            <a:schemeClr val="accent2"/>
+          </a:lnRef>
+          <a:fillRef idx="3">
+            <a:schemeClr val="accent2"/>
+          </a:fillRef>
+          <a:effectRef idx="2">
+            <a:schemeClr val="accent2"/>
+          </a:effectRef>
+          <a:fontRef idx="minor">
+            <a:schemeClr val="lt1"/>
+          </a:fontRef>
+        </p:style>
+        <p:txBody>
+          <a:bodyPr vert="horz" wrap="none" lIns="91436" tIns="45718" rIns="91436" bIns="45718" numCol="1" rtlCol="0" anchor="ctr" anchorCtr="0" compatLnSpc="1">
+            <a:prstTxWarp prst="textNoShape">
+              <a:avLst/>
+            </a:prstTxWarp>
+          </a:bodyPr>
+          <a:lstStyle/>
+          <a:p>
+            <a:pPr algn="ctr" defTabSz="914099" fontAlgn="base">
+              <a:spcBef>
+                <a:spcPct val="0"/>
+              </a:spcBef>
+              <a:spcAft>
+                <a:spcPct val="0"/>
+              </a:spcAft>
+            </a:pPr>
+            <a:r>
+              <a:rPr lang="en-US" sz="1600" dirty="0" smtClean="0">
+                <a:solidFill>
+                  <a:schemeClr val="accent2"/>
+                </a:solidFill>
+              </a:rPr>
+              <a:t>A4</a:t>
+            </a:r>
+          </a:p>
+        </p:txBody>
+      </p:sp>
+      <p:sp>
+        <p:nvSpPr>
+          <p:cNvPr id="12" name="Rectangle 11"/>
+          <p:cNvSpPr/>
+          <p:nvPr/>
+        </p:nvSpPr>
+        <p:spPr bwMode="auto">
+          <a:xfrm>
+            <a:off x="939813" y="3220586"/>
+            <a:ext cx="600474" cy="430306"/>
+          </a:xfrm>
+          <a:prstGeom prst="rect">
+            <a:avLst/>
+          </a:prstGeom>
+          <a:noFill/>
+          <a:ln w="19050">
+            <a:solidFill>
+              <a:schemeClr val="accent2"/>
+            </a:solidFill>
+            <a:headEnd type="none" w="med" len="med"/>
+            <a:tailEnd type="none" w="med" len="med"/>
+          </a:ln>
+          <a:effectLst/>
+        </p:spPr>
+        <p:style>
+          <a:lnRef idx="1">
+            <a:schemeClr val="accent2"/>
+          </a:lnRef>
+          <a:fillRef idx="3">
+            <a:schemeClr val="accent2"/>
+          </a:fillRef>
+          <a:effectRef idx="2">
+            <a:schemeClr val="accent2"/>
+          </a:effectRef>
+          <a:fontRef idx="minor">
+            <a:schemeClr val="lt1"/>
+          </a:fontRef>
+        </p:style>
+        <p:txBody>
+          <a:bodyPr vert="horz" wrap="none" lIns="91436" tIns="45718" rIns="91436" bIns="45718" numCol="1" rtlCol="0" anchor="ctr" anchorCtr="0" compatLnSpc="1">
+            <a:prstTxWarp prst="textNoShape">
+              <a:avLst/>
+            </a:prstTxWarp>
+          </a:bodyPr>
+          <a:lstStyle/>
+          <a:p>
+            <a:pPr algn="ctr" defTabSz="914099" fontAlgn="base">
+              <a:spcBef>
+                <a:spcPct val="0"/>
+              </a:spcBef>
+              <a:spcAft>
+                <a:spcPct val="0"/>
+              </a:spcAft>
+            </a:pPr>
+            <a:r>
+              <a:rPr lang="en-US" sz="1600" dirty="0" smtClean="0">
+                <a:solidFill>
+                  <a:schemeClr val="accent2"/>
+                </a:solidFill>
+              </a:rPr>
+              <a:t>A5</a:t>
+            </a:r>
+          </a:p>
+        </p:txBody>
+      </p:sp>
+      <p:sp>
+        <p:nvSpPr>
+          <p:cNvPr id="13" name="Rectangle 12"/>
+          <p:cNvSpPr/>
+          <p:nvPr/>
+        </p:nvSpPr>
+        <p:spPr bwMode="auto">
+          <a:xfrm>
+            <a:off x="1592994" y="3220586"/>
+            <a:ext cx="600474" cy="430306"/>
+          </a:xfrm>
+          <a:prstGeom prst="rect">
+            <a:avLst/>
+          </a:prstGeom>
+          <a:noFill/>
+          <a:ln w="19050">
+            <a:solidFill>
+              <a:schemeClr val="accent2"/>
+            </a:solidFill>
+            <a:headEnd type="none" w="med" len="med"/>
+            <a:tailEnd type="none" w="med" len="med"/>
+          </a:ln>
+          <a:effectLst/>
+        </p:spPr>
+        <p:style>
+          <a:lnRef idx="1">
+            <a:schemeClr val="accent2"/>
+          </a:lnRef>
+          <a:fillRef idx="3">
+            <a:schemeClr val="accent2"/>
+          </a:fillRef>
+          <a:effectRef idx="2">
+            <a:schemeClr val="accent2"/>
+          </a:effectRef>
+          <a:fontRef idx="minor">
+            <a:schemeClr val="lt1"/>
+          </a:fontRef>
+        </p:style>
+        <p:txBody>
+          <a:bodyPr vert="horz" wrap="none" lIns="91436" tIns="45718" rIns="91436" bIns="45718" numCol="1" rtlCol="0" anchor="ctr" anchorCtr="0" compatLnSpc="1">
+            <a:prstTxWarp prst="textNoShape">
+              <a:avLst/>
+            </a:prstTxWarp>
+          </a:bodyPr>
+          <a:lstStyle/>
+          <a:p>
+            <a:pPr algn="ctr" defTabSz="914099" fontAlgn="base">
+              <a:spcBef>
+                <a:spcPct val="0"/>
+              </a:spcBef>
+              <a:spcAft>
+                <a:spcPct val="0"/>
+              </a:spcAft>
+            </a:pPr>
+            <a:r>
+              <a:rPr lang="en-US" sz="1600" dirty="0" smtClean="0">
+                <a:solidFill>
+                  <a:schemeClr val="accent2"/>
+                </a:solidFill>
+              </a:rPr>
+              <a:t>A6</a:t>
+            </a:r>
+          </a:p>
+        </p:txBody>
+      </p:sp>
+      <p:sp>
+        <p:nvSpPr>
+          <p:cNvPr id="14" name="Rectangle 13"/>
+          <p:cNvSpPr/>
+          <p:nvPr/>
+        </p:nvSpPr>
+        <p:spPr bwMode="auto">
+          <a:xfrm>
+            <a:off x="2246175" y="3220586"/>
+            <a:ext cx="600474" cy="430306"/>
+          </a:xfrm>
+          <a:prstGeom prst="rect">
+            <a:avLst/>
+          </a:prstGeom>
+          <a:noFill/>
+          <a:ln w="19050">
+            <a:solidFill>
+              <a:schemeClr val="accent2"/>
+            </a:solidFill>
+            <a:headEnd type="none" w="med" len="med"/>
+            <a:tailEnd type="none" w="med" len="med"/>
+          </a:ln>
+          <a:effectLst/>
+        </p:spPr>
+        <p:style>
+          <a:lnRef idx="1">
+            <a:schemeClr val="accent2"/>
+          </a:lnRef>
+          <a:fillRef idx="3">
+            <a:schemeClr val="accent2"/>
+          </a:fillRef>
+          <a:effectRef idx="2">
+            <a:schemeClr val="accent2"/>
+          </a:effectRef>
+          <a:fontRef idx="minor">
+            <a:schemeClr val="lt1"/>
+          </a:fontRef>
+        </p:style>
+        <p:txBody>
+          <a:bodyPr vert="horz" wrap="none" lIns="91436" tIns="45718" rIns="91436" bIns="45718" numCol="1" rtlCol="0" anchor="ctr" anchorCtr="0" compatLnSpc="1">
+            <a:prstTxWarp prst="textNoShape">
+              <a:avLst/>
+            </a:prstTxWarp>
+          </a:bodyPr>
+          <a:lstStyle/>
+          <a:p>
+            <a:pPr algn="ctr" defTabSz="914099" fontAlgn="base">
+              <a:spcBef>
+                <a:spcPct val="0"/>
+              </a:spcBef>
+              <a:spcAft>
+                <a:spcPct val="0"/>
+              </a:spcAft>
+            </a:pPr>
+            <a:r>
+              <a:rPr lang="en-US" sz="1600" dirty="0" smtClean="0">
+                <a:solidFill>
+                  <a:schemeClr val="accent2"/>
+                </a:solidFill>
+              </a:rPr>
+              <a:t>A7</a:t>
+            </a:r>
+          </a:p>
+        </p:txBody>
+      </p:sp>
+      <p:sp>
+        <p:nvSpPr>
+          <p:cNvPr id="15" name="Rectangle 14"/>
+          <p:cNvSpPr/>
+          <p:nvPr/>
+        </p:nvSpPr>
+        <p:spPr bwMode="auto">
+          <a:xfrm>
+            <a:off x="286632" y="4123850"/>
+            <a:ext cx="600474" cy="430306"/>
           </a:xfrm>
           <a:prstGeom prst="rect">
             <a:avLst/>
@@ -19999,7 +20769,7 @@
               </a:spcAft>
             </a:pPr>
             <a:r>
-              <a:rPr lang="en-US" sz="2000" dirty="0" smtClean="0">
+              <a:rPr lang="en-US" sz="1600" dirty="0">
                 <a:gradFill>
                   <a:gsLst>
                     <a:gs pos="0">
@@ -20019,14 +20789,14 @@
       </p:sp>
       <p:sp>
         <p:nvSpPr>
-          <p:cNvPr id="8" name="Rectangle 7"/>
+          <p:cNvPr id="16" name="Rectangle 15"/>
           <p:cNvSpPr/>
           <p:nvPr/>
         </p:nvSpPr>
         <p:spPr bwMode="auto">
           <a:xfrm>
-            <a:off x="1246348" y="5275264"/>
-            <a:ext cx="710005" cy="430306"/>
+            <a:off x="939813" y="4123850"/>
+            <a:ext cx="600474" cy="430306"/>
           </a:xfrm>
           <a:prstGeom prst="rect">
             <a:avLst/>
@@ -20072,7 +20842,7 @@
               </a:spcAft>
             </a:pPr>
             <a:r>
-              <a:rPr lang="en-US" sz="2000" dirty="0" smtClean="0">
+              <a:rPr lang="en-US" sz="1600" dirty="0">
                 <a:gradFill>
                   <a:gsLst>
                     <a:gs pos="0">
@@ -20092,14 +20862,14 @@
       </p:sp>
       <p:sp>
         <p:nvSpPr>
-          <p:cNvPr id="9" name="Rectangle 8"/>
+          <p:cNvPr id="17" name="Rectangle 16"/>
           <p:cNvSpPr/>
           <p:nvPr/>
         </p:nvSpPr>
         <p:spPr bwMode="auto">
           <a:xfrm>
-            <a:off x="2059987" y="5275264"/>
-            <a:ext cx="710005" cy="430306"/>
+            <a:off x="1592994" y="4123850"/>
+            <a:ext cx="600474" cy="430306"/>
           </a:xfrm>
           <a:prstGeom prst="rect">
             <a:avLst/>
@@ -20145,7 +20915,7 @@
               </a:spcAft>
             </a:pPr>
             <a:r>
-              <a:rPr lang="en-US" sz="2000" dirty="0" smtClean="0">
+              <a:rPr lang="en-US" sz="1600" dirty="0">
                 <a:gradFill>
                   <a:gsLst>
                     <a:gs pos="0">
@@ -20165,14 +20935,14 @@
       </p:sp>
       <p:sp>
         <p:nvSpPr>
-          <p:cNvPr id="10" name="Rectangle 9"/>
+          <p:cNvPr id="18" name="Rectangle 17"/>
           <p:cNvSpPr/>
           <p:nvPr/>
         </p:nvSpPr>
         <p:spPr bwMode="auto">
           <a:xfrm>
-            <a:off x="2873626" y="5275264"/>
-            <a:ext cx="710005" cy="430306"/>
+            <a:off x="2246175" y="4123850"/>
+            <a:ext cx="600474" cy="430306"/>
           </a:xfrm>
           <a:prstGeom prst="rect">
             <a:avLst/>
@@ -20218,7 +20988,7 @@
               </a:spcAft>
             </a:pPr>
             <a:r>
-              <a:rPr lang="en-US" sz="2000" dirty="0" smtClean="0">
+              <a:rPr lang="en-US" sz="1600" dirty="0">
                 <a:gradFill>
                   <a:gsLst>
                     <a:gs pos="0">
@@ -20238,14 +21008,3624 @@
       </p:sp>
       <p:sp>
         <p:nvSpPr>
-          <p:cNvPr id="11" name="Rectangle 10"/>
+          <p:cNvPr id="19" name="Rectangle 18"/>
           <p:cNvSpPr/>
           <p:nvPr/>
         </p:nvSpPr>
+        <p:spPr bwMode="auto">
+          <a:xfrm>
+            <a:off x="3324306" y="2705579"/>
+            <a:ext cx="600473" cy="430306"/>
+          </a:xfrm>
+          <a:prstGeom prst="rect">
+            <a:avLst/>
+          </a:prstGeom>
+          <a:noFill/>
+          <a:ln w="19050">
+            <a:solidFill>
+              <a:schemeClr val="accent3"/>
+            </a:solidFill>
+            <a:headEnd type="none" w="med" len="med"/>
+            <a:tailEnd type="none" w="med" len="med"/>
+          </a:ln>
+          <a:effectLst/>
+        </p:spPr>
+        <p:style>
+          <a:lnRef idx="1">
+            <a:schemeClr val="accent2"/>
+          </a:lnRef>
+          <a:fillRef idx="3">
+            <a:schemeClr val="accent2"/>
+          </a:fillRef>
+          <a:effectRef idx="2">
+            <a:schemeClr val="accent2"/>
+          </a:effectRef>
+          <a:fontRef idx="minor">
+            <a:schemeClr val="lt1"/>
+          </a:fontRef>
+        </p:style>
+        <p:txBody>
+          <a:bodyPr vert="horz" wrap="none" lIns="91436" tIns="45718" rIns="91436" bIns="45718" numCol="1" rtlCol="0" anchor="ctr" anchorCtr="0" compatLnSpc="1">
+            <a:prstTxWarp prst="textNoShape">
+              <a:avLst/>
+            </a:prstTxWarp>
+          </a:bodyPr>
+          <a:lstStyle/>
+          <a:p>
+            <a:pPr algn="ctr" defTabSz="914099" fontAlgn="base">
+              <a:spcBef>
+                <a:spcPct val="0"/>
+              </a:spcBef>
+              <a:spcAft>
+                <a:spcPct val="0"/>
+              </a:spcAft>
+            </a:pPr>
+            <a:r>
+              <a:rPr lang="en-US" sz="1600" dirty="0">
+                <a:solidFill>
+                  <a:schemeClr val="accent3"/>
+                </a:solidFill>
+              </a:rPr>
+              <a:t>D1</a:t>
+            </a:r>
+          </a:p>
+        </p:txBody>
+      </p:sp>
+      <p:sp>
+        <p:nvSpPr>
+          <p:cNvPr id="20" name="Rectangle 19"/>
+          <p:cNvSpPr/>
+          <p:nvPr/>
+        </p:nvSpPr>
+        <p:spPr bwMode="auto">
+          <a:xfrm>
+            <a:off x="3977487" y="2705579"/>
+            <a:ext cx="600474" cy="430306"/>
+          </a:xfrm>
+          <a:prstGeom prst="rect">
+            <a:avLst/>
+          </a:prstGeom>
+          <a:noFill/>
+          <a:ln w="19050">
+            <a:solidFill>
+              <a:schemeClr val="accent3"/>
+            </a:solidFill>
+            <a:headEnd type="none" w="med" len="med"/>
+            <a:tailEnd type="none" w="med" len="med"/>
+          </a:ln>
+          <a:effectLst/>
+        </p:spPr>
+        <p:style>
+          <a:lnRef idx="1">
+            <a:schemeClr val="accent2"/>
+          </a:lnRef>
+          <a:fillRef idx="3">
+            <a:schemeClr val="accent2"/>
+          </a:fillRef>
+          <a:effectRef idx="2">
+            <a:schemeClr val="accent2"/>
+          </a:effectRef>
+          <a:fontRef idx="minor">
+            <a:schemeClr val="lt1"/>
+          </a:fontRef>
+        </p:style>
+        <p:txBody>
+          <a:bodyPr vert="horz" wrap="none" lIns="91436" tIns="45718" rIns="91436" bIns="45718" numCol="1" rtlCol="0" anchor="ctr" anchorCtr="0" compatLnSpc="1">
+            <a:prstTxWarp prst="textNoShape">
+              <a:avLst/>
+            </a:prstTxWarp>
+          </a:bodyPr>
+          <a:lstStyle/>
+          <a:p>
+            <a:pPr algn="ctr" defTabSz="914099" fontAlgn="base">
+              <a:spcBef>
+                <a:spcPct val="0"/>
+              </a:spcBef>
+              <a:spcAft>
+                <a:spcPct val="0"/>
+              </a:spcAft>
+            </a:pPr>
+            <a:r>
+              <a:rPr lang="en-US" sz="1600" dirty="0">
+                <a:solidFill>
+                  <a:schemeClr val="accent3"/>
+                </a:solidFill>
+              </a:rPr>
+              <a:t>D2</a:t>
+            </a:r>
+          </a:p>
+        </p:txBody>
+      </p:sp>
+      <p:sp>
+        <p:nvSpPr>
+          <p:cNvPr id="21" name="Rectangle 20"/>
+          <p:cNvSpPr/>
+          <p:nvPr/>
+        </p:nvSpPr>
+        <p:spPr bwMode="auto">
+          <a:xfrm>
+            <a:off x="4630668" y="2705579"/>
+            <a:ext cx="600474" cy="430306"/>
+          </a:xfrm>
+          <a:prstGeom prst="rect">
+            <a:avLst/>
+          </a:prstGeom>
+          <a:noFill/>
+          <a:ln w="19050">
+            <a:solidFill>
+              <a:schemeClr val="accent3"/>
+            </a:solidFill>
+            <a:headEnd type="none" w="med" len="med"/>
+            <a:tailEnd type="none" w="med" len="med"/>
+          </a:ln>
+          <a:effectLst/>
+        </p:spPr>
+        <p:style>
+          <a:lnRef idx="1">
+            <a:schemeClr val="accent2"/>
+          </a:lnRef>
+          <a:fillRef idx="3">
+            <a:schemeClr val="accent2"/>
+          </a:fillRef>
+          <a:effectRef idx="2">
+            <a:schemeClr val="accent2"/>
+          </a:effectRef>
+          <a:fontRef idx="minor">
+            <a:schemeClr val="lt1"/>
+          </a:fontRef>
+        </p:style>
+        <p:txBody>
+          <a:bodyPr vert="horz" wrap="none" lIns="91436" tIns="45718" rIns="91436" bIns="45718" numCol="1" rtlCol="0" anchor="ctr" anchorCtr="0" compatLnSpc="1">
+            <a:prstTxWarp prst="textNoShape">
+              <a:avLst/>
+            </a:prstTxWarp>
+          </a:bodyPr>
+          <a:lstStyle/>
+          <a:p>
+            <a:pPr algn="ctr" defTabSz="914099" fontAlgn="base">
+              <a:spcBef>
+                <a:spcPct val="0"/>
+              </a:spcBef>
+              <a:spcAft>
+                <a:spcPct val="0"/>
+              </a:spcAft>
+            </a:pPr>
+            <a:r>
+              <a:rPr lang="en-US" sz="1600" dirty="0">
+                <a:solidFill>
+                  <a:schemeClr val="accent3"/>
+                </a:solidFill>
+              </a:rPr>
+              <a:t>D3</a:t>
+            </a:r>
+          </a:p>
+        </p:txBody>
+      </p:sp>
+      <p:sp>
+        <p:nvSpPr>
+          <p:cNvPr id="22" name="Rectangle 21"/>
+          <p:cNvSpPr/>
+          <p:nvPr/>
+        </p:nvSpPr>
+        <p:spPr bwMode="auto">
+          <a:xfrm>
+            <a:off x="5283849" y="2705579"/>
+            <a:ext cx="600474" cy="430306"/>
+          </a:xfrm>
+          <a:prstGeom prst="rect">
+            <a:avLst/>
+          </a:prstGeom>
+          <a:noFill/>
+          <a:ln w="19050">
+            <a:solidFill>
+              <a:schemeClr val="accent3"/>
+            </a:solidFill>
+            <a:headEnd type="none" w="med" len="med"/>
+            <a:tailEnd type="none" w="med" len="med"/>
+          </a:ln>
+          <a:effectLst/>
+        </p:spPr>
+        <p:style>
+          <a:lnRef idx="1">
+            <a:schemeClr val="accent2"/>
+          </a:lnRef>
+          <a:fillRef idx="3">
+            <a:schemeClr val="accent2"/>
+          </a:fillRef>
+          <a:effectRef idx="2">
+            <a:schemeClr val="accent2"/>
+          </a:effectRef>
+          <a:fontRef idx="minor">
+            <a:schemeClr val="lt1"/>
+          </a:fontRef>
+        </p:style>
+        <p:txBody>
+          <a:bodyPr vert="horz" wrap="none" lIns="91436" tIns="45718" rIns="91436" bIns="45718" numCol="1" rtlCol="0" anchor="ctr" anchorCtr="0" compatLnSpc="1">
+            <a:prstTxWarp prst="textNoShape">
+              <a:avLst/>
+            </a:prstTxWarp>
+          </a:bodyPr>
+          <a:lstStyle/>
+          <a:p>
+            <a:pPr algn="ctr" defTabSz="914099" fontAlgn="base">
+              <a:spcBef>
+                <a:spcPct val="0"/>
+              </a:spcBef>
+              <a:spcAft>
+                <a:spcPct val="0"/>
+              </a:spcAft>
+            </a:pPr>
+            <a:r>
+              <a:rPr lang="en-US" sz="1600" dirty="0">
+                <a:solidFill>
+                  <a:schemeClr val="accent3"/>
+                </a:solidFill>
+              </a:rPr>
+              <a:t>D4</a:t>
+            </a:r>
+          </a:p>
+        </p:txBody>
+      </p:sp>
+      <p:sp>
+        <p:nvSpPr>
+          <p:cNvPr id="23" name="Rectangle 22"/>
+          <p:cNvSpPr/>
+          <p:nvPr/>
+        </p:nvSpPr>
+        <p:spPr bwMode="auto">
+          <a:xfrm>
+            <a:off x="3324306" y="3220586"/>
+            <a:ext cx="600474" cy="430306"/>
+          </a:xfrm>
+          <a:prstGeom prst="rect">
+            <a:avLst/>
+          </a:prstGeom>
+          <a:noFill/>
+          <a:ln w="19050">
+            <a:solidFill>
+              <a:schemeClr val="accent3"/>
+            </a:solidFill>
+            <a:headEnd type="none" w="med" len="med"/>
+            <a:tailEnd type="none" w="med" len="med"/>
+          </a:ln>
+          <a:effectLst/>
+        </p:spPr>
+        <p:style>
+          <a:lnRef idx="1">
+            <a:schemeClr val="accent2"/>
+          </a:lnRef>
+          <a:fillRef idx="3">
+            <a:schemeClr val="accent2"/>
+          </a:fillRef>
+          <a:effectRef idx="2">
+            <a:schemeClr val="accent2"/>
+          </a:effectRef>
+          <a:fontRef idx="minor">
+            <a:schemeClr val="lt1"/>
+          </a:fontRef>
+        </p:style>
+        <p:txBody>
+          <a:bodyPr vert="horz" wrap="none" lIns="91436" tIns="45718" rIns="91436" bIns="45718" numCol="1" rtlCol="0" anchor="ctr" anchorCtr="0" compatLnSpc="1">
+            <a:prstTxWarp prst="textNoShape">
+              <a:avLst/>
+            </a:prstTxWarp>
+          </a:bodyPr>
+          <a:lstStyle/>
+          <a:p>
+            <a:pPr algn="ctr" defTabSz="914099" fontAlgn="base">
+              <a:spcBef>
+                <a:spcPct val="0"/>
+              </a:spcBef>
+              <a:spcAft>
+                <a:spcPct val="0"/>
+              </a:spcAft>
+            </a:pPr>
+            <a:r>
+              <a:rPr lang="en-US" sz="1600" dirty="0">
+                <a:solidFill>
+                  <a:schemeClr val="accent3"/>
+                </a:solidFill>
+              </a:rPr>
+              <a:t>D11</a:t>
+            </a:r>
+          </a:p>
+        </p:txBody>
+      </p:sp>
+      <p:sp>
+        <p:nvSpPr>
+          <p:cNvPr id="24" name="Rectangle 23"/>
+          <p:cNvSpPr/>
+          <p:nvPr/>
+        </p:nvSpPr>
+        <p:spPr bwMode="auto">
+          <a:xfrm>
+            <a:off x="3977487" y="3220586"/>
+            <a:ext cx="600474" cy="430306"/>
+          </a:xfrm>
+          <a:prstGeom prst="rect">
+            <a:avLst/>
+          </a:prstGeom>
+          <a:noFill/>
+          <a:ln w="19050">
+            <a:solidFill>
+              <a:schemeClr val="accent3"/>
+            </a:solidFill>
+            <a:headEnd type="none" w="med" len="med"/>
+            <a:tailEnd type="none" w="med" len="med"/>
+          </a:ln>
+          <a:effectLst/>
+        </p:spPr>
+        <p:style>
+          <a:lnRef idx="1">
+            <a:schemeClr val="accent2"/>
+          </a:lnRef>
+          <a:fillRef idx="3">
+            <a:schemeClr val="accent2"/>
+          </a:fillRef>
+          <a:effectRef idx="2">
+            <a:schemeClr val="accent2"/>
+          </a:effectRef>
+          <a:fontRef idx="minor">
+            <a:schemeClr val="lt1"/>
+          </a:fontRef>
+        </p:style>
+        <p:txBody>
+          <a:bodyPr vert="horz" wrap="none" lIns="91436" tIns="45718" rIns="91436" bIns="45718" numCol="1" rtlCol="0" anchor="ctr" anchorCtr="0" compatLnSpc="1">
+            <a:prstTxWarp prst="textNoShape">
+              <a:avLst/>
+            </a:prstTxWarp>
+          </a:bodyPr>
+          <a:lstStyle/>
+          <a:p>
+            <a:pPr algn="ctr" defTabSz="914099" fontAlgn="base">
+              <a:spcBef>
+                <a:spcPct val="0"/>
+              </a:spcBef>
+              <a:spcAft>
+                <a:spcPct val="0"/>
+              </a:spcAft>
+            </a:pPr>
+            <a:r>
+              <a:rPr lang="en-US" sz="1600" dirty="0">
+                <a:solidFill>
+                  <a:schemeClr val="accent3"/>
+                </a:solidFill>
+              </a:rPr>
+              <a:t>D12</a:t>
+            </a:r>
+          </a:p>
+        </p:txBody>
+      </p:sp>
+      <p:sp>
+        <p:nvSpPr>
+          <p:cNvPr id="25" name="Rectangle 24"/>
+          <p:cNvSpPr/>
+          <p:nvPr/>
+        </p:nvSpPr>
+        <p:spPr bwMode="auto">
+          <a:xfrm>
+            <a:off x="4630668" y="3220586"/>
+            <a:ext cx="600474" cy="430306"/>
+          </a:xfrm>
+          <a:prstGeom prst="rect">
+            <a:avLst/>
+          </a:prstGeom>
+          <a:noFill/>
+          <a:ln w="19050">
+            <a:solidFill>
+              <a:schemeClr val="accent3"/>
+            </a:solidFill>
+            <a:headEnd type="none" w="med" len="med"/>
+            <a:tailEnd type="none" w="med" len="med"/>
+          </a:ln>
+          <a:effectLst/>
+        </p:spPr>
+        <p:style>
+          <a:lnRef idx="1">
+            <a:schemeClr val="accent2"/>
+          </a:lnRef>
+          <a:fillRef idx="3">
+            <a:schemeClr val="accent2"/>
+          </a:fillRef>
+          <a:effectRef idx="2">
+            <a:schemeClr val="accent2"/>
+          </a:effectRef>
+          <a:fontRef idx="minor">
+            <a:schemeClr val="lt1"/>
+          </a:fontRef>
+        </p:style>
+        <p:txBody>
+          <a:bodyPr vert="horz" wrap="none" lIns="91436" tIns="45718" rIns="91436" bIns="45718" numCol="1" rtlCol="0" anchor="ctr" anchorCtr="0" compatLnSpc="1">
+            <a:prstTxWarp prst="textNoShape">
+              <a:avLst/>
+            </a:prstTxWarp>
+          </a:bodyPr>
+          <a:lstStyle/>
+          <a:p>
+            <a:pPr algn="ctr" defTabSz="914099" fontAlgn="base">
+              <a:spcBef>
+                <a:spcPct val="0"/>
+              </a:spcBef>
+              <a:spcAft>
+                <a:spcPct val="0"/>
+              </a:spcAft>
+            </a:pPr>
+            <a:r>
+              <a:rPr lang="en-US" sz="1600" dirty="0">
+                <a:solidFill>
+                  <a:schemeClr val="accent3"/>
+                </a:solidFill>
+              </a:rPr>
+              <a:t>D13</a:t>
+            </a:r>
+          </a:p>
+        </p:txBody>
+      </p:sp>
+      <p:sp>
+        <p:nvSpPr>
+          <p:cNvPr id="26" name="Rectangle 25"/>
+          <p:cNvSpPr/>
+          <p:nvPr/>
+        </p:nvSpPr>
+        <p:spPr bwMode="auto">
+          <a:xfrm>
+            <a:off x="5283849" y="3220586"/>
+            <a:ext cx="600474" cy="430306"/>
+          </a:xfrm>
+          <a:prstGeom prst="rect">
+            <a:avLst/>
+          </a:prstGeom>
+          <a:noFill/>
+          <a:ln w="19050">
+            <a:solidFill>
+              <a:schemeClr val="accent3"/>
+            </a:solidFill>
+            <a:headEnd type="none" w="med" len="med"/>
+            <a:tailEnd type="none" w="med" len="med"/>
+          </a:ln>
+          <a:effectLst/>
+        </p:spPr>
+        <p:style>
+          <a:lnRef idx="1">
+            <a:schemeClr val="accent2"/>
+          </a:lnRef>
+          <a:fillRef idx="3">
+            <a:schemeClr val="accent2"/>
+          </a:fillRef>
+          <a:effectRef idx="2">
+            <a:schemeClr val="accent2"/>
+          </a:effectRef>
+          <a:fontRef idx="minor">
+            <a:schemeClr val="lt1"/>
+          </a:fontRef>
+        </p:style>
+        <p:txBody>
+          <a:bodyPr vert="horz" wrap="none" lIns="91436" tIns="45718" rIns="91436" bIns="45718" numCol="1" rtlCol="0" anchor="ctr" anchorCtr="0" compatLnSpc="1">
+            <a:prstTxWarp prst="textNoShape">
+              <a:avLst/>
+            </a:prstTxWarp>
+          </a:bodyPr>
+          <a:lstStyle/>
+          <a:p>
+            <a:pPr algn="ctr" defTabSz="914099" fontAlgn="base">
+              <a:spcBef>
+                <a:spcPct val="0"/>
+              </a:spcBef>
+              <a:spcAft>
+                <a:spcPct val="0"/>
+              </a:spcAft>
+            </a:pPr>
+            <a:r>
+              <a:rPr lang="en-US" sz="1600" dirty="0">
+                <a:solidFill>
+                  <a:schemeClr val="accent3"/>
+                </a:solidFill>
+              </a:rPr>
+              <a:t>D14</a:t>
+            </a:r>
+          </a:p>
+        </p:txBody>
+      </p:sp>
+      <p:sp>
+        <p:nvSpPr>
+          <p:cNvPr id="27" name="TextBox 26"/>
+          <p:cNvSpPr txBox="1"/>
+          <p:nvPr/>
+        </p:nvSpPr>
         <p:spPr>
           <a:xfrm>
-            <a:off x="4235669" y="2473320"/>
-            <a:ext cx="3870863" cy="1495794"/>
+            <a:off x="9414995" y="2458339"/>
+            <a:ext cx="1829027" cy="221599"/>
+          </a:xfrm>
+          <a:prstGeom prst="rect">
+            <a:avLst/>
+          </a:prstGeom>
+          <a:noFill/>
+        </p:spPr>
+        <p:txBody>
+          <a:bodyPr wrap="none" lIns="0" tIns="0" rIns="0" bIns="0" rtlCol="0">
+            <a:spAutoFit/>
+          </a:bodyPr>
+          <a:lstStyle/>
+          <a:p>
+            <a:pPr>
+              <a:lnSpc>
+                <a:spcPct val="90000"/>
+              </a:lnSpc>
+              <a:spcBef>
+                <a:spcPct val="20000"/>
+              </a:spcBef>
+              <a:buSzPct val="80000"/>
+            </a:pPr>
+            <a:r>
+              <a:rPr lang="en-US" sz="1600" dirty="0" smtClean="0">
+                <a:gradFill>
+                  <a:gsLst>
+                    <a:gs pos="0">
+                      <a:srgbClr val="292929">
+                        <a:lumMod val="90000"/>
+                        <a:lumOff val="10000"/>
+                      </a:srgbClr>
+                    </a:gs>
+                    <a:gs pos="86000">
+                      <a:srgbClr val="292929">
+                        <a:lumMod val="90000"/>
+                        <a:lumOff val="10000"/>
+                      </a:srgbClr>
+                    </a:gs>
+                  </a:gsLst>
+                  <a:lin ang="5400000" scaled="0"/>
+                </a:gradFill>
+              </a:rPr>
+              <a:t>NVIDIA M60 x 1/2/4</a:t>
+            </a:r>
+            <a:endParaRPr lang="en-US" sz="1600" dirty="0">
+              <a:gradFill>
+                <a:gsLst>
+                  <a:gs pos="0">
+                    <a:srgbClr val="292929">
+                      <a:lumMod val="90000"/>
+                      <a:lumOff val="10000"/>
+                    </a:srgbClr>
+                  </a:gs>
+                  <a:gs pos="86000">
+                    <a:srgbClr val="292929">
+                      <a:lumMod val="90000"/>
+                      <a:lumOff val="10000"/>
+                    </a:srgbClr>
+                  </a:gs>
+                </a:gsLst>
+                <a:lin ang="5400000" scaled="0"/>
+              </a:gradFill>
+            </a:endParaRPr>
+          </a:p>
+        </p:txBody>
+      </p:sp>
+      <p:sp>
+        <p:nvSpPr>
+          <p:cNvPr id="28" name="TextBox 27"/>
+          <p:cNvSpPr txBox="1"/>
+          <p:nvPr/>
+        </p:nvSpPr>
+        <p:spPr>
+          <a:xfrm>
+            <a:off x="9414995" y="3544710"/>
+            <a:ext cx="1763303" cy="221599"/>
+          </a:xfrm>
+          <a:prstGeom prst="rect">
+            <a:avLst/>
+          </a:prstGeom>
+          <a:noFill/>
+        </p:spPr>
+        <p:txBody>
+          <a:bodyPr wrap="none" lIns="0" tIns="0" rIns="0" bIns="0" rtlCol="0">
+            <a:spAutoFit/>
+          </a:bodyPr>
+          <a:lstStyle/>
+          <a:p>
+            <a:pPr>
+              <a:lnSpc>
+                <a:spcPct val="90000"/>
+              </a:lnSpc>
+              <a:spcBef>
+                <a:spcPct val="20000"/>
+              </a:spcBef>
+              <a:buSzPct val="80000"/>
+            </a:pPr>
+            <a:r>
+              <a:rPr lang="en-US" sz="1600" dirty="0" smtClean="0">
+                <a:gradFill>
+                  <a:gsLst>
+                    <a:gs pos="0">
+                      <a:srgbClr val="292929">
+                        <a:lumMod val="90000"/>
+                        <a:lumOff val="10000"/>
+                      </a:srgbClr>
+                    </a:gs>
+                    <a:gs pos="86000">
+                      <a:srgbClr val="292929">
+                        <a:lumMod val="90000"/>
+                        <a:lumOff val="10000"/>
+                      </a:srgbClr>
+                    </a:gs>
+                  </a:gsLst>
+                  <a:lin ang="5400000" scaled="0"/>
+                </a:gradFill>
+              </a:rPr>
+              <a:t>NVIDIA K80 x 1/2/4</a:t>
+            </a:r>
+            <a:endParaRPr lang="en-US" sz="1600" dirty="0">
+              <a:gradFill>
+                <a:gsLst>
+                  <a:gs pos="0">
+                    <a:srgbClr val="292929">
+                      <a:lumMod val="90000"/>
+                      <a:lumOff val="10000"/>
+                    </a:srgbClr>
+                  </a:gs>
+                  <a:gs pos="86000">
+                    <a:srgbClr val="292929">
+                      <a:lumMod val="90000"/>
+                      <a:lumOff val="10000"/>
+                    </a:srgbClr>
+                  </a:gs>
+                </a:gsLst>
+                <a:lin ang="5400000" scaled="0"/>
+              </a:gradFill>
+            </a:endParaRPr>
+          </a:p>
+        </p:txBody>
+      </p:sp>
+      <p:sp>
+        <p:nvSpPr>
+          <p:cNvPr id="29" name="TextBox 28"/>
+          <p:cNvSpPr txBox="1"/>
+          <p:nvPr/>
+        </p:nvSpPr>
+        <p:spPr>
+          <a:xfrm>
+            <a:off x="286632" y="3887443"/>
+            <a:ext cx="1710789" cy="221599"/>
+          </a:xfrm>
+          <a:prstGeom prst="rect">
+            <a:avLst/>
+          </a:prstGeom>
+          <a:noFill/>
+        </p:spPr>
+        <p:txBody>
+          <a:bodyPr wrap="none" lIns="0" tIns="0" rIns="0" bIns="0" rtlCol="0">
+            <a:spAutoFit/>
+          </a:bodyPr>
+          <a:lstStyle/>
+          <a:p>
+            <a:pPr>
+              <a:lnSpc>
+                <a:spcPct val="90000"/>
+              </a:lnSpc>
+              <a:spcBef>
+                <a:spcPct val="20000"/>
+              </a:spcBef>
+              <a:buSzPct val="80000"/>
+            </a:pPr>
+            <a:r>
+              <a:rPr lang="en-US" sz="1600" dirty="0" smtClean="0">
+                <a:gradFill>
+                  <a:gsLst>
+                    <a:gs pos="0">
+                      <a:srgbClr val="292929">
+                        <a:lumMod val="90000"/>
+                        <a:lumOff val="10000"/>
+                      </a:srgbClr>
+                    </a:gs>
+                    <a:gs pos="86000">
+                      <a:srgbClr val="292929">
+                        <a:lumMod val="90000"/>
+                        <a:lumOff val="10000"/>
+                      </a:srgbClr>
+                    </a:gs>
+                  </a:gsLst>
+                  <a:lin ang="5400000" scaled="0"/>
+                </a:gradFill>
+              </a:rPr>
+              <a:t>Compute-intensive</a:t>
+            </a:r>
+            <a:endParaRPr lang="en-US" sz="1600" dirty="0">
+              <a:gradFill>
+                <a:gsLst>
+                  <a:gs pos="0">
+                    <a:srgbClr val="292929">
+                      <a:lumMod val="90000"/>
+                      <a:lumOff val="10000"/>
+                    </a:srgbClr>
+                  </a:gs>
+                  <a:gs pos="86000">
+                    <a:srgbClr val="292929">
+                      <a:lumMod val="90000"/>
+                      <a:lumOff val="10000"/>
+                    </a:srgbClr>
+                  </a:gs>
+                </a:gsLst>
+                <a:lin ang="5400000" scaled="0"/>
+              </a:gradFill>
+            </a:endParaRPr>
+          </a:p>
+        </p:txBody>
+      </p:sp>
+      <p:sp>
+        <p:nvSpPr>
+          <p:cNvPr id="30" name="Rectangle 29"/>
+          <p:cNvSpPr/>
+          <p:nvPr/>
+        </p:nvSpPr>
+        <p:spPr bwMode="auto">
+          <a:xfrm>
+            <a:off x="6399558" y="5554775"/>
+            <a:ext cx="600473" cy="430306"/>
+          </a:xfrm>
+          <a:prstGeom prst="rect">
+            <a:avLst/>
+          </a:prstGeom>
+          <a:solidFill>
+            <a:schemeClr val="bg2">
+              <a:lumMod val="50000"/>
+            </a:schemeClr>
+          </a:solidFill>
+          <a:ln w="19050">
+            <a:noFill/>
+            <a:headEnd type="none" w="med" len="med"/>
+            <a:tailEnd type="none" w="med" len="med"/>
+          </a:ln>
+          <a:effectLst/>
+        </p:spPr>
+        <p:style>
+          <a:lnRef idx="1">
+            <a:schemeClr val="accent2"/>
+          </a:lnRef>
+          <a:fillRef idx="3">
+            <a:schemeClr val="accent2"/>
+          </a:fillRef>
+          <a:effectRef idx="2">
+            <a:schemeClr val="accent2"/>
+          </a:effectRef>
+          <a:fontRef idx="minor">
+            <a:schemeClr val="lt1"/>
+          </a:fontRef>
+        </p:style>
+        <p:txBody>
+          <a:bodyPr vert="horz" wrap="none" lIns="91436" tIns="45718" rIns="91436" bIns="45718" numCol="1" rtlCol="0" anchor="ctr" anchorCtr="0" compatLnSpc="1">
+            <a:prstTxWarp prst="textNoShape">
+              <a:avLst/>
+            </a:prstTxWarp>
+          </a:bodyPr>
+          <a:lstStyle/>
+          <a:p>
+            <a:pPr algn="ctr" defTabSz="914099" fontAlgn="base">
+              <a:spcBef>
+                <a:spcPct val="0"/>
+              </a:spcBef>
+              <a:spcAft>
+                <a:spcPct val="0"/>
+              </a:spcAft>
+            </a:pPr>
+            <a:r>
+              <a:rPr lang="en-US" sz="1600" dirty="0">
+                <a:solidFill>
+                  <a:schemeClr val="bg1"/>
+                </a:solidFill>
+              </a:rPr>
+              <a:t>H8</a:t>
+            </a:r>
+          </a:p>
+        </p:txBody>
+      </p:sp>
+      <p:sp>
+        <p:nvSpPr>
+          <p:cNvPr id="31" name="Rectangle 30"/>
+          <p:cNvSpPr/>
+          <p:nvPr/>
+        </p:nvSpPr>
+        <p:spPr bwMode="auto">
+          <a:xfrm>
+            <a:off x="7052739" y="5554775"/>
+            <a:ext cx="600474" cy="430306"/>
+          </a:xfrm>
+          <a:prstGeom prst="rect">
+            <a:avLst/>
+          </a:prstGeom>
+          <a:solidFill>
+            <a:schemeClr val="bg2">
+              <a:lumMod val="50000"/>
+            </a:schemeClr>
+          </a:solidFill>
+          <a:ln w="19050">
+            <a:noFill/>
+            <a:headEnd type="none" w="med" len="med"/>
+            <a:tailEnd type="none" w="med" len="med"/>
+          </a:ln>
+          <a:effectLst/>
+        </p:spPr>
+        <p:style>
+          <a:lnRef idx="1">
+            <a:schemeClr val="accent2"/>
+          </a:lnRef>
+          <a:fillRef idx="3">
+            <a:schemeClr val="accent2"/>
+          </a:fillRef>
+          <a:effectRef idx="2">
+            <a:schemeClr val="accent2"/>
+          </a:effectRef>
+          <a:fontRef idx="minor">
+            <a:schemeClr val="lt1"/>
+          </a:fontRef>
+        </p:style>
+        <p:txBody>
+          <a:bodyPr vert="horz" wrap="none" lIns="91436" tIns="45718" rIns="91436" bIns="45718" numCol="1" rtlCol="0" anchor="ctr" anchorCtr="0" compatLnSpc="1">
+            <a:prstTxWarp prst="textNoShape">
+              <a:avLst/>
+            </a:prstTxWarp>
+          </a:bodyPr>
+          <a:lstStyle/>
+          <a:p>
+            <a:pPr algn="ctr" defTabSz="914099" fontAlgn="base">
+              <a:spcBef>
+                <a:spcPct val="0"/>
+              </a:spcBef>
+              <a:spcAft>
+                <a:spcPct val="0"/>
+              </a:spcAft>
+            </a:pPr>
+            <a:r>
+              <a:rPr lang="en-US" sz="1600" dirty="0">
+                <a:solidFill>
+                  <a:schemeClr val="bg1"/>
+                </a:solidFill>
+              </a:rPr>
+              <a:t>H16</a:t>
+            </a:r>
+          </a:p>
+        </p:txBody>
+      </p:sp>
+      <p:sp>
+        <p:nvSpPr>
+          <p:cNvPr id="32" name="Rectangle 31"/>
+          <p:cNvSpPr/>
+          <p:nvPr/>
+        </p:nvSpPr>
+        <p:spPr bwMode="auto">
+          <a:xfrm>
+            <a:off x="7705920" y="5554775"/>
+            <a:ext cx="600474" cy="430306"/>
+          </a:xfrm>
+          <a:prstGeom prst="rect">
+            <a:avLst/>
+          </a:prstGeom>
+          <a:solidFill>
+            <a:schemeClr val="bg2">
+              <a:lumMod val="50000"/>
+            </a:schemeClr>
+          </a:solidFill>
+          <a:ln w="19050">
+            <a:noFill/>
+            <a:headEnd type="none" w="med" len="med"/>
+            <a:tailEnd type="none" w="med" len="med"/>
+          </a:ln>
+          <a:effectLst/>
+        </p:spPr>
+        <p:style>
+          <a:lnRef idx="1">
+            <a:schemeClr val="accent2"/>
+          </a:lnRef>
+          <a:fillRef idx="3">
+            <a:schemeClr val="accent2"/>
+          </a:fillRef>
+          <a:effectRef idx="2">
+            <a:schemeClr val="accent2"/>
+          </a:effectRef>
+          <a:fontRef idx="minor">
+            <a:schemeClr val="lt1"/>
+          </a:fontRef>
+        </p:style>
+        <p:txBody>
+          <a:bodyPr vert="horz" wrap="none" lIns="91436" tIns="45718" rIns="91436" bIns="45718" numCol="1" rtlCol="0" anchor="ctr" anchorCtr="0" compatLnSpc="1">
+            <a:prstTxWarp prst="textNoShape">
+              <a:avLst/>
+            </a:prstTxWarp>
+          </a:bodyPr>
+          <a:lstStyle/>
+          <a:p>
+            <a:pPr algn="ctr" defTabSz="914099" fontAlgn="base">
+              <a:spcBef>
+                <a:spcPct val="0"/>
+              </a:spcBef>
+              <a:spcAft>
+                <a:spcPct val="0"/>
+              </a:spcAft>
+            </a:pPr>
+            <a:r>
+              <a:rPr lang="en-US" sz="1600" dirty="0">
+                <a:solidFill>
+                  <a:schemeClr val="bg1"/>
+                </a:solidFill>
+              </a:rPr>
+              <a:t>H8m</a:t>
+            </a:r>
+          </a:p>
+        </p:txBody>
+      </p:sp>
+      <p:sp>
+        <p:nvSpPr>
+          <p:cNvPr id="33" name="Rectangle 32"/>
+          <p:cNvSpPr/>
+          <p:nvPr/>
+        </p:nvSpPr>
+        <p:spPr bwMode="auto">
+          <a:xfrm>
+            <a:off x="8359100" y="5554775"/>
+            <a:ext cx="604425" cy="430306"/>
+          </a:xfrm>
+          <a:prstGeom prst="rect">
+            <a:avLst/>
+          </a:prstGeom>
+          <a:solidFill>
+            <a:schemeClr val="bg2">
+              <a:lumMod val="50000"/>
+            </a:schemeClr>
+          </a:solidFill>
+          <a:ln w="19050">
+            <a:noFill/>
+            <a:headEnd type="none" w="med" len="med"/>
+            <a:tailEnd type="none" w="med" len="med"/>
+          </a:ln>
+          <a:effectLst/>
+        </p:spPr>
+        <p:style>
+          <a:lnRef idx="1">
+            <a:schemeClr val="accent2"/>
+          </a:lnRef>
+          <a:fillRef idx="3">
+            <a:schemeClr val="accent2"/>
+          </a:fillRef>
+          <a:effectRef idx="2">
+            <a:schemeClr val="accent2"/>
+          </a:effectRef>
+          <a:fontRef idx="minor">
+            <a:schemeClr val="lt1"/>
+          </a:fontRef>
+        </p:style>
+        <p:txBody>
+          <a:bodyPr vert="horz" wrap="none" lIns="91436" tIns="45718" rIns="91436" bIns="45718" numCol="1" rtlCol="0" anchor="ctr" anchorCtr="0" compatLnSpc="1">
+            <a:prstTxWarp prst="textNoShape">
+              <a:avLst/>
+            </a:prstTxWarp>
+          </a:bodyPr>
+          <a:lstStyle/>
+          <a:p>
+            <a:pPr algn="ctr" defTabSz="914099" fontAlgn="base">
+              <a:spcBef>
+                <a:spcPct val="0"/>
+              </a:spcBef>
+              <a:spcAft>
+                <a:spcPct val="0"/>
+              </a:spcAft>
+            </a:pPr>
+            <a:r>
+              <a:rPr lang="en-US" sz="1600" dirty="0">
+                <a:solidFill>
+                  <a:schemeClr val="bg1"/>
+                </a:solidFill>
+              </a:rPr>
+              <a:t>H16m</a:t>
+            </a:r>
+          </a:p>
+        </p:txBody>
+      </p:sp>
+      <p:sp>
+        <p:nvSpPr>
+          <p:cNvPr id="34" name="Rectangle 33"/>
+          <p:cNvSpPr/>
+          <p:nvPr/>
+        </p:nvSpPr>
+        <p:spPr bwMode="auto">
+          <a:xfrm>
+            <a:off x="6399557" y="6069782"/>
+            <a:ext cx="1253655" cy="430306"/>
+          </a:xfrm>
+          <a:prstGeom prst="rect">
+            <a:avLst/>
+          </a:prstGeom>
+          <a:solidFill>
+            <a:schemeClr val="bg2">
+              <a:lumMod val="50000"/>
+            </a:schemeClr>
+          </a:solidFill>
+          <a:ln w="19050">
+            <a:noFill/>
+            <a:headEnd type="none" w="med" len="med"/>
+            <a:tailEnd type="none" w="med" len="med"/>
+          </a:ln>
+          <a:effectLst/>
+        </p:spPr>
+        <p:style>
+          <a:lnRef idx="1">
+            <a:schemeClr val="accent2"/>
+          </a:lnRef>
+          <a:fillRef idx="3">
+            <a:schemeClr val="accent2"/>
+          </a:fillRef>
+          <a:effectRef idx="2">
+            <a:schemeClr val="accent2"/>
+          </a:effectRef>
+          <a:fontRef idx="minor">
+            <a:schemeClr val="lt1"/>
+          </a:fontRef>
+        </p:style>
+        <p:txBody>
+          <a:bodyPr vert="horz" wrap="none" lIns="91436" tIns="45718" rIns="91436" bIns="45718" numCol="1" rtlCol="0" anchor="ctr" anchorCtr="0" compatLnSpc="1">
+            <a:prstTxWarp prst="textNoShape">
+              <a:avLst/>
+            </a:prstTxWarp>
+          </a:bodyPr>
+          <a:lstStyle/>
+          <a:p>
+            <a:pPr algn="ctr" defTabSz="914099" fontAlgn="base">
+              <a:spcBef>
+                <a:spcPct val="0"/>
+              </a:spcBef>
+              <a:spcAft>
+                <a:spcPct val="0"/>
+              </a:spcAft>
+            </a:pPr>
+            <a:r>
+              <a:rPr lang="en-US" sz="1600" dirty="0">
+                <a:solidFill>
+                  <a:schemeClr val="bg1"/>
+                </a:solidFill>
+              </a:rPr>
+              <a:t>H16r</a:t>
+            </a:r>
+          </a:p>
+        </p:txBody>
+      </p:sp>
+      <p:sp>
+        <p:nvSpPr>
+          <p:cNvPr id="35" name="Rectangle 34"/>
+          <p:cNvSpPr/>
+          <p:nvPr/>
+        </p:nvSpPr>
+        <p:spPr bwMode="auto">
+          <a:xfrm>
+            <a:off x="7709049" y="6069782"/>
+            <a:ext cx="1254477" cy="430306"/>
+          </a:xfrm>
+          <a:prstGeom prst="rect">
+            <a:avLst/>
+          </a:prstGeom>
+          <a:solidFill>
+            <a:schemeClr val="bg2">
+              <a:lumMod val="50000"/>
+            </a:schemeClr>
+          </a:solidFill>
+          <a:ln w="19050">
+            <a:noFill/>
+            <a:headEnd type="none" w="med" len="med"/>
+            <a:tailEnd type="none" w="med" len="med"/>
+          </a:ln>
+          <a:effectLst/>
+        </p:spPr>
+        <p:style>
+          <a:lnRef idx="1">
+            <a:schemeClr val="accent2"/>
+          </a:lnRef>
+          <a:fillRef idx="3">
+            <a:schemeClr val="accent2"/>
+          </a:fillRef>
+          <a:effectRef idx="2">
+            <a:schemeClr val="accent2"/>
+          </a:effectRef>
+          <a:fontRef idx="minor">
+            <a:schemeClr val="lt1"/>
+          </a:fontRef>
+        </p:style>
+        <p:txBody>
+          <a:bodyPr vert="horz" wrap="none" lIns="91436" tIns="45718" rIns="91436" bIns="45718" numCol="1" rtlCol="0" anchor="ctr" anchorCtr="0" compatLnSpc="1">
+            <a:prstTxWarp prst="textNoShape">
+              <a:avLst/>
+            </a:prstTxWarp>
+          </a:bodyPr>
+          <a:lstStyle/>
+          <a:p>
+            <a:pPr algn="ctr" defTabSz="914099" fontAlgn="base">
+              <a:spcBef>
+                <a:spcPct val="0"/>
+              </a:spcBef>
+              <a:spcAft>
+                <a:spcPct val="0"/>
+              </a:spcAft>
+            </a:pPr>
+            <a:r>
+              <a:rPr lang="en-US" sz="1600" dirty="0">
+                <a:solidFill>
+                  <a:schemeClr val="bg1"/>
+                </a:solidFill>
+              </a:rPr>
+              <a:t>H16mr</a:t>
+            </a:r>
+          </a:p>
+        </p:txBody>
+      </p:sp>
+      <p:sp>
+        <p:nvSpPr>
+          <p:cNvPr id="36" name="TextBox 35"/>
+          <p:cNvSpPr txBox="1"/>
+          <p:nvPr/>
+        </p:nvSpPr>
+        <p:spPr>
+          <a:xfrm>
+            <a:off x="3324306" y="2458339"/>
+            <a:ext cx="2238883" cy="221599"/>
+          </a:xfrm>
+          <a:prstGeom prst="rect">
+            <a:avLst/>
+          </a:prstGeom>
+          <a:noFill/>
+        </p:spPr>
+        <p:txBody>
+          <a:bodyPr wrap="none" lIns="0" tIns="0" rIns="0" bIns="0" rtlCol="0">
+            <a:spAutoFit/>
+          </a:bodyPr>
+          <a:lstStyle/>
+          <a:p>
+            <a:pPr>
+              <a:lnSpc>
+                <a:spcPct val="90000"/>
+              </a:lnSpc>
+              <a:spcBef>
+                <a:spcPct val="20000"/>
+              </a:spcBef>
+              <a:buSzPct val="80000"/>
+            </a:pPr>
+            <a:r>
+              <a:rPr lang="en-US" sz="1600" dirty="0" smtClean="0">
+                <a:gradFill>
+                  <a:gsLst>
+                    <a:gs pos="0">
+                      <a:srgbClr val="292929">
+                        <a:lumMod val="90000"/>
+                        <a:lumOff val="10000"/>
+                      </a:srgbClr>
+                    </a:gs>
+                    <a:gs pos="86000">
+                      <a:srgbClr val="292929">
+                        <a:lumMod val="90000"/>
+                        <a:lumOff val="10000"/>
+                      </a:srgbClr>
+                    </a:gs>
+                  </a:gsLst>
+                  <a:lin ang="5400000" scaled="0"/>
+                </a:gradFill>
+              </a:rPr>
+              <a:t>Also available in DS sizes</a:t>
+            </a:r>
+            <a:endParaRPr lang="en-US" sz="1600" dirty="0">
+              <a:gradFill>
+                <a:gsLst>
+                  <a:gs pos="0">
+                    <a:srgbClr val="292929">
+                      <a:lumMod val="90000"/>
+                      <a:lumOff val="10000"/>
+                    </a:srgbClr>
+                  </a:gs>
+                  <a:gs pos="86000">
+                    <a:srgbClr val="292929">
+                      <a:lumMod val="90000"/>
+                      <a:lumOff val="10000"/>
+                    </a:srgbClr>
+                  </a:gs>
+                </a:gsLst>
+                <a:lin ang="5400000" scaled="0"/>
+              </a:gradFill>
+            </a:endParaRPr>
+          </a:p>
+        </p:txBody>
+      </p:sp>
+      <p:sp>
+        <p:nvSpPr>
+          <p:cNvPr id="37" name="Rectangle 36"/>
+          <p:cNvSpPr/>
+          <p:nvPr/>
+        </p:nvSpPr>
+        <p:spPr bwMode="auto">
+          <a:xfrm>
+            <a:off x="3324305" y="5554775"/>
+            <a:ext cx="1239428" cy="430306"/>
+          </a:xfrm>
+          <a:prstGeom prst="rect">
+            <a:avLst/>
+          </a:prstGeom>
+          <a:solidFill>
+            <a:schemeClr val="accent3"/>
+          </a:solidFill>
+          <a:ln w="19050">
+            <a:noFill/>
+            <a:headEnd type="none" w="med" len="med"/>
+            <a:tailEnd type="none" w="med" len="med"/>
+          </a:ln>
+          <a:effectLst/>
+        </p:spPr>
+        <p:style>
+          <a:lnRef idx="1">
+            <a:schemeClr val="accent2"/>
+          </a:lnRef>
+          <a:fillRef idx="3">
+            <a:schemeClr val="accent2"/>
+          </a:fillRef>
+          <a:effectRef idx="2">
+            <a:schemeClr val="accent2"/>
+          </a:effectRef>
+          <a:fontRef idx="minor">
+            <a:schemeClr val="lt1"/>
+          </a:fontRef>
+        </p:style>
+        <p:txBody>
+          <a:bodyPr vert="horz" wrap="none" lIns="91436" tIns="45718" rIns="91436" bIns="45718" numCol="1" rtlCol="0" anchor="ctr" anchorCtr="0" compatLnSpc="1">
+            <a:prstTxWarp prst="textNoShape">
+              <a:avLst/>
+            </a:prstTxWarp>
+          </a:bodyPr>
+          <a:lstStyle/>
+          <a:p>
+            <a:pPr algn="ctr" defTabSz="914099" fontAlgn="base">
+              <a:spcBef>
+                <a:spcPct val="0"/>
+              </a:spcBef>
+              <a:spcAft>
+                <a:spcPct val="0"/>
+              </a:spcAft>
+            </a:pPr>
+            <a:r>
+              <a:rPr lang="en-US" sz="1600" dirty="0" smtClean="0">
+                <a:solidFill>
+                  <a:schemeClr val="bg1"/>
+                </a:solidFill>
+              </a:rPr>
+              <a:t>D15v2</a:t>
+            </a:r>
+            <a:endParaRPr lang="en-US" sz="1600" dirty="0">
+              <a:solidFill>
+                <a:schemeClr val="bg1"/>
+              </a:solidFill>
+            </a:endParaRPr>
+          </a:p>
+        </p:txBody>
+      </p:sp>
+      <p:sp>
+        <p:nvSpPr>
+          <p:cNvPr id="38" name="Rectangle 37"/>
+          <p:cNvSpPr/>
+          <p:nvPr/>
+        </p:nvSpPr>
+        <p:spPr bwMode="auto">
+          <a:xfrm>
+            <a:off x="9420456" y="2701192"/>
+            <a:ext cx="813307" cy="430306"/>
+          </a:xfrm>
+          <a:prstGeom prst="rect">
+            <a:avLst/>
+          </a:prstGeom>
+          <a:solidFill>
+            <a:srgbClr val="5095D1"/>
+          </a:solidFill>
+          <a:ln>
+            <a:noFill/>
+            <a:headEnd type="none" w="med" len="med"/>
+            <a:tailEnd type="none" w="med" len="med"/>
+          </a:ln>
+          <a:effectLst/>
+        </p:spPr>
+        <p:style>
+          <a:lnRef idx="1">
+            <a:schemeClr val="accent2"/>
+          </a:lnRef>
+          <a:fillRef idx="3">
+            <a:schemeClr val="accent2"/>
+          </a:fillRef>
+          <a:effectRef idx="2">
+            <a:schemeClr val="accent2"/>
+          </a:effectRef>
+          <a:fontRef idx="minor">
+            <a:schemeClr val="lt1"/>
+          </a:fontRef>
+        </p:style>
+        <p:txBody>
+          <a:bodyPr vert="horz" wrap="square" lIns="91436" tIns="45718" rIns="91436" bIns="45718" numCol="1" rtlCol="0" anchor="ctr" anchorCtr="0" compatLnSpc="1">
+            <a:prstTxWarp prst="textNoShape">
+              <a:avLst/>
+            </a:prstTxWarp>
+          </a:bodyPr>
+          <a:lstStyle/>
+          <a:p>
+            <a:pPr algn="ctr" defTabSz="914099" fontAlgn="base">
+              <a:spcBef>
+                <a:spcPct val="0"/>
+              </a:spcBef>
+              <a:spcAft>
+                <a:spcPct val="0"/>
+              </a:spcAft>
+            </a:pPr>
+            <a:r>
+              <a:rPr lang="en-US" sz="1600" dirty="0">
+                <a:gradFill>
+                  <a:gsLst>
+                    <a:gs pos="0">
+                      <a:srgbClr val="FFFFFF"/>
+                    </a:gs>
+                    <a:gs pos="100000">
+                      <a:srgbClr val="FFFFFF"/>
+                    </a:gs>
+                  </a:gsLst>
+                  <a:lin ang="5400000" scaled="0"/>
+                </a:gradFill>
+              </a:rPr>
+              <a:t>NV6</a:t>
+            </a:r>
+          </a:p>
+        </p:txBody>
+      </p:sp>
+      <p:sp>
+        <p:nvSpPr>
+          <p:cNvPr id="39" name="Rectangle 38"/>
+          <p:cNvSpPr/>
+          <p:nvPr/>
+        </p:nvSpPr>
+        <p:spPr bwMode="auto">
+          <a:xfrm>
+            <a:off x="10293920" y="2701192"/>
+            <a:ext cx="813307" cy="430306"/>
+          </a:xfrm>
+          <a:prstGeom prst="rect">
+            <a:avLst/>
+          </a:prstGeom>
+          <a:solidFill>
+            <a:srgbClr val="5095D1"/>
+          </a:solidFill>
+          <a:ln>
+            <a:noFill/>
+            <a:headEnd type="none" w="med" len="med"/>
+            <a:tailEnd type="none" w="med" len="med"/>
+          </a:ln>
+          <a:effectLst/>
+        </p:spPr>
+        <p:style>
+          <a:lnRef idx="1">
+            <a:schemeClr val="accent2"/>
+          </a:lnRef>
+          <a:fillRef idx="3">
+            <a:schemeClr val="accent2"/>
+          </a:fillRef>
+          <a:effectRef idx="2">
+            <a:schemeClr val="accent2"/>
+          </a:effectRef>
+          <a:fontRef idx="minor">
+            <a:schemeClr val="lt1"/>
+          </a:fontRef>
+        </p:style>
+        <p:txBody>
+          <a:bodyPr vert="horz" wrap="square" lIns="91436" tIns="45718" rIns="91436" bIns="45718" numCol="1" rtlCol="0" anchor="ctr" anchorCtr="0" compatLnSpc="1">
+            <a:prstTxWarp prst="textNoShape">
+              <a:avLst/>
+            </a:prstTxWarp>
+          </a:bodyPr>
+          <a:lstStyle/>
+          <a:p>
+            <a:pPr algn="ctr" defTabSz="914099" fontAlgn="base">
+              <a:spcBef>
+                <a:spcPct val="0"/>
+              </a:spcBef>
+              <a:spcAft>
+                <a:spcPct val="0"/>
+              </a:spcAft>
+            </a:pPr>
+            <a:r>
+              <a:rPr lang="en-US" sz="1600" dirty="0">
+                <a:gradFill>
+                  <a:gsLst>
+                    <a:gs pos="0">
+                      <a:srgbClr val="FFFFFF"/>
+                    </a:gs>
+                    <a:gs pos="100000">
+                      <a:srgbClr val="FFFFFF"/>
+                    </a:gs>
+                  </a:gsLst>
+                  <a:lin ang="5400000" scaled="0"/>
+                </a:gradFill>
+              </a:rPr>
+              <a:t>NV12</a:t>
+            </a:r>
+          </a:p>
+        </p:txBody>
+      </p:sp>
+      <p:sp>
+        <p:nvSpPr>
+          <p:cNvPr id="40" name="Rectangle 39"/>
+          <p:cNvSpPr/>
+          <p:nvPr/>
+        </p:nvSpPr>
+        <p:spPr bwMode="auto">
+          <a:xfrm>
+            <a:off x="11167384" y="2701192"/>
+            <a:ext cx="813307" cy="430306"/>
+          </a:xfrm>
+          <a:prstGeom prst="rect">
+            <a:avLst/>
+          </a:prstGeom>
+          <a:solidFill>
+            <a:srgbClr val="5095D1"/>
+          </a:solidFill>
+          <a:ln>
+            <a:noFill/>
+            <a:headEnd type="none" w="med" len="med"/>
+            <a:tailEnd type="none" w="med" len="med"/>
+          </a:ln>
+          <a:effectLst/>
+        </p:spPr>
+        <p:style>
+          <a:lnRef idx="1">
+            <a:schemeClr val="accent2"/>
+          </a:lnRef>
+          <a:fillRef idx="3">
+            <a:schemeClr val="accent2"/>
+          </a:fillRef>
+          <a:effectRef idx="2">
+            <a:schemeClr val="accent2"/>
+          </a:effectRef>
+          <a:fontRef idx="minor">
+            <a:schemeClr val="lt1"/>
+          </a:fontRef>
+        </p:style>
+        <p:txBody>
+          <a:bodyPr vert="horz" wrap="square" lIns="91436" tIns="45718" rIns="91436" bIns="45718" numCol="1" rtlCol="0" anchor="ctr" anchorCtr="0" compatLnSpc="1">
+            <a:prstTxWarp prst="textNoShape">
+              <a:avLst/>
+            </a:prstTxWarp>
+          </a:bodyPr>
+          <a:lstStyle/>
+          <a:p>
+            <a:pPr algn="ctr" defTabSz="914099" fontAlgn="base">
+              <a:spcBef>
+                <a:spcPct val="0"/>
+              </a:spcBef>
+              <a:spcAft>
+                <a:spcPct val="0"/>
+              </a:spcAft>
+            </a:pPr>
+            <a:r>
+              <a:rPr lang="en-US" sz="1600" dirty="0">
+                <a:gradFill>
+                  <a:gsLst>
+                    <a:gs pos="0">
+                      <a:srgbClr val="FFFFFF"/>
+                    </a:gs>
+                    <a:gs pos="100000">
+                      <a:srgbClr val="FFFFFF"/>
+                    </a:gs>
+                  </a:gsLst>
+                  <a:lin ang="5400000" scaled="0"/>
+                </a:gradFill>
+              </a:rPr>
+              <a:t>NV24</a:t>
+            </a:r>
+          </a:p>
+        </p:txBody>
+      </p:sp>
+      <p:sp>
+        <p:nvSpPr>
+          <p:cNvPr id="41" name="Rectangle 40"/>
+          <p:cNvSpPr/>
+          <p:nvPr/>
+        </p:nvSpPr>
+        <p:spPr bwMode="auto">
+          <a:xfrm>
+            <a:off x="9420456" y="3786066"/>
+            <a:ext cx="813307" cy="430306"/>
+          </a:xfrm>
+          <a:prstGeom prst="rect">
+            <a:avLst/>
+          </a:prstGeom>
+          <a:solidFill>
+            <a:srgbClr val="5095D1"/>
+          </a:solidFill>
+          <a:ln>
+            <a:noFill/>
+            <a:headEnd type="none" w="med" len="med"/>
+            <a:tailEnd type="none" w="med" len="med"/>
+          </a:ln>
+          <a:effectLst/>
+        </p:spPr>
+        <p:style>
+          <a:lnRef idx="1">
+            <a:schemeClr val="accent2"/>
+          </a:lnRef>
+          <a:fillRef idx="3">
+            <a:schemeClr val="accent2"/>
+          </a:fillRef>
+          <a:effectRef idx="2">
+            <a:schemeClr val="accent2"/>
+          </a:effectRef>
+          <a:fontRef idx="minor">
+            <a:schemeClr val="lt1"/>
+          </a:fontRef>
+        </p:style>
+        <p:txBody>
+          <a:bodyPr vert="horz" wrap="square" lIns="91436" tIns="45718" rIns="91436" bIns="45718" numCol="1" rtlCol="0" anchor="ctr" anchorCtr="0" compatLnSpc="1">
+            <a:prstTxWarp prst="textNoShape">
+              <a:avLst/>
+            </a:prstTxWarp>
+          </a:bodyPr>
+          <a:lstStyle/>
+          <a:p>
+            <a:pPr algn="ctr" defTabSz="914099" fontAlgn="base">
+              <a:spcBef>
+                <a:spcPct val="0"/>
+              </a:spcBef>
+              <a:spcAft>
+                <a:spcPct val="0"/>
+              </a:spcAft>
+            </a:pPr>
+            <a:r>
+              <a:rPr lang="en-US" sz="1600" dirty="0">
+                <a:gradFill>
+                  <a:gsLst>
+                    <a:gs pos="0">
+                      <a:srgbClr val="FFFFFF"/>
+                    </a:gs>
+                    <a:gs pos="100000">
+                      <a:srgbClr val="FFFFFF"/>
+                    </a:gs>
+                  </a:gsLst>
+                  <a:lin ang="5400000" scaled="0"/>
+                </a:gradFill>
+              </a:rPr>
+              <a:t>NC6</a:t>
+            </a:r>
+          </a:p>
+        </p:txBody>
+      </p:sp>
+      <p:sp>
+        <p:nvSpPr>
+          <p:cNvPr id="42" name="Rectangle 41"/>
+          <p:cNvSpPr/>
+          <p:nvPr/>
+        </p:nvSpPr>
+        <p:spPr bwMode="auto">
+          <a:xfrm>
+            <a:off x="10293920" y="3786066"/>
+            <a:ext cx="813307" cy="430306"/>
+          </a:xfrm>
+          <a:prstGeom prst="rect">
+            <a:avLst/>
+          </a:prstGeom>
+          <a:solidFill>
+            <a:srgbClr val="5095D1"/>
+          </a:solidFill>
+          <a:ln>
+            <a:noFill/>
+            <a:headEnd type="none" w="med" len="med"/>
+            <a:tailEnd type="none" w="med" len="med"/>
+          </a:ln>
+          <a:effectLst/>
+        </p:spPr>
+        <p:style>
+          <a:lnRef idx="1">
+            <a:schemeClr val="accent2"/>
+          </a:lnRef>
+          <a:fillRef idx="3">
+            <a:schemeClr val="accent2"/>
+          </a:fillRef>
+          <a:effectRef idx="2">
+            <a:schemeClr val="accent2"/>
+          </a:effectRef>
+          <a:fontRef idx="minor">
+            <a:schemeClr val="lt1"/>
+          </a:fontRef>
+        </p:style>
+        <p:txBody>
+          <a:bodyPr vert="horz" wrap="square" lIns="91436" tIns="45718" rIns="91436" bIns="45718" numCol="1" rtlCol="0" anchor="ctr" anchorCtr="0" compatLnSpc="1">
+            <a:prstTxWarp prst="textNoShape">
+              <a:avLst/>
+            </a:prstTxWarp>
+          </a:bodyPr>
+          <a:lstStyle/>
+          <a:p>
+            <a:pPr algn="ctr" defTabSz="914099" fontAlgn="base">
+              <a:spcBef>
+                <a:spcPct val="0"/>
+              </a:spcBef>
+              <a:spcAft>
+                <a:spcPct val="0"/>
+              </a:spcAft>
+            </a:pPr>
+            <a:r>
+              <a:rPr lang="en-US" sz="1600" dirty="0">
+                <a:gradFill>
+                  <a:gsLst>
+                    <a:gs pos="0">
+                      <a:srgbClr val="FFFFFF"/>
+                    </a:gs>
+                    <a:gs pos="100000">
+                      <a:srgbClr val="FFFFFF"/>
+                    </a:gs>
+                  </a:gsLst>
+                  <a:lin ang="5400000" scaled="0"/>
+                </a:gradFill>
+              </a:rPr>
+              <a:t>NC12</a:t>
+            </a:r>
+          </a:p>
+        </p:txBody>
+      </p:sp>
+      <p:sp>
+        <p:nvSpPr>
+          <p:cNvPr id="43" name="Rectangle 42"/>
+          <p:cNvSpPr/>
+          <p:nvPr/>
+        </p:nvSpPr>
+        <p:spPr bwMode="auto">
+          <a:xfrm>
+            <a:off x="11167384" y="3786066"/>
+            <a:ext cx="813307" cy="430306"/>
+          </a:xfrm>
+          <a:prstGeom prst="rect">
+            <a:avLst/>
+          </a:prstGeom>
+          <a:solidFill>
+            <a:srgbClr val="5095D1"/>
+          </a:solidFill>
+          <a:ln>
+            <a:noFill/>
+            <a:headEnd type="none" w="med" len="med"/>
+            <a:tailEnd type="none" w="med" len="med"/>
+          </a:ln>
+          <a:effectLst/>
+        </p:spPr>
+        <p:style>
+          <a:lnRef idx="1">
+            <a:schemeClr val="accent2"/>
+          </a:lnRef>
+          <a:fillRef idx="3">
+            <a:schemeClr val="accent2"/>
+          </a:fillRef>
+          <a:effectRef idx="2">
+            <a:schemeClr val="accent2"/>
+          </a:effectRef>
+          <a:fontRef idx="minor">
+            <a:schemeClr val="lt1"/>
+          </a:fontRef>
+        </p:style>
+        <p:txBody>
+          <a:bodyPr vert="horz" wrap="square" lIns="91436" tIns="45718" rIns="91436" bIns="45718" numCol="1" rtlCol="0" anchor="ctr" anchorCtr="0" compatLnSpc="1">
+            <a:prstTxWarp prst="textNoShape">
+              <a:avLst/>
+            </a:prstTxWarp>
+          </a:bodyPr>
+          <a:lstStyle/>
+          <a:p>
+            <a:pPr algn="ctr" defTabSz="914099" fontAlgn="base">
+              <a:spcBef>
+                <a:spcPct val="0"/>
+              </a:spcBef>
+              <a:spcAft>
+                <a:spcPct val="0"/>
+              </a:spcAft>
+            </a:pPr>
+            <a:r>
+              <a:rPr lang="en-US" sz="1600" dirty="0">
+                <a:gradFill>
+                  <a:gsLst>
+                    <a:gs pos="0">
+                      <a:srgbClr val="FFFFFF"/>
+                    </a:gs>
+                    <a:gs pos="100000">
+                      <a:srgbClr val="FFFFFF"/>
+                    </a:gs>
+                  </a:gsLst>
+                  <a:lin ang="5400000" scaled="0"/>
+                </a:gradFill>
+              </a:rPr>
+              <a:t>NC24</a:t>
+            </a:r>
+          </a:p>
+        </p:txBody>
+      </p:sp>
+      <p:sp>
+        <p:nvSpPr>
+          <p:cNvPr id="44" name="Rectangle 43"/>
+          <p:cNvSpPr/>
+          <p:nvPr/>
+        </p:nvSpPr>
+        <p:spPr bwMode="auto">
+          <a:xfrm>
+            <a:off x="6406290" y="2705579"/>
+            <a:ext cx="600473" cy="430306"/>
+          </a:xfrm>
+          <a:prstGeom prst="rect">
+            <a:avLst/>
+          </a:prstGeom>
+          <a:noFill/>
+          <a:ln w="19050">
+            <a:solidFill>
+              <a:schemeClr val="bg2">
+                <a:lumMod val="50000"/>
+              </a:schemeClr>
+            </a:solidFill>
+            <a:headEnd type="none" w="med" len="med"/>
+            <a:tailEnd type="none" w="med" len="med"/>
+          </a:ln>
+          <a:effectLst/>
+        </p:spPr>
+        <p:style>
+          <a:lnRef idx="1">
+            <a:schemeClr val="accent2"/>
+          </a:lnRef>
+          <a:fillRef idx="3">
+            <a:schemeClr val="accent2"/>
+          </a:fillRef>
+          <a:effectRef idx="2">
+            <a:schemeClr val="accent2"/>
+          </a:effectRef>
+          <a:fontRef idx="minor">
+            <a:schemeClr val="lt1"/>
+          </a:fontRef>
+        </p:style>
+        <p:txBody>
+          <a:bodyPr vert="horz" wrap="none" lIns="91436" tIns="45718" rIns="91436" bIns="45718" numCol="1" rtlCol="0" anchor="ctr" anchorCtr="0" compatLnSpc="1">
+            <a:prstTxWarp prst="textNoShape">
+              <a:avLst/>
+            </a:prstTxWarp>
+          </a:bodyPr>
+          <a:lstStyle/>
+          <a:p>
+            <a:pPr algn="ctr" defTabSz="914099" fontAlgn="base">
+              <a:spcBef>
+                <a:spcPct val="0"/>
+              </a:spcBef>
+              <a:spcAft>
+                <a:spcPct val="0"/>
+              </a:spcAft>
+            </a:pPr>
+            <a:r>
+              <a:rPr lang="en-US" sz="1600" dirty="0">
+                <a:solidFill>
+                  <a:schemeClr val="bg2">
+                    <a:lumMod val="50000"/>
+                  </a:schemeClr>
+                </a:solidFill>
+              </a:rPr>
+              <a:t>F1</a:t>
+            </a:r>
+          </a:p>
+        </p:txBody>
+      </p:sp>
+      <p:sp>
+        <p:nvSpPr>
+          <p:cNvPr id="45" name="Rectangle 44"/>
+          <p:cNvSpPr/>
+          <p:nvPr/>
+        </p:nvSpPr>
+        <p:spPr bwMode="auto">
+          <a:xfrm>
+            <a:off x="7059471" y="2705579"/>
+            <a:ext cx="600474" cy="430306"/>
+          </a:xfrm>
+          <a:prstGeom prst="rect">
+            <a:avLst/>
+          </a:prstGeom>
+          <a:noFill/>
+          <a:ln w="19050">
+            <a:solidFill>
+              <a:schemeClr val="bg2">
+                <a:lumMod val="50000"/>
+              </a:schemeClr>
+            </a:solidFill>
+            <a:headEnd type="none" w="med" len="med"/>
+            <a:tailEnd type="none" w="med" len="med"/>
+          </a:ln>
+          <a:effectLst/>
+        </p:spPr>
+        <p:style>
+          <a:lnRef idx="1">
+            <a:schemeClr val="accent2"/>
+          </a:lnRef>
+          <a:fillRef idx="3">
+            <a:schemeClr val="accent2"/>
+          </a:fillRef>
+          <a:effectRef idx="2">
+            <a:schemeClr val="accent2"/>
+          </a:effectRef>
+          <a:fontRef idx="minor">
+            <a:schemeClr val="lt1"/>
+          </a:fontRef>
+        </p:style>
+        <p:txBody>
+          <a:bodyPr vert="horz" wrap="none" lIns="91436" tIns="45718" rIns="91436" bIns="45718" numCol="1" rtlCol="0" anchor="ctr" anchorCtr="0" compatLnSpc="1">
+            <a:prstTxWarp prst="textNoShape">
+              <a:avLst/>
+            </a:prstTxWarp>
+          </a:bodyPr>
+          <a:lstStyle/>
+          <a:p>
+            <a:pPr algn="ctr" defTabSz="914099" fontAlgn="base">
+              <a:spcBef>
+                <a:spcPct val="0"/>
+              </a:spcBef>
+              <a:spcAft>
+                <a:spcPct val="0"/>
+              </a:spcAft>
+            </a:pPr>
+            <a:r>
+              <a:rPr lang="en-US" sz="1600" dirty="0">
+                <a:solidFill>
+                  <a:schemeClr val="bg2">
+                    <a:lumMod val="50000"/>
+                  </a:schemeClr>
+                </a:solidFill>
+              </a:rPr>
+              <a:t>F2</a:t>
+            </a:r>
+          </a:p>
+        </p:txBody>
+      </p:sp>
+      <p:sp>
+        <p:nvSpPr>
+          <p:cNvPr id="46" name="Rectangle 45"/>
+          <p:cNvSpPr/>
+          <p:nvPr/>
+        </p:nvSpPr>
+        <p:spPr bwMode="auto">
+          <a:xfrm>
+            <a:off x="7712652" y="2705579"/>
+            <a:ext cx="600474" cy="430306"/>
+          </a:xfrm>
+          <a:prstGeom prst="rect">
+            <a:avLst/>
+          </a:prstGeom>
+          <a:noFill/>
+          <a:ln w="19050">
+            <a:solidFill>
+              <a:schemeClr val="bg2">
+                <a:lumMod val="50000"/>
+              </a:schemeClr>
+            </a:solidFill>
+            <a:headEnd type="none" w="med" len="med"/>
+            <a:tailEnd type="none" w="med" len="med"/>
+          </a:ln>
+          <a:effectLst/>
+        </p:spPr>
+        <p:style>
+          <a:lnRef idx="1">
+            <a:schemeClr val="accent2"/>
+          </a:lnRef>
+          <a:fillRef idx="3">
+            <a:schemeClr val="accent2"/>
+          </a:fillRef>
+          <a:effectRef idx="2">
+            <a:schemeClr val="accent2"/>
+          </a:effectRef>
+          <a:fontRef idx="minor">
+            <a:schemeClr val="lt1"/>
+          </a:fontRef>
+        </p:style>
+        <p:txBody>
+          <a:bodyPr vert="horz" wrap="none" lIns="91436" tIns="45718" rIns="91436" bIns="45718" numCol="1" rtlCol="0" anchor="ctr" anchorCtr="0" compatLnSpc="1">
+            <a:prstTxWarp prst="textNoShape">
+              <a:avLst/>
+            </a:prstTxWarp>
+          </a:bodyPr>
+          <a:lstStyle/>
+          <a:p>
+            <a:pPr algn="ctr" defTabSz="914099" fontAlgn="base">
+              <a:spcBef>
+                <a:spcPct val="0"/>
+              </a:spcBef>
+              <a:spcAft>
+                <a:spcPct val="0"/>
+              </a:spcAft>
+            </a:pPr>
+            <a:r>
+              <a:rPr lang="en-US" sz="1600" dirty="0">
+                <a:solidFill>
+                  <a:schemeClr val="bg2">
+                    <a:lumMod val="50000"/>
+                  </a:schemeClr>
+                </a:solidFill>
+              </a:rPr>
+              <a:t>F4</a:t>
+            </a:r>
+          </a:p>
+        </p:txBody>
+      </p:sp>
+      <p:sp>
+        <p:nvSpPr>
+          <p:cNvPr id="47" name="Rectangle 46"/>
+          <p:cNvSpPr/>
+          <p:nvPr/>
+        </p:nvSpPr>
+        <p:spPr bwMode="auto">
+          <a:xfrm>
+            <a:off x="8365833" y="2705579"/>
+            <a:ext cx="600474" cy="430306"/>
+          </a:xfrm>
+          <a:prstGeom prst="rect">
+            <a:avLst/>
+          </a:prstGeom>
+          <a:noFill/>
+          <a:ln w="19050">
+            <a:solidFill>
+              <a:schemeClr val="bg2">
+                <a:lumMod val="50000"/>
+              </a:schemeClr>
+            </a:solidFill>
+            <a:headEnd type="none" w="med" len="med"/>
+            <a:tailEnd type="none" w="med" len="med"/>
+          </a:ln>
+          <a:effectLst/>
+        </p:spPr>
+        <p:style>
+          <a:lnRef idx="1">
+            <a:schemeClr val="accent2"/>
+          </a:lnRef>
+          <a:fillRef idx="3">
+            <a:schemeClr val="accent2"/>
+          </a:fillRef>
+          <a:effectRef idx="2">
+            <a:schemeClr val="accent2"/>
+          </a:effectRef>
+          <a:fontRef idx="minor">
+            <a:schemeClr val="lt1"/>
+          </a:fontRef>
+        </p:style>
+        <p:txBody>
+          <a:bodyPr vert="horz" wrap="none" lIns="91436" tIns="45718" rIns="91436" bIns="45718" numCol="1" rtlCol="0" anchor="ctr" anchorCtr="0" compatLnSpc="1">
+            <a:prstTxWarp prst="textNoShape">
+              <a:avLst/>
+            </a:prstTxWarp>
+          </a:bodyPr>
+          <a:lstStyle/>
+          <a:p>
+            <a:pPr algn="ctr" defTabSz="914099" fontAlgn="base">
+              <a:spcBef>
+                <a:spcPct val="0"/>
+              </a:spcBef>
+              <a:spcAft>
+                <a:spcPct val="0"/>
+              </a:spcAft>
+            </a:pPr>
+            <a:r>
+              <a:rPr lang="en-US" sz="1600" dirty="0">
+                <a:solidFill>
+                  <a:schemeClr val="bg2">
+                    <a:lumMod val="50000"/>
+                  </a:schemeClr>
+                </a:solidFill>
+              </a:rPr>
+              <a:t>F8</a:t>
+            </a:r>
+          </a:p>
+        </p:txBody>
+      </p:sp>
+      <p:sp>
+        <p:nvSpPr>
+          <p:cNvPr id="48" name="Rectangle 47"/>
+          <p:cNvSpPr/>
+          <p:nvPr/>
+        </p:nvSpPr>
+        <p:spPr bwMode="auto">
+          <a:xfrm>
+            <a:off x="6406290" y="3220586"/>
+            <a:ext cx="600473" cy="430306"/>
+          </a:xfrm>
+          <a:prstGeom prst="rect">
+            <a:avLst/>
+          </a:prstGeom>
+          <a:noFill/>
+          <a:ln w="19050">
+            <a:solidFill>
+              <a:schemeClr val="bg2">
+                <a:lumMod val="50000"/>
+              </a:schemeClr>
+            </a:solidFill>
+            <a:headEnd type="none" w="med" len="med"/>
+            <a:tailEnd type="none" w="med" len="med"/>
+          </a:ln>
+          <a:effectLst/>
+        </p:spPr>
+        <p:style>
+          <a:lnRef idx="1">
+            <a:schemeClr val="accent2"/>
+          </a:lnRef>
+          <a:fillRef idx="3">
+            <a:schemeClr val="accent2"/>
+          </a:fillRef>
+          <a:effectRef idx="2">
+            <a:schemeClr val="accent2"/>
+          </a:effectRef>
+          <a:fontRef idx="minor">
+            <a:schemeClr val="lt1"/>
+          </a:fontRef>
+        </p:style>
+        <p:txBody>
+          <a:bodyPr vert="horz" wrap="none" lIns="91436" tIns="45718" rIns="91436" bIns="45718" numCol="1" rtlCol="0" anchor="ctr" anchorCtr="0" compatLnSpc="1">
+            <a:prstTxWarp prst="textNoShape">
+              <a:avLst/>
+            </a:prstTxWarp>
+          </a:bodyPr>
+          <a:lstStyle/>
+          <a:p>
+            <a:pPr algn="ctr" defTabSz="914099" fontAlgn="base">
+              <a:spcBef>
+                <a:spcPct val="0"/>
+              </a:spcBef>
+              <a:spcAft>
+                <a:spcPct val="0"/>
+              </a:spcAft>
+            </a:pPr>
+            <a:r>
+              <a:rPr lang="en-US" sz="1600" dirty="0">
+                <a:solidFill>
+                  <a:schemeClr val="bg2">
+                    <a:lumMod val="50000"/>
+                  </a:schemeClr>
+                </a:solidFill>
+              </a:rPr>
+              <a:t>F16</a:t>
+            </a:r>
+          </a:p>
+        </p:txBody>
+      </p:sp>
+      <p:sp>
+        <p:nvSpPr>
+          <p:cNvPr id="49" name="TextBox 48"/>
+          <p:cNvSpPr txBox="1"/>
+          <p:nvPr/>
+        </p:nvSpPr>
+        <p:spPr>
+          <a:xfrm>
+            <a:off x="6406290" y="2458339"/>
+            <a:ext cx="2173159" cy="221599"/>
+          </a:xfrm>
+          <a:prstGeom prst="rect">
+            <a:avLst/>
+          </a:prstGeom>
+          <a:noFill/>
+        </p:spPr>
+        <p:txBody>
+          <a:bodyPr wrap="none" lIns="0" tIns="0" rIns="0" bIns="0" rtlCol="0">
+            <a:spAutoFit/>
+          </a:bodyPr>
+          <a:lstStyle/>
+          <a:p>
+            <a:pPr>
+              <a:lnSpc>
+                <a:spcPct val="90000"/>
+              </a:lnSpc>
+              <a:spcBef>
+                <a:spcPct val="20000"/>
+              </a:spcBef>
+              <a:buSzPct val="80000"/>
+            </a:pPr>
+            <a:r>
+              <a:rPr lang="en-US" sz="1600" dirty="0" smtClean="0">
+                <a:gradFill>
+                  <a:gsLst>
+                    <a:gs pos="0">
+                      <a:srgbClr val="292929">
+                        <a:lumMod val="90000"/>
+                        <a:lumOff val="10000"/>
+                      </a:srgbClr>
+                    </a:gs>
+                    <a:gs pos="86000">
+                      <a:srgbClr val="292929">
+                        <a:lumMod val="90000"/>
+                        <a:lumOff val="10000"/>
+                      </a:srgbClr>
+                    </a:gs>
+                  </a:gsLst>
+                  <a:lin ang="5400000" scaled="0"/>
+                </a:gradFill>
+              </a:rPr>
+              <a:t>Also available in Fs sizes</a:t>
+            </a:r>
+            <a:endParaRPr lang="en-US" sz="1600" dirty="0">
+              <a:gradFill>
+                <a:gsLst>
+                  <a:gs pos="0">
+                    <a:srgbClr val="292929">
+                      <a:lumMod val="90000"/>
+                      <a:lumOff val="10000"/>
+                    </a:srgbClr>
+                  </a:gs>
+                  <a:gs pos="86000">
+                    <a:srgbClr val="292929">
+                      <a:lumMod val="90000"/>
+                      <a:lumOff val="10000"/>
+                    </a:srgbClr>
+                  </a:gs>
+                </a:gsLst>
+                <a:lin ang="5400000" scaled="0"/>
+              </a:gradFill>
+            </a:endParaRPr>
+          </a:p>
+        </p:txBody>
+      </p:sp>
+      <p:sp>
+        <p:nvSpPr>
+          <p:cNvPr id="50" name="Rectangle 49"/>
+          <p:cNvSpPr/>
+          <p:nvPr/>
+        </p:nvSpPr>
+        <p:spPr bwMode="auto">
+          <a:xfrm>
+            <a:off x="6406290" y="4130177"/>
+            <a:ext cx="600473" cy="430306"/>
+          </a:xfrm>
+          <a:prstGeom prst="rect">
+            <a:avLst/>
+          </a:prstGeom>
+          <a:solidFill>
+            <a:schemeClr val="bg2">
+              <a:lumMod val="90000"/>
+            </a:schemeClr>
+          </a:solidFill>
+          <a:ln w="19050">
+            <a:solidFill>
+              <a:schemeClr val="bg2">
+                <a:lumMod val="50000"/>
+              </a:schemeClr>
+            </a:solidFill>
+            <a:headEnd type="none" w="med" len="med"/>
+            <a:tailEnd type="none" w="med" len="med"/>
+          </a:ln>
+          <a:effectLst/>
+        </p:spPr>
+        <p:style>
+          <a:lnRef idx="1">
+            <a:schemeClr val="accent2"/>
+          </a:lnRef>
+          <a:fillRef idx="3">
+            <a:schemeClr val="accent2"/>
+          </a:fillRef>
+          <a:effectRef idx="2">
+            <a:schemeClr val="accent2"/>
+          </a:effectRef>
+          <a:fontRef idx="minor">
+            <a:schemeClr val="lt1"/>
+          </a:fontRef>
+        </p:style>
+        <p:txBody>
+          <a:bodyPr vert="horz" wrap="none" lIns="91436" tIns="45718" rIns="91436" bIns="45718" numCol="1" rtlCol="0" anchor="ctr" anchorCtr="0" compatLnSpc="1">
+            <a:prstTxWarp prst="textNoShape">
+              <a:avLst/>
+            </a:prstTxWarp>
+          </a:bodyPr>
+          <a:lstStyle/>
+          <a:p>
+            <a:pPr algn="ctr" defTabSz="914099" fontAlgn="base">
+              <a:spcBef>
+                <a:spcPct val="0"/>
+              </a:spcBef>
+              <a:spcAft>
+                <a:spcPct val="0"/>
+              </a:spcAft>
+            </a:pPr>
+            <a:r>
+              <a:rPr lang="en-US" sz="1600" dirty="0">
+                <a:solidFill>
+                  <a:schemeClr val="bg2">
+                    <a:lumMod val="50000"/>
+                  </a:schemeClr>
+                </a:solidFill>
+              </a:rPr>
+              <a:t>G1</a:t>
+            </a:r>
+          </a:p>
+        </p:txBody>
+      </p:sp>
+      <p:sp>
+        <p:nvSpPr>
+          <p:cNvPr id="51" name="Rectangle 50"/>
+          <p:cNvSpPr/>
+          <p:nvPr/>
+        </p:nvSpPr>
+        <p:spPr bwMode="auto">
+          <a:xfrm>
+            <a:off x="7059471" y="4130177"/>
+            <a:ext cx="600474" cy="430306"/>
+          </a:xfrm>
+          <a:prstGeom prst="rect">
+            <a:avLst/>
+          </a:prstGeom>
+          <a:solidFill>
+            <a:schemeClr val="bg2">
+              <a:lumMod val="90000"/>
+            </a:schemeClr>
+          </a:solidFill>
+          <a:ln w="19050">
+            <a:solidFill>
+              <a:schemeClr val="bg2">
+                <a:lumMod val="50000"/>
+              </a:schemeClr>
+            </a:solidFill>
+            <a:headEnd type="none" w="med" len="med"/>
+            <a:tailEnd type="none" w="med" len="med"/>
+          </a:ln>
+          <a:effectLst/>
+        </p:spPr>
+        <p:style>
+          <a:lnRef idx="1">
+            <a:schemeClr val="accent2"/>
+          </a:lnRef>
+          <a:fillRef idx="3">
+            <a:schemeClr val="accent2"/>
+          </a:fillRef>
+          <a:effectRef idx="2">
+            <a:schemeClr val="accent2"/>
+          </a:effectRef>
+          <a:fontRef idx="minor">
+            <a:schemeClr val="lt1"/>
+          </a:fontRef>
+        </p:style>
+        <p:txBody>
+          <a:bodyPr vert="horz" wrap="none" lIns="91436" tIns="45718" rIns="91436" bIns="45718" numCol="1" rtlCol="0" anchor="ctr" anchorCtr="0" compatLnSpc="1">
+            <a:prstTxWarp prst="textNoShape">
+              <a:avLst/>
+            </a:prstTxWarp>
+          </a:bodyPr>
+          <a:lstStyle/>
+          <a:p>
+            <a:pPr algn="ctr" defTabSz="914099" fontAlgn="base">
+              <a:spcBef>
+                <a:spcPct val="0"/>
+              </a:spcBef>
+              <a:spcAft>
+                <a:spcPct val="0"/>
+              </a:spcAft>
+            </a:pPr>
+            <a:r>
+              <a:rPr lang="en-US" sz="1600" dirty="0">
+                <a:solidFill>
+                  <a:schemeClr val="bg2">
+                    <a:lumMod val="50000"/>
+                  </a:schemeClr>
+                </a:solidFill>
+              </a:rPr>
+              <a:t>G2</a:t>
+            </a:r>
+          </a:p>
+        </p:txBody>
+      </p:sp>
+      <p:sp>
+        <p:nvSpPr>
+          <p:cNvPr id="52" name="Rectangle 51"/>
+          <p:cNvSpPr/>
+          <p:nvPr/>
+        </p:nvSpPr>
+        <p:spPr bwMode="auto">
+          <a:xfrm>
+            <a:off x="7712652" y="4130177"/>
+            <a:ext cx="600474" cy="430306"/>
+          </a:xfrm>
+          <a:prstGeom prst="rect">
+            <a:avLst/>
+          </a:prstGeom>
+          <a:solidFill>
+            <a:schemeClr val="bg2">
+              <a:lumMod val="90000"/>
+            </a:schemeClr>
+          </a:solidFill>
+          <a:ln w="19050">
+            <a:solidFill>
+              <a:schemeClr val="bg2">
+                <a:lumMod val="50000"/>
+              </a:schemeClr>
+            </a:solidFill>
+            <a:headEnd type="none" w="med" len="med"/>
+            <a:tailEnd type="none" w="med" len="med"/>
+          </a:ln>
+          <a:effectLst/>
+        </p:spPr>
+        <p:style>
+          <a:lnRef idx="1">
+            <a:schemeClr val="accent2"/>
+          </a:lnRef>
+          <a:fillRef idx="3">
+            <a:schemeClr val="accent2"/>
+          </a:fillRef>
+          <a:effectRef idx="2">
+            <a:schemeClr val="accent2"/>
+          </a:effectRef>
+          <a:fontRef idx="minor">
+            <a:schemeClr val="lt1"/>
+          </a:fontRef>
+        </p:style>
+        <p:txBody>
+          <a:bodyPr vert="horz" wrap="none" lIns="91436" tIns="45718" rIns="91436" bIns="45718" numCol="1" rtlCol="0" anchor="ctr" anchorCtr="0" compatLnSpc="1">
+            <a:prstTxWarp prst="textNoShape">
+              <a:avLst/>
+            </a:prstTxWarp>
+          </a:bodyPr>
+          <a:lstStyle/>
+          <a:p>
+            <a:pPr algn="ctr" defTabSz="914099" fontAlgn="base">
+              <a:spcBef>
+                <a:spcPct val="0"/>
+              </a:spcBef>
+              <a:spcAft>
+                <a:spcPct val="0"/>
+              </a:spcAft>
+            </a:pPr>
+            <a:r>
+              <a:rPr lang="en-US" sz="1600" dirty="0">
+                <a:solidFill>
+                  <a:schemeClr val="bg2">
+                    <a:lumMod val="50000"/>
+                  </a:schemeClr>
+                </a:solidFill>
+              </a:rPr>
+              <a:t>G3</a:t>
+            </a:r>
+          </a:p>
+        </p:txBody>
+      </p:sp>
+      <p:sp>
+        <p:nvSpPr>
+          <p:cNvPr id="53" name="Rectangle 52"/>
+          <p:cNvSpPr/>
+          <p:nvPr/>
+        </p:nvSpPr>
+        <p:spPr bwMode="auto">
+          <a:xfrm>
+            <a:off x="8365833" y="4130177"/>
+            <a:ext cx="600474" cy="430306"/>
+          </a:xfrm>
+          <a:prstGeom prst="rect">
+            <a:avLst/>
+          </a:prstGeom>
+          <a:solidFill>
+            <a:schemeClr val="bg2">
+              <a:lumMod val="90000"/>
+            </a:schemeClr>
+          </a:solidFill>
+          <a:ln w="19050">
+            <a:solidFill>
+              <a:schemeClr val="bg2">
+                <a:lumMod val="50000"/>
+              </a:schemeClr>
+            </a:solidFill>
+            <a:headEnd type="none" w="med" len="med"/>
+            <a:tailEnd type="none" w="med" len="med"/>
+          </a:ln>
+          <a:effectLst/>
+        </p:spPr>
+        <p:style>
+          <a:lnRef idx="1">
+            <a:schemeClr val="accent2"/>
+          </a:lnRef>
+          <a:fillRef idx="3">
+            <a:schemeClr val="accent2"/>
+          </a:fillRef>
+          <a:effectRef idx="2">
+            <a:schemeClr val="accent2"/>
+          </a:effectRef>
+          <a:fontRef idx="minor">
+            <a:schemeClr val="lt1"/>
+          </a:fontRef>
+        </p:style>
+        <p:txBody>
+          <a:bodyPr vert="horz" wrap="none" lIns="91436" tIns="45718" rIns="91436" bIns="45718" numCol="1" rtlCol="0" anchor="ctr" anchorCtr="0" compatLnSpc="1">
+            <a:prstTxWarp prst="textNoShape">
+              <a:avLst/>
+            </a:prstTxWarp>
+          </a:bodyPr>
+          <a:lstStyle/>
+          <a:p>
+            <a:pPr algn="ctr" defTabSz="914099" fontAlgn="base">
+              <a:spcBef>
+                <a:spcPct val="0"/>
+              </a:spcBef>
+              <a:spcAft>
+                <a:spcPct val="0"/>
+              </a:spcAft>
+            </a:pPr>
+            <a:r>
+              <a:rPr lang="en-US" sz="1600" dirty="0">
+                <a:solidFill>
+                  <a:schemeClr val="bg2">
+                    <a:lumMod val="50000"/>
+                  </a:schemeClr>
+                </a:solidFill>
+              </a:rPr>
+              <a:t>G4</a:t>
+            </a:r>
+          </a:p>
+        </p:txBody>
+      </p:sp>
+      <p:sp>
+        <p:nvSpPr>
+          <p:cNvPr id="54" name="Rectangle 53"/>
+          <p:cNvSpPr/>
+          <p:nvPr/>
+        </p:nvSpPr>
+        <p:spPr bwMode="auto">
+          <a:xfrm>
+            <a:off x="6406290" y="4645184"/>
+            <a:ext cx="600473" cy="430306"/>
+          </a:xfrm>
+          <a:prstGeom prst="rect">
+            <a:avLst/>
+          </a:prstGeom>
+          <a:solidFill>
+            <a:schemeClr val="bg2">
+              <a:lumMod val="90000"/>
+            </a:schemeClr>
+          </a:solidFill>
+          <a:ln w="19050">
+            <a:solidFill>
+              <a:schemeClr val="bg2">
+                <a:lumMod val="50000"/>
+              </a:schemeClr>
+            </a:solidFill>
+            <a:headEnd type="none" w="med" len="med"/>
+            <a:tailEnd type="none" w="med" len="med"/>
+          </a:ln>
+          <a:effectLst/>
+        </p:spPr>
+        <p:style>
+          <a:lnRef idx="1">
+            <a:schemeClr val="accent2"/>
+          </a:lnRef>
+          <a:fillRef idx="3">
+            <a:schemeClr val="accent2"/>
+          </a:fillRef>
+          <a:effectRef idx="2">
+            <a:schemeClr val="accent2"/>
+          </a:effectRef>
+          <a:fontRef idx="minor">
+            <a:schemeClr val="lt1"/>
+          </a:fontRef>
+        </p:style>
+        <p:txBody>
+          <a:bodyPr vert="horz" wrap="none" lIns="91436" tIns="45718" rIns="91436" bIns="45718" numCol="1" rtlCol="0" anchor="ctr" anchorCtr="0" compatLnSpc="1">
+            <a:prstTxWarp prst="textNoShape">
+              <a:avLst/>
+            </a:prstTxWarp>
+          </a:bodyPr>
+          <a:lstStyle/>
+          <a:p>
+            <a:pPr algn="ctr" defTabSz="914099" fontAlgn="base">
+              <a:spcBef>
+                <a:spcPct val="0"/>
+              </a:spcBef>
+              <a:spcAft>
+                <a:spcPct val="0"/>
+              </a:spcAft>
+            </a:pPr>
+            <a:r>
+              <a:rPr lang="en-US" sz="1600" dirty="0">
+                <a:solidFill>
+                  <a:schemeClr val="bg2">
+                    <a:lumMod val="50000"/>
+                  </a:schemeClr>
+                </a:solidFill>
+              </a:rPr>
+              <a:t>G5</a:t>
+            </a:r>
+          </a:p>
+        </p:txBody>
+      </p:sp>
+      <p:sp>
+        <p:nvSpPr>
+          <p:cNvPr id="55" name="TextBox 54"/>
+          <p:cNvSpPr txBox="1"/>
+          <p:nvPr/>
+        </p:nvSpPr>
+        <p:spPr>
+          <a:xfrm>
+            <a:off x="6406290" y="3882937"/>
+            <a:ext cx="2235677" cy="221599"/>
+          </a:xfrm>
+          <a:prstGeom prst="rect">
+            <a:avLst/>
+          </a:prstGeom>
+          <a:noFill/>
+        </p:spPr>
+        <p:txBody>
+          <a:bodyPr wrap="none" lIns="0" tIns="0" rIns="0" bIns="0" rtlCol="0">
+            <a:spAutoFit/>
+          </a:bodyPr>
+          <a:lstStyle/>
+          <a:p>
+            <a:pPr>
+              <a:lnSpc>
+                <a:spcPct val="90000"/>
+              </a:lnSpc>
+              <a:spcBef>
+                <a:spcPct val="20000"/>
+              </a:spcBef>
+              <a:buSzPct val="80000"/>
+            </a:pPr>
+            <a:r>
+              <a:rPr lang="en-US" sz="1600" dirty="0" smtClean="0">
+                <a:gradFill>
+                  <a:gsLst>
+                    <a:gs pos="0">
+                      <a:srgbClr val="292929">
+                        <a:lumMod val="90000"/>
+                        <a:lumOff val="10000"/>
+                      </a:srgbClr>
+                    </a:gs>
+                    <a:gs pos="86000">
+                      <a:srgbClr val="292929">
+                        <a:lumMod val="90000"/>
+                        <a:lumOff val="10000"/>
+                      </a:srgbClr>
+                    </a:gs>
+                  </a:gsLst>
+                  <a:lin ang="5400000" scaled="0"/>
+                </a:gradFill>
+              </a:rPr>
+              <a:t>Also available in GS sizes</a:t>
+            </a:r>
+            <a:endParaRPr lang="en-US" sz="1600" dirty="0">
+              <a:gradFill>
+                <a:gsLst>
+                  <a:gs pos="0">
+                    <a:srgbClr val="292929">
+                      <a:lumMod val="90000"/>
+                      <a:lumOff val="10000"/>
+                    </a:srgbClr>
+                  </a:gs>
+                  <a:gs pos="86000">
+                    <a:srgbClr val="292929">
+                      <a:lumMod val="90000"/>
+                      <a:lumOff val="10000"/>
+                    </a:srgbClr>
+                  </a:gs>
+                </a:gsLst>
+                <a:lin ang="5400000" scaled="0"/>
+              </a:gradFill>
+            </a:endParaRPr>
+          </a:p>
+        </p:txBody>
+      </p:sp>
+      <p:sp>
+        <p:nvSpPr>
+          <p:cNvPr id="56" name="Rectangle 55"/>
+          <p:cNvSpPr/>
+          <p:nvPr/>
+        </p:nvSpPr>
+        <p:spPr bwMode="auto">
+          <a:xfrm>
+            <a:off x="3324306" y="4123850"/>
+            <a:ext cx="600473" cy="430306"/>
+          </a:xfrm>
+          <a:prstGeom prst="rect">
+            <a:avLst/>
+          </a:prstGeom>
+          <a:solidFill>
+            <a:schemeClr val="accent3"/>
+          </a:solidFill>
+          <a:ln w="19050">
+            <a:noFill/>
+            <a:headEnd type="none" w="med" len="med"/>
+            <a:tailEnd type="none" w="med" len="med"/>
+          </a:ln>
+          <a:effectLst/>
+        </p:spPr>
+        <p:style>
+          <a:lnRef idx="1">
+            <a:schemeClr val="accent2"/>
+          </a:lnRef>
+          <a:fillRef idx="3">
+            <a:schemeClr val="accent2"/>
+          </a:fillRef>
+          <a:effectRef idx="2">
+            <a:schemeClr val="accent2"/>
+          </a:effectRef>
+          <a:fontRef idx="minor">
+            <a:schemeClr val="lt1"/>
+          </a:fontRef>
+        </p:style>
+        <p:txBody>
+          <a:bodyPr vert="horz" wrap="none" lIns="91436" tIns="45718" rIns="91436" bIns="45718" numCol="1" rtlCol="0" anchor="ctr" anchorCtr="0" compatLnSpc="1">
+            <a:prstTxWarp prst="textNoShape">
+              <a:avLst/>
+            </a:prstTxWarp>
+          </a:bodyPr>
+          <a:lstStyle/>
+          <a:p>
+            <a:pPr algn="ctr" defTabSz="914099" fontAlgn="base">
+              <a:spcBef>
+                <a:spcPct val="0"/>
+              </a:spcBef>
+              <a:spcAft>
+                <a:spcPct val="0"/>
+              </a:spcAft>
+            </a:pPr>
+            <a:r>
+              <a:rPr lang="en-US" sz="1600" dirty="0" smtClean="0">
+                <a:solidFill>
+                  <a:schemeClr val="bg1"/>
+                </a:solidFill>
+              </a:rPr>
+              <a:t>D1v2</a:t>
+            </a:r>
+            <a:endParaRPr lang="en-US" sz="1600" dirty="0">
+              <a:solidFill>
+                <a:schemeClr val="bg1"/>
+              </a:solidFill>
+            </a:endParaRPr>
+          </a:p>
+        </p:txBody>
+      </p:sp>
+      <p:sp>
+        <p:nvSpPr>
+          <p:cNvPr id="57" name="Rectangle 56"/>
+          <p:cNvSpPr/>
+          <p:nvPr/>
+        </p:nvSpPr>
+        <p:spPr bwMode="auto">
+          <a:xfrm>
+            <a:off x="3977487" y="4123850"/>
+            <a:ext cx="600474" cy="430306"/>
+          </a:xfrm>
+          <a:prstGeom prst="rect">
+            <a:avLst/>
+          </a:prstGeom>
+          <a:solidFill>
+            <a:schemeClr val="accent3"/>
+          </a:solidFill>
+          <a:ln w="19050">
+            <a:noFill/>
+            <a:headEnd type="none" w="med" len="med"/>
+            <a:tailEnd type="none" w="med" len="med"/>
+          </a:ln>
+          <a:effectLst/>
+        </p:spPr>
+        <p:style>
+          <a:lnRef idx="1">
+            <a:schemeClr val="accent2"/>
+          </a:lnRef>
+          <a:fillRef idx="3">
+            <a:schemeClr val="accent2"/>
+          </a:fillRef>
+          <a:effectRef idx="2">
+            <a:schemeClr val="accent2"/>
+          </a:effectRef>
+          <a:fontRef idx="minor">
+            <a:schemeClr val="lt1"/>
+          </a:fontRef>
+        </p:style>
+        <p:txBody>
+          <a:bodyPr vert="horz" wrap="none" lIns="91436" tIns="45718" rIns="91436" bIns="45718" numCol="1" rtlCol="0" anchor="ctr" anchorCtr="0" compatLnSpc="1">
+            <a:prstTxWarp prst="textNoShape">
+              <a:avLst/>
+            </a:prstTxWarp>
+          </a:bodyPr>
+          <a:lstStyle/>
+          <a:p>
+            <a:pPr algn="ctr" defTabSz="914099" fontAlgn="base">
+              <a:spcBef>
+                <a:spcPct val="0"/>
+              </a:spcBef>
+              <a:spcAft>
+                <a:spcPct val="0"/>
+              </a:spcAft>
+            </a:pPr>
+            <a:r>
+              <a:rPr lang="en-US" sz="1600" dirty="0" smtClean="0">
+                <a:solidFill>
+                  <a:schemeClr val="bg1"/>
+                </a:solidFill>
+              </a:rPr>
+              <a:t>D2v2</a:t>
+            </a:r>
+            <a:endParaRPr lang="en-US" sz="1600" dirty="0">
+              <a:solidFill>
+                <a:schemeClr val="bg1"/>
+              </a:solidFill>
+            </a:endParaRPr>
+          </a:p>
+        </p:txBody>
+      </p:sp>
+      <p:sp>
+        <p:nvSpPr>
+          <p:cNvPr id="58" name="Rectangle 57"/>
+          <p:cNvSpPr/>
+          <p:nvPr/>
+        </p:nvSpPr>
+        <p:spPr bwMode="auto">
+          <a:xfrm>
+            <a:off x="4630668" y="4123850"/>
+            <a:ext cx="600474" cy="430306"/>
+          </a:xfrm>
+          <a:prstGeom prst="rect">
+            <a:avLst/>
+          </a:prstGeom>
+          <a:solidFill>
+            <a:schemeClr val="accent3"/>
+          </a:solidFill>
+          <a:ln w="19050">
+            <a:noFill/>
+            <a:headEnd type="none" w="med" len="med"/>
+            <a:tailEnd type="none" w="med" len="med"/>
+          </a:ln>
+          <a:effectLst/>
+        </p:spPr>
+        <p:style>
+          <a:lnRef idx="1">
+            <a:schemeClr val="accent2"/>
+          </a:lnRef>
+          <a:fillRef idx="3">
+            <a:schemeClr val="accent2"/>
+          </a:fillRef>
+          <a:effectRef idx="2">
+            <a:schemeClr val="accent2"/>
+          </a:effectRef>
+          <a:fontRef idx="minor">
+            <a:schemeClr val="lt1"/>
+          </a:fontRef>
+        </p:style>
+        <p:txBody>
+          <a:bodyPr vert="horz" wrap="none" lIns="91436" tIns="45718" rIns="91436" bIns="45718" numCol="1" rtlCol="0" anchor="ctr" anchorCtr="0" compatLnSpc="1">
+            <a:prstTxWarp prst="textNoShape">
+              <a:avLst/>
+            </a:prstTxWarp>
+          </a:bodyPr>
+          <a:lstStyle/>
+          <a:p>
+            <a:pPr algn="ctr" defTabSz="914099" fontAlgn="base">
+              <a:spcBef>
+                <a:spcPct val="0"/>
+              </a:spcBef>
+              <a:spcAft>
+                <a:spcPct val="0"/>
+              </a:spcAft>
+            </a:pPr>
+            <a:r>
+              <a:rPr lang="en-US" sz="1600" dirty="0" smtClean="0">
+                <a:solidFill>
+                  <a:schemeClr val="bg1"/>
+                </a:solidFill>
+              </a:rPr>
+              <a:t>D3v2</a:t>
+            </a:r>
+            <a:endParaRPr lang="en-US" sz="1600" dirty="0">
+              <a:solidFill>
+                <a:schemeClr val="bg1"/>
+              </a:solidFill>
+            </a:endParaRPr>
+          </a:p>
+        </p:txBody>
+      </p:sp>
+      <p:sp>
+        <p:nvSpPr>
+          <p:cNvPr id="59" name="Rectangle 58"/>
+          <p:cNvSpPr/>
+          <p:nvPr/>
+        </p:nvSpPr>
+        <p:spPr bwMode="auto">
+          <a:xfrm>
+            <a:off x="5283849" y="4123850"/>
+            <a:ext cx="600474" cy="430306"/>
+          </a:xfrm>
+          <a:prstGeom prst="rect">
+            <a:avLst/>
+          </a:prstGeom>
+          <a:solidFill>
+            <a:schemeClr val="accent3"/>
+          </a:solidFill>
+          <a:ln w="19050">
+            <a:noFill/>
+            <a:headEnd type="none" w="med" len="med"/>
+            <a:tailEnd type="none" w="med" len="med"/>
+          </a:ln>
+          <a:effectLst/>
+        </p:spPr>
+        <p:style>
+          <a:lnRef idx="1">
+            <a:schemeClr val="accent2"/>
+          </a:lnRef>
+          <a:fillRef idx="3">
+            <a:schemeClr val="accent2"/>
+          </a:fillRef>
+          <a:effectRef idx="2">
+            <a:schemeClr val="accent2"/>
+          </a:effectRef>
+          <a:fontRef idx="minor">
+            <a:schemeClr val="lt1"/>
+          </a:fontRef>
+        </p:style>
+        <p:txBody>
+          <a:bodyPr vert="horz" wrap="none" lIns="91436" tIns="45718" rIns="91436" bIns="45718" numCol="1" rtlCol="0" anchor="ctr" anchorCtr="0" compatLnSpc="1">
+            <a:prstTxWarp prst="textNoShape">
+              <a:avLst/>
+            </a:prstTxWarp>
+          </a:bodyPr>
+          <a:lstStyle/>
+          <a:p>
+            <a:pPr algn="ctr" defTabSz="914099" fontAlgn="base">
+              <a:spcBef>
+                <a:spcPct val="0"/>
+              </a:spcBef>
+              <a:spcAft>
+                <a:spcPct val="0"/>
+              </a:spcAft>
+            </a:pPr>
+            <a:r>
+              <a:rPr lang="en-US" sz="1600" dirty="0" smtClean="0">
+                <a:solidFill>
+                  <a:schemeClr val="bg1"/>
+                </a:solidFill>
+              </a:rPr>
+              <a:t>D4v2</a:t>
+            </a:r>
+            <a:endParaRPr lang="en-US" sz="1600" dirty="0">
+              <a:solidFill>
+                <a:schemeClr val="bg1"/>
+              </a:solidFill>
+            </a:endParaRPr>
+          </a:p>
+        </p:txBody>
+      </p:sp>
+      <p:sp>
+        <p:nvSpPr>
+          <p:cNvPr id="60" name="Rectangle 59"/>
+          <p:cNvSpPr/>
+          <p:nvPr/>
+        </p:nvSpPr>
+        <p:spPr bwMode="auto">
+          <a:xfrm>
+            <a:off x="3324306" y="4638857"/>
+            <a:ext cx="600474" cy="430306"/>
+          </a:xfrm>
+          <a:prstGeom prst="rect">
+            <a:avLst/>
+          </a:prstGeom>
+          <a:solidFill>
+            <a:schemeClr val="accent3"/>
+          </a:solidFill>
+          <a:ln w="19050">
+            <a:noFill/>
+            <a:headEnd type="none" w="med" len="med"/>
+            <a:tailEnd type="none" w="med" len="med"/>
+          </a:ln>
+          <a:effectLst/>
+        </p:spPr>
+        <p:style>
+          <a:lnRef idx="1">
+            <a:schemeClr val="accent2"/>
+          </a:lnRef>
+          <a:fillRef idx="3">
+            <a:schemeClr val="accent2"/>
+          </a:fillRef>
+          <a:effectRef idx="2">
+            <a:schemeClr val="accent2"/>
+          </a:effectRef>
+          <a:fontRef idx="minor">
+            <a:schemeClr val="lt1"/>
+          </a:fontRef>
+        </p:style>
+        <p:txBody>
+          <a:bodyPr vert="horz" wrap="none" lIns="91436" tIns="45718" rIns="91436" bIns="45718" numCol="1" rtlCol="0" anchor="ctr" anchorCtr="0" compatLnSpc="1">
+            <a:prstTxWarp prst="textNoShape">
+              <a:avLst/>
+            </a:prstTxWarp>
+          </a:bodyPr>
+          <a:lstStyle/>
+          <a:p>
+            <a:pPr algn="ctr" defTabSz="914099" fontAlgn="base">
+              <a:spcBef>
+                <a:spcPct val="0"/>
+              </a:spcBef>
+              <a:spcAft>
+                <a:spcPct val="0"/>
+              </a:spcAft>
+            </a:pPr>
+            <a:r>
+              <a:rPr lang="en-US" sz="1500" dirty="0" smtClean="0">
+                <a:solidFill>
+                  <a:schemeClr val="bg1"/>
+                </a:solidFill>
+              </a:rPr>
+              <a:t>D11v2</a:t>
+            </a:r>
+            <a:endParaRPr lang="en-US" sz="1500" dirty="0">
+              <a:solidFill>
+                <a:schemeClr val="bg1"/>
+              </a:solidFill>
+            </a:endParaRPr>
+          </a:p>
+        </p:txBody>
+      </p:sp>
+      <p:sp>
+        <p:nvSpPr>
+          <p:cNvPr id="61" name="Rectangle 60"/>
+          <p:cNvSpPr/>
+          <p:nvPr/>
+        </p:nvSpPr>
+        <p:spPr bwMode="auto">
+          <a:xfrm>
+            <a:off x="3977487" y="4638857"/>
+            <a:ext cx="600474" cy="430306"/>
+          </a:xfrm>
+          <a:prstGeom prst="rect">
+            <a:avLst/>
+          </a:prstGeom>
+          <a:solidFill>
+            <a:schemeClr val="accent3"/>
+          </a:solidFill>
+          <a:ln w="19050">
+            <a:noFill/>
+            <a:headEnd type="none" w="med" len="med"/>
+            <a:tailEnd type="none" w="med" len="med"/>
+          </a:ln>
+          <a:effectLst/>
+        </p:spPr>
+        <p:style>
+          <a:lnRef idx="1">
+            <a:schemeClr val="accent2"/>
+          </a:lnRef>
+          <a:fillRef idx="3">
+            <a:schemeClr val="accent2"/>
+          </a:fillRef>
+          <a:effectRef idx="2">
+            <a:schemeClr val="accent2"/>
+          </a:effectRef>
+          <a:fontRef idx="minor">
+            <a:schemeClr val="lt1"/>
+          </a:fontRef>
+        </p:style>
+        <p:txBody>
+          <a:bodyPr vert="horz" wrap="none" lIns="91436" tIns="45718" rIns="91436" bIns="45718" numCol="1" rtlCol="0" anchor="ctr" anchorCtr="0" compatLnSpc="1">
+            <a:prstTxWarp prst="textNoShape">
+              <a:avLst/>
+            </a:prstTxWarp>
+          </a:bodyPr>
+          <a:lstStyle/>
+          <a:p>
+            <a:pPr algn="ctr" defTabSz="914099" fontAlgn="base">
+              <a:spcBef>
+                <a:spcPct val="0"/>
+              </a:spcBef>
+              <a:spcAft>
+                <a:spcPct val="0"/>
+              </a:spcAft>
+            </a:pPr>
+            <a:r>
+              <a:rPr lang="en-US" sz="1500" dirty="0" smtClean="0">
+                <a:solidFill>
+                  <a:schemeClr val="bg1"/>
+                </a:solidFill>
+              </a:rPr>
+              <a:t>D12v2</a:t>
+            </a:r>
+            <a:endParaRPr lang="en-US" sz="1500" dirty="0">
+              <a:solidFill>
+                <a:schemeClr val="bg1"/>
+              </a:solidFill>
+            </a:endParaRPr>
+          </a:p>
+        </p:txBody>
+      </p:sp>
+      <p:sp>
+        <p:nvSpPr>
+          <p:cNvPr id="62" name="Rectangle 61"/>
+          <p:cNvSpPr/>
+          <p:nvPr/>
+        </p:nvSpPr>
+        <p:spPr bwMode="auto">
+          <a:xfrm>
+            <a:off x="4630668" y="4638857"/>
+            <a:ext cx="600474" cy="430306"/>
+          </a:xfrm>
+          <a:prstGeom prst="rect">
+            <a:avLst/>
+          </a:prstGeom>
+          <a:solidFill>
+            <a:schemeClr val="accent3"/>
+          </a:solidFill>
+          <a:ln w="19050">
+            <a:noFill/>
+            <a:headEnd type="none" w="med" len="med"/>
+            <a:tailEnd type="none" w="med" len="med"/>
+          </a:ln>
+          <a:effectLst/>
+        </p:spPr>
+        <p:style>
+          <a:lnRef idx="1">
+            <a:schemeClr val="accent2"/>
+          </a:lnRef>
+          <a:fillRef idx="3">
+            <a:schemeClr val="accent2"/>
+          </a:fillRef>
+          <a:effectRef idx="2">
+            <a:schemeClr val="accent2"/>
+          </a:effectRef>
+          <a:fontRef idx="minor">
+            <a:schemeClr val="lt1"/>
+          </a:fontRef>
+        </p:style>
+        <p:txBody>
+          <a:bodyPr vert="horz" wrap="none" lIns="91436" tIns="45718" rIns="91436" bIns="45718" numCol="1" rtlCol="0" anchor="ctr" anchorCtr="0" compatLnSpc="1">
+            <a:prstTxWarp prst="textNoShape">
+              <a:avLst/>
+            </a:prstTxWarp>
+          </a:bodyPr>
+          <a:lstStyle/>
+          <a:p>
+            <a:pPr algn="ctr" defTabSz="914099" fontAlgn="base">
+              <a:spcBef>
+                <a:spcPct val="0"/>
+              </a:spcBef>
+              <a:spcAft>
+                <a:spcPct val="0"/>
+              </a:spcAft>
+            </a:pPr>
+            <a:r>
+              <a:rPr lang="en-US" sz="1500" dirty="0" smtClean="0">
+                <a:solidFill>
+                  <a:schemeClr val="bg1"/>
+                </a:solidFill>
+              </a:rPr>
+              <a:t>D13v2</a:t>
+            </a:r>
+            <a:endParaRPr lang="en-US" sz="1500" dirty="0">
+              <a:solidFill>
+                <a:schemeClr val="bg1"/>
+              </a:solidFill>
+            </a:endParaRPr>
+          </a:p>
+        </p:txBody>
+      </p:sp>
+      <p:sp>
+        <p:nvSpPr>
+          <p:cNvPr id="63" name="Rectangle 62"/>
+          <p:cNvSpPr/>
+          <p:nvPr/>
+        </p:nvSpPr>
+        <p:spPr bwMode="auto">
+          <a:xfrm>
+            <a:off x="5283849" y="4638857"/>
+            <a:ext cx="600474" cy="430306"/>
+          </a:xfrm>
+          <a:prstGeom prst="rect">
+            <a:avLst/>
+          </a:prstGeom>
+          <a:solidFill>
+            <a:schemeClr val="accent3"/>
+          </a:solidFill>
+          <a:ln w="19050">
+            <a:noFill/>
+            <a:headEnd type="none" w="med" len="med"/>
+            <a:tailEnd type="none" w="med" len="med"/>
+          </a:ln>
+          <a:effectLst/>
+        </p:spPr>
+        <p:style>
+          <a:lnRef idx="1">
+            <a:schemeClr val="accent2"/>
+          </a:lnRef>
+          <a:fillRef idx="3">
+            <a:schemeClr val="accent2"/>
+          </a:fillRef>
+          <a:effectRef idx="2">
+            <a:schemeClr val="accent2"/>
+          </a:effectRef>
+          <a:fontRef idx="minor">
+            <a:schemeClr val="lt1"/>
+          </a:fontRef>
+        </p:style>
+        <p:txBody>
+          <a:bodyPr vert="horz" wrap="none" lIns="91436" tIns="45718" rIns="91436" bIns="45718" numCol="1" rtlCol="0" anchor="ctr" anchorCtr="0" compatLnSpc="1">
+            <a:prstTxWarp prst="textNoShape">
+              <a:avLst/>
+            </a:prstTxWarp>
+          </a:bodyPr>
+          <a:lstStyle/>
+          <a:p>
+            <a:pPr algn="ctr" defTabSz="914099" fontAlgn="base">
+              <a:spcBef>
+                <a:spcPct val="0"/>
+              </a:spcBef>
+              <a:spcAft>
+                <a:spcPct val="0"/>
+              </a:spcAft>
+            </a:pPr>
+            <a:r>
+              <a:rPr lang="en-US" sz="1500" dirty="0" smtClean="0">
+                <a:solidFill>
+                  <a:schemeClr val="bg1"/>
+                </a:solidFill>
+              </a:rPr>
+              <a:t>D14v2</a:t>
+            </a:r>
+            <a:endParaRPr lang="en-US" sz="1500" dirty="0">
+              <a:solidFill>
+                <a:schemeClr val="bg1"/>
+              </a:solidFill>
+            </a:endParaRPr>
+          </a:p>
+        </p:txBody>
+      </p:sp>
+      <p:sp>
+        <p:nvSpPr>
+          <p:cNvPr id="64" name="TextBox 63"/>
+          <p:cNvSpPr txBox="1"/>
+          <p:nvPr/>
+        </p:nvSpPr>
+        <p:spPr>
+          <a:xfrm>
+            <a:off x="3324306" y="3888355"/>
+            <a:ext cx="2238883" cy="221599"/>
+          </a:xfrm>
+          <a:prstGeom prst="rect">
+            <a:avLst/>
+          </a:prstGeom>
+          <a:noFill/>
+        </p:spPr>
+        <p:txBody>
+          <a:bodyPr wrap="none" lIns="0" tIns="0" rIns="0" bIns="0" rtlCol="0">
+            <a:spAutoFit/>
+          </a:bodyPr>
+          <a:lstStyle/>
+          <a:p>
+            <a:pPr>
+              <a:lnSpc>
+                <a:spcPct val="90000"/>
+              </a:lnSpc>
+              <a:spcBef>
+                <a:spcPct val="20000"/>
+              </a:spcBef>
+              <a:buSzPct val="80000"/>
+            </a:pPr>
+            <a:r>
+              <a:rPr lang="en-US" sz="1600" dirty="0" smtClean="0">
+                <a:gradFill>
+                  <a:gsLst>
+                    <a:gs pos="0">
+                      <a:srgbClr val="292929">
+                        <a:lumMod val="90000"/>
+                        <a:lumOff val="10000"/>
+                      </a:srgbClr>
+                    </a:gs>
+                    <a:gs pos="86000">
+                      <a:srgbClr val="292929">
+                        <a:lumMod val="90000"/>
+                        <a:lumOff val="10000"/>
+                      </a:srgbClr>
+                    </a:gs>
+                  </a:gsLst>
+                  <a:lin ang="5400000" scaled="0"/>
+                </a:gradFill>
+              </a:rPr>
+              <a:t>Also available in DS sizes</a:t>
+            </a:r>
+            <a:endParaRPr lang="en-US" sz="1600" dirty="0">
+              <a:gradFill>
+                <a:gsLst>
+                  <a:gs pos="0">
+                    <a:srgbClr val="292929">
+                      <a:lumMod val="90000"/>
+                      <a:lumOff val="10000"/>
+                    </a:srgbClr>
+                  </a:gs>
+                  <a:gs pos="86000">
+                    <a:srgbClr val="292929">
+                      <a:lumMod val="90000"/>
+                      <a:lumOff val="10000"/>
+                    </a:srgbClr>
+                  </a:gs>
+                </a:gsLst>
+                <a:lin ang="5400000" scaled="0"/>
+              </a:gradFill>
+            </a:endParaRPr>
+          </a:p>
+        </p:txBody>
+      </p:sp>
+      <p:sp>
+        <p:nvSpPr>
+          <p:cNvPr id="65" name="Rectangle 64"/>
+          <p:cNvSpPr/>
+          <p:nvPr/>
+        </p:nvSpPr>
+        <p:spPr bwMode="auto">
+          <a:xfrm>
+            <a:off x="4624517" y="5554775"/>
+            <a:ext cx="1242773" cy="430306"/>
+          </a:xfrm>
+          <a:prstGeom prst="rect">
+            <a:avLst/>
+          </a:prstGeom>
+          <a:solidFill>
+            <a:schemeClr val="accent3"/>
+          </a:solidFill>
+          <a:ln w="19050">
+            <a:noFill/>
+            <a:headEnd type="none" w="med" len="med"/>
+            <a:tailEnd type="none" w="med" len="med"/>
+          </a:ln>
+          <a:effectLst/>
+        </p:spPr>
+        <p:style>
+          <a:lnRef idx="1">
+            <a:schemeClr val="accent2"/>
+          </a:lnRef>
+          <a:fillRef idx="3">
+            <a:schemeClr val="accent2"/>
+          </a:fillRef>
+          <a:effectRef idx="2">
+            <a:schemeClr val="accent2"/>
+          </a:effectRef>
+          <a:fontRef idx="minor">
+            <a:schemeClr val="lt1"/>
+          </a:fontRef>
+        </p:style>
+        <p:txBody>
+          <a:bodyPr vert="horz" wrap="none" lIns="91436" tIns="45718" rIns="91436" bIns="45718" numCol="1" rtlCol="0" anchor="ctr" anchorCtr="0" compatLnSpc="1">
+            <a:prstTxWarp prst="textNoShape">
+              <a:avLst/>
+            </a:prstTxWarp>
+          </a:bodyPr>
+          <a:lstStyle/>
+          <a:p>
+            <a:pPr algn="ctr" defTabSz="914099" fontAlgn="base">
+              <a:spcBef>
+                <a:spcPct val="0"/>
+              </a:spcBef>
+              <a:spcAft>
+                <a:spcPct val="0"/>
+              </a:spcAft>
+            </a:pPr>
+            <a:r>
+              <a:rPr lang="en-US" sz="1600" dirty="0" smtClean="0">
+                <a:solidFill>
+                  <a:schemeClr val="bg1"/>
+                </a:solidFill>
+              </a:rPr>
+              <a:t>DS15v2</a:t>
+            </a:r>
+            <a:endParaRPr lang="en-US" sz="1600" dirty="0">
+              <a:solidFill>
+                <a:schemeClr val="bg1"/>
+              </a:solidFill>
+            </a:endParaRPr>
+          </a:p>
+        </p:txBody>
+      </p:sp>
+      <p:sp>
+        <p:nvSpPr>
+          <p:cNvPr id="66" name="TextBox 65"/>
+          <p:cNvSpPr txBox="1"/>
+          <p:nvPr/>
+        </p:nvSpPr>
+        <p:spPr>
+          <a:xfrm>
+            <a:off x="6406290" y="5324079"/>
+            <a:ext cx="2182200" cy="221599"/>
+          </a:xfrm>
+          <a:prstGeom prst="rect">
+            <a:avLst/>
+          </a:prstGeom>
+          <a:noFill/>
+        </p:spPr>
+        <p:txBody>
+          <a:bodyPr wrap="none" lIns="0" tIns="0" rIns="0" bIns="0" rtlCol="0">
+            <a:spAutoFit/>
+          </a:bodyPr>
+          <a:lstStyle/>
+          <a:p>
+            <a:pPr>
+              <a:lnSpc>
+                <a:spcPct val="90000"/>
+              </a:lnSpc>
+              <a:spcBef>
+                <a:spcPct val="20000"/>
+              </a:spcBef>
+              <a:buSzPct val="80000"/>
+            </a:pPr>
+            <a:r>
+              <a:rPr lang="en-US" sz="1600" dirty="0" smtClean="0">
+                <a:gradFill>
+                  <a:gsLst>
+                    <a:gs pos="0">
+                      <a:srgbClr val="292929">
+                        <a:lumMod val="90000"/>
+                        <a:lumOff val="10000"/>
+                      </a:srgbClr>
+                    </a:gs>
+                    <a:gs pos="86000">
+                      <a:srgbClr val="292929">
+                        <a:lumMod val="90000"/>
+                        <a:lumOff val="10000"/>
+                      </a:srgbClr>
+                    </a:gs>
+                  </a:gsLst>
+                  <a:lin ang="5400000" scaled="0"/>
+                </a:gradFill>
+              </a:rPr>
+              <a:t>Molecular modeling etc.</a:t>
+            </a:r>
+            <a:endParaRPr lang="en-US" sz="1600" dirty="0">
+              <a:gradFill>
+                <a:gsLst>
+                  <a:gs pos="0">
+                    <a:srgbClr val="292929">
+                      <a:lumMod val="90000"/>
+                      <a:lumOff val="10000"/>
+                    </a:srgbClr>
+                  </a:gs>
+                  <a:gs pos="86000">
+                    <a:srgbClr val="292929">
+                      <a:lumMod val="90000"/>
+                      <a:lumOff val="10000"/>
+                    </a:srgbClr>
+                  </a:gs>
+                </a:gsLst>
+                <a:lin ang="5400000" scaled="0"/>
+              </a:gradFill>
+            </a:endParaRPr>
+          </a:p>
+        </p:txBody>
+      </p:sp>
+      <p:sp>
+        <p:nvSpPr>
+          <p:cNvPr id="67" name="TextBox 66"/>
+          <p:cNvSpPr txBox="1"/>
+          <p:nvPr/>
+        </p:nvSpPr>
+        <p:spPr>
+          <a:xfrm>
+            <a:off x="3324305" y="5324079"/>
+            <a:ext cx="2007473" cy="221599"/>
+          </a:xfrm>
+          <a:prstGeom prst="rect">
+            <a:avLst/>
+          </a:prstGeom>
+          <a:noFill/>
+        </p:spPr>
+        <p:txBody>
+          <a:bodyPr wrap="none" lIns="0" tIns="0" rIns="0" bIns="0" rtlCol="0">
+            <a:spAutoFit/>
+          </a:bodyPr>
+          <a:lstStyle/>
+          <a:p>
+            <a:pPr>
+              <a:lnSpc>
+                <a:spcPct val="90000"/>
+              </a:lnSpc>
+              <a:spcBef>
+                <a:spcPct val="20000"/>
+              </a:spcBef>
+              <a:buSzPct val="80000"/>
+            </a:pPr>
+            <a:r>
+              <a:rPr lang="en-US" sz="1600" dirty="0" smtClean="0">
+                <a:gradFill>
+                  <a:gsLst>
+                    <a:gs pos="0">
+                      <a:srgbClr val="292929">
+                        <a:lumMod val="90000"/>
+                        <a:lumOff val="10000"/>
+                      </a:srgbClr>
+                    </a:gs>
+                    <a:gs pos="86000">
+                      <a:srgbClr val="292929">
+                        <a:lumMod val="90000"/>
+                        <a:lumOff val="10000"/>
+                      </a:srgbClr>
+                    </a:gs>
+                  </a:gsLst>
+                  <a:lin ang="5400000" scaled="0"/>
+                </a:gradFill>
+              </a:rPr>
+              <a:t>20 cores, 140 GB Ram</a:t>
+            </a:r>
+            <a:endParaRPr lang="en-US" sz="1600" dirty="0">
+              <a:gradFill>
+                <a:gsLst>
+                  <a:gs pos="0">
+                    <a:srgbClr val="292929">
+                      <a:lumMod val="90000"/>
+                      <a:lumOff val="10000"/>
+                    </a:srgbClr>
+                  </a:gs>
+                  <a:gs pos="86000">
+                    <a:srgbClr val="292929">
+                      <a:lumMod val="90000"/>
+                      <a:lumOff val="10000"/>
+                    </a:srgbClr>
+                  </a:gs>
+                </a:gsLst>
+                <a:lin ang="5400000" scaled="0"/>
+              </a:gradFill>
+            </a:endParaRPr>
+          </a:p>
+        </p:txBody>
+      </p:sp>
+      <p:sp>
+        <p:nvSpPr>
+          <p:cNvPr id="68" name="TextBox 67"/>
+          <p:cNvSpPr txBox="1"/>
+          <p:nvPr/>
+        </p:nvSpPr>
+        <p:spPr>
+          <a:xfrm>
+            <a:off x="280724" y="2458339"/>
+            <a:ext cx="2690352" cy="221599"/>
+          </a:xfrm>
+          <a:prstGeom prst="rect">
+            <a:avLst/>
+          </a:prstGeom>
+          <a:noFill/>
+        </p:spPr>
+        <p:txBody>
+          <a:bodyPr wrap="none" lIns="0" tIns="0" rIns="0" bIns="0" rtlCol="0">
+            <a:spAutoFit/>
+          </a:bodyPr>
+          <a:lstStyle/>
+          <a:p>
+            <a:pPr>
+              <a:lnSpc>
+                <a:spcPct val="90000"/>
+              </a:lnSpc>
+              <a:spcBef>
+                <a:spcPct val="20000"/>
+              </a:spcBef>
+              <a:buSzPct val="80000"/>
+            </a:pPr>
+            <a:r>
+              <a:rPr lang="en-US" sz="1600" dirty="0" smtClean="0">
+                <a:gradFill>
+                  <a:gsLst>
+                    <a:gs pos="0">
+                      <a:srgbClr val="292929">
+                        <a:lumMod val="90000"/>
+                        <a:lumOff val="10000"/>
+                      </a:srgbClr>
+                    </a:gs>
+                    <a:gs pos="86000">
+                      <a:srgbClr val="292929">
+                        <a:lumMod val="90000"/>
+                        <a:lumOff val="10000"/>
+                      </a:srgbClr>
+                    </a:gs>
+                  </a:gsLst>
+                  <a:lin ang="5400000" scaled="0"/>
+                </a:gradFill>
+              </a:rPr>
+              <a:t>Up to 8 cores and 56 GB RAM</a:t>
+            </a:r>
+            <a:endParaRPr lang="en-US" sz="1600" dirty="0">
+              <a:gradFill>
+                <a:gsLst>
+                  <a:gs pos="0">
+                    <a:srgbClr val="292929">
+                      <a:lumMod val="90000"/>
+                      <a:lumOff val="10000"/>
+                    </a:srgbClr>
+                  </a:gs>
+                  <a:gs pos="86000">
+                    <a:srgbClr val="292929">
+                      <a:lumMod val="90000"/>
+                      <a:lumOff val="10000"/>
+                    </a:srgbClr>
+                  </a:gs>
+                </a:gsLst>
+                <a:lin ang="5400000" scaled="0"/>
+              </a:gradFill>
+            </a:endParaRPr>
+          </a:p>
+        </p:txBody>
+      </p:sp>
+      <p:sp>
+        <p:nvSpPr>
+          <p:cNvPr id="69" name="TextBox 68"/>
+          <p:cNvSpPr txBox="1"/>
+          <p:nvPr/>
+        </p:nvSpPr>
+        <p:spPr>
+          <a:xfrm>
+            <a:off x="9414995" y="6272999"/>
+            <a:ext cx="1943865" cy="221599"/>
+          </a:xfrm>
+          <a:prstGeom prst="rect">
+            <a:avLst/>
+          </a:prstGeom>
+          <a:noFill/>
+        </p:spPr>
+        <p:txBody>
+          <a:bodyPr wrap="none" lIns="0" tIns="0" rIns="0" bIns="0" rtlCol="0">
+            <a:spAutoFit/>
+          </a:bodyPr>
+          <a:lstStyle/>
+          <a:p>
+            <a:pPr>
+              <a:lnSpc>
+                <a:spcPct val="90000"/>
+              </a:lnSpc>
+              <a:spcBef>
+                <a:spcPct val="20000"/>
+              </a:spcBef>
+              <a:buSzPct val="80000"/>
+            </a:pPr>
+            <a:r>
+              <a:rPr lang="en-US" sz="1600" dirty="0" smtClean="0">
+                <a:solidFill>
+                  <a:schemeClr val="accent2"/>
+                </a:solidFill>
+              </a:rPr>
+              <a:t>* </a:t>
+            </a:r>
+            <a:r>
+              <a:rPr lang="en-US" sz="1600" i="1" dirty="0" smtClean="0">
+                <a:solidFill>
+                  <a:schemeClr val="accent2"/>
+                </a:solidFill>
+              </a:rPr>
+              <a:t>Currently in preview</a:t>
+            </a:r>
+            <a:endParaRPr lang="en-US" sz="1600" i="1" dirty="0">
+              <a:solidFill>
+                <a:schemeClr val="accent2"/>
+              </a:solidFill>
+            </a:endParaRPr>
+          </a:p>
+        </p:txBody>
+      </p:sp>
+      <p:cxnSp>
+        <p:nvCxnSpPr>
+          <p:cNvPr id="70" name="Straight Connector 69"/>
+          <p:cNvCxnSpPr/>
+          <p:nvPr/>
+        </p:nvCxnSpPr>
+        <p:spPr>
+          <a:xfrm flipH="1">
+            <a:off x="3068799" y="1587561"/>
+            <a:ext cx="11967" cy="5270439"/>
+          </a:xfrm>
+          <a:prstGeom prst="line">
+            <a:avLst/>
+          </a:prstGeom>
+          <a:ln>
+            <a:solidFill>
+              <a:srgbClr val="5095D1"/>
+            </a:solidFill>
+          </a:ln>
+        </p:spPr>
+        <p:style>
+          <a:lnRef idx="1">
+            <a:schemeClr val="accent1"/>
+          </a:lnRef>
+          <a:fillRef idx="0">
+            <a:schemeClr val="accent1"/>
+          </a:fillRef>
+          <a:effectRef idx="0">
+            <a:schemeClr val="accent1"/>
+          </a:effectRef>
+          <a:fontRef idx="minor">
+            <a:schemeClr val="tx1"/>
+          </a:fontRef>
+        </p:style>
+      </p:cxnSp>
+      <p:sp>
+        <p:nvSpPr>
+          <p:cNvPr id="73" name="Rectangle 72"/>
+          <p:cNvSpPr/>
+          <p:nvPr/>
+        </p:nvSpPr>
+        <p:spPr>
+          <a:xfrm>
+            <a:off x="9204231" y="1690688"/>
+            <a:ext cx="2987769" cy="618631"/>
           </a:xfrm>
           <a:prstGeom prst="rect">
             <a:avLst/>
@@ -20257,89 +24637,165 @@
           </a:bodyPr>
           <a:lstStyle/>
           <a:p>
-            <a:pPr>
+            <a:pPr algn="ctr">
               <a:lnSpc>
                 <a:spcPct val="95000"/>
               </a:lnSpc>
               <a:buSzPct val="90000"/>
             </a:pPr>
             <a:r>
-              <a:rPr lang="en-US" sz="2400" spc="-200" dirty="0" smtClean="0">
+              <a:rPr lang="en-US" sz="3600" spc="-200" dirty="0" smtClean="0">
                 <a:solidFill>
-                  <a:srgbClr val="235888"/>
+                  <a:schemeClr val="accent2"/>
                 </a:solidFill>
                 <a:latin typeface="Segoe UI Light" panose="020B0502040204020203" pitchFamily="34" charset="0"/>
                 <a:cs typeface="Segoe UI Light" panose="020B0502040204020203" pitchFamily="34" charset="0"/>
               </a:rPr>
-              <a:t>Up to 100% faster than A-series</a:t>
-            </a:r>
-          </a:p>
-          <a:p>
-            <a:pPr>
-              <a:lnSpc>
-                <a:spcPct val="95000"/>
-              </a:lnSpc>
-              <a:buSzPct val="90000"/>
-            </a:pPr>
-            <a:r>
-              <a:rPr lang="en-US" sz="2400" spc="-200" dirty="0" smtClean="0">
-                <a:solidFill>
-                  <a:srgbClr val="235888"/>
-                </a:solidFill>
-                <a:latin typeface="Segoe UI Light" panose="020B0502040204020203" pitchFamily="34" charset="0"/>
-                <a:cs typeface="Segoe UI Light" panose="020B0502040204020203" pitchFamily="34" charset="0"/>
-              </a:rPr>
-              <a:t>Up to 112 GB RAM and 16 cores</a:t>
-            </a:r>
-          </a:p>
-          <a:p>
-            <a:pPr>
-              <a:lnSpc>
-                <a:spcPct val="95000"/>
-              </a:lnSpc>
-              <a:buSzPct val="90000"/>
-            </a:pPr>
-            <a:r>
-              <a:rPr lang="en-US" sz="2400" spc="-200" dirty="0" smtClean="0">
-                <a:solidFill>
-                  <a:srgbClr val="235888"/>
-                </a:solidFill>
-                <a:latin typeface="Segoe UI Light" panose="020B0502040204020203" pitchFamily="34" charset="0"/>
-                <a:cs typeface="Segoe UI Light" panose="020B0502040204020203" pitchFamily="34" charset="0"/>
-              </a:rPr>
-              <a:t>Up to 32 data disks (1 TB each)</a:t>
-            </a:r>
-          </a:p>
-          <a:p>
-            <a:pPr>
-              <a:lnSpc>
-                <a:spcPct val="95000"/>
-              </a:lnSpc>
-              <a:buSzPct val="90000"/>
-            </a:pPr>
-            <a:r>
-              <a:rPr lang="en-US" sz="2400" spc="-200" dirty="0" smtClean="0">
-                <a:solidFill>
-                  <a:srgbClr val="235888"/>
-                </a:solidFill>
-                <a:latin typeface="Segoe UI Light" panose="020B0502040204020203" pitchFamily="34" charset="0"/>
-                <a:cs typeface="Segoe UI Light" panose="020B0502040204020203" pitchFamily="34" charset="0"/>
-              </a:rPr>
-              <a:t>Solid-state drives</a:t>
-            </a:r>
-          </a:p>
-        </p:txBody>
-      </p:sp>
-      <p:sp>
-        <p:nvSpPr>
-          <p:cNvPr id="12" name="Rectangle 11"/>
+              <a:t>N-Series</a:t>
+            </a:r>
+            <a:endParaRPr lang="en-US" sz="4400" spc="-294" dirty="0">
+              <a:solidFill>
+                <a:schemeClr val="accent2"/>
+              </a:solidFill>
+              <a:latin typeface="Segoe UI Light" panose="020B0502040204020203" pitchFamily="34" charset="0"/>
+              <a:cs typeface="Segoe UI Light" panose="020B0502040204020203" pitchFamily="34" charset="0"/>
+            </a:endParaRPr>
+          </a:p>
+        </p:txBody>
+      </p:sp>
+      <p:cxnSp>
+        <p:nvCxnSpPr>
+          <p:cNvPr id="80" name="Straight Connector 79"/>
+          <p:cNvCxnSpPr/>
+          <p:nvPr/>
+        </p:nvCxnSpPr>
+        <p:spPr>
+          <a:xfrm flipH="1">
+            <a:off x="6135213" y="1587561"/>
+            <a:ext cx="11967" cy="5270439"/>
+          </a:xfrm>
+          <a:prstGeom prst="line">
+            <a:avLst/>
+          </a:prstGeom>
+          <a:ln>
+            <a:solidFill>
+              <a:srgbClr val="5095D1"/>
+            </a:solidFill>
+          </a:ln>
+        </p:spPr>
+        <p:style>
+          <a:lnRef idx="1">
+            <a:schemeClr val="accent1"/>
+          </a:lnRef>
+          <a:fillRef idx="0">
+            <a:schemeClr val="accent1"/>
+          </a:fillRef>
+          <a:effectRef idx="0">
+            <a:schemeClr val="accent1"/>
+          </a:effectRef>
+          <a:fontRef idx="minor">
+            <a:schemeClr val="tx1"/>
+          </a:fontRef>
+        </p:style>
+      </p:cxnSp>
+      <p:cxnSp>
+        <p:nvCxnSpPr>
+          <p:cNvPr id="81" name="Straight Connector 80"/>
+          <p:cNvCxnSpPr/>
+          <p:nvPr/>
+        </p:nvCxnSpPr>
+        <p:spPr>
+          <a:xfrm flipH="1">
+            <a:off x="9190440" y="1587561"/>
+            <a:ext cx="11967" cy="5270439"/>
+          </a:xfrm>
+          <a:prstGeom prst="line">
+            <a:avLst/>
+          </a:prstGeom>
+          <a:ln>
+            <a:solidFill>
+              <a:srgbClr val="5095D1"/>
+            </a:solidFill>
+          </a:ln>
+        </p:spPr>
+        <p:style>
+          <a:lnRef idx="1">
+            <a:schemeClr val="accent1"/>
+          </a:lnRef>
+          <a:fillRef idx="0">
+            <a:schemeClr val="accent1"/>
+          </a:fillRef>
+          <a:effectRef idx="0">
+            <a:schemeClr val="accent1"/>
+          </a:effectRef>
+          <a:fontRef idx="minor">
+            <a:schemeClr val="tx1"/>
+          </a:fontRef>
+        </p:style>
+      </p:cxnSp>
+    </p:spTree>
+    <p:extLst>
+      <p:ext uri="{BB962C8B-B14F-4D97-AF65-F5344CB8AC3E}">
+        <p14:creationId xmlns:p14="http://schemas.microsoft.com/office/powerpoint/2010/main" val="1358383106"/>
+      </p:ext>
+    </p:extLst>
+  </p:cSld>
+  <p:clrMapOvr>
+    <a:masterClrMapping/>
+  </p:clrMapOvr>
+</p:sld>
+</file>
+
+<file path=ppt/slides/slide4.xml><?xml version="1.0" encoding="utf-8"?>
+<p:sld xmlns:a="http://schemas.openxmlformats.org/drawingml/2006/main" xmlns:r="http://schemas.openxmlformats.org/officeDocument/2006/relationships" xmlns:p="http://schemas.openxmlformats.org/presentationml/2006/main">
+  <p:cSld>
+    <p:spTree>
+      <p:nvGrpSpPr>
+        <p:cNvPr id="1" name=""/>
+        <p:cNvGrpSpPr/>
+        <p:nvPr/>
+      </p:nvGrpSpPr>
+      <p:grpSpPr>
+        <a:xfrm>
+          <a:off x="0" y="0"/>
+          <a:ext cx="0" cy="0"/>
+          <a:chOff x="0" y="0"/>
+          <a:chExt cx="0" cy="0"/>
+        </a:xfrm>
+      </p:grpSpPr>
+      <p:sp>
+        <p:nvSpPr>
+          <p:cNvPr id="2" name="Title 1"/>
+          <p:cNvSpPr>
+            <a:spLocks noGrp="1"/>
+          </p:cNvSpPr>
+          <p:nvPr>
+            <p:ph type="title"/>
+          </p:nvPr>
+        </p:nvSpPr>
+        <p:spPr/>
+        <p:txBody>
+          <a:bodyPr/>
+          <a:lstStyle/>
+          <a:p>
+            <a:r>
+              <a:rPr lang="en-US" dirty="0" smtClean="0"/>
+              <a:t>Choosing a VM Size</a:t>
+            </a:r>
+            <a:endParaRPr lang="en-US" dirty="0"/>
+          </a:p>
+        </p:txBody>
+      </p:sp>
+      <p:sp>
+        <p:nvSpPr>
+          <p:cNvPr id="4" name="Rectangle 3"/>
           <p:cNvSpPr/>
           <p:nvPr/>
         </p:nvSpPr>
         <p:spPr bwMode="auto">
           <a:xfrm>
-            <a:off x="4374998" y="4201208"/>
-            <a:ext cx="710005" cy="430306"/>
+            <a:off x="519249" y="1842253"/>
+            <a:ext cx="3383328" cy="527156"/>
           </a:xfrm>
           <a:prstGeom prst="rect">
             <a:avLst/>
@@ -20385,7 +24841,7 @@
               </a:spcAft>
             </a:pPr>
             <a:r>
-              <a:rPr lang="en-US" sz="2000" dirty="0" smtClean="0">
+              <a:rPr lang="en-US" sz="2400" dirty="0" smtClean="0">
                 <a:gradFill>
                   <a:gsLst>
                     <a:gs pos="0">
@@ -20398,21 +24854,21 @@
                   <a:lin ang="5400000" scaled="0"/>
                 </a:gradFill>
               </a:rPr>
-              <a:t>D1</a:t>
-            </a:r>
-          </a:p>
-        </p:txBody>
-      </p:sp>
-      <p:sp>
-        <p:nvSpPr>
-          <p:cNvPr id="13" name="Rectangle 12"/>
+              <a:t>CPU core = Memory</a:t>
+            </a:r>
+          </a:p>
+        </p:txBody>
+      </p:sp>
+      <p:sp>
+        <p:nvSpPr>
+          <p:cNvPr id="5" name="Rectangle 4"/>
           <p:cNvSpPr/>
           <p:nvPr/>
         </p:nvSpPr>
         <p:spPr bwMode="auto">
           <a:xfrm>
-            <a:off x="5191806" y="4201208"/>
-            <a:ext cx="710005" cy="430306"/>
+            <a:off x="519249" y="2506135"/>
+            <a:ext cx="3383328" cy="527156"/>
           </a:xfrm>
           <a:prstGeom prst="rect">
             <a:avLst/>
@@ -20458,7 +24914,7 @@
               </a:spcAft>
             </a:pPr>
             <a:r>
-              <a:rPr lang="en-US" sz="2000" dirty="0" smtClean="0">
+              <a:rPr lang="en-US" sz="2400" dirty="0" smtClean="0">
                 <a:gradFill>
                   <a:gsLst>
                     <a:gs pos="0">
@@ -20471,21 +24927,21 @@
                   <a:lin ang="5400000" scaled="0"/>
                 </a:gradFill>
               </a:rPr>
-              <a:t>D2</a:t>
-            </a:r>
-          </a:p>
-        </p:txBody>
-      </p:sp>
-      <p:sp>
-        <p:nvSpPr>
-          <p:cNvPr id="14" name="Rectangle 13"/>
+              <a:t>CPU core &gt; Memory</a:t>
+            </a:r>
+          </a:p>
+        </p:txBody>
+      </p:sp>
+      <p:sp>
+        <p:nvSpPr>
+          <p:cNvPr id="6" name="Rectangle 5"/>
           <p:cNvSpPr/>
           <p:nvPr/>
         </p:nvSpPr>
         <p:spPr bwMode="auto">
           <a:xfrm>
-            <a:off x="6005445" y="4201208"/>
-            <a:ext cx="710005" cy="430306"/>
+            <a:off x="519249" y="3169476"/>
+            <a:ext cx="3383328" cy="527156"/>
           </a:xfrm>
           <a:prstGeom prst="rect">
             <a:avLst/>
@@ -20531,7 +24987,7 @@
               </a:spcAft>
             </a:pPr>
             <a:r>
-              <a:rPr lang="en-US" sz="2000" dirty="0" smtClean="0">
+              <a:rPr lang="en-US" sz="2400" dirty="0" smtClean="0">
                 <a:gradFill>
                   <a:gsLst>
                     <a:gs pos="0">
@@ -20544,21 +25000,21 @@
                   <a:lin ang="5400000" scaled="0"/>
                 </a:gradFill>
               </a:rPr>
-              <a:t>D3</a:t>
-            </a:r>
-          </a:p>
-        </p:txBody>
-      </p:sp>
-      <p:sp>
-        <p:nvSpPr>
-          <p:cNvPr id="15" name="Rectangle 14"/>
+              <a:t>CPU core &lt; Memory</a:t>
+            </a:r>
+          </a:p>
+        </p:txBody>
+      </p:sp>
+      <p:sp>
+        <p:nvSpPr>
+          <p:cNvPr id="7" name="Rectangle 6"/>
           <p:cNvSpPr/>
           <p:nvPr/>
         </p:nvSpPr>
         <p:spPr bwMode="auto">
           <a:xfrm>
-            <a:off x="6819084" y="4201208"/>
-            <a:ext cx="710005" cy="430306"/>
+            <a:off x="519249" y="3832817"/>
+            <a:ext cx="3383328" cy="527156"/>
           </a:xfrm>
           <a:prstGeom prst="rect">
             <a:avLst/>
@@ -20604,7 +25060,7 @@
               </a:spcAft>
             </a:pPr>
             <a:r>
-              <a:rPr lang="en-US" sz="2000" dirty="0" smtClean="0">
+              <a:rPr lang="en-US" sz="2400" dirty="0" smtClean="0">
                 <a:gradFill>
                   <a:gsLst>
                     <a:gs pos="0">
@@ -20617,21 +25073,21 @@
                   <a:lin ang="5400000" scaled="0"/>
                 </a:gradFill>
               </a:rPr>
-              <a:t>D4</a:t>
-            </a:r>
-          </a:p>
-        </p:txBody>
-      </p:sp>
-      <p:sp>
-        <p:nvSpPr>
-          <p:cNvPr id="16" name="Rectangle 15"/>
+              <a:t>GPU</a:t>
+            </a:r>
+          </a:p>
+        </p:txBody>
+      </p:sp>
+      <p:sp>
+        <p:nvSpPr>
+          <p:cNvPr id="8" name="Rectangle 7"/>
           <p:cNvSpPr/>
           <p:nvPr/>
         </p:nvSpPr>
         <p:spPr bwMode="auto">
           <a:xfrm>
-            <a:off x="4374998" y="4747746"/>
-            <a:ext cx="710005" cy="430306"/>
+            <a:off x="519249" y="4496158"/>
+            <a:ext cx="3383328" cy="527156"/>
           </a:xfrm>
           <a:prstGeom prst="rect">
             <a:avLst/>
@@ -20677,7 +25133,7 @@
               </a:spcAft>
             </a:pPr>
             <a:r>
-              <a:rPr lang="en-US" sz="2000" dirty="0" smtClean="0">
+              <a:rPr lang="en-US" sz="2400" dirty="0" smtClean="0">
                 <a:gradFill>
                   <a:gsLst>
                     <a:gs pos="0">
@@ -20690,21 +25146,21 @@
                   <a:lin ang="5400000" scaled="0"/>
                 </a:gradFill>
               </a:rPr>
-              <a:t>D11</a:t>
-            </a:r>
-          </a:p>
-        </p:txBody>
-      </p:sp>
-      <p:sp>
-        <p:nvSpPr>
-          <p:cNvPr id="17" name="Rectangle 16"/>
+              <a:t>CPU core++</a:t>
+            </a:r>
+          </a:p>
+        </p:txBody>
+      </p:sp>
+      <p:sp>
+        <p:nvSpPr>
+          <p:cNvPr id="9" name="Rectangle 8"/>
           <p:cNvSpPr/>
           <p:nvPr/>
         </p:nvSpPr>
         <p:spPr bwMode="auto">
           <a:xfrm>
-            <a:off x="5191806" y="4747746"/>
-            <a:ext cx="710005" cy="430306"/>
+            <a:off x="519249" y="5159499"/>
+            <a:ext cx="3383328" cy="527156"/>
           </a:xfrm>
           <a:prstGeom prst="rect">
             <a:avLst/>
@@ -20750,7 +25206,7 @@
               </a:spcAft>
             </a:pPr>
             <a:r>
-              <a:rPr lang="en-US" sz="2000" dirty="0" smtClean="0">
+              <a:rPr lang="en-US" sz="2400" dirty="0" smtClean="0">
                 <a:gradFill>
                   <a:gsLst>
                     <a:gs pos="0">
@@ -20763,21 +25219,21 @@
                   <a:lin ang="5400000" scaled="0"/>
                 </a:gradFill>
               </a:rPr>
-              <a:t>D12</a:t>
-            </a:r>
-          </a:p>
-        </p:txBody>
-      </p:sp>
-      <p:sp>
-        <p:nvSpPr>
-          <p:cNvPr id="18" name="Rectangle 17"/>
+              <a:t>Memory++</a:t>
+            </a:r>
+          </a:p>
+        </p:txBody>
+      </p:sp>
+      <p:sp>
+        <p:nvSpPr>
+          <p:cNvPr id="10" name="Rectangle 9"/>
           <p:cNvSpPr/>
           <p:nvPr/>
         </p:nvSpPr>
         <p:spPr bwMode="auto">
           <a:xfrm>
-            <a:off x="6005445" y="4747746"/>
-            <a:ext cx="710005" cy="430306"/>
+            <a:off x="519249" y="5822840"/>
+            <a:ext cx="3383328" cy="527156"/>
           </a:xfrm>
           <a:prstGeom prst="rect">
             <a:avLst/>
@@ -20823,7 +25279,7 @@
               </a:spcAft>
             </a:pPr>
             <a:r>
-              <a:rPr lang="en-US" sz="2000" dirty="0" smtClean="0">
+              <a:rPr lang="en-US" sz="2400" dirty="0" smtClean="0">
                 <a:gradFill>
                   <a:gsLst>
                     <a:gs pos="0">
@@ -20836,29 +25292,29 @@
                   <a:lin ang="5400000" scaled="0"/>
                 </a:gradFill>
               </a:rPr>
-              <a:t>D13</a:t>
-            </a:r>
-          </a:p>
-        </p:txBody>
-      </p:sp>
-      <p:sp>
-        <p:nvSpPr>
-          <p:cNvPr id="19" name="Rectangle 18"/>
+              <a:t>Networking++</a:t>
+            </a:r>
+          </a:p>
+        </p:txBody>
+      </p:sp>
+      <p:sp>
+        <p:nvSpPr>
+          <p:cNvPr id="11" name="Rectangle 10"/>
           <p:cNvSpPr/>
           <p:nvPr/>
         </p:nvSpPr>
         <p:spPr bwMode="auto">
           <a:xfrm>
-            <a:off x="6819084" y="4747746"/>
-            <a:ext cx="710005" cy="430306"/>
+            <a:off x="4239479" y="1842253"/>
+            <a:ext cx="2274055" cy="527156"/>
           </a:xfrm>
           <a:prstGeom prst="rect">
             <a:avLst/>
           </a:prstGeom>
           <a:solidFill>
-            <a:srgbClr val="235888"/>
+            <a:srgbClr val="7F7F7F"/>
           </a:solidFill>
-          <a:ln>
+          <a:ln w="19050">
             <a:noFill/>
             <a:headEnd type="none" w="med" len="med"/>
             <a:tailEnd type="none" w="med" len="med"/>
@@ -20896,7 +25352,7 @@
               </a:spcAft>
             </a:pPr>
             <a:r>
-              <a:rPr lang="en-US" sz="2000" dirty="0" smtClean="0">
+              <a:rPr lang="en-US" sz="2400" dirty="0">
                 <a:gradFill>
                   <a:gsLst>
                     <a:gs pos="0">
@@ -20909,29 +25365,29 @@
                   <a:lin ang="5400000" scaled="0"/>
                 </a:gradFill>
               </a:rPr>
-              <a:t>D14</a:t>
-            </a:r>
-          </a:p>
-        </p:txBody>
-      </p:sp>
-      <p:sp>
-        <p:nvSpPr>
-          <p:cNvPr id="20" name="Rectangle 19"/>
+              <a:t>A0 - A7</a:t>
+            </a:r>
+          </a:p>
+        </p:txBody>
+      </p:sp>
+      <p:sp>
+        <p:nvSpPr>
+          <p:cNvPr id="12" name="Rectangle 11"/>
           <p:cNvSpPr/>
           <p:nvPr/>
         </p:nvSpPr>
         <p:spPr bwMode="auto">
           <a:xfrm>
-            <a:off x="8438991" y="4201208"/>
-            <a:ext cx="710005" cy="430306"/>
+            <a:off x="4239479" y="2506135"/>
+            <a:ext cx="2274055" cy="527156"/>
           </a:xfrm>
           <a:prstGeom prst="rect">
             <a:avLst/>
           </a:prstGeom>
           <a:solidFill>
-            <a:srgbClr val="5095D1"/>
+            <a:srgbClr val="7F7F7F"/>
           </a:solidFill>
-          <a:ln>
+          <a:ln w="19050">
             <a:noFill/>
             <a:headEnd type="none" w="med" len="med"/>
             <a:tailEnd type="none" w="med" len="med"/>
@@ -20982,45 +25438,29 @@
                   <a:lin ang="5400000" scaled="0"/>
                 </a:gradFill>
               </a:rPr>
-              <a:t>G</a:t>
-            </a:r>
-            <a:r>
-              <a:rPr lang="en-US" sz="2000" dirty="0" smtClean="0">
-                <a:gradFill>
-                  <a:gsLst>
-                    <a:gs pos="0">
-                      <a:srgbClr val="FFFFFF"/>
-                    </a:gs>
-                    <a:gs pos="100000">
-                      <a:srgbClr val="FFFFFF"/>
-                    </a:gs>
-                  </a:gsLst>
-                  <a:lin ang="5400000" scaled="0"/>
-                </a:gradFill>
-              </a:rPr>
-              <a:t>1</a:t>
-            </a:r>
-          </a:p>
-        </p:txBody>
-      </p:sp>
-      <p:sp>
-        <p:nvSpPr>
-          <p:cNvPr id="21" name="Rectangle 20"/>
+              <a:t>F1, F2, F4, F8, F16</a:t>
+            </a:r>
+          </a:p>
+        </p:txBody>
+      </p:sp>
+      <p:sp>
+        <p:nvSpPr>
+          <p:cNvPr id="13" name="Rectangle 12"/>
           <p:cNvSpPr/>
           <p:nvPr/>
         </p:nvSpPr>
         <p:spPr bwMode="auto">
           <a:xfrm>
-            <a:off x="9255799" y="4201208"/>
-            <a:ext cx="710005" cy="430306"/>
+            <a:off x="4239479" y="3169476"/>
+            <a:ext cx="2274055" cy="527156"/>
           </a:xfrm>
           <a:prstGeom prst="rect">
             <a:avLst/>
           </a:prstGeom>
           <a:solidFill>
-            <a:srgbClr val="5095D1"/>
+            <a:srgbClr val="7F7F7F"/>
           </a:solidFill>
-          <a:ln>
+          <a:ln w="19050">
             <a:noFill/>
             <a:headEnd type="none" w="med" len="med"/>
             <a:tailEnd type="none" w="med" len="med"/>
@@ -21058,7 +25498,7 @@
               </a:spcAft>
             </a:pPr>
             <a:r>
-              <a:rPr lang="en-US" sz="2000" dirty="0">
+              <a:rPr lang="en-US" sz="2400" dirty="0" smtClean="0">
                 <a:gradFill>
                   <a:gsLst>
                     <a:gs pos="0">
@@ -21071,45 +25511,29 @@
                   <a:lin ang="5400000" scaled="0"/>
                 </a:gradFill>
               </a:rPr>
-              <a:t>G</a:t>
-            </a:r>
-            <a:r>
-              <a:rPr lang="en-US" sz="2000" dirty="0" smtClean="0">
-                <a:gradFill>
-                  <a:gsLst>
-                    <a:gs pos="0">
-                      <a:srgbClr val="FFFFFF"/>
-                    </a:gs>
-                    <a:gs pos="100000">
-                      <a:srgbClr val="FFFFFF"/>
-                    </a:gs>
-                  </a:gsLst>
-                  <a:lin ang="5400000" scaled="0"/>
-                </a:gradFill>
-              </a:rPr>
-              <a:t>2</a:t>
-            </a:r>
-          </a:p>
-        </p:txBody>
-      </p:sp>
-      <p:sp>
-        <p:nvSpPr>
-          <p:cNvPr id="22" name="Rectangle 21"/>
+              <a:t>D11v2 - D15v2</a:t>
+            </a:r>
+          </a:p>
+        </p:txBody>
+      </p:sp>
+      <p:sp>
+        <p:nvSpPr>
+          <p:cNvPr id="14" name="Rectangle 13"/>
           <p:cNvSpPr/>
           <p:nvPr/>
         </p:nvSpPr>
         <p:spPr bwMode="auto">
           <a:xfrm>
-            <a:off x="10069438" y="4201208"/>
-            <a:ext cx="710005" cy="430306"/>
+            <a:off x="4239479" y="3832817"/>
+            <a:ext cx="2274055" cy="527156"/>
           </a:xfrm>
           <a:prstGeom prst="rect">
             <a:avLst/>
           </a:prstGeom>
           <a:solidFill>
-            <a:srgbClr val="5095D1"/>
+            <a:srgbClr val="7F7F7F"/>
           </a:solidFill>
-          <a:ln>
+          <a:ln w="19050">
             <a:noFill/>
             <a:headEnd type="none" w="med" len="med"/>
             <a:tailEnd type="none" w="med" len="med"/>
@@ -21147,7 +25571,7 @@
               </a:spcAft>
             </a:pPr>
             <a:r>
-              <a:rPr lang="en-US" sz="2000" dirty="0">
+              <a:rPr lang="en-US" sz="2400" dirty="0" smtClean="0">
                 <a:gradFill>
                   <a:gsLst>
                     <a:gs pos="0">
@@ -21160,45 +25584,29 @@
                   <a:lin ang="5400000" scaled="0"/>
                 </a:gradFill>
               </a:rPr>
-              <a:t>G</a:t>
-            </a:r>
-            <a:r>
-              <a:rPr lang="en-US" sz="2000" dirty="0" smtClean="0">
-                <a:gradFill>
-                  <a:gsLst>
-                    <a:gs pos="0">
-                      <a:srgbClr val="FFFFFF"/>
-                    </a:gs>
-                    <a:gs pos="100000">
-                      <a:srgbClr val="FFFFFF"/>
-                    </a:gs>
-                  </a:gsLst>
-                  <a:lin ang="5400000" scaled="0"/>
-                </a:gradFill>
-              </a:rPr>
-              <a:t>3</a:t>
-            </a:r>
-          </a:p>
-        </p:txBody>
-      </p:sp>
-      <p:sp>
-        <p:nvSpPr>
-          <p:cNvPr id="23" name="Rectangle 22"/>
+              <a:t>N</a:t>
+            </a:r>
+          </a:p>
+        </p:txBody>
+      </p:sp>
+      <p:sp>
+        <p:nvSpPr>
+          <p:cNvPr id="15" name="Rectangle 14"/>
           <p:cNvSpPr/>
           <p:nvPr/>
         </p:nvSpPr>
         <p:spPr bwMode="auto">
           <a:xfrm>
-            <a:off x="10883077" y="4201208"/>
-            <a:ext cx="710005" cy="430306"/>
+            <a:off x="4239479" y="4496158"/>
+            <a:ext cx="2274055" cy="527156"/>
           </a:xfrm>
           <a:prstGeom prst="rect">
             <a:avLst/>
           </a:prstGeom>
           <a:solidFill>
-            <a:srgbClr val="5095D1"/>
+            <a:srgbClr val="7F7F7F"/>
           </a:solidFill>
-          <a:ln>
+          <a:ln w="19050">
             <a:noFill/>
             <a:headEnd type="none" w="med" len="med"/>
             <a:tailEnd type="none" w="med" len="med"/>
@@ -21236,7 +25644,7 @@
               </a:spcAft>
             </a:pPr>
             <a:r>
-              <a:rPr lang="en-US" sz="2000" dirty="0">
+              <a:rPr lang="en-US" sz="2400" dirty="0" smtClean="0">
                 <a:gradFill>
                   <a:gsLst>
                     <a:gs pos="0">
@@ -21249,45 +25657,29 @@
                   <a:lin ang="5400000" scaled="0"/>
                 </a:gradFill>
               </a:rPr>
-              <a:t>G</a:t>
-            </a:r>
-            <a:r>
-              <a:rPr lang="en-US" sz="2000" dirty="0" smtClean="0">
-                <a:gradFill>
-                  <a:gsLst>
-                    <a:gs pos="0">
-                      <a:srgbClr val="FFFFFF"/>
-                    </a:gs>
-                    <a:gs pos="100000">
-                      <a:srgbClr val="FFFFFF"/>
-                    </a:gs>
-                  </a:gsLst>
-                  <a:lin ang="5400000" scaled="0"/>
-                </a:gradFill>
-              </a:rPr>
-              <a:t>4</a:t>
-            </a:r>
-          </a:p>
-        </p:txBody>
-      </p:sp>
-      <p:sp>
-        <p:nvSpPr>
-          <p:cNvPr id="24" name="Rectangle 23"/>
+              <a:t>A8 - A11</a:t>
+            </a:r>
+          </a:p>
+        </p:txBody>
+      </p:sp>
+      <p:sp>
+        <p:nvSpPr>
+          <p:cNvPr id="16" name="Rectangle 15"/>
           <p:cNvSpPr/>
           <p:nvPr/>
         </p:nvSpPr>
         <p:spPr bwMode="auto">
           <a:xfrm>
-            <a:off x="8438991" y="4747746"/>
-            <a:ext cx="710005" cy="430306"/>
+            <a:off x="4239479" y="5159499"/>
+            <a:ext cx="2274055" cy="527156"/>
           </a:xfrm>
           <a:prstGeom prst="rect">
             <a:avLst/>
           </a:prstGeom>
           <a:solidFill>
-            <a:srgbClr val="5095D1"/>
+            <a:srgbClr val="7F7F7F"/>
           </a:solidFill>
-          <a:ln>
+          <a:ln w="19050">
             <a:noFill/>
             <a:headEnd type="none" w="med" len="med"/>
             <a:tailEnd type="none" w="med" len="med"/>
@@ -21325,7 +25717,7 @@
               </a:spcAft>
             </a:pPr>
             <a:r>
-              <a:rPr lang="en-US" sz="2000" dirty="0" smtClean="0">
+              <a:rPr lang="en-US" sz="2400" dirty="0" smtClean="0">
                 <a:gradFill>
                   <a:gsLst>
                     <a:gs pos="0">
@@ -21338,29 +25730,29 @@
                   <a:lin ang="5400000" scaled="0"/>
                 </a:gradFill>
               </a:rPr>
-              <a:t>G5</a:t>
-            </a:r>
-          </a:p>
-        </p:txBody>
-      </p:sp>
-      <p:sp>
-        <p:nvSpPr>
-          <p:cNvPr id="25" name="Rectangle 24"/>
+              <a:t>G(S)4, G(S)5</a:t>
+            </a:r>
+          </a:p>
+        </p:txBody>
+      </p:sp>
+      <p:sp>
+        <p:nvSpPr>
+          <p:cNvPr id="17" name="Rectangle 16"/>
           <p:cNvSpPr/>
           <p:nvPr/>
         </p:nvSpPr>
         <p:spPr bwMode="auto">
           <a:xfrm>
-            <a:off x="4374998" y="5294284"/>
-            <a:ext cx="710005" cy="430306"/>
+            <a:off x="4239479" y="5822840"/>
+            <a:ext cx="2274055" cy="527156"/>
           </a:xfrm>
           <a:prstGeom prst="rect">
             <a:avLst/>
           </a:prstGeom>
           <a:solidFill>
-            <a:srgbClr val="235888"/>
+            <a:srgbClr val="7F7F7F"/>
           </a:solidFill>
-          <a:ln>
+          <a:ln w="19050">
             <a:noFill/>
             <a:headEnd type="none" w="med" len="med"/>
             <a:tailEnd type="none" w="med" len="med"/>
@@ -21398,7 +25790,7 @@
               </a:spcAft>
             </a:pPr>
             <a:r>
-              <a:rPr lang="en-US" dirty="0" smtClean="0">
+              <a:rPr lang="en-US" sz="2400" dirty="0" smtClean="0">
                 <a:gradFill>
                   <a:gsLst>
                     <a:gs pos="0">
@@ -21411,29 +25803,108 @@
                   <a:lin ang="5400000" scaled="0"/>
                 </a:gradFill>
               </a:rPr>
-              <a:t>D5v2</a:t>
-            </a:r>
-          </a:p>
-        </p:txBody>
-      </p:sp>
-      <p:sp>
-        <p:nvSpPr>
-          <p:cNvPr id="26" name="Rectangle 25"/>
+              <a:t>A10 - A11</a:t>
+            </a:r>
+          </a:p>
+        </p:txBody>
+      </p:sp>
+      <p:sp>
+        <p:nvSpPr>
+          <p:cNvPr id="18" name="Rectangle 17"/>
           <p:cNvSpPr/>
           <p:nvPr/>
         </p:nvSpPr>
         <p:spPr bwMode="auto">
           <a:xfrm>
-            <a:off x="429540" y="4731744"/>
-            <a:ext cx="710005" cy="430306"/>
+            <a:off x="6850436" y="1842253"/>
+            <a:ext cx="2274055" cy="527156"/>
           </a:xfrm>
           <a:prstGeom prst="rect">
             <a:avLst/>
           </a:prstGeom>
-          <a:noFill/>
+          <a:solidFill>
+            <a:srgbClr val="5095D1"/>
+          </a:solidFill>
+          <a:ln w="19050">
+            <a:noFill/>
+            <a:headEnd type="none" w="med" len="med"/>
+            <a:tailEnd type="none" w="med" len="med"/>
+          </a:ln>
+          <a:effectLst/>
+        </p:spPr>
+        <p:style>
+          <a:lnRef idx="1">
+            <a:schemeClr val="accent2"/>
+          </a:lnRef>
+          <a:fillRef idx="3">
+            <a:schemeClr val="accent2"/>
+          </a:fillRef>
+          <a:effectRef idx="2">
+            <a:schemeClr val="accent2"/>
+          </a:effectRef>
+          <a:fontRef idx="minor">
+            <a:schemeClr val="lt1"/>
+          </a:fontRef>
+        </p:style>
+        <p:txBody>
+          <a:bodyPr vert="horz" wrap="square" lIns="91436" tIns="45718" rIns="91436" bIns="45718" numCol="1" rtlCol="0" anchor="ctr" anchorCtr="0" compatLnSpc="1">
+            <a:prstTxWarp prst="textNoShape">
+              <a:avLst/>
+            </a:prstTxWarp>
+          </a:bodyPr>
+          <a:lstStyle/>
+          <a:p>
+            <a:pPr algn="ctr" defTabSz="914099" fontAlgn="base">
+              <a:spcBef>
+                <a:spcPct val="0"/>
+              </a:spcBef>
+              <a:spcAft>
+                <a:spcPct val="0"/>
+              </a:spcAft>
+            </a:pPr>
+            <a:r>
+              <a:rPr lang="en-US" sz="2400" dirty="0" smtClean="0">
+                <a:gradFill>
+                  <a:gsLst>
+                    <a:gs pos="0">
+                      <a:srgbClr val="FFFFFF"/>
+                    </a:gs>
+                    <a:gs pos="100000">
+                      <a:srgbClr val="FFFFFF"/>
+                    </a:gs>
+                  </a:gsLst>
+                  <a:lin ang="5400000" scaled="0"/>
+                </a:gradFill>
+              </a:rPr>
+              <a:t>D1v2 - D5v2</a:t>
+            </a:r>
+          </a:p>
+        </p:txBody>
+      </p:sp>
+      <p:sp>
+        <p:nvSpPr>
+          <p:cNvPr id="19" name="Rectangle 18"/>
+          <p:cNvSpPr/>
+          <p:nvPr/>
+        </p:nvSpPr>
+        <p:spPr bwMode="auto">
+          <a:xfrm>
+            <a:off x="9461393" y="1842253"/>
+            <a:ext cx="2274055" cy="527156"/>
+          </a:xfrm>
+          <a:prstGeom prst="rect">
+            <a:avLst/>
+          </a:prstGeom>
+          <a:solidFill>
+            <a:schemeClr val="bg2">
+              <a:lumMod val="90000"/>
+            </a:schemeClr>
+          </a:solidFill>
           <a:ln w="19050">
             <a:solidFill>
-              <a:schemeClr val="accent2"/>
+              <a:schemeClr val="bg2">
+                <a:lumMod val="50000"/>
+              </a:schemeClr>
             </a:solidFill>
             <a:headEnd type="none" w="med" len="med"/>
             <a:tailEnd type="none" w="med" len="med"/>
@@ -21455,7 +25926,7 @@
           </a:fontRef>
         </p:style>
         <p:txBody>
-          <a:bodyPr vert="horz" wrap="square" lIns="91436" tIns="45718" rIns="91436" bIns="45718" numCol="1" rtlCol="0" anchor="ctr" anchorCtr="0" compatLnSpc="1">
+          <a:bodyPr vert="horz" wrap="none" lIns="91436" tIns="45718" rIns="91436" bIns="45718" numCol="1" rtlCol="0" anchor="ctr" anchorCtr="0" compatLnSpc="1">
             <a:prstTxWarp prst="textNoShape">
               <a:avLst/>
             </a:prstTxWarp>
@@ -21471,34 +25942,115 @@
               </a:spcAft>
             </a:pPr>
             <a:r>
-              <a:rPr lang="en-US" sz="2000" dirty="0">
+              <a:rPr lang="en-US" sz="2400" dirty="0">
                 <a:solidFill>
-                  <a:schemeClr val="accent2"/>
+                  <a:schemeClr val="bg2">
+                    <a:lumMod val="50000"/>
+                  </a:schemeClr>
                 </a:solidFill>
               </a:rPr>
-              <a:t>A4</a:t>
-            </a:r>
-          </a:p>
-        </p:txBody>
-      </p:sp>
-      <p:sp>
-        <p:nvSpPr>
-          <p:cNvPr id="27" name="Rectangle 26"/>
+              <a:t>D1 - D4</a:t>
+            </a:r>
+          </a:p>
+        </p:txBody>
+      </p:sp>
+      <p:sp>
+        <p:nvSpPr>
+          <p:cNvPr id="20" name="Rectangle 19"/>
           <p:cNvSpPr/>
           <p:nvPr/>
         </p:nvSpPr>
         <p:spPr bwMode="auto">
           <a:xfrm>
-            <a:off x="1246348" y="4731744"/>
-            <a:ext cx="710005" cy="430306"/>
+            <a:off x="6850436" y="3169476"/>
+            <a:ext cx="2274055" cy="527156"/>
           </a:xfrm>
           <a:prstGeom prst="rect">
             <a:avLst/>
           </a:prstGeom>
-          <a:noFill/>
+          <a:solidFill>
+            <a:srgbClr val="5095D1"/>
+          </a:solidFill>
+          <a:ln w="19050">
+            <a:noFill/>
+            <a:headEnd type="none" w="med" len="med"/>
+            <a:tailEnd type="none" w="med" len="med"/>
+          </a:ln>
+          <a:effectLst/>
+        </p:spPr>
+        <p:style>
+          <a:lnRef idx="1">
+            <a:schemeClr val="accent2"/>
+          </a:lnRef>
+          <a:fillRef idx="3">
+            <a:schemeClr val="accent2"/>
+          </a:fillRef>
+          <a:effectRef idx="2">
+            <a:schemeClr val="accent2"/>
+          </a:effectRef>
+          <a:fontRef idx="minor">
+            <a:schemeClr val="lt1"/>
+          </a:fontRef>
+        </p:style>
+        <p:txBody>
+          <a:bodyPr vert="horz" wrap="square" lIns="91436" tIns="45718" rIns="91436" bIns="45718" numCol="1" rtlCol="0" anchor="ctr" anchorCtr="0" compatLnSpc="1">
+            <a:prstTxWarp prst="textNoShape">
+              <a:avLst/>
+            </a:prstTxWarp>
+          </a:bodyPr>
+          <a:lstStyle/>
+          <a:p>
+            <a:pPr algn="ctr" defTabSz="914099" fontAlgn="base">
+              <a:spcBef>
+                <a:spcPct val="0"/>
+              </a:spcBef>
+              <a:spcAft>
+                <a:spcPct val="0"/>
+              </a:spcAft>
+            </a:pPr>
+            <a:r>
+              <a:rPr lang="en-US" sz="2400" dirty="0" smtClean="0">
+                <a:gradFill>
+                  <a:gsLst>
+                    <a:gs pos="0">
+                      <a:srgbClr val="FFFFFF"/>
+                    </a:gs>
+                    <a:gs pos="100000">
+                      <a:srgbClr val="FFFFFF"/>
+                    </a:gs>
+                  </a:gsLst>
+                  <a:lin ang="5400000" scaled="0"/>
+                </a:gradFill>
+              </a:rPr>
+              <a:t>D11 - D14</a:t>
+            </a:r>
+          </a:p>
+        </p:txBody>
+      </p:sp>
+      <p:sp>
+        <p:nvSpPr>
+          <p:cNvPr id="21" name="Rectangle 20"/>
+          <p:cNvSpPr/>
+          <p:nvPr/>
+        </p:nvSpPr>
+        <p:spPr bwMode="auto">
+          <a:xfrm>
+            <a:off x="9461393" y="3169476"/>
+            <a:ext cx="2274055" cy="527156"/>
+          </a:xfrm>
+          <a:prstGeom prst="rect">
+            <a:avLst/>
+          </a:prstGeom>
+          <a:solidFill>
+            <a:schemeClr val="bg2">
+              <a:lumMod val="90000"/>
+            </a:schemeClr>
+          </a:solidFill>
           <a:ln w="19050">
             <a:solidFill>
-              <a:schemeClr val="accent2"/>
+              <a:schemeClr val="bg2">
+                <a:lumMod val="50000"/>
+              </a:schemeClr>
             </a:solidFill>
             <a:headEnd type="none" w="med" len="med"/>
             <a:tailEnd type="none" w="med" len="med"/>
@@ -21520,7 +26072,7 @@
           </a:fontRef>
         </p:style>
         <p:txBody>
-          <a:bodyPr vert="horz" wrap="square" lIns="91436" tIns="45718" rIns="91436" bIns="45718" numCol="1" rtlCol="0" anchor="ctr" anchorCtr="0" compatLnSpc="1">
+          <a:bodyPr vert="horz" wrap="none" lIns="91436" tIns="45718" rIns="91436" bIns="45718" numCol="1" rtlCol="0" anchor="ctr" anchorCtr="0" compatLnSpc="1">
             <a:prstTxWarp prst="textNoShape">
               <a:avLst/>
             </a:prstTxWarp>
@@ -21536,34 +26088,115 @@
               </a:spcAft>
             </a:pPr>
             <a:r>
-              <a:rPr lang="en-US" sz="2000" dirty="0">
+              <a:rPr lang="en-US" sz="2400" dirty="0">
                 <a:solidFill>
-                  <a:schemeClr val="accent2"/>
+                  <a:schemeClr val="bg2">
+                    <a:lumMod val="50000"/>
+                  </a:schemeClr>
                 </a:solidFill>
               </a:rPr>
-              <a:t>A5</a:t>
-            </a:r>
-          </a:p>
-        </p:txBody>
-      </p:sp>
-      <p:sp>
-        <p:nvSpPr>
-          <p:cNvPr id="28" name="Rectangle 27"/>
+              <a:t>G</a:t>
+            </a:r>
+          </a:p>
+        </p:txBody>
+      </p:sp>
+      <p:sp>
+        <p:nvSpPr>
+          <p:cNvPr id="22" name="Rectangle 21"/>
           <p:cNvSpPr/>
           <p:nvPr/>
         </p:nvSpPr>
         <p:spPr bwMode="auto">
           <a:xfrm>
-            <a:off x="2059987" y="4731744"/>
-            <a:ext cx="710005" cy="430306"/>
+            <a:off x="6850436" y="4496158"/>
+            <a:ext cx="2274055" cy="527156"/>
           </a:xfrm>
           <a:prstGeom prst="rect">
             <a:avLst/>
           </a:prstGeom>
-          <a:noFill/>
+          <a:solidFill>
+            <a:srgbClr val="5095D1"/>
+          </a:solidFill>
+          <a:ln w="19050">
+            <a:noFill/>
+            <a:headEnd type="none" w="med" len="med"/>
+            <a:tailEnd type="none" w="med" len="med"/>
+          </a:ln>
+          <a:effectLst/>
+        </p:spPr>
+        <p:style>
+          <a:lnRef idx="1">
+            <a:schemeClr val="accent2"/>
+          </a:lnRef>
+          <a:fillRef idx="3">
+            <a:schemeClr val="accent2"/>
+          </a:fillRef>
+          <a:effectRef idx="2">
+            <a:schemeClr val="accent2"/>
+          </a:effectRef>
+          <a:fontRef idx="minor">
+            <a:schemeClr val="lt1"/>
+          </a:fontRef>
+        </p:style>
+        <p:txBody>
+          <a:bodyPr vert="horz" wrap="square" lIns="91436" tIns="45718" rIns="91436" bIns="45718" numCol="1" rtlCol="0" anchor="ctr" anchorCtr="0" compatLnSpc="1">
+            <a:prstTxWarp prst="textNoShape">
+              <a:avLst/>
+            </a:prstTxWarp>
+          </a:bodyPr>
+          <a:lstStyle/>
+          <a:p>
+            <a:pPr algn="ctr" defTabSz="914099" fontAlgn="base">
+              <a:spcBef>
+                <a:spcPct val="0"/>
+              </a:spcBef>
+              <a:spcAft>
+                <a:spcPct val="0"/>
+              </a:spcAft>
+            </a:pPr>
+            <a:r>
+              <a:rPr lang="en-US" sz="2400" dirty="0" smtClean="0">
+                <a:gradFill>
+                  <a:gsLst>
+                    <a:gs pos="0">
+                      <a:srgbClr val="FFFFFF"/>
+                    </a:gs>
+                    <a:gs pos="100000">
+                      <a:srgbClr val="FFFFFF"/>
+                    </a:gs>
+                  </a:gsLst>
+                  <a:lin ang="5400000" scaled="0"/>
+                </a:gradFill>
+              </a:rPr>
+              <a:t>G(S)5</a:t>
+            </a:r>
+          </a:p>
+        </p:txBody>
+      </p:sp>
+      <p:sp>
+        <p:nvSpPr>
+          <p:cNvPr id="23" name="Rectangle 22"/>
+          <p:cNvSpPr/>
+          <p:nvPr/>
+        </p:nvSpPr>
+        <p:spPr bwMode="auto">
+          <a:xfrm>
+            <a:off x="9461393" y="4496158"/>
+            <a:ext cx="2274055" cy="527156"/>
+          </a:xfrm>
+          <a:prstGeom prst="rect">
+            <a:avLst/>
+          </a:prstGeom>
+          <a:solidFill>
+            <a:schemeClr val="bg2">
+              <a:lumMod val="90000"/>
+            </a:schemeClr>
+          </a:solidFill>
           <a:ln w="19050">
             <a:solidFill>
-              <a:schemeClr val="accent2"/>
+              <a:schemeClr val="bg2">
+                <a:lumMod val="50000"/>
+              </a:schemeClr>
             </a:solidFill>
             <a:headEnd type="none" w="med" len="med"/>
             <a:tailEnd type="none" w="med" len="med"/>
@@ -21585,7 +26218,7 @@
           </a:fontRef>
         </p:style>
         <p:txBody>
-          <a:bodyPr vert="horz" wrap="square" lIns="91436" tIns="45718" rIns="91436" bIns="45718" numCol="1" rtlCol="0" anchor="ctr" anchorCtr="0" compatLnSpc="1">
+          <a:bodyPr vert="horz" wrap="none" lIns="91436" tIns="45718" rIns="91436" bIns="45718" numCol="1" rtlCol="0" anchor="ctr" anchorCtr="0" compatLnSpc="1">
             <a:prstTxWarp prst="textNoShape">
               <a:avLst/>
             </a:prstTxWarp>
@@ -21601,35 +26234,37 @@
               </a:spcAft>
             </a:pPr>
             <a:r>
-              <a:rPr lang="en-US" sz="2000" dirty="0">
+              <a:rPr lang="en-US" sz="2400" dirty="0">
                 <a:solidFill>
-                  <a:schemeClr val="accent2"/>
+                  <a:schemeClr val="bg2">
+                    <a:lumMod val="50000"/>
+                  </a:schemeClr>
                 </a:solidFill>
               </a:rPr>
-              <a:t>A6</a:t>
-            </a:r>
-          </a:p>
-        </p:txBody>
-      </p:sp>
-      <p:sp>
-        <p:nvSpPr>
-          <p:cNvPr id="29" name="Rectangle 28"/>
+              <a:t>D(S)15v2</a:t>
+            </a:r>
+          </a:p>
+        </p:txBody>
+      </p:sp>
+      <p:sp>
+        <p:nvSpPr>
+          <p:cNvPr id="24" name="Rectangle 23"/>
           <p:cNvSpPr/>
           <p:nvPr/>
         </p:nvSpPr>
         <p:spPr bwMode="auto">
           <a:xfrm>
-            <a:off x="2873626" y="4731744"/>
-            <a:ext cx="710005" cy="430306"/>
+            <a:off x="6850436" y="5159499"/>
+            <a:ext cx="2274055" cy="527156"/>
           </a:xfrm>
           <a:prstGeom prst="rect">
             <a:avLst/>
           </a:prstGeom>
-          <a:noFill/>
+          <a:solidFill>
+            <a:srgbClr val="5095D1"/>
+          </a:solidFill>
           <a:ln w="19050">
-            <a:solidFill>
-              <a:schemeClr val="accent2"/>
-            </a:solidFill>
+            <a:noFill/>
             <a:headEnd type="none" w="med" len="med"/>
             <a:tailEnd type="none" w="med" len="med"/>
           </a:ln>
@@ -21666,552 +26301,28 @@
               </a:spcAft>
             </a:pPr>
             <a:r>
-              <a:rPr lang="en-US" sz="2000" dirty="0">
-                <a:solidFill>
-                  <a:schemeClr val="accent2"/>
-                </a:solidFill>
+              <a:rPr lang="en-US" sz="2400" dirty="0" smtClean="0">
+                <a:gradFill>
+                  <a:gsLst>
+                    <a:gs pos="0">
+                      <a:srgbClr val="FFFFFF"/>
+                    </a:gs>
+                    <a:gs pos="100000">
+                      <a:srgbClr val="FFFFFF"/>
+                    </a:gs>
+                  </a:gsLst>
+                  <a:lin ang="5400000" scaled="0"/>
+                </a:gradFill>
               </a:rPr>
-              <a:t>A7</a:t>
-            </a:r>
-          </a:p>
-        </p:txBody>
-      </p:sp>
-      <p:sp>
-        <p:nvSpPr>
-          <p:cNvPr id="30" name="Rectangle 29"/>
-          <p:cNvSpPr/>
-          <p:nvPr/>
-        </p:nvSpPr>
-        <p:spPr bwMode="auto">
-          <a:xfrm>
-            <a:off x="429540" y="4188224"/>
-            <a:ext cx="710005" cy="430306"/>
-          </a:xfrm>
-          <a:prstGeom prst="rect">
-            <a:avLst/>
-          </a:prstGeom>
-          <a:noFill/>
-          <a:ln w="19050">
-            <a:solidFill>
-              <a:schemeClr val="accent2"/>
-            </a:solidFill>
-            <a:headEnd type="none" w="med" len="med"/>
-            <a:tailEnd type="none" w="med" len="med"/>
-          </a:ln>
-          <a:effectLst/>
-        </p:spPr>
-        <p:style>
-          <a:lnRef idx="1">
-            <a:schemeClr val="accent2"/>
-          </a:lnRef>
-          <a:fillRef idx="3">
-            <a:schemeClr val="accent2"/>
-          </a:fillRef>
-          <a:effectRef idx="2">
-            <a:schemeClr val="accent2"/>
-          </a:effectRef>
-          <a:fontRef idx="minor">
-            <a:schemeClr val="lt1"/>
-          </a:fontRef>
-        </p:style>
-        <p:txBody>
-          <a:bodyPr vert="horz" wrap="square" lIns="91436" tIns="45718" rIns="91436" bIns="45718" numCol="1" rtlCol="0" anchor="ctr" anchorCtr="0" compatLnSpc="1">
-            <a:prstTxWarp prst="textNoShape">
-              <a:avLst/>
-            </a:prstTxWarp>
-          </a:bodyPr>
-          <a:lstStyle/>
-          <a:p>
-            <a:pPr algn="ctr" defTabSz="914099" fontAlgn="base">
-              <a:spcBef>
-                <a:spcPct val="0"/>
-              </a:spcBef>
-              <a:spcAft>
-                <a:spcPct val="0"/>
-              </a:spcAft>
-            </a:pPr>
-            <a:r>
-              <a:rPr lang="en-US" sz="2000" dirty="0" smtClean="0">
-                <a:solidFill>
-                  <a:schemeClr val="accent2"/>
-                </a:solidFill>
-              </a:rPr>
-              <a:t>A0</a:t>
-            </a:r>
-          </a:p>
-        </p:txBody>
-      </p:sp>
-      <p:sp>
-        <p:nvSpPr>
-          <p:cNvPr id="31" name="Rectangle 30"/>
-          <p:cNvSpPr/>
-          <p:nvPr/>
-        </p:nvSpPr>
-        <p:spPr bwMode="auto">
-          <a:xfrm>
-            <a:off x="1246348" y="4188224"/>
-            <a:ext cx="710005" cy="430306"/>
-          </a:xfrm>
-          <a:prstGeom prst="rect">
-            <a:avLst/>
-          </a:prstGeom>
-          <a:noFill/>
-          <a:ln w="19050">
-            <a:solidFill>
-              <a:schemeClr val="accent2"/>
-            </a:solidFill>
-            <a:headEnd type="none" w="med" len="med"/>
-            <a:tailEnd type="none" w="med" len="med"/>
-          </a:ln>
-          <a:effectLst/>
-        </p:spPr>
-        <p:style>
-          <a:lnRef idx="1">
-            <a:schemeClr val="accent2"/>
-          </a:lnRef>
-          <a:fillRef idx="3">
-            <a:schemeClr val="accent2"/>
-          </a:fillRef>
-          <a:effectRef idx="2">
-            <a:schemeClr val="accent2"/>
-          </a:effectRef>
-          <a:fontRef idx="minor">
-            <a:schemeClr val="lt1"/>
-          </a:fontRef>
-        </p:style>
-        <p:txBody>
-          <a:bodyPr vert="horz" wrap="square" lIns="91436" tIns="45718" rIns="91436" bIns="45718" numCol="1" rtlCol="0" anchor="ctr" anchorCtr="0" compatLnSpc="1">
-            <a:prstTxWarp prst="textNoShape">
-              <a:avLst/>
-            </a:prstTxWarp>
-          </a:bodyPr>
-          <a:lstStyle/>
-          <a:p>
-            <a:pPr algn="ctr" defTabSz="914099" fontAlgn="base">
-              <a:spcBef>
-                <a:spcPct val="0"/>
-              </a:spcBef>
-              <a:spcAft>
-                <a:spcPct val="0"/>
-              </a:spcAft>
-            </a:pPr>
-            <a:r>
-              <a:rPr lang="en-US" sz="2000" dirty="0">
-                <a:solidFill>
-                  <a:schemeClr val="accent2"/>
-                </a:solidFill>
-              </a:rPr>
-              <a:t>A1</a:t>
-            </a:r>
-          </a:p>
-        </p:txBody>
-      </p:sp>
-      <p:sp>
-        <p:nvSpPr>
-          <p:cNvPr id="32" name="Rectangle 31"/>
-          <p:cNvSpPr/>
-          <p:nvPr/>
-        </p:nvSpPr>
-        <p:spPr bwMode="auto">
-          <a:xfrm>
-            <a:off x="2059987" y="4188224"/>
-            <a:ext cx="710005" cy="430306"/>
-          </a:xfrm>
-          <a:prstGeom prst="rect">
-            <a:avLst/>
-          </a:prstGeom>
-          <a:noFill/>
-          <a:ln w="19050">
-            <a:solidFill>
-              <a:schemeClr val="accent2"/>
-            </a:solidFill>
-            <a:headEnd type="none" w="med" len="med"/>
-            <a:tailEnd type="none" w="med" len="med"/>
-          </a:ln>
-          <a:effectLst/>
-        </p:spPr>
-        <p:style>
-          <a:lnRef idx="1">
-            <a:schemeClr val="accent2"/>
-          </a:lnRef>
-          <a:fillRef idx="3">
-            <a:schemeClr val="accent2"/>
-          </a:fillRef>
-          <a:effectRef idx="2">
-            <a:schemeClr val="accent2"/>
-          </a:effectRef>
-          <a:fontRef idx="minor">
-            <a:schemeClr val="lt1"/>
-          </a:fontRef>
-        </p:style>
-        <p:txBody>
-          <a:bodyPr vert="horz" wrap="square" lIns="91436" tIns="45718" rIns="91436" bIns="45718" numCol="1" rtlCol="0" anchor="ctr" anchorCtr="0" compatLnSpc="1">
-            <a:prstTxWarp prst="textNoShape">
-              <a:avLst/>
-            </a:prstTxWarp>
-          </a:bodyPr>
-          <a:lstStyle/>
-          <a:p>
-            <a:pPr algn="ctr" defTabSz="914099" fontAlgn="base">
-              <a:spcBef>
-                <a:spcPct val="0"/>
-              </a:spcBef>
-              <a:spcAft>
-                <a:spcPct val="0"/>
-              </a:spcAft>
-            </a:pPr>
-            <a:r>
-              <a:rPr lang="en-US" sz="2000" dirty="0">
-                <a:solidFill>
-                  <a:schemeClr val="accent2"/>
-                </a:solidFill>
-              </a:rPr>
-              <a:t>A2</a:t>
-            </a:r>
-          </a:p>
-        </p:txBody>
-      </p:sp>
-      <p:sp>
-        <p:nvSpPr>
-          <p:cNvPr id="33" name="Rectangle 32"/>
-          <p:cNvSpPr/>
-          <p:nvPr/>
-        </p:nvSpPr>
-        <p:spPr bwMode="auto">
-          <a:xfrm>
-            <a:off x="2873626" y="4188224"/>
-            <a:ext cx="710005" cy="430306"/>
-          </a:xfrm>
-          <a:prstGeom prst="rect">
-            <a:avLst/>
-          </a:prstGeom>
-          <a:noFill/>
-          <a:ln w="19050">
-            <a:solidFill>
-              <a:schemeClr val="accent2"/>
-            </a:solidFill>
-            <a:headEnd type="none" w="med" len="med"/>
-            <a:tailEnd type="none" w="med" len="med"/>
-          </a:ln>
-          <a:effectLst/>
-        </p:spPr>
-        <p:style>
-          <a:lnRef idx="1">
-            <a:schemeClr val="accent2"/>
-          </a:lnRef>
-          <a:fillRef idx="3">
-            <a:schemeClr val="accent2"/>
-          </a:fillRef>
-          <a:effectRef idx="2">
-            <a:schemeClr val="accent2"/>
-          </a:effectRef>
-          <a:fontRef idx="minor">
-            <a:schemeClr val="lt1"/>
-          </a:fontRef>
-        </p:style>
-        <p:txBody>
-          <a:bodyPr vert="horz" wrap="square" lIns="91436" tIns="45718" rIns="91436" bIns="45718" numCol="1" rtlCol="0" anchor="ctr" anchorCtr="0" compatLnSpc="1">
-            <a:prstTxWarp prst="textNoShape">
-              <a:avLst/>
-            </a:prstTxWarp>
-          </a:bodyPr>
-          <a:lstStyle/>
-          <a:p>
-            <a:pPr algn="ctr" defTabSz="914099" fontAlgn="base">
-              <a:spcBef>
-                <a:spcPct val="0"/>
-              </a:spcBef>
-              <a:spcAft>
-                <a:spcPct val="0"/>
-              </a:spcAft>
-            </a:pPr>
-            <a:r>
-              <a:rPr lang="en-US" sz="2000" dirty="0">
-                <a:solidFill>
-                  <a:schemeClr val="accent2"/>
-                </a:solidFill>
-              </a:rPr>
-              <a:t>A3</a:t>
-            </a:r>
-          </a:p>
-        </p:txBody>
-      </p:sp>
-      <p:sp>
-        <p:nvSpPr>
-          <p:cNvPr id="34" name="Rectangle 33"/>
-          <p:cNvSpPr/>
-          <p:nvPr/>
-        </p:nvSpPr>
-        <p:spPr>
-          <a:xfrm>
-            <a:off x="8129783" y="1690688"/>
-            <a:ext cx="4062217" cy="676980"/>
-          </a:xfrm>
-          <a:prstGeom prst="rect">
-            <a:avLst/>
-          </a:prstGeom>
-        </p:spPr>
-        <p:txBody>
-          <a:bodyPr wrap="square" anchor="b">
-            <a:spAutoFit/>
-          </a:bodyPr>
-          <a:lstStyle/>
-          <a:p>
-            <a:pPr algn="ctr">
-              <a:lnSpc>
-                <a:spcPct val="95000"/>
-              </a:lnSpc>
-              <a:buSzPct val="90000"/>
-            </a:pPr>
-            <a:r>
-              <a:rPr lang="en-US" sz="3999" spc="-200" dirty="0" smtClean="0">
-                <a:solidFill>
-                  <a:srgbClr val="235888"/>
-                </a:solidFill>
-                <a:latin typeface="Segoe UI Light" panose="020B0502040204020203" pitchFamily="34" charset="0"/>
-                <a:cs typeface="Segoe UI Light" panose="020B0502040204020203" pitchFamily="34" charset="0"/>
-              </a:rPr>
-              <a:t>G/GS-Series</a:t>
-            </a:r>
-            <a:endParaRPr lang="en-US" sz="4799" spc="-294" dirty="0">
-              <a:solidFill>
-                <a:srgbClr val="235888"/>
-              </a:solidFill>
-              <a:latin typeface="Segoe UI Light" panose="020B0502040204020203" pitchFamily="34" charset="0"/>
-              <a:cs typeface="Segoe UI Light" panose="020B0502040204020203" pitchFamily="34" charset="0"/>
-            </a:endParaRPr>
-          </a:p>
-        </p:txBody>
-      </p:sp>
-      <p:sp>
-        <p:nvSpPr>
-          <p:cNvPr id="35" name="Rectangle 34"/>
-          <p:cNvSpPr/>
-          <p:nvPr/>
-        </p:nvSpPr>
-        <p:spPr>
-          <a:xfrm>
-            <a:off x="8321137" y="2473320"/>
-            <a:ext cx="3870863" cy="1495794"/>
-          </a:xfrm>
-          <a:prstGeom prst="rect">
-            <a:avLst/>
-          </a:prstGeom>
-        </p:spPr>
-        <p:txBody>
-          <a:bodyPr wrap="square" anchor="b">
-            <a:spAutoFit/>
-          </a:bodyPr>
-          <a:lstStyle/>
-          <a:p>
-            <a:pPr>
-              <a:lnSpc>
-                <a:spcPct val="95000"/>
-              </a:lnSpc>
-              <a:buSzPct val="90000"/>
-            </a:pPr>
-            <a:r>
-              <a:rPr lang="en-US" sz="2400" spc="-200" dirty="0" smtClean="0">
-                <a:solidFill>
-                  <a:srgbClr val="235888"/>
-                </a:solidFill>
-                <a:latin typeface="Segoe UI Light" panose="020B0502040204020203" pitchFamily="34" charset="0"/>
-                <a:cs typeface="Segoe UI Light" panose="020B0502040204020203" pitchFamily="34" charset="0"/>
-              </a:rPr>
-              <a:t>35% faster than D-series</a:t>
-            </a:r>
-          </a:p>
-          <a:p>
-            <a:pPr>
-              <a:lnSpc>
-                <a:spcPct val="95000"/>
-              </a:lnSpc>
-              <a:buSzPct val="90000"/>
-            </a:pPr>
-            <a:r>
-              <a:rPr lang="en-US" sz="2400" spc="-200" dirty="0" smtClean="0">
-                <a:solidFill>
-                  <a:srgbClr val="235888"/>
-                </a:solidFill>
-                <a:latin typeface="Segoe UI Light" panose="020B0502040204020203" pitchFamily="34" charset="0"/>
-                <a:cs typeface="Segoe UI Light" panose="020B0502040204020203" pitchFamily="34" charset="0"/>
-              </a:rPr>
-              <a:t>Up to 448 GB RAM and 32 cores</a:t>
-            </a:r>
-          </a:p>
-          <a:p>
-            <a:pPr>
-              <a:lnSpc>
-                <a:spcPct val="95000"/>
-              </a:lnSpc>
-              <a:buSzPct val="90000"/>
-            </a:pPr>
-            <a:r>
-              <a:rPr lang="en-US" sz="2400" spc="-200" dirty="0" smtClean="0">
-                <a:solidFill>
-                  <a:srgbClr val="235888"/>
-                </a:solidFill>
-                <a:latin typeface="Segoe UI Light" panose="020B0502040204020203" pitchFamily="34" charset="0"/>
-                <a:cs typeface="Segoe UI Light" panose="020B0502040204020203" pitchFamily="34" charset="0"/>
-              </a:rPr>
-              <a:t>Up to 64 data disks (1 TB each)</a:t>
-            </a:r>
-          </a:p>
-          <a:p>
-            <a:pPr>
-              <a:lnSpc>
-                <a:spcPct val="95000"/>
-              </a:lnSpc>
-              <a:buSzPct val="90000"/>
-            </a:pPr>
-            <a:r>
-              <a:rPr lang="en-US" sz="2400" spc="-200" dirty="0" smtClean="0">
-                <a:solidFill>
-                  <a:srgbClr val="235888"/>
-                </a:solidFill>
-                <a:latin typeface="Segoe UI Light" panose="020B0502040204020203" pitchFamily="34" charset="0"/>
-                <a:cs typeface="Segoe UI Light" panose="020B0502040204020203" pitchFamily="34" charset="0"/>
-              </a:rPr>
-              <a:t>Solid-state drives</a:t>
-            </a:r>
-          </a:p>
-        </p:txBody>
-      </p:sp>
-      <p:cxnSp>
-        <p:nvCxnSpPr>
-          <p:cNvPr id="37" name="Straight Connector 36"/>
-          <p:cNvCxnSpPr/>
-          <p:nvPr/>
-        </p:nvCxnSpPr>
-        <p:spPr>
-          <a:xfrm flipH="1">
-            <a:off x="8018307" y="1690688"/>
-            <a:ext cx="4673" cy="4033902"/>
-          </a:xfrm>
-          <a:prstGeom prst="line">
-            <a:avLst/>
-          </a:prstGeom>
-          <a:ln>
-            <a:solidFill>
-              <a:srgbClr val="5095D1"/>
-            </a:solidFill>
-          </a:ln>
-        </p:spPr>
-        <p:style>
-          <a:lnRef idx="1">
-            <a:schemeClr val="accent1"/>
-          </a:lnRef>
-          <a:fillRef idx="0">
-            <a:schemeClr val="accent1"/>
-          </a:fillRef>
-          <a:effectRef idx="0">
-            <a:schemeClr val="accent1"/>
-          </a:effectRef>
-          <a:fontRef idx="minor">
-            <a:schemeClr val="tx1"/>
-          </a:fontRef>
-        </p:style>
-      </p:cxnSp>
-      <p:sp>
-        <p:nvSpPr>
-          <p:cNvPr id="42" name="TextBox 41"/>
-          <p:cNvSpPr txBox="1"/>
-          <p:nvPr/>
-        </p:nvSpPr>
-        <p:spPr>
-          <a:xfrm>
-            <a:off x="1437625" y="6242324"/>
-            <a:ext cx="9845644" cy="443198"/>
-          </a:xfrm>
-          <a:prstGeom prst="rect">
-            <a:avLst/>
-          </a:prstGeom>
-          <a:noFill/>
-        </p:spPr>
-        <p:txBody>
-          <a:bodyPr wrap="none" lIns="0" tIns="0" rIns="0" bIns="0" rtlCol="0">
-            <a:spAutoFit/>
-          </a:bodyPr>
-          <a:lstStyle/>
-          <a:p>
-            <a:pPr>
-              <a:lnSpc>
-                <a:spcPct val="90000"/>
-              </a:lnSpc>
-              <a:spcBef>
-                <a:spcPct val="20000"/>
-              </a:spcBef>
-              <a:buSzPct val="80000"/>
-            </a:pPr>
-            <a:r>
-              <a:rPr lang="en-US" sz="3200" dirty="0">
-                <a:solidFill>
-                  <a:srgbClr val="5095D1"/>
-                </a:solidFill>
-                <a:latin typeface="Segoe UI Light" panose="020B0502040204020203" pitchFamily="34" charset="0"/>
-                <a:cs typeface="Segoe UI Light" panose="020B0502040204020203" pitchFamily="34" charset="0"/>
-              </a:rPr>
-              <a:t>See http://bit.ly/a4r-vm-pricing for </a:t>
-            </a:r>
-            <a:r>
-              <a:rPr lang="en-US" sz="3200" dirty="0" smtClean="0">
-                <a:solidFill>
-                  <a:srgbClr val="5095D1"/>
-                </a:solidFill>
-                <a:latin typeface="Segoe UI Light" panose="020B0502040204020203" pitchFamily="34" charset="0"/>
-                <a:cs typeface="Segoe UI Light" panose="020B0502040204020203" pitchFamily="34" charset="0"/>
-              </a:rPr>
-              <a:t>pricing and availability</a:t>
-            </a:r>
-            <a:endParaRPr lang="en-US" sz="3200" dirty="0">
-              <a:solidFill>
-                <a:srgbClr val="5095D1"/>
-              </a:solidFill>
-              <a:latin typeface="Segoe UI Light" panose="020B0502040204020203" pitchFamily="34" charset="0"/>
-              <a:cs typeface="Segoe UI Light" panose="020B0502040204020203" pitchFamily="34" charset="0"/>
-            </a:endParaRPr>
-          </a:p>
-        </p:txBody>
-      </p:sp>
-      <p:cxnSp>
-        <p:nvCxnSpPr>
-          <p:cNvPr id="50" name="Straight Connector 49"/>
-          <p:cNvCxnSpPr/>
-          <p:nvPr/>
-        </p:nvCxnSpPr>
-        <p:spPr>
-          <a:xfrm flipH="1">
-            <a:off x="4014756" y="1690688"/>
-            <a:ext cx="4673" cy="4033902"/>
-          </a:xfrm>
-          <a:prstGeom prst="line">
-            <a:avLst/>
-          </a:prstGeom>
-          <a:ln>
-            <a:solidFill>
-              <a:srgbClr val="5095D1"/>
-            </a:solidFill>
-          </a:ln>
-        </p:spPr>
-        <p:style>
-          <a:lnRef idx="1">
-            <a:schemeClr val="accent1"/>
-          </a:lnRef>
-          <a:fillRef idx="0">
-            <a:schemeClr val="accent1"/>
-          </a:fillRef>
-          <a:effectRef idx="0">
-            <a:schemeClr val="accent1"/>
-          </a:effectRef>
-          <a:fontRef idx="minor">
-            <a:schemeClr val="tx1"/>
-          </a:fontRef>
-        </p:style>
-      </p:cxnSp>
+              <a:t>D(s)15v2</a:t>
+            </a:r>
+          </a:p>
+        </p:txBody>
+      </p:sp>
     </p:spTree>
     <p:extLst>
       <p:ext uri="{BB962C8B-B14F-4D97-AF65-F5344CB8AC3E}">
-        <p14:creationId xmlns:p14="http://schemas.microsoft.com/office/powerpoint/2010/main" val="3070396282"/>
+        <p14:creationId xmlns:p14="http://schemas.microsoft.com/office/powerpoint/2010/main" val="869404187"/>
       </p:ext>
     </p:extLst>
   </p:cSld>
@@ -22221,7 +26332,7 @@
 </p:sld>
 </file>
 
-<file path=ppt/slides/slide4.xml><?xml version="1.0" encoding="utf-8"?>
+<file path=ppt/slides/slide5.xml><?xml version="1.0" encoding="utf-8"?>
 <p:sld xmlns:a="http://schemas.openxmlformats.org/drawingml/2006/main" xmlns:r="http://schemas.openxmlformats.org/officeDocument/2006/relationships" xmlns:p="http://schemas.openxmlformats.org/presentationml/2006/main">
   <p:cSld>
     <p:spTree>
@@ -22269,7 +26380,7 @@
         </p:nvSpPr>
         <p:spPr bwMode="auto">
           <a:xfrm>
-            <a:off x="4384713" y="1864094"/>
+            <a:off x="4384713" y="1782243"/>
             <a:ext cx="3383327" cy="790489"/>
           </a:xfrm>
           <a:prstGeom prst="rect">
@@ -22342,7 +26453,7 @@
         </p:nvSpPr>
         <p:spPr bwMode="auto">
           <a:xfrm>
-            <a:off x="8491529" y="1864095"/>
+            <a:off x="8491529" y="1782244"/>
             <a:ext cx="3348856" cy="790489"/>
           </a:xfrm>
           <a:prstGeom prst="rect">
@@ -22415,7 +26526,7 @@
         </p:nvSpPr>
         <p:spPr>
           <a:xfrm>
-            <a:off x="4384713" y="2801124"/>
+            <a:off x="4384713" y="2719273"/>
             <a:ext cx="3710600" cy="1378839"/>
           </a:xfrm>
           <a:prstGeom prst="rect">
@@ -22499,7 +26610,7 @@
         </p:blipFill>
         <p:spPr>
           <a:xfrm>
-            <a:off x="4384713" y="4835010"/>
+            <a:off x="4384713" y="4753159"/>
             <a:ext cx="370967" cy="406475"/>
           </a:xfrm>
           <a:prstGeom prst="rect">
@@ -22515,7 +26626,7 @@
         </p:nvSpPr>
         <p:spPr>
           <a:xfrm>
-            <a:off x="4790152" y="4816648"/>
+            <a:off x="4790152" y="4734797"/>
             <a:ext cx="3270686" cy="443198"/>
           </a:xfrm>
           <a:prstGeom prst="rect">
@@ -22600,7 +26711,7 @@
         </p:blipFill>
         <p:spPr>
           <a:xfrm>
-            <a:off x="4326584" y="5402607"/>
+            <a:off x="4326584" y="5320756"/>
             <a:ext cx="463568" cy="537739"/>
           </a:xfrm>
           <a:prstGeom prst="rect">
@@ -22616,7 +26727,7 @@
         </p:nvSpPr>
         <p:spPr>
           <a:xfrm>
-            <a:off x="4790152" y="5449877"/>
+            <a:off x="4790152" y="5368026"/>
             <a:ext cx="3270686" cy="443198"/>
           </a:xfrm>
           <a:prstGeom prst="rect">
@@ -22705,7 +26816,7 @@
         </p:blipFill>
         <p:spPr>
           <a:xfrm>
-            <a:off x="8457055" y="4835010"/>
+            <a:off x="8457055" y="4753159"/>
             <a:ext cx="370967" cy="406475"/>
           </a:xfrm>
           <a:prstGeom prst="rect">
@@ -22735,7 +26846,7 @@
         </p:blipFill>
         <p:spPr>
           <a:xfrm>
-            <a:off x="8398926" y="5402607"/>
+            <a:off x="8398926" y="5320756"/>
             <a:ext cx="463568" cy="537739"/>
           </a:xfrm>
           <a:prstGeom prst="rect">
@@ -22853,7 +26964,7 @@
         </p:blipFill>
         <p:spPr>
           <a:xfrm>
-            <a:off x="8457055" y="4835010"/>
+            <a:off x="8457055" y="4753159"/>
             <a:ext cx="370967" cy="406475"/>
           </a:xfrm>
           <a:prstGeom prst="rect">
@@ -22964,7 +27075,7 @@
         </p:blipFill>
         <p:spPr>
           <a:xfrm>
-            <a:off x="8398926" y="5402607"/>
+            <a:off x="8398926" y="5320756"/>
             <a:ext cx="463568" cy="537739"/>
           </a:xfrm>
           <a:prstGeom prst="rect">
@@ -23061,7 +27172,7 @@
         </p:nvSpPr>
         <p:spPr bwMode="auto">
           <a:xfrm>
-            <a:off x="346841" y="1864096"/>
+            <a:off x="346841" y="1782245"/>
             <a:ext cx="3383328" cy="790489"/>
           </a:xfrm>
           <a:prstGeom prst="rect">
@@ -23134,7 +27245,7 @@
         </p:nvSpPr>
         <p:spPr>
           <a:xfrm>
-            <a:off x="346840" y="2807021"/>
+            <a:off x="346840" y="2725170"/>
             <a:ext cx="3710600" cy="1729704"/>
           </a:xfrm>
           <a:prstGeom prst="rect">
@@ -23273,7 +27384,7 @@
         </p:blipFill>
         <p:spPr>
           <a:xfrm>
-            <a:off x="346839" y="4835010"/>
+            <a:off x="346839" y="4753159"/>
             <a:ext cx="370967" cy="406475"/>
           </a:xfrm>
           <a:prstGeom prst="rect">
@@ -23289,7 +27400,7 @@
         </p:nvSpPr>
         <p:spPr>
           <a:xfrm>
-            <a:off x="752278" y="4816648"/>
+            <a:off x="752278" y="4734797"/>
             <a:ext cx="3270686" cy="443198"/>
           </a:xfrm>
           <a:prstGeom prst="rect">
@@ -23404,7 +27515,7 @@
         </p:blipFill>
         <p:spPr>
           <a:xfrm>
-            <a:off x="288710" y="5402607"/>
+            <a:off x="288710" y="5320756"/>
             <a:ext cx="463568" cy="537739"/>
           </a:xfrm>
           <a:prstGeom prst="rect">
@@ -23420,7 +27531,7 @@
         </p:nvSpPr>
         <p:spPr>
           <a:xfrm>
-            <a:off x="752278" y="5449877"/>
+            <a:off x="752278" y="5368026"/>
             <a:ext cx="3270686" cy="443198"/>
           </a:xfrm>
           <a:prstGeom prst="rect">
@@ -23501,7 +27612,7 @@
         </p:nvCxnSpPr>
         <p:spPr>
           <a:xfrm flipH="1">
-            <a:off x="4047620" y="1802200"/>
+            <a:off x="4047620" y="1720349"/>
             <a:ext cx="4673" cy="4033902"/>
           </a:xfrm>
           <a:prstGeom prst="line">
@@ -23536,7 +27647,7 @@
         </p:nvCxnSpPr>
         <p:spPr>
           <a:xfrm flipH="1">
-            <a:off x="8127448" y="1802200"/>
+            <a:off x="8127448" y="1720349"/>
             <a:ext cx="4673" cy="4033902"/>
           </a:xfrm>
           <a:prstGeom prst="line">
@@ -23563,10 +27674,61 @@
           </a:fontRef>
         </p:style>
       </p:cxnSp>
+      <p:sp>
+        <p:nvSpPr>
+          <p:cNvPr id="28" name="TextBox 27"/>
+          <p:cNvSpPr txBox="1"/>
+          <p:nvPr/>
+        </p:nvSpPr>
+        <p:spPr>
+          <a:xfrm>
+            <a:off x="2266073" y="6281224"/>
+            <a:ext cx="7659854" cy="332399"/>
+          </a:xfrm>
+          <a:prstGeom prst="rect">
+            <a:avLst/>
+          </a:prstGeom>
+          <a:noFill/>
+        </p:spPr>
+        <p:txBody>
+          <a:bodyPr wrap="none" lIns="0" tIns="0" rIns="0" bIns="0" rtlCol="0">
+            <a:spAutoFit/>
+          </a:bodyPr>
+          <a:lstStyle/>
+          <a:p>
+            <a:pPr>
+              <a:lnSpc>
+                <a:spcPct val="90000"/>
+              </a:lnSpc>
+              <a:spcBef>
+                <a:spcPct val="20000"/>
+              </a:spcBef>
+              <a:buSzPct val="80000"/>
+            </a:pPr>
+            <a:r>
+              <a:rPr lang="en-US" sz="2400" dirty="0" smtClean="0">
+                <a:solidFill>
+                  <a:schemeClr val="accent3"/>
+                </a:solidFill>
+                <a:latin typeface="Segoe UI Light" panose="020B0502040204020203" pitchFamily="34" charset="0"/>
+                <a:cs typeface="Segoe UI Light" panose="020B0502040204020203" pitchFamily="34" charset="0"/>
+              </a:rPr>
+              <a:t>See bit.ly/a4r-vm-pricing for up-to-date pricing information</a:t>
+            </a:r>
+            <a:endParaRPr lang="en-US" sz="2400" dirty="0">
+              <a:solidFill>
+                <a:schemeClr val="accent3"/>
+              </a:solidFill>
+              <a:latin typeface="Segoe UI Light" panose="020B0502040204020203" pitchFamily="34" charset="0"/>
+              <a:cs typeface="Segoe UI Light" panose="020B0502040204020203" pitchFamily="34" charset="0"/>
+            </a:endParaRPr>
+          </a:p>
+        </p:txBody>
+      </p:sp>
     </p:spTree>
     <p:extLst>
       <p:ext uri="{BB962C8B-B14F-4D97-AF65-F5344CB8AC3E}">
-        <p14:creationId xmlns:p14="http://schemas.microsoft.com/office/powerpoint/2010/main" val="4075207405"/>
+        <p14:creationId xmlns:p14="http://schemas.microsoft.com/office/powerpoint/2010/main" val="2497077458"/>
       </p:ext>
     </p:extLst>
   </p:cSld>
@@ -23576,7 +27738,7 @@
 </p:sld>
 </file>
 
-<file path=ppt/slides/slide5.xml><?xml version="1.0" encoding="utf-8"?>
+<file path=ppt/slides/slide6.xml><?xml version="1.0" encoding="utf-8"?>
 <p:sld xmlns:a="http://schemas.openxmlformats.org/drawingml/2006/main" xmlns:r="http://schemas.openxmlformats.org/officeDocument/2006/relationships" xmlns:p="http://schemas.openxmlformats.org/presentationml/2006/main">
   <p:cSld>
     <p:spTree>
@@ -23706,7 +27868,7 @@
 </p:sld>
 </file>
 
-<file path=ppt/slides/slide6.xml><?xml version="1.0" encoding="utf-8"?>
+<file path=ppt/slides/slide7.xml><?xml version="1.0" encoding="utf-8"?>
 <p:sld xmlns:a="http://schemas.openxmlformats.org/drawingml/2006/main" xmlns:r="http://schemas.openxmlformats.org/officeDocument/2006/relationships" xmlns:p="http://schemas.openxmlformats.org/presentationml/2006/main">
   <p:cSld>
     <p:spTree>
@@ -23935,7 +28097,7 @@
 </p:sld>
 </file>
 
-<file path=ppt/slides/slide7.xml><?xml version="1.0" encoding="utf-8"?>
+<file path=ppt/slides/slide8.xml><?xml version="1.0" encoding="utf-8"?>
 <p:sld xmlns:a="http://schemas.openxmlformats.org/drawingml/2006/main" xmlns:r="http://schemas.openxmlformats.org/officeDocument/2006/relationships" xmlns:p="http://schemas.openxmlformats.org/presentationml/2006/main">
   <p:cSld>
     <p:spTree>
@@ -24067,7 +28229,7 @@
 </p:sld>
 </file>
 
-<file path=ppt/slides/slide8.xml><?xml version="1.0" encoding="utf-8"?>
+<file path=ppt/slides/slide9.xml><?xml version="1.0" encoding="utf-8"?>
 <p:sld xmlns:a="http://schemas.openxmlformats.org/drawingml/2006/main" xmlns:r="http://schemas.openxmlformats.org/officeDocument/2006/relationships" xmlns:p="http://schemas.openxmlformats.org/presentationml/2006/main">
   <p:cSld>
     <p:spTree>
@@ -25256,173 +29418,6 @@
     <p:extLst>
       <p:ext uri="{BB962C8B-B14F-4D97-AF65-F5344CB8AC3E}">
         <p14:creationId xmlns:p14="http://schemas.microsoft.com/office/powerpoint/2010/main" val="4017049133"/>
-      </p:ext>
-    </p:extLst>
-  </p:cSld>
-  <p:clrMapOvr>
-    <a:masterClrMapping/>
-  </p:clrMapOvr>
-</p:sld>
-</file>
-
-<file path=ppt/slides/slide9.xml><?xml version="1.0" encoding="utf-8"?>
-<p:sld xmlns:a="http://schemas.openxmlformats.org/drawingml/2006/main" xmlns:r="http://schemas.openxmlformats.org/officeDocument/2006/relationships" xmlns:p="http://schemas.openxmlformats.org/presentationml/2006/main">
-  <p:cSld>
-    <p:spTree>
-      <p:nvGrpSpPr>
-        <p:cNvPr id="1" name=""/>
-        <p:cNvGrpSpPr/>
-        <p:nvPr/>
-      </p:nvGrpSpPr>
-      <p:grpSpPr>
-        <a:xfrm>
-          <a:off x="0" y="0"/>
-          <a:ext cx="0" cy="0"/>
-          <a:chOff x="0" y="0"/>
-          <a:chExt cx="0" cy="0"/>
-        </a:xfrm>
-      </p:grpSpPr>
-      <p:sp>
-        <p:nvSpPr>
-          <p:cNvPr id="2" name="Title 1"/>
-          <p:cNvSpPr>
-            <a:spLocks noGrp="1"/>
-          </p:cNvSpPr>
-          <p:nvPr>
-            <p:ph type="title"/>
-          </p:nvPr>
-        </p:nvSpPr>
-        <p:spPr/>
-        <p:txBody>
-          <a:bodyPr/>
-          <a:lstStyle/>
-          <a:p>
-            <a:r>
-              <a:rPr lang="en-US" dirty="0" smtClean="0"/>
-              <a:t>Docker</a:t>
-            </a:r>
-            <a:endParaRPr lang="en-US" dirty="0"/>
-          </a:p>
-        </p:txBody>
-      </p:sp>
-      <p:sp>
-        <p:nvSpPr>
-          <p:cNvPr id="3" name="Content Placeholder 2"/>
-          <p:cNvSpPr>
-            <a:spLocks noGrp="1"/>
-          </p:cNvSpPr>
-          <p:nvPr>
-            <p:ph idx="1"/>
-          </p:nvPr>
-        </p:nvSpPr>
-        <p:spPr>
-          <a:xfrm>
-            <a:off x="838200" y="1825625"/>
-            <a:ext cx="5729868" cy="4351338"/>
-          </a:xfrm>
-        </p:spPr>
-        <p:txBody>
-          <a:bodyPr>
-            <a:normAutofit/>
-          </a:bodyPr>
-          <a:lstStyle/>
-          <a:p>
-            <a:r>
-              <a:rPr lang="en-US" dirty="0" smtClean="0"/>
-              <a:t>Leading open-source containerization platform</a:t>
-            </a:r>
-          </a:p>
-          <a:p>
-            <a:endParaRPr lang="en-US" dirty="0"/>
-          </a:p>
-          <a:p>
-            <a:endParaRPr lang="en-US" dirty="0" smtClean="0"/>
-          </a:p>
-          <a:p>
-            <a:endParaRPr lang="en-US" dirty="0"/>
-          </a:p>
-          <a:p>
-            <a:endParaRPr lang="en-US" dirty="0" smtClean="0"/>
-          </a:p>
-          <a:p>
-            <a:endParaRPr lang="en-US" dirty="0"/>
-          </a:p>
-          <a:p>
-            <a:r>
-              <a:rPr lang="en-US" dirty="0" smtClean="0"/>
-              <a:t>Supported natively in Azure</a:t>
-            </a:r>
-            <a:endParaRPr lang="en-US" dirty="0"/>
-          </a:p>
-        </p:txBody>
-      </p:sp>
-      <p:pic>
-        <p:nvPicPr>
-          <p:cNvPr id="4" name="Picture 3"/>
-          <p:cNvPicPr>
-            <a:picLocks noChangeAspect="1"/>
-          </p:cNvPicPr>
-          <p:nvPr/>
-        </p:nvPicPr>
-        <p:blipFill>
-          <a:blip r:embed="rId3" cstate="print">
-            <a:extLst>
-              <a:ext uri="{28A0092B-C50C-407E-A947-70E740481C1C}">
-                <a14:useLocalDpi xmlns:a14="http://schemas.microsoft.com/office/drawing/2010/main" val="0"/>
-              </a:ext>
-            </a:extLst>
-          </a:blip>
-          <a:stretch>
-            <a:fillRect/>
-          </a:stretch>
-        </p:blipFill>
-        <p:spPr>
-          <a:xfrm>
-            <a:off x="5568568" y="1296374"/>
-            <a:ext cx="6497052" cy="5409839"/>
-          </a:xfrm>
-          <a:prstGeom prst="rect">
-            <a:avLst/>
-          </a:prstGeom>
-        </p:spPr>
-      </p:pic>
-      <p:sp>
-        <p:nvSpPr>
-          <p:cNvPr id="5" name="TextBox 4"/>
-          <p:cNvSpPr txBox="1"/>
-          <p:nvPr/>
-        </p:nvSpPr>
-        <p:spPr>
-          <a:xfrm>
-            <a:off x="1059365" y="2985630"/>
-            <a:ext cx="4650059" cy="2031325"/>
-          </a:xfrm>
-          <a:prstGeom prst="rect">
-            <a:avLst/>
-          </a:prstGeom>
-          <a:noFill/>
-        </p:spPr>
-        <p:txBody>
-          <a:bodyPr wrap="square" rtlCol="0">
-            <a:spAutoFit/>
-          </a:bodyPr>
-          <a:lstStyle/>
-          <a:p>
-            <a:r>
-              <a:rPr lang="en-US" i="1" dirty="0">
-                <a:solidFill>
-                  <a:srgbClr val="4D9CD7"/>
-                </a:solidFill>
-              </a:rPr>
-              <a:t>Docker containers wrap up a piece of software in a complete filesystem that contains everything it needs to run: code, runtime, system tools, system libraries – anything you can install on a server. This guarantees that it will always run the same, regardless of the environment it is running in</a:t>
-            </a:r>
-          </a:p>
-        </p:txBody>
-      </p:sp>
-    </p:spTree>
-    <p:extLst>
-      <p:ext uri="{BB962C8B-B14F-4D97-AF65-F5344CB8AC3E}">
-        <p14:creationId xmlns:p14="http://schemas.microsoft.com/office/powerpoint/2010/main" val="782485724"/>
       </p:ext>
     </p:extLst>
   </p:cSld>
